--- a/Praesentation/Praesentation_Diplomarbeit_FeedbackApp.pptx
+++ b/Praesentation/Praesentation_Diplomarbeit_FeedbackApp.pptx
@@ -4183,13 +4183,13 @@
   <p:clrMapOvr>
     <a:masterClrMapping/>
   </p:clrMapOvr>
-  <mc:AlternateContent xmlns:mc="http://schemas.openxmlformats.org/markup-compatibility/2006">
-    <mc:Choice xmlns:p14="http://schemas.microsoft.com/office/powerpoint/2010/main" Requires="p14">
+  <mc:AlternateContent xmlns:mc="http://schemas.openxmlformats.org/markup-compatibility/2006" xmlns:p14="http://schemas.microsoft.com/office/powerpoint/2010/main">
+    <mc:Choice Requires="p14">
       <p:transition spd="med" p14:dur="700">
         <p:fade/>
       </p:transition>
     </mc:Choice>
-    <mc:Fallback>
+    <mc:Fallback xmlns="">
       <p:transition spd="med">
         <p:fade/>
       </p:transition>
@@ -4478,13 +4478,13 @@
   <p:clrMapOvr>
     <a:masterClrMapping/>
   </p:clrMapOvr>
-  <mc:AlternateContent xmlns:mc="http://schemas.openxmlformats.org/markup-compatibility/2006">
-    <mc:Choice xmlns:p14="http://schemas.microsoft.com/office/powerpoint/2010/main" Requires="p14">
+  <mc:AlternateContent xmlns:mc="http://schemas.openxmlformats.org/markup-compatibility/2006" xmlns:p14="http://schemas.microsoft.com/office/powerpoint/2010/main">
+    <mc:Choice Requires="p14">
       <p:transition spd="med" p14:dur="700">
         <p:fade/>
       </p:transition>
     </mc:Choice>
-    <mc:Fallback>
+    <mc:Fallback xmlns="">
       <p:transition spd="med">
         <p:fade/>
       </p:transition>
@@ -4774,13 +4774,13 @@
   <p:clrMapOvr>
     <a:masterClrMapping/>
   </p:clrMapOvr>
-  <mc:AlternateContent xmlns:mc="http://schemas.openxmlformats.org/markup-compatibility/2006">
-    <mc:Choice xmlns:p14="http://schemas.microsoft.com/office/powerpoint/2010/main" Requires="p14">
+  <mc:AlternateContent xmlns:mc="http://schemas.openxmlformats.org/markup-compatibility/2006" xmlns:p14="http://schemas.microsoft.com/office/powerpoint/2010/main">
+    <mc:Choice Requires="p14">
       <p:transition spd="med" p14:dur="700">
         <p:fade/>
       </p:transition>
     </mc:Choice>
-    <mc:Fallback>
+    <mc:Fallback xmlns="">
       <p:transition spd="med">
         <p:fade/>
       </p:transition>
@@ -4989,13 +4989,13 @@
   <p:clrMapOvr>
     <a:masterClrMapping/>
   </p:clrMapOvr>
-  <mc:AlternateContent xmlns:mc="http://schemas.openxmlformats.org/markup-compatibility/2006">
-    <mc:Choice xmlns:p14="http://schemas.microsoft.com/office/powerpoint/2010/main" Requires="p14">
+  <mc:AlternateContent xmlns:mc="http://schemas.openxmlformats.org/markup-compatibility/2006" xmlns:p14="http://schemas.microsoft.com/office/powerpoint/2010/main">
+    <mc:Choice Requires="p14">
       <p:transition spd="med" p14:dur="700">
         <p:fade/>
       </p:transition>
     </mc:Choice>
-    <mc:Fallback>
+    <mc:Fallback xmlns="">
       <p:transition spd="med">
         <p:fade/>
       </p:transition>
@@ -5377,13 +5377,13 @@
   <p:clrMapOvr>
     <a:masterClrMapping/>
   </p:clrMapOvr>
-  <mc:AlternateContent xmlns:mc="http://schemas.openxmlformats.org/markup-compatibility/2006">
-    <mc:Choice xmlns:p14="http://schemas.microsoft.com/office/powerpoint/2010/main" Requires="p14">
+  <mc:AlternateContent xmlns:mc="http://schemas.openxmlformats.org/markup-compatibility/2006" xmlns:p14="http://schemas.microsoft.com/office/powerpoint/2010/main">
+    <mc:Choice Requires="p14">
       <p:transition spd="med" p14:dur="700">
         <p:fade/>
       </p:transition>
     </mc:Choice>
-    <mc:Fallback>
+    <mc:Fallback xmlns="">
       <p:transition spd="med">
         <p:fade/>
       </p:transition>
@@ -5645,13 +5645,13 @@
   <p:clrMapOvr>
     <a:masterClrMapping/>
   </p:clrMapOvr>
-  <mc:AlternateContent xmlns:mc="http://schemas.openxmlformats.org/markup-compatibility/2006">
-    <mc:Choice xmlns:p14="http://schemas.microsoft.com/office/powerpoint/2010/main" Requires="p14">
+  <mc:AlternateContent xmlns:mc="http://schemas.openxmlformats.org/markup-compatibility/2006" xmlns:p14="http://schemas.microsoft.com/office/powerpoint/2010/main">
+    <mc:Choice Requires="p14">
       <p:transition spd="med" p14:dur="700">
         <p:fade/>
       </p:transition>
     </mc:Choice>
-    <mc:Fallback>
+    <mc:Fallback xmlns="">
       <p:transition spd="med">
         <p:fade/>
       </p:transition>
@@ -6289,13 +6289,13 @@
   <p:clrMapOvr>
     <a:masterClrMapping/>
   </p:clrMapOvr>
-  <mc:AlternateContent xmlns:mc="http://schemas.openxmlformats.org/markup-compatibility/2006">
-    <mc:Choice xmlns:p14="http://schemas.microsoft.com/office/powerpoint/2010/main" Requires="p14">
+  <mc:AlternateContent xmlns:mc="http://schemas.openxmlformats.org/markup-compatibility/2006" xmlns:p14="http://schemas.microsoft.com/office/powerpoint/2010/main">
+    <mc:Choice Requires="p14">
       <p:transition spd="med" p14:dur="700">
         <p:fade/>
       </p:transition>
     </mc:Choice>
-    <mc:Fallback>
+    <mc:Fallback xmlns="">
       <p:transition spd="med">
         <p:fade/>
       </p:transition>
@@ -7170,13 +7170,13 @@
   <p:clrMapOvr>
     <a:masterClrMapping/>
   </p:clrMapOvr>
-  <mc:AlternateContent xmlns:mc="http://schemas.openxmlformats.org/markup-compatibility/2006">
-    <mc:Choice xmlns:p14="http://schemas.microsoft.com/office/powerpoint/2010/main" Requires="p14">
+  <mc:AlternateContent xmlns:mc="http://schemas.openxmlformats.org/markup-compatibility/2006" xmlns:p14="http://schemas.microsoft.com/office/powerpoint/2010/main">
+    <mc:Choice Requires="p14">
       <p:transition spd="med" p14:dur="700">
         <p:fade/>
       </p:transition>
     </mc:Choice>
-    <mc:Fallback>
+    <mc:Fallback xmlns="">
       <p:transition spd="med">
         <p:fade/>
       </p:transition>
@@ -7360,13 +7360,13 @@
   <p:clrMapOvr>
     <a:masterClrMapping/>
   </p:clrMapOvr>
-  <mc:AlternateContent xmlns:mc="http://schemas.openxmlformats.org/markup-compatibility/2006">
-    <mc:Choice xmlns:p14="http://schemas.microsoft.com/office/powerpoint/2010/main" Requires="p14">
+  <mc:AlternateContent xmlns:mc="http://schemas.openxmlformats.org/markup-compatibility/2006" xmlns:p14="http://schemas.microsoft.com/office/powerpoint/2010/main">
+    <mc:Choice Requires="p14">
       <p:transition spd="med" p14:dur="700">
         <p:fade/>
       </p:transition>
     </mc:Choice>
-    <mc:Fallback>
+    <mc:Fallback xmlns="">
       <p:transition spd="med">
         <p:fade/>
       </p:transition>
@@ -7559,13 +7559,13 @@
   <p:clrMapOvr>
     <a:masterClrMapping/>
   </p:clrMapOvr>
-  <mc:AlternateContent xmlns:mc="http://schemas.openxmlformats.org/markup-compatibility/2006">
-    <mc:Choice xmlns:p14="http://schemas.microsoft.com/office/powerpoint/2010/main" Requires="p14">
+  <mc:AlternateContent xmlns:mc="http://schemas.openxmlformats.org/markup-compatibility/2006" xmlns:p14="http://schemas.microsoft.com/office/powerpoint/2010/main">
+    <mc:Choice Requires="p14">
       <p:transition spd="med" p14:dur="700">
         <p:fade/>
       </p:transition>
     </mc:Choice>
-    <mc:Fallback>
+    <mc:Fallback xmlns="">
       <p:transition spd="med">
         <p:fade/>
       </p:transition>
@@ -7770,13 +7770,13 @@
   <p:clrMapOvr>
     <a:overrideClrMapping bg1="lt1" tx1="dk1" bg2="lt2" tx2="dk2" accent1="accent1" accent2="accent2" accent3="accent3" accent4="accent4" accent5="accent5" accent6="accent6" hlink="hlink" folHlink="folHlink"/>
   </p:clrMapOvr>
-  <mc:AlternateContent xmlns:mc="http://schemas.openxmlformats.org/markup-compatibility/2006">
-    <mc:Choice xmlns:p14="http://schemas.microsoft.com/office/powerpoint/2010/main" Requires="p14">
+  <mc:AlternateContent xmlns:mc="http://schemas.openxmlformats.org/markup-compatibility/2006" xmlns:p14="http://schemas.microsoft.com/office/powerpoint/2010/main">
+    <mc:Choice Requires="p14">
       <p:transition spd="med" p14:dur="700">
         <p:fade/>
       </p:transition>
     </mc:Choice>
-    <mc:Fallback>
+    <mc:Fallback xmlns="">
       <p:transition spd="med">
         <p:fade/>
       </p:transition>
@@ -8082,13 +8082,13 @@
   <p:clrMapOvr>
     <a:masterClrMapping/>
   </p:clrMapOvr>
-  <mc:AlternateContent xmlns:mc="http://schemas.openxmlformats.org/markup-compatibility/2006">
-    <mc:Choice xmlns:p14="http://schemas.microsoft.com/office/powerpoint/2010/main" Requires="p14">
+  <mc:AlternateContent xmlns:mc="http://schemas.openxmlformats.org/markup-compatibility/2006" xmlns:p14="http://schemas.microsoft.com/office/powerpoint/2010/main">
+    <mc:Choice Requires="p14">
       <p:transition spd="med" p14:dur="700">
         <p:fade/>
       </p:transition>
     </mc:Choice>
-    <mc:Fallback>
+    <mc:Fallback xmlns="">
       <p:transition spd="med">
         <p:fade/>
       </p:transition>
@@ -8271,13 +8271,13 @@
   <p:clrMapOvr>
     <a:masterClrMapping/>
   </p:clrMapOvr>
-  <mc:AlternateContent xmlns:mc="http://schemas.openxmlformats.org/markup-compatibility/2006">
-    <mc:Choice xmlns:p14="http://schemas.microsoft.com/office/powerpoint/2010/main" Requires="p14">
+  <mc:AlternateContent xmlns:mc="http://schemas.openxmlformats.org/markup-compatibility/2006" xmlns:p14="http://schemas.microsoft.com/office/powerpoint/2010/main">
+    <mc:Choice Requires="p14">
       <p:transition spd="med" p14:dur="700">
         <p:fade/>
       </p:transition>
     </mc:Choice>
-    <mc:Fallback>
+    <mc:Fallback xmlns="">
       <p:transition spd="med">
         <p:fade/>
       </p:transition>
@@ -8538,13 +8538,13 @@
   <p:clrMapOvr>
     <a:masterClrMapping/>
   </p:clrMapOvr>
-  <mc:AlternateContent xmlns:mc="http://schemas.openxmlformats.org/markup-compatibility/2006">
-    <mc:Choice xmlns:p14="http://schemas.microsoft.com/office/powerpoint/2010/main" Requires="p14">
+  <mc:AlternateContent xmlns:mc="http://schemas.openxmlformats.org/markup-compatibility/2006" xmlns:p14="http://schemas.microsoft.com/office/powerpoint/2010/main">
+    <mc:Choice Requires="p14">
       <p:transition spd="med" p14:dur="700">
         <p:fade/>
       </p:transition>
     </mc:Choice>
-    <mc:Fallback>
+    <mc:Fallback xmlns="">
       <p:transition spd="med">
         <p:fade/>
       </p:transition>
@@ -8850,13 +8850,13 @@
   <p:clrMapOvr>
     <a:masterClrMapping/>
   </p:clrMapOvr>
-  <mc:AlternateContent xmlns:mc="http://schemas.openxmlformats.org/markup-compatibility/2006">
-    <mc:Choice xmlns:p14="http://schemas.microsoft.com/office/powerpoint/2010/main" Requires="p14">
+  <mc:AlternateContent xmlns:mc="http://schemas.openxmlformats.org/markup-compatibility/2006" xmlns:p14="http://schemas.microsoft.com/office/powerpoint/2010/main">
+    <mc:Choice Requires="p14">
       <p:transition spd="med" p14:dur="700">
         <p:fade/>
       </p:transition>
     </mc:Choice>
-    <mc:Fallback>
+    <mc:Fallback xmlns="">
       <p:transition spd="med">
         <p:fade/>
       </p:transition>
@@ -9313,13 +9313,13 @@
   <p:clrMapOvr>
     <a:masterClrMapping/>
   </p:clrMapOvr>
-  <mc:AlternateContent xmlns:mc="http://schemas.openxmlformats.org/markup-compatibility/2006">
-    <mc:Choice xmlns:p14="http://schemas.microsoft.com/office/powerpoint/2010/main" Requires="p14">
+  <mc:AlternateContent xmlns:mc="http://schemas.openxmlformats.org/markup-compatibility/2006" xmlns:p14="http://schemas.microsoft.com/office/powerpoint/2010/main">
+    <mc:Choice Requires="p14">
       <p:transition spd="med" p14:dur="700">
         <p:fade/>
       </p:transition>
     </mc:Choice>
-    <mc:Fallback>
+    <mc:Fallback xmlns="">
       <p:transition spd="med">
         <p:fade/>
       </p:transition>
@@ -9450,13 +9450,13 @@
   <p:clrMapOvr>
     <a:masterClrMapping/>
   </p:clrMapOvr>
-  <mc:AlternateContent xmlns:mc="http://schemas.openxmlformats.org/markup-compatibility/2006">
-    <mc:Choice xmlns:p14="http://schemas.microsoft.com/office/powerpoint/2010/main" Requires="p14">
+  <mc:AlternateContent xmlns:mc="http://schemas.openxmlformats.org/markup-compatibility/2006" xmlns:p14="http://schemas.microsoft.com/office/powerpoint/2010/main">
+    <mc:Choice Requires="p14">
       <p:transition spd="med" p14:dur="700">
         <p:fade/>
       </p:transition>
     </mc:Choice>
-    <mc:Fallback>
+    <mc:Fallback xmlns="">
       <p:transition spd="med">
         <p:fade/>
       </p:transition>
@@ -9557,13 +9557,13 @@
   <p:clrMapOvr>
     <a:masterClrMapping/>
   </p:clrMapOvr>
-  <mc:AlternateContent xmlns:mc="http://schemas.openxmlformats.org/markup-compatibility/2006">
-    <mc:Choice xmlns:p14="http://schemas.microsoft.com/office/powerpoint/2010/main" Requires="p14">
+  <mc:AlternateContent xmlns:mc="http://schemas.openxmlformats.org/markup-compatibility/2006" xmlns:p14="http://schemas.microsoft.com/office/powerpoint/2010/main">
+    <mc:Choice Requires="p14">
       <p:transition spd="med" p14:dur="700">
         <p:fade/>
       </p:transition>
     </mc:Choice>
-    <mc:Fallback>
+    <mc:Fallback xmlns="">
       <p:transition spd="med">
         <p:fade/>
       </p:transition>
@@ -9856,13 +9856,13 @@
   <p:clrMapOvr>
     <a:masterClrMapping/>
   </p:clrMapOvr>
-  <mc:AlternateContent xmlns:mc="http://schemas.openxmlformats.org/markup-compatibility/2006">
-    <mc:Choice xmlns:p14="http://schemas.microsoft.com/office/powerpoint/2010/main" Requires="p14">
+  <mc:AlternateContent xmlns:mc="http://schemas.openxmlformats.org/markup-compatibility/2006" xmlns:p14="http://schemas.microsoft.com/office/powerpoint/2010/main">
+    <mc:Choice Requires="p14">
       <p:transition spd="med" p14:dur="700">
         <p:fade/>
       </p:transition>
     </mc:Choice>
-    <mc:Fallback>
+    <mc:Fallback xmlns="">
       <p:transition spd="med">
         <p:fade/>
       </p:transition>
@@ -10147,13 +10147,13 @@
   <p:sldLayoutIdLst>
     <p:sldLayoutId id="2147483649" r:id="rId1"/>
   </p:sldLayoutIdLst>
-  <mc:AlternateContent xmlns:mc="http://schemas.openxmlformats.org/markup-compatibility/2006">
-    <mc:Choice xmlns:p14="http://schemas.microsoft.com/office/powerpoint/2010/main" Requires="p14">
+  <mc:AlternateContent xmlns:mc="http://schemas.openxmlformats.org/markup-compatibility/2006" xmlns:p14="http://schemas.microsoft.com/office/powerpoint/2010/main">
+    <mc:Choice Requires="p14">
       <p:transition spd="med" p14:dur="700">
         <p:fade/>
       </p:transition>
     </mc:Choice>
-    <mc:Fallback>
+    <mc:Fallback xmlns="">
       <p:transition spd="med">
         <p:fade/>
       </p:transition>
@@ -10977,13 +10977,13 @@
     <p:sldLayoutId id="2147483701" r:id="rId17"/>
     <p:sldLayoutId id="2147483651" r:id="rId18"/>
   </p:sldLayoutIdLst>
-  <mc:AlternateContent xmlns:mc="http://schemas.openxmlformats.org/markup-compatibility/2006">
-    <mc:Choice xmlns:p14="http://schemas.microsoft.com/office/powerpoint/2010/main" Requires="p14">
+  <mc:AlternateContent xmlns:mc="http://schemas.openxmlformats.org/markup-compatibility/2006" xmlns:p14="http://schemas.microsoft.com/office/powerpoint/2010/main">
+    <mc:Choice Requires="p14">
       <p:transition spd="med" p14:dur="700">
         <p:fade/>
       </p:transition>
     </mc:Choice>
-    <mc:Fallback>
+    <mc:Fallback xmlns="">
       <p:transition spd="med">
         <p:fade/>
       </p:transition>
@@ -11519,7 +11519,7 @@
           <a:p>
             <a:pPr algn="l"/>
             <a:r>
-              <a:rPr lang="de-DE" b="1" i="1" dirty="0"/>
+              <a:rPr lang="de-DE" sz="6600" b="1" i="1" dirty="0"/>
               <a:t>FEEDBACK APP</a:t>
             </a:r>
           </a:p>
@@ -11555,30 +11555,30 @@
           <a:p>
             <a:pPr algn="l"/>
             <a:r>
-              <a:rPr lang="de-DE" i="1" dirty="0"/>
+              <a:rPr lang="de-DE" sz="2800" i="1" dirty="0"/>
               <a:t>Diplomarbeit 2021/2022</a:t>
             </a:r>
           </a:p>
           <a:p>
             <a:pPr algn="l"/>
-            <a:endParaRPr lang="de-DE" dirty="0"/>
+            <a:endParaRPr lang="de-DE" sz="2800" dirty="0"/>
           </a:p>
           <a:p>
             <a:pPr algn="l"/>
             <a:r>
-              <a:rPr lang="de-DE" i="1" dirty="0"/>
+              <a:rPr lang="de-DE" sz="2800" i="1" dirty="0"/>
               <a:t>Mirzet </a:t>
             </a:r>
             <a:r>
-              <a:rPr lang="de-DE" i="1" dirty="0" err="1"/>
+              <a:rPr lang="de-DE" sz="2800" i="1" dirty="0" err="1"/>
               <a:t>Sakonjic</a:t>
             </a:r>
-            <a:endParaRPr lang="de-DE" i="1" dirty="0"/>
+            <a:endParaRPr lang="de-DE" sz="2800" i="1" dirty="0"/>
           </a:p>
           <a:p>
             <a:pPr algn="l"/>
             <a:r>
-              <a:rPr lang="de-DE" i="1" dirty="0"/>
+              <a:rPr lang="de-DE" sz="2800" i="1" dirty="0"/>
               <a:t>Stefano Pyringer</a:t>
             </a:r>
           </a:p>
@@ -12403,13 +12403,13 @@
   <p:clrMapOvr>
     <a:masterClrMapping/>
   </p:clrMapOvr>
-  <mc:AlternateContent xmlns:mc="http://schemas.openxmlformats.org/markup-compatibility/2006">
-    <mc:Choice xmlns:p14="http://schemas.microsoft.com/office/powerpoint/2010/main" Requires="p14">
+  <mc:AlternateContent xmlns:mc="http://schemas.openxmlformats.org/markup-compatibility/2006" xmlns:p14="http://schemas.microsoft.com/office/powerpoint/2010/main">
+    <mc:Choice Requires="p14">
       <p:transition spd="med" p14:dur="700">
         <p:fade/>
       </p:transition>
     </mc:Choice>
-    <mc:Fallback>
+    <mc:Fallback xmlns="">
       <p:transition spd="med">
         <p:fade/>
       </p:transition>
@@ -13493,13 +13493,13 @@
   <p:clrMapOvr>
     <a:overrideClrMapping bg1="lt1" tx1="dk1" bg2="lt2" tx2="dk2" accent1="accent1" accent2="accent2" accent3="accent3" accent4="accent4" accent5="accent5" accent6="accent6" hlink="hlink" folHlink="folHlink"/>
   </p:clrMapOvr>
-  <mc:AlternateContent xmlns:mc="http://schemas.openxmlformats.org/markup-compatibility/2006">
-    <mc:Choice xmlns:p14="http://schemas.microsoft.com/office/powerpoint/2010/main" Requires="p14">
+  <mc:AlternateContent xmlns:mc="http://schemas.openxmlformats.org/markup-compatibility/2006" xmlns:p14="http://schemas.microsoft.com/office/powerpoint/2010/main">
+    <mc:Choice Requires="p14">
       <p:transition spd="med" p14:dur="700">
         <p:fade/>
       </p:transition>
     </mc:Choice>
-    <mc:Fallback>
+    <mc:Fallback xmlns="">
       <p:transition spd="med">
         <p:fade/>
       </p:transition>
@@ -13511,6 +13511,14 @@
 <file path=ppt/slides/slide3.xml><?xml version="1.0" encoding="utf-8"?>
 <p:sld xmlns:a="http://schemas.openxmlformats.org/drawingml/2006/main" xmlns:r="http://schemas.openxmlformats.org/officeDocument/2006/relationships" xmlns:p="http://schemas.openxmlformats.org/presentationml/2006/main">
   <p:cSld>
+    <p:bg>
+      <p:bgPr>
+        <a:solidFill>
+          <a:schemeClr val="bg1"/>
+        </a:solidFill>
+        <a:effectLst/>
+      </p:bgPr>
+    </p:bg>
     <p:spTree>
       <p:nvGrpSpPr>
         <p:cNvPr id="1" name=""/>
@@ -13527,6 +13535,1000 @@
       </p:grpSpPr>
       <p:sp>
         <p:nvSpPr>
+          <p:cNvPr id="8" name="Rectangle 7">
+            <a:extLst>
+              <a:ext uri="{FF2B5EF4-FFF2-40B4-BE49-F238E27FC236}">
+                <a16:creationId xmlns:a16="http://schemas.microsoft.com/office/drawing/2014/main" id="{74CD14DB-BB81-479F-A1FC-1C75640E9F84}"/>
+              </a:ext>
+              <a:ext uri="{C183D7F6-B498-43B3-948B-1728B52AA6E4}">
+                <adec:decorative xmlns:adec="http://schemas.microsoft.com/office/drawing/2017/decorative" val="1"/>
+              </a:ext>
+            </a:extLst>
+          </p:cNvPr>
+          <p:cNvSpPr>
+            <a:spLocks noGrp="1" noRot="1" noChangeAspect="1" noMove="1" noResize="1" noEditPoints="1" noAdjustHandles="1" noChangeArrowheads="1" noChangeShapeType="1" noTextEdit="1"/>
+          </p:cNvSpPr>
+          <p:nvPr>
+            <p:extLst>
+              <p:ext uri="{386F3935-93C4-4BCD-93E2-E3B085C9AB24}">
+                <p16:designElem xmlns:p16="http://schemas.microsoft.com/office/powerpoint/2015/main" val="1"/>
+              </p:ext>
+            </p:extLst>
+          </p:nvPr>
+        </p:nvSpPr>
+        <p:spPr>
+          <a:xfrm>
+            <a:off x="0" y="0"/>
+            <a:ext cx="12192000" cy="6858000"/>
+          </a:xfrm>
+          <a:prstGeom prst="rect">
+            <a:avLst/>
+          </a:prstGeom>
+          <a:ln>
+            <a:noFill/>
+          </a:ln>
+        </p:spPr>
+        <p:style>
+          <a:lnRef idx="2">
+            <a:schemeClr val="accent1">
+              <a:shade val="50000"/>
+            </a:schemeClr>
+          </a:lnRef>
+          <a:fillRef idx="1003">
+            <a:schemeClr val="dk2"/>
+          </a:fillRef>
+          <a:effectRef idx="0">
+            <a:schemeClr val="accent1"/>
+          </a:effectRef>
+          <a:fontRef idx="minor">
+            <a:schemeClr val="lt1"/>
+          </a:fontRef>
+        </p:style>
+        <p:txBody>
+          <a:bodyPr rtlCol="0" anchor="ctr"/>
+          <a:lstStyle/>
+          <a:p>
+            <a:pPr marL="0" marR="0" lvl="0" indent="0" algn="ctr" defTabSz="914400" rtl="0" eaLnBrk="1" fontAlgn="auto" latinLnBrk="0" hangingPunct="1">
+              <a:lnSpc>
+                <a:spcPct val="100000"/>
+              </a:lnSpc>
+              <a:spcBef>
+                <a:spcPts val="0"/>
+              </a:spcBef>
+              <a:spcAft>
+                <a:spcPts val="0"/>
+              </a:spcAft>
+              <a:buClrTx/>
+              <a:buSzTx/>
+              <a:buFontTx/>
+              <a:buNone/>
+              <a:tabLst/>
+              <a:defRPr/>
+            </a:pPr>
+            <a:endParaRPr kumimoji="0" lang="en-US" sz="1800" b="0" i="0" u="none" strike="noStrike" kern="1200" cap="none" spc="0" normalizeH="0" baseline="0" noProof="0">
+              <a:ln>
+                <a:noFill/>
+              </a:ln>
+              <a:solidFill>
+                <a:prstClr val="white"/>
+              </a:solidFill>
+              <a:effectLst/>
+              <a:uLnTx/>
+              <a:uFillTx/>
+              <a:latin typeface="Century Gothic" panose="020B0502020202020204"/>
+              <a:ea typeface="+mn-ea"/>
+              <a:cs typeface="+mn-cs"/>
+            </a:endParaRPr>
+          </a:p>
+        </p:txBody>
+      </p:sp>
+      <p:sp>
+        <p:nvSpPr>
+          <p:cNvPr id="10" name="Rectangle 9">
+            <a:extLst>
+              <a:ext uri="{FF2B5EF4-FFF2-40B4-BE49-F238E27FC236}">
+                <a16:creationId xmlns:a16="http://schemas.microsoft.com/office/drawing/2014/main" id="{C943A91B-7CA7-4592-A975-73B1BF8C4C74}"/>
+              </a:ext>
+              <a:ext uri="{C183D7F6-B498-43B3-948B-1728B52AA6E4}">
+                <adec:decorative xmlns:adec="http://schemas.microsoft.com/office/drawing/2017/decorative" val="1"/>
+              </a:ext>
+            </a:extLst>
+          </p:cNvPr>
+          <p:cNvSpPr>
+            <a:spLocks noGrp="1" noRot="1" noChangeAspect="1" noMove="1" noResize="1" noEditPoints="1" noAdjustHandles="1" noChangeArrowheads="1" noChangeShapeType="1" noTextEdit="1"/>
+          </p:cNvSpPr>
+          <p:nvPr>
+            <p:extLst>
+              <p:ext uri="{386F3935-93C4-4BCD-93E2-E3B085C9AB24}">
+                <p16:designElem xmlns:p16="http://schemas.microsoft.com/office/powerpoint/2015/main" val="1"/>
+              </p:ext>
+            </p:extLst>
+          </p:nvPr>
+        </p:nvSpPr>
+        <p:spPr>
+          <a:xfrm>
+            <a:off x="10437812" y="0"/>
+            <a:ext cx="685800" cy="1143000"/>
+          </a:xfrm>
+          <a:prstGeom prst="rect">
+            <a:avLst/>
+          </a:prstGeom>
+          <a:solidFill>
+            <a:schemeClr val="accent1"/>
+          </a:solidFill>
+          <a:ln>
+            <a:noFill/>
+          </a:ln>
+        </p:spPr>
+        <p:style>
+          <a:lnRef idx="1">
+            <a:schemeClr val="accent1"/>
+          </a:lnRef>
+          <a:fillRef idx="3">
+            <a:schemeClr val="accent1"/>
+          </a:fillRef>
+          <a:effectRef idx="2">
+            <a:schemeClr val="accent1"/>
+          </a:effectRef>
+          <a:fontRef idx="minor">
+            <a:schemeClr val="lt1"/>
+          </a:fontRef>
+        </p:style>
+      </p:sp>
+      <p:sp>
+        <p:nvSpPr>
+          <p:cNvPr id="12" name="Freeform 7">
+            <a:extLst>
+              <a:ext uri="{FF2B5EF4-FFF2-40B4-BE49-F238E27FC236}">
+                <a16:creationId xmlns:a16="http://schemas.microsoft.com/office/drawing/2014/main" id="{EC471314-E46A-414B-8D91-74880E84F187}"/>
+              </a:ext>
+              <a:ext uri="{C183D7F6-B498-43B3-948B-1728B52AA6E4}">
+                <adec:decorative xmlns:adec="http://schemas.microsoft.com/office/drawing/2017/decorative" val="1"/>
+              </a:ext>
+            </a:extLst>
+          </p:cNvPr>
+          <p:cNvSpPr>
+            <a:spLocks noGrp="1" noRot="1" noChangeAspect="1" noMove="1" noResize="1" noEditPoints="1" noAdjustHandles="1" noChangeArrowheads="1" noChangeShapeType="1" noTextEdit="1"/>
+          </p:cNvSpPr>
+          <p:nvPr>
+            <p:extLst>
+              <p:ext uri="{386F3935-93C4-4BCD-93E2-E3B085C9AB24}">
+                <p16:designElem xmlns:p16="http://schemas.microsoft.com/office/powerpoint/2015/main" val="1"/>
+              </p:ext>
+            </p:extLst>
+          </p:nvPr>
+        </p:nvSpPr>
+        <p:spPr>
+          <a:xfrm>
+            <a:off x="8719939" y="1460230"/>
+            <a:ext cx="3472060" cy="825932"/>
+          </a:xfrm>
+          <a:custGeom>
+            <a:avLst/>
+            <a:gdLst>
+              <a:gd name="connsiteX0" fmla="*/ 3470310 w 3472060"/>
+              <a:gd name="connsiteY0" fmla="*/ 0 h 825932"/>
+              <a:gd name="connsiteX1" fmla="*/ 3472060 w 3472060"/>
+              <a:gd name="connsiteY1" fmla="*/ 12850 h 825932"/>
+              <a:gd name="connsiteX2" fmla="*/ 3472060 w 3472060"/>
+              <a:gd name="connsiteY2" fmla="*/ 480529 h 825932"/>
+              <a:gd name="connsiteX3" fmla="*/ 3363699 w 3472060"/>
+              <a:gd name="connsiteY3" fmla="*/ 498471 h 825932"/>
+              <a:gd name="connsiteX4" fmla="*/ 42060 w 3472060"/>
+              <a:gd name="connsiteY4" fmla="*/ 824486 h 825932"/>
+              <a:gd name="connsiteX5" fmla="*/ 0 w 3472060"/>
+              <a:gd name="connsiteY5" fmla="*/ 758452 h 825932"/>
+              <a:gd name="connsiteX6" fmla="*/ 188014 w 3472060"/>
+              <a:gd name="connsiteY6" fmla="*/ 735602 h 825932"/>
+              <a:gd name="connsiteX7" fmla="*/ 284087 w 3472060"/>
+              <a:gd name="connsiteY7" fmla="*/ 722590 h 825932"/>
+              <a:gd name="connsiteX8" fmla="*/ 382288 w 3472060"/>
+              <a:gd name="connsiteY8" fmla="*/ 709392 h 825932"/>
+              <a:gd name="connsiteX9" fmla="*/ 481858 w 3472060"/>
+              <a:gd name="connsiteY9" fmla="*/ 695774 h 825932"/>
+              <a:gd name="connsiteX10" fmla="*/ 581897 w 3472060"/>
+              <a:gd name="connsiteY10" fmla="*/ 680711 h 825932"/>
+              <a:gd name="connsiteX11" fmla="*/ 683670 w 3472060"/>
+              <a:gd name="connsiteY11" fmla="*/ 665256 h 825932"/>
+              <a:gd name="connsiteX12" fmla="*/ 787206 w 3472060"/>
+              <a:gd name="connsiteY12" fmla="*/ 649587 h 825932"/>
+              <a:gd name="connsiteX13" fmla="*/ 892019 w 3472060"/>
+              <a:gd name="connsiteY13" fmla="*/ 632968 h 825932"/>
+              <a:gd name="connsiteX14" fmla="*/ 997620 w 3472060"/>
+              <a:gd name="connsiteY14" fmla="*/ 614667 h 825932"/>
+              <a:gd name="connsiteX15" fmla="*/ 1104727 w 3472060"/>
+              <a:gd name="connsiteY15" fmla="*/ 596741 h 825932"/>
+              <a:gd name="connsiteX16" fmla="*/ 1212669 w 3472060"/>
+              <a:gd name="connsiteY16" fmla="*/ 577397 h 825932"/>
+              <a:gd name="connsiteX17" fmla="*/ 1321506 w 3472060"/>
+              <a:gd name="connsiteY17" fmla="*/ 556988 h 825932"/>
+              <a:gd name="connsiteX18" fmla="*/ 1430709 w 3472060"/>
+              <a:gd name="connsiteY18" fmla="*/ 536607 h 825932"/>
+              <a:gd name="connsiteX19" fmla="*/ 1541050 w 3472060"/>
+              <a:gd name="connsiteY19" fmla="*/ 514481 h 825932"/>
+              <a:gd name="connsiteX20" fmla="*/ 1652805 w 3472060"/>
+              <a:gd name="connsiteY20" fmla="*/ 492202 h 825932"/>
+              <a:gd name="connsiteX21" fmla="*/ 1763708 w 3472060"/>
+              <a:gd name="connsiteY21" fmla="*/ 469161 h 825932"/>
+              <a:gd name="connsiteX22" fmla="*/ 1875795 w 3472060"/>
+              <a:gd name="connsiteY22" fmla="*/ 444641 h 825932"/>
+              <a:gd name="connsiteX23" fmla="*/ 1989128 w 3472060"/>
+              <a:gd name="connsiteY23" fmla="*/ 418995 h 825932"/>
+              <a:gd name="connsiteX24" fmla="*/ 2102476 w 3472060"/>
+              <a:gd name="connsiteY24" fmla="*/ 393438 h 825932"/>
+              <a:gd name="connsiteX25" fmla="*/ 2215549 w 3472060"/>
+              <a:gd name="connsiteY25" fmla="*/ 366291 h 825932"/>
+              <a:gd name="connsiteX26" fmla="*/ 2330490 w 3472060"/>
+              <a:gd name="connsiteY26" fmla="*/ 337455 h 825932"/>
+              <a:gd name="connsiteX27" fmla="*/ 2443333 w 3472060"/>
+              <a:gd name="connsiteY27" fmla="*/ 308983 h 825932"/>
+              <a:gd name="connsiteX28" fmla="*/ 2558014 w 3472060"/>
+              <a:gd name="connsiteY28" fmla="*/ 278646 h 825932"/>
+              <a:gd name="connsiteX29" fmla="*/ 2673621 w 3472060"/>
+              <a:gd name="connsiteY29" fmla="*/ 247421 h 825932"/>
+              <a:gd name="connsiteX30" fmla="*/ 2787008 w 3472060"/>
+              <a:gd name="connsiteY30" fmla="*/ 215853 h 825932"/>
+              <a:gd name="connsiteX31" fmla="*/ 2901442 w 3472060"/>
+              <a:gd name="connsiteY31" fmla="*/ 182011 h 825932"/>
+              <a:gd name="connsiteX32" fmla="*/ 3015722 w 3472060"/>
+              <a:gd name="connsiteY32" fmla="*/ 147286 h 825932"/>
+              <a:gd name="connsiteX33" fmla="*/ 3130018 w 3472060"/>
+              <a:gd name="connsiteY33" fmla="*/ 112649 h 825932"/>
+              <a:gd name="connsiteX34" fmla="*/ 3243551 w 3472060"/>
+              <a:gd name="connsiteY34" fmla="*/ 75688 h 825932"/>
+              <a:gd name="connsiteX35" fmla="*/ 3356992 w 3472060"/>
+              <a:gd name="connsiteY35" fmla="*/ 38197 h 825932"/>
+              <a:gd name="connsiteX36" fmla="*/ 3470310 w 3472060"/>
+              <a:gd name="connsiteY36" fmla="*/ 0 h 825932"/>
+            </a:gdLst>
+            <a:ahLst/>
+            <a:cxnLst>
+              <a:cxn ang="0">
+                <a:pos x="connsiteX0" y="connsiteY0"/>
+              </a:cxn>
+              <a:cxn ang="0">
+                <a:pos x="connsiteX1" y="connsiteY1"/>
+              </a:cxn>
+              <a:cxn ang="0">
+                <a:pos x="connsiteX2" y="connsiteY2"/>
+              </a:cxn>
+              <a:cxn ang="0">
+                <a:pos x="connsiteX3" y="connsiteY3"/>
+              </a:cxn>
+              <a:cxn ang="0">
+                <a:pos x="connsiteX4" y="connsiteY4"/>
+              </a:cxn>
+              <a:cxn ang="0">
+                <a:pos x="connsiteX5" y="connsiteY5"/>
+              </a:cxn>
+              <a:cxn ang="0">
+                <a:pos x="connsiteX6" y="connsiteY6"/>
+              </a:cxn>
+              <a:cxn ang="0">
+                <a:pos x="connsiteX7" y="connsiteY7"/>
+              </a:cxn>
+              <a:cxn ang="0">
+                <a:pos x="connsiteX8" y="connsiteY8"/>
+              </a:cxn>
+              <a:cxn ang="0">
+                <a:pos x="connsiteX9" y="connsiteY9"/>
+              </a:cxn>
+              <a:cxn ang="0">
+                <a:pos x="connsiteX10" y="connsiteY10"/>
+              </a:cxn>
+              <a:cxn ang="0">
+                <a:pos x="connsiteX11" y="connsiteY11"/>
+              </a:cxn>
+              <a:cxn ang="0">
+                <a:pos x="connsiteX12" y="connsiteY12"/>
+              </a:cxn>
+              <a:cxn ang="0">
+                <a:pos x="connsiteX13" y="connsiteY13"/>
+              </a:cxn>
+              <a:cxn ang="0">
+                <a:pos x="connsiteX14" y="connsiteY14"/>
+              </a:cxn>
+              <a:cxn ang="0">
+                <a:pos x="connsiteX15" y="connsiteY15"/>
+              </a:cxn>
+              <a:cxn ang="0">
+                <a:pos x="connsiteX16" y="connsiteY16"/>
+              </a:cxn>
+              <a:cxn ang="0">
+                <a:pos x="connsiteX17" y="connsiteY17"/>
+              </a:cxn>
+              <a:cxn ang="0">
+                <a:pos x="connsiteX18" y="connsiteY18"/>
+              </a:cxn>
+              <a:cxn ang="0">
+                <a:pos x="connsiteX19" y="connsiteY19"/>
+              </a:cxn>
+              <a:cxn ang="0">
+                <a:pos x="connsiteX20" y="connsiteY20"/>
+              </a:cxn>
+              <a:cxn ang="0">
+                <a:pos x="connsiteX21" y="connsiteY21"/>
+              </a:cxn>
+              <a:cxn ang="0">
+                <a:pos x="connsiteX22" y="connsiteY22"/>
+              </a:cxn>
+              <a:cxn ang="0">
+                <a:pos x="connsiteX23" y="connsiteY23"/>
+              </a:cxn>
+              <a:cxn ang="0">
+                <a:pos x="connsiteX24" y="connsiteY24"/>
+              </a:cxn>
+              <a:cxn ang="0">
+                <a:pos x="connsiteX25" y="connsiteY25"/>
+              </a:cxn>
+              <a:cxn ang="0">
+                <a:pos x="connsiteX26" y="connsiteY26"/>
+              </a:cxn>
+              <a:cxn ang="0">
+                <a:pos x="connsiteX27" y="connsiteY27"/>
+              </a:cxn>
+              <a:cxn ang="0">
+                <a:pos x="connsiteX28" y="connsiteY28"/>
+              </a:cxn>
+              <a:cxn ang="0">
+                <a:pos x="connsiteX29" y="connsiteY29"/>
+              </a:cxn>
+              <a:cxn ang="0">
+                <a:pos x="connsiteX30" y="connsiteY30"/>
+              </a:cxn>
+              <a:cxn ang="0">
+                <a:pos x="connsiteX31" y="connsiteY31"/>
+              </a:cxn>
+              <a:cxn ang="0">
+                <a:pos x="connsiteX32" y="connsiteY32"/>
+              </a:cxn>
+              <a:cxn ang="0">
+                <a:pos x="connsiteX33" y="connsiteY33"/>
+              </a:cxn>
+              <a:cxn ang="0">
+                <a:pos x="connsiteX34" y="connsiteY34"/>
+              </a:cxn>
+              <a:cxn ang="0">
+                <a:pos x="connsiteX35" y="connsiteY35"/>
+              </a:cxn>
+              <a:cxn ang="0">
+                <a:pos x="connsiteX36" y="connsiteY36"/>
+              </a:cxn>
+            </a:cxnLst>
+            <a:rect l="l" t="t" r="r" b="b"/>
+            <a:pathLst>
+              <a:path w="3472060" h="825932">
+                <a:moveTo>
+                  <a:pt x="3470310" y="0"/>
+                </a:moveTo>
+                <a:lnTo>
+                  <a:pt x="3472060" y="12850"/>
+                </a:lnTo>
+                <a:lnTo>
+                  <a:pt x="3472060" y="480529"/>
+                </a:lnTo>
+                <a:lnTo>
+                  <a:pt x="3363699" y="498471"/>
+                </a:lnTo>
+                <a:cubicBezTo>
+                  <a:pt x="2435623" y="645518"/>
+                  <a:pt x="603076" y="844866"/>
+                  <a:pt x="42060" y="824486"/>
+                </a:cubicBezTo>
+                <a:cubicBezTo>
+                  <a:pt x="28151" y="802425"/>
+                  <a:pt x="13909" y="780513"/>
+                  <a:pt x="0" y="758452"/>
+                </a:cubicBezTo>
+                <a:lnTo>
+                  <a:pt x="188014" y="735602"/>
+                </a:lnTo>
+                <a:lnTo>
+                  <a:pt x="284087" y="722590"/>
+                </a:lnTo>
+                <a:lnTo>
+                  <a:pt x="382288" y="709392"/>
+                </a:lnTo>
+                <a:lnTo>
+                  <a:pt x="481858" y="695774"/>
+                </a:lnTo>
+                <a:lnTo>
+                  <a:pt x="581897" y="680711"/>
+                </a:lnTo>
+                <a:lnTo>
+                  <a:pt x="683670" y="665256"/>
+                </a:lnTo>
+                <a:lnTo>
+                  <a:pt x="787206" y="649587"/>
+                </a:lnTo>
+                <a:lnTo>
+                  <a:pt x="892019" y="632968"/>
+                </a:lnTo>
+                <a:lnTo>
+                  <a:pt x="997620" y="614667"/>
+                </a:lnTo>
+                <a:lnTo>
+                  <a:pt x="1104727" y="596741"/>
+                </a:lnTo>
+                <a:lnTo>
+                  <a:pt x="1212669" y="577397"/>
+                </a:lnTo>
+                <a:lnTo>
+                  <a:pt x="1321506" y="556988"/>
+                </a:lnTo>
+                <a:lnTo>
+                  <a:pt x="1430709" y="536607"/>
+                </a:lnTo>
+                <a:lnTo>
+                  <a:pt x="1541050" y="514481"/>
+                </a:lnTo>
+                <a:lnTo>
+                  <a:pt x="1652805" y="492202"/>
+                </a:lnTo>
+                <a:lnTo>
+                  <a:pt x="1763708" y="469161"/>
+                </a:lnTo>
+                <a:lnTo>
+                  <a:pt x="1875795" y="444641"/>
+                </a:lnTo>
+                <a:lnTo>
+                  <a:pt x="1989128" y="418995"/>
+                </a:lnTo>
+                <a:lnTo>
+                  <a:pt x="2102476" y="393438"/>
+                </a:lnTo>
+                <a:lnTo>
+                  <a:pt x="2215549" y="366291"/>
+                </a:lnTo>
+                <a:lnTo>
+                  <a:pt x="2330490" y="337455"/>
+                </a:lnTo>
+                <a:lnTo>
+                  <a:pt x="2443333" y="308983"/>
+                </a:lnTo>
+                <a:lnTo>
+                  <a:pt x="2558014" y="278646"/>
+                </a:lnTo>
+                <a:lnTo>
+                  <a:pt x="2673621" y="247421"/>
+                </a:lnTo>
+                <a:lnTo>
+                  <a:pt x="2787008" y="215853"/>
+                </a:lnTo>
+                <a:lnTo>
+                  <a:pt x="2901442" y="182011"/>
+                </a:lnTo>
+                <a:lnTo>
+                  <a:pt x="3015722" y="147286"/>
+                </a:lnTo>
+                <a:lnTo>
+                  <a:pt x="3130018" y="112649"/>
+                </a:lnTo>
+                <a:lnTo>
+                  <a:pt x="3243551" y="75688"/>
+                </a:lnTo>
+                <a:lnTo>
+                  <a:pt x="3356992" y="38197"/>
+                </a:lnTo>
+                <a:lnTo>
+                  <a:pt x="3470310" y="0"/>
+                </a:lnTo>
+                <a:close/>
+              </a:path>
+            </a:pathLst>
+          </a:custGeom>
+          <a:solidFill>
+            <a:schemeClr val="bg1">
+              <a:alpha val="20000"/>
+            </a:schemeClr>
+          </a:solidFill>
+          <a:ln>
+            <a:noFill/>
+          </a:ln>
+        </p:spPr>
+        <p:txBody>
+          <a:bodyPr rtlCol="0" anchor="ctr"/>
+          <a:lstStyle/>
+          <a:p>
+            <a:pPr marL="0" marR="0" lvl="0" indent="0" algn="ctr" defTabSz="914400" rtl="0" eaLnBrk="1" fontAlgn="auto" latinLnBrk="0" hangingPunct="1">
+              <a:lnSpc>
+                <a:spcPct val="100000"/>
+              </a:lnSpc>
+              <a:spcBef>
+                <a:spcPts val="0"/>
+              </a:spcBef>
+              <a:spcAft>
+                <a:spcPts val="0"/>
+              </a:spcAft>
+              <a:buClrTx/>
+              <a:buSzTx/>
+              <a:buFontTx/>
+              <a:buNone/>
+              <a:tabLst/>
+              <a:defRPr/>
+            </a:pPr>
+            <a:endParaRPr kumimoji="0" lang="en-US" sz="1800" b="0" i="0" u="none" strike="noStrike" kern="1200" cap="none" spc="0" normalizeH="0" baseline="0" noProof="0">
+              <a:ln>
+                <a:noFill/>
+              </a:ln>
+              <a:solidFill>
+                <a:prstClr val="black"/>
+              </a:solidFill>
+              <a:effectLst/>
+              <a:uLnTx/>
+              <a:uFillTx/>
+              <a:latin typeface="Century Gothic" panose="020B0502020202020204"/>
+              <a:ea typeface="+mn-ea"/>
+              <a:cs typeface="+mn-cs"/>
+            </a:endParaRPr>
+          </a:p>
+        </p:txBody>
+      </p:sp>
+      <p:sp useBgFill="1">
+        <p:nvSpPr>
+          <p:cNvPr id="14" name="Freeform: Shape 13">
+            <a:extLst>
+              <a:ext uri="{FF2B5EF4-FFF2-40B4-BE49-F238E27FC236}">
+                <a16:creationId xmlns:a16="http://schemas.microsoft.com/office/drawing/2014/main" id="{6A681326-1C9D-44A3-A627-3871BDAE4127}"/>
+              </a:ext>
+              <a:ext uri="{C183D7F6-B498-43B3-948B-1728B52AA6E4}">
+                <adec:decorative xmlns:adec="http://schemas.microsoft.com/office/drawing/2017/decorative" val="1"/>
+              </a:ext>
+            </a:extLst>
+          </p:cNvPr>
+          <p:cNvSpPr>
+            <a:spLocks noGrp="1" noRot="1" noChangeAspect="1" noMove="1" noResize="1" noEditPoints="1" noAdjustHandles="1" noChangeArrowheads="1" noChangeShapeType="1" noTextEdit="1"/>
+          </p:cNvSpPr>
+          <p:nvPr>
+            <p:extLst>
+              <p:ext uri="{386F3935-93C4-4BCD-93E2-E3B085C9AB24}">
+                <p16:designElem xmlns:p16="http://schemas.microsoft.com/office/powerpoint/2015/main" val="1"/>
+              </p:ext>
+            </p:extLst>
+          </p:nvPr>
+        </p:nvSpPr>
+        <p:spPr bwMode="gray">
+          <a:xfrm>
+            <a:off x="1" y="1762067"/>
+            <a:ext cx="12192417" cy="5095933"/>
+          </a:xfrm>
+          <a:custGeom>
+            <a:avLst/>
+            <a:gdLst>
+              <a:gd name="connsiteX0" fmla="*/ 0 w 12192417"/>
+              <a:gd name="connsiteY0" fmla="*/ 0 h 5095933"/>
+              <a:gd name="connsiteX1" fmla="*/ 71931 w 12192417"/>
+              <a:gd name="connsiteY1" fmla="*/ 12261 h 5095933"/>
+              <a:gd name="connsiteX2" fmla="*/ 282848 w 12192417"/>
+              <a:gd name="connsiteY2" fmla="*/ 48343 h 5095933"/>
+              <a:gd name="connsiteX3" fmla="*/ 436463 w 12192417"/>
+              <a:gd name="connsiteY3" fmla="*/ 73565 h 5095933"/>
+              <a:gd name="connsiteX4" fmla="*/ 619338 w 12192417"/>
+              <a:gd name="connsiteY4" fmla="*/ 100188 h 5095933"/>
+              <a:gd name="connsiteX5" fmla="*/ 836350 w 12192417"/>
+              <a:gd name="connsiteY5" fmla="*/ 132066 h 5095933"/>
+              <a:gd name="connsiteX6" fmla="*/ 1076527 w 12192417"/>
+              <a:gd name="connsiteY6" fmla="*/ 165696 h 5095933"/>
+              <a:gd name="connsiteX7" fmla="*/ 1347183 w 12192417"/>
+              <a:gd name="connsiteY7" fmla="*/ 201077 h 5095933"/>
+              <a:gd name="connsiteX8" fmla="*/ 1642222 w 12192417"/>
+              <a:gd name="connsiteY8" fmla="*/ 238560 h 5095933"/>
+              <a:gd name="connsiteX9" fmla="*/ 1962863 w 12192417"/>
+              <a:gd name="connsiteY9" fmla="*/ 276043 h 5095933"/>
+              <a:gd name="connsiteX10" fmla="*/ 2304231 w 12192417"/>
+              <a:gd name="connsiteY10" fmla="*/ 314227 h 5095933"/>
+              <a:gd name="connsiteX11" fmla="*/ 2672420 w 12192417"/>
+              <a:gd name="connsiteY11" fmla="*/ 349608 h 5095933"/>
+              <a:gd name="connsiteX12" fmla="*/ 3057677 w 12192417"/>
+              <a:gd name="connsiteY12" fmla="*/ 383588 h 5095933"/>
+              <a:gd name="connsiteX13" fmla="*/ 3464880 w 12192417"/>
+              <a:gd name="connsiteY13" fmla="*/ 414415 h 5095933"/>
+              <a:gd name="connsiteX14" fmla="*/ 3889151 w 12192417"/>
+              <a:gd name="connsiteY14" fmla="*/ 443841 h 5095933"/>
+              <a:gd name="connsiteX15" fmla="*/ 4331709 w 12192417"/>
+              <a:gd name="connsiteY15" fmla="*/ 471515 h 5095933"/>
+              <a:gd name="connsiteX16" fmla="*/ 4558475 w 12192417"/>
+              <a:gd name="connsiteY16" fmla="*/ 481324 h 5095933"/>
+              <a:gd name="connsiteX17" fmla="*/ 4790117 w 12192417"/>
+              <a:gd name="connsiteY17" fmla="*/ 492183 h 5095933"/>
+              <a:gd name="connsiteX18" fmla="*/ 5025417 w 12192417"/>
+              <a:gd name="connsiteY18" fmla="*/ 502342 h 5095933"/>
+              <a:gd name="connsiteX19" fmla="*/ 5261936 w 12192417"/>
+              <a:gd name="connsiteY19" fmla="*/ 508998 h 5095933"/>
+              <a:gd name="connsiteX20" fmla="*/ 5503331 w 12192417"/>
+              <a:gd name="connsiteY20" fmla="*/ 514953 h 5095933"/>
+              <a:gd name="connsiteX21" fmla="*/ 5747166 w 12192417"/>
+              <a:gd name="connsiteY21" fmla="*/ 521259 h 5095933"/>
+              <a:gd name="connsiteX22" fmla="*/ 5995876 w 12192417"/>
+              <a:gd name="connsiteY22" fmla="*/ 525463 h 5095933"/>
+              <a:gd name="connsiteX23" fmla="*/ 6247025 w 12192417"/>
+              <a:gd name="connsiteY23" fmla="*/ 525463 h 5095933"/>
+              <a:gd name="connsiteX24" fmla="*/ 6500612 w 12192417"/>
+              <a:gd name="connsiteY24" fmla="*/ 527565 h 5095933"/>
+              <a:gd name="connsiteX25" fmla="*/ 6756638 w 12192417"/>
+              <a:gd name="connsiteY25" fmla="*/ 525463 h 5095933"/>
+              <a:gd name="connsiteX26" fmla="*/ 7016321 w 12192417"/>
+              <a:gd name="connsiteY26" fmla="*/ 521259 h 5095933"/>
+              <a:gd name="connsiteX27" fmla="*/ 7276004 w 12192417"/>
+              <a:gd name="connsiteY27" fmla="*/ 517406 h 5095933"/>
+              <a:gd name="connsiteX28" fmla="*/ 7539344 w 12192417"/>
+              <a:gd name="connsiteY28" fmla="*/ 508998 h 5095933"/>
+              <a:gd name="connsiteX29" fmla="*/ 7805123 w 12192417"/>
+              <a:gd name="connsiteY29" fmla="*/ 500241 h 5095933"/>
+              <a:gd name="connsiteX30" fmla="*/ 8070902 w 12192417"/>
+              <a:gd name="connsiteY30" fmla="*/ 490082 h 5095933"/>
+              <a:gd name="connsiteX31" fmla="*/ 8339120 w 12192417"/>
+              <a:gd name="connsiteY31" fmla="*/ 475719 h 5095933"/>
+              <a:gd name="connsiteX32" fmla="*/ 8609775 w 12192417"/>
+              <a:gd name="connsiteY32" fmla="*/ 458554 h 5095933"/>
+              <a:gd name="connsiteX33" fmla="*/ 8881650 w 12192417"/>
+              <a:gd name="connsiteY33" fmla="*/ 442089 h 5095933"/>
+              <a:gd name="connsiteX34" fmla="*/ 9153525 w 12192417"/>
+              <a:gd name="connsiteY34" fmla="*/ 421071 h 5095933"/>
+              <a:gd name="connsiteX35" fmla="*/ 9429057 w 12192417"/>
+              <a:gd name="connsiteY35" fmla="*/ 395849 h 5095933"/>
+              <a:gd name="connsiteX36" fmla="*/ 9700932 w 12192417"/>
+              <a:gd name="connsiteY36" fmla="*/ 370626 h 5095933"/>
+              <a:gd name="connsiteX37" fmla="*/ 9977683 w 12192417"/>
+              <a:gd name="connsiteY37" fmla="*/ 341551 h 5095933"/>
+              <a:gd name="connsiteX38" fmla="*/ 10255654 w 12192417"/>
+              <a:gd name="connsiteY38" fmla="*/ 309673 h 5095933"/>
+              <a:gd name="connsiteX39" fmla="*/ 10529967 w 12192417"/>
+              <a:gd name="connsiteY39" fmla="*/ 276043 h 5095933"/>
+              <a:gd name="connsiteX40" fmla="*/ 10807938 w 12192417"/>
+              <a:gd name="connsiteY40" fmla="*/ 236809 h 5095933"/>
+              <a:gd name="connsiteX41" fmla="*/ 11084689 w 12192417"/>
+              <a:gd name="connsiteY41" fmla="*/ 194772 h 5095933"/>
+              <a:gd name="connsiteX42" fmla="*/ 11362660 w 12192417"/>
+              <a:gd name="connsiteY42" fmla="*/ 153085 h 5095933"/>
+              <a:gd name="connsiteX43" fmla="*/ 11639411 w 12192417"/>
+              <a:gd name="connsiteY43" fmla="*/ 104392 h 5095933"/>
+              <a:gd name="connsiteX44" fmla="*/ 11914944 w 12192417"/>
+              <a:gd name="connsiteY44" fmla="*/ 54648 h 5095933"/>
+              <a:gd name="connsiteX45" fmla="*/ 12191695 w 12192417"/>
+              <a:gd name="connsiteY45" fmla="*/ 2452 h 5095933"/>
+              <a:gd name="connsiteX46" fmla="*/ 12191695 w 12192417"/>
+              <a:gd name="connsiteY46" fmla="*/ 2162231 h 5095933"/>
+              <a:gd name="connsiteX47" fmla="*/ 12192417 w 12192417"/>
+              <a:gd name="connsiteY47" fmla="*/ 2162231 h 5095933"/>
+              <a:gd name="connsiteX48" fmla="*/ 12192417 w 12192417"/>
+              <a:gd name="connsiteY48" fmla="*/ 5095933 h 5095933"/>
+              <a:gd name="connsiteX49" fmla="*/ 0 w 12192417"/>
+              <a:gd name="connsiteY49" fmla="*/ 5095933 h 5095933"/>
+              <a:gd name="connsiteX50" fmla="*/ 0 w 12192417"/>
+              <a:gd name="connsiteY50" fmla="*/ 2791958 h 5095933"/>
+              <a:gd name="connsiteX51" fmla="*/ 0 w 12192417"/>
+              <a:gd name="connsiteY51" fmla="*/ 2162231 h 5095933"/>
+            </a:gdLst>
+            <a:ahLst/>
+            <a:cxnLst>
+              <a:cxn ang="0">
+                <a:pos x="connsiteX0" y="connsiteY0"/>
+              </a:cxn>
+              <a:cxn ang="0">
+                <a:pos x="connsiteX1" y="connsiteY1"/>
+              </a:cxn>
+              <a:cxn ang="0">
+                <a:pos x="connsiteX2" y="connsiteY2"/>
+              </a:cxn>
+              <a:cxn ang="0">
+                <a:pos x="connsiteX3" y="connsiteY3"/>
+              </a:cxn>
+              <a:cxn ang="0">
+                <a:pos x="connsiteX4" y="connsiteY4"/>
+              </a:cxn>
+              <a:cxn ang="0">
+                <a:pos x="connsiteX5" y="connsiteY5"/>
+              </a:cxn>
+              <a:cxn ang="0">
+                <a:pos x="connsiteX6" y="connsiteY6"/>
+              </a:cxn>
+              <a:cxn ang="0">
+                <a:pos x="connsiteX7" y="connsiteY7"/>
+              </a:cxn>
+              <a:cxn ang="0">
+                <a:pos x="connsiteX8" y="connsiteY8"/>
+              </a:cxn>
+              <a:cxn ang="0">
+                <a:pos x="connsiteX9" y="connsiteY9"/>
+              </a:cxn>
+              <a:cxn ang="0">
+                <a:pos x="connsiteX10" y="connsiteY10"/>
+              </a:cxn>
+              <a:cxn ang="0">
+                <a:pos x="connsiteX11" y="connsiteY11"/>
+              </a:cxn>
+              <a:cxn ang="0">
+                <a:pos x="connsiteX12" y="connsiteY12"/>
+              </a:cxn>
+              <a:cxn ang="0">
+                <a:pos x="connsiteX13" y="connsiteY13"/>
+              </a:cxn>
+              <a:cxn ang="0">
+                <a:pos x="connsiteX14" y="connsiteY14"/>
+              </a:cxn>
+              <a:cxn ang="0">
+                <a:pos x="connsiteX15" y="connsiteY15"/>
+              </a:cxn>
+              <a:cxn ang="0">
+                <a:pos x="connsiteX16" y="connsiteY16"/>
+              </a:cxn>
+              <a:cxn ang="0">
+                <a:pos x="connsiteX17" y="connsiteY17"/>
+              </a:cxn>
+              <a:cxn ang="0">
+                <a:pos x="connsiteX18" y="connsiteY18"/>
+              </a:cxn>
+              <a:cxn ang="0">
+                <a:pos x="connsiteX19" y="connsiteY19"/>
+              </a:cxn>
+              <a:cxn ang="0">
+                <a:pos x="connsiteX20" y="connsiteY20"/>
+              </a:cxn>
+              <a:cxn ang="0">
+                <a:pos x="connsiteX21" y="connsiteY21"/>
+              </a:cxn>
+              <a:cxn ang="0">
+                <a:pos x="connsiteX22" y="connsiteY22"/>
+              </a:cxn>
+              <a:cxn ang="0">
+                <a:pos x="connsiteX23" y="connsiteY23"/>
+              </a:cxn>
+              <a:cxn ang="0">
+                <a:pos x="connsiteX24" y="connsiteY24"/>
+              </a:cxn>
+              <a:cxn ang="0">
+                <a:pos x="connsiteX25" y="connsiteY25"/>
+              </a:cxn>
+              <a:cxn ang="0">
+                <a:pos x="connsiteX26" y="connsiteY26"/>
+              </a:cxn>
+              <a:cxn ang="0">
+                <a:pos x="connsiteX27" y="connsiteY27"/>
+              </a:cxn>
+              <a:cxn ang="0">
+                <a:pos x="connsiteX28" y="connsiteY28"/>
+              </a:cxn>
+              <a:cxn ang="0">
+                <a:pos x="connsiteX29" y="connsiteY29"/>
+              </a:cxn>
+              <a:cxn ang="0">
+                <a:pos x="connsiteX30" y="connsiteY30"/>
+              </a:cxn>
+              <a:cxn ang="0">
+                <a:pos x="connsiteX31" y="connsiteY31"/>
+              </a:cxn>
+              <a:cxn ang="0">
+                <a:pos x="connsiteX32" y="connsiteY32"/>
+              </a:cxn>
+              <a:cxn ang="0">
+                <a:pos x="connsiteX33" y="connsiteY33"/>
+              </a:cxn>
+              <a:cxn ang="0">
+                <a:pos x="connsiteX34" y="connsiteY34"/>
+              </a:cxn>
+              <a:cxn ang="0">
+                <a:pos x="connsiteX35" y="connsiteY35"/>
+              </a:cxn>
+              <a:cxn ang="0">
+                <a:pos x="connsiteX36" y="connsiteY36"/>
+              </a:cxn>
+              <a:cxn ang="0">
+                <a:pos x="connsiteX37" y="connsiteY37"/>
+              </a:cxn>
+              <a:cxn ang="0">
+                <a:pos x="connsiteX38" y="connsiteY38"/>
+              </a:cxn>
+              <a:cxn ang="0">
+                <a:pos x="connsiteX39" y="connsiteY39"/>
+              </a:cxn>
+              <a:cxn ang="0">
+                <a:pos x="connsiteX40" y="connsiteY40"/>
+              </a:cxn>
+              <a:cxn ang="0">
+                <a:pos x="connsiteX41" y="connsiteY41"/>
+              </a:cxn>
+              <a:cxn ang="0">
+                <a:pos x="connsiteX42" y="connsiteY42"/>
+              </a:cxn>
+              <a:cxn ang="0">
+                <a:pos x="connsiteX43" y="connsiteY43"/>
+              </a:cxn>
+              <a:cxn ang="0">
+                <a:pos x="connsiteX44" y="connsiteY44"/>
+              </a:cxn>
+              <a:cxn ang="0">
+                <a:pos x="connsiteX45" y="connsiteY45"/>
+              </a:cxn>
+              <a:cxn ang="0">
+                <a:pos x="connsiteX46" y="connsiteY46"/>
+              </a:cxn>
+              <a:cxn ang="0">
+                <a:pos x="connsiteX47" y="connsiteY47"/>
+              </a:cxn>
+              <a:cxn ang="0">
+                <a:pos x="connsiteX48" y="connsiteY48"/>
+              </a:cxn>
+              <a:cxn ang="0">
+                <a:pos x="connsiteX49" y="connsiteY49"/>
+              </a:cxn>
+              <a:cxn ang="0">
+                <a:pos x="connsiteX50" y="connsiteY50"/>
+              </a:cxn>
+              <a:cxn ang="0">
+                <a:pos x="connsiteX51" y="connsiteY51"/>
+              </a:cxn>
+            </a:cxnLst>
+            <a:rect l="l" t="t" r="r" b="b"/>
+            <a:pathLst>
+              <a:path w="12192417" h="5095933">
+                <a:moveTo>
+                  <a:pt x="0" y="0"/>
+                </a:moveTo>
+                <a:lnTo>
+                  <a:pt x="71931" y="12261"/>
+                </a:lnTo>
+                <a:lnTo>
+                  <a:pt x="282848" y="48343"/>
+                </a:lnTo>
+                <a:lnTo>
+                  <a:pt x="436463" y="73565"/>
+                </a:lnTo>
+                <a:lnTo>
+                  <a:pt x="619338" y="100188"/>
+                </a:lnTo>
+                <a:lnTo>
+                  <a:pt x="836350" y="132066"/>
+                </a:lnTo>
+                <a:lnTo>
+                  <a:pt x="1076527" y="165696"/>
+                </a:lnTo>
+                <a:lnTo>
+                  <a:pt x="1347183" y="201077"/>
+                </a:lnTo>
+                <a:lnTo>
+                  <a:pt x="1642222" y="238560"/>
+                </a:lnTo>
+                <a:lnTo>
+                  <a:pt x="1962863" y="276043"/>
+                </a:lnTo>
+                <a:lnTo>
+                  <a:pt x="2304231" y="314227"/>
+                </a:lnTo>
+                <a:lnTo>
+                  <a:pt x="2672420" y="349608"/>
+                </a:lnTo>
+                <a:lnTo>
+                  <a:pt x="3057677" y="383588"/>
+                </a:lnTo>
+                <a:lnTo>
+                  <a:pt x="3464880" y="414415"/>
+                </a:lnTo>
+                <a:lnTo>
+                  <a:pt x="3889151" y="443841"/>
+                </a:lnTo>
+                <a:lnTo>
+                  <a:pt x="4331709" y="471515"/>
+                </a:lnTo>
+                <a:lnTo>
+                  <a:pt x="4558475" y="481324"/>
+                </a:lnTo>
+                <a:lnTo>
+                  <a:pt x="4790117" y="492183"/>
+                </a:lnTo>
+                <a:lnTo>
+                  <a:pt x="5025417" y="502342"/>
+                </a:lnTo>
+                <a:lnTo>
+                  <a:pt x="5261936" y="508998"/>
+                </a:lnTo>
+                <a:lnTo>
+                  <a:pt x="5503331" y="514953"/>
+                </a:lnTo>
+                <a:lnTo>
+                  <a:pt x="5747166" y="521259"/>
+                </a:lnTo>
+                <a:lnTo>
+                  <a:pt x="5995876" y="525463"/>
+                </a:lnTo>
+                <a:lnTo>
+                  <a:pt x="6247025" y="525463"/>
+                </a:lnTo>
+                <a:lnTo>
+                  <a:pt x="6500612" y="527565"/>
+                </a:lnTo>
+                <a:lnTo>
+                  <a:pt x="6756638" y="525463"/>
+                </a:lnTo>
+                <a:lnTo>
+                  <a:pt x="7016321" y="521259"/>
+                </a:lnTo>
+                <a:lnTo>
+                  <a:pt x="7276004" y="517406"/>
+                </a:lnTo>
+                <a:lnTo>
+                  <a:pt x="7539344" y="508998"/>
+                </a:lnTo>
+                <a:lnTo>
+                  <a:pt x="7805123" y="500241"/>
+                </a:lnTo>
+                <a:lnTo>
+                  <a:pt x="8070902" y="490082"/>
+                </a:lnTo>
+                <a:lnTo>
+                  <a:pt x="8339120" y="475719"/>
+                </a:lnTo>
+                <a:lnTo>
+                  <a:pt x="8609775" y="458554"/>
+                </a:lnTo>
+                <a:lnTo>
+                  <a:pt x="8881650" y="442089"/>
+                </a:lnTo>
+                <a:lnTo>
+                  <a:pt x="9153525" y="421071"/>
+                </a:lnTo>
+                <a:lnTo>
+                  <a:pt x="9429057" y="395849"/>
+                </a:lnTo>
+                <a:lnTo>
+                  <a:pt x="9700932" y="370626"/>
+                </a:lnTo>
+                <a:lnTo>
+                  <a:pt x="9977683" y="341551"/>
+                </a:lnTo>
+                <a:lnTo>
+                  <a:pt x="10255654" y="309673"/>
+                </a:lnTo>
+                <a:lnTo>
+                  <a:pt x="10529967" y="276043"/>
+                </a:lnTo>
+                <a:lnTo>
+                  <a:pt x="10807938" y="236809"/>
+                </a:lnTo>
+                <a:lnTo>
+                  <a:pt x="11084689" y="194772"/>
+                </a:lnTo>
+                <a:lnTo>
+                  <a:pt x="11362660" y="153085"/>
+                </a:lnTo>
+                <a:lnTo>
+                  <a:pt x="11639411" y="104392"/>
+                </a:lnTo>
+                <a:lnTo>
+                  <a:pt x="11914944" y="54648"/>
+                </a:lnTo>
+                <a:lnTo>
+                  <a:pt x="12191695" y="2452"/>
+                </a:lnTo>
+                <a:lnTo>
+                  <a:pt x="12191695" y="2162231"/>
+                </a:lnTo>
+                <a:lnTo>
+                  <a:pt x="12192417" y="2162231"/>
+                </a:lnTo>
+                <a:lnTo>
+                  <a:pt x="12192417" y="5095933"/>
+                </a:lnTo>
+                <a:lnTo>
+                  <a:pt x="0" y="5095933"/>
+                </a:lnTo>
+                <a:lnTo>
+                  <a:pt x="0" y="2791958"/>
+                </a:lnTo>
+                <a:lnTo>
+                  <a:pt x="0" y="2162231"/>
+                </a:lnTo>
+                <a:close/>
+              </a:path>
+            </a:pathLst>
+          </a:custGeom>
+          <a:ln>
+            <a:noFill/>
+          </a:ln>
+        </p:spPr>
+      </p:sp>
+      <p:sp>
+        <p:nvSpPr>
           <p:cNvPr id="2" name="Titel 1">
             <a:extLst>
               <a:ext uri="{FF2B5EF4-FFF2-40B4-BE49-F238E27FC236}">
@@ -13541,16 +14543,31 @@
             <p:ph type="title"/>
           </p:nvPr>
         </p:nvSpPr>
-        <p:spPr/>
+        <p:spPr>
+          <a:xfrm>
+            <a:off x="1103312" y="452718"/>
+            <a:ext cx="8947522" cy="1400530"/>
+          </a:xfrm>
+        </p:spPr>
         <p:txBody>
-          <a:bodyPr/>
+          <a:bodyPr anchor="ctr">
+            <a:normAutofit/>
+          </a:bodyPr>
           <a:lstStyle/>
           <a:p>
             <a:r>
-              <a:rPr lang="de-DE" dirty="0"/>
+              <a:rPr lang="de-DE" dirty="0">
+                <a:solidFill>
+                  <a:srgbClr val="FFFFFF"/>
+                </a:solidFill>
+              </a:rPr>
               <a:t>Übersicht</a:t>
             </a:r>
-            <a:endParaRPr lang="de-AT" dirty="0"/>
+            <a:endParaRPr lang="de-AT" dirty="0">
+              <a:solidFill>
+                <a:srgbClr val="FFFFFF"/>
+              </a:solidFill>
+            </a:endParaRPr>
           </a:p>
         </p:txBody>
       </p:sp>
@@ -13570,10 +14587,72 @@
             <p:ph idx="1"/>
           </p:nvPr>
         </p:nvSpPr>
-        <p:spPr/>
+        <p:spPr>
+          <a:xfrm>
+            <a:off x="1103312" y="2763520"/>
+            <a:ext cx="8946541" cy="3484879"/>
+          </a:xfrm>
+        </p:spPr>
         <p:txBody>
-          <a:bodyPr/>
+          <a:bodyPr>
+            <a:normAutofit/>
+          </a:bodyPr>
           <a:lstStyle/>
+          <a:p>
+            <a:pPr>
+              <a:buClrTx/>
+              <a:buFont typeface="Arial" panose="020B0604020202020204" pitchFamily="34" charset="0"/>
+              <a:buChar char="•"/>
+            </a:pPr>
+            <a:r>
+              <a:rPr lang="de-DE" sz="2400" dirty="0"/>
+              <a:t>Mobile Android / iOS Anwendung</a:t>
+            </a:r>
+          </a:p>
+          <a:p>
+            <a:pPr>
+              <a:buClrTx/>
+              <a:buFont typeface="Arial" panose="020B0604020202020204" pitchFamily="34" charset="0"/>
+              <a:buChar char="•"/>
+            </a:pPr>
+            <a:r>
+              <a:rPr lang="de-DE" sz="2400" dirty="0"/>
+              <a:t>Erstellung und Verwaltung von</a:t>
+            </a:r>
+          </a:p>
+          <a:p>
+            <a:pPr lvl="1">
+              <a:buClrTx/>
+              <a:buFont typeface="Arial" panose="020B0604020202020204" pitchFamily="34" charset="0"/>
+              <a:buChar char="•"/>
+            </a:pPr>
+            <a:r>
+              <a:rPr lang="de-DE" sz="2000" dirty="0"/>
+              <a:t>Lehreinheiten</a:t>
+            </a:r>
+          </a:p>
+          <a:p>
+            <a:pPr lvl="1">
+              <a:buClrTx/>
+              <a:buFont typeface="Arial" panose="020B0604020202020204" pitchFamily="34" charset="0"/>
+              <a:buChar char="•"/>
+            </a:pPr>
+            <a:r>
+              <a:rPr lang="de-DE" sz="2000" dirty="0"/>
+              <a:t>Feedbacks</a:t>
+            </a:r>
+          </a:p>
+          <a:p>
+            <a:pPr>
+              <a:buClrTx/>
+              <a:buFont typeface="Arial" panose="020B0604020202020204" pitchFamily="34" charset="0"/>
+              <a:buChar char="•"/>
+            </a:pPr>
+            <a:r>
+              <a:rPr lang="de-DE" sz="2400" dirty="0"/>
+              <a:t>Zugriff über APIs </a:t>
+            </a:r>
+          </a:p>
           <a:p>
             <a:endParaRPr lang="de-AT" dirty="0"/>
           </a:p>
@@ -13587,15 +14666,15 @@
     </p:extLst>
   </p:cSld>
   <p:clrMapOvr>
-    <a:masterClrMapping/>
+    <a:overrideClrMapping bg1="lt1" tx1="dk1" bg2="lt2" tx2="dk2" accent1="accent1" accent2="accent2" accent3="accent3" accent4="accent4" accent5="accent5" accent6="accent6" hlink="hlink" folHlink="folHlink"/>
   </p:clrMapOvr>
-  <mc:AlternateContent xmlns:mc="http://schemas.openxmlformats.org/markup-compatibility/2006">
-    <mc:Choice xmlns:p14="http://schemas.microsoft.com/office/powerpoint/2010/main" Requires="p14">
+  <mc:AlternateContent xmlns:mc="http://schemas.openxmlformats.org/markup-compatibility/2006" xmlns:p14="http://schemas.microsoft.com/office/powerpoint/2010/main">
+    <mc:Choice Requires="p14">
       <p:transition spd="med" p14:dur="700">
         <p:fade/>
       </p:transition>
     </mc:Choice>
-    <mc:Fallback>
+    <mc:Fallback xmlns="">
       <p:transition spd="med">
         <p:fade/>
       </p:transition>
@@ -13607,6 +14686,30 @@
 <file path=ppt/slides/slide4.xml><?xml version="1.0" encoding="utf-8"?>
 <p:sld xmlns:a="http://schemas.openxmlformats.org/drawingml/2006/main" xmlns:r="http://schemas.openxmlformats.org/officeDocument/2006/relationships" xmlns:p="http://schemas.openxmlformats.org/presentationml/2006/main">
   <p:cSld>
+    <p:bg>
+      <p:bgPr>
+        <a:blipFill rotWithShape="1">
+          <a:blip r:embed="rId2">
+            <a:duotone>
+              <a:schemeClr val="bg2">
+                <a:shade val="69000"/>
+                <a:hueMod val="108000"/>
+                <a:satMod val="164000"/>
+                <a:lumMod val="74000"/>
+              </a:schemeClr>
+              <a:schemeClr val="bg2">
+                <a:tint val="96000"/>
+                <a:hueMod val="88000"/>
+                <a:satMod val="140000"/>
+                <a:lumMod val="132000"/>
+              </a:schemeClr>
+            </a:duotone>
+          </a:blip>
+          <a:stretch/>
+        </a:blipFill>
+        <a:effectLst/>
+      </p:bgPr>
+    </p:bg>
     <p:spTree>
       <p:nvGrpSpPr>
         <p:cNvPr id="1" name=""/>
@@ -13623,6 +14726,66 @@
       </p:grpSpPr>
       <p:sp>
         <p:nvSpPr>
+          <p:cNvPr id="9" name="Rectangle 8">
+            <a:extLst>
+              <a:ext uri="{FF2B5EF4-FFF2-40B4-BE49-F238E27FC236}">
+                <a16:creationId xmlns:a16="http://schemas.microsoft.com/office/drawing/2014/main" id="{C8A3C342-1D03-412F-8DD3-BF519E8E0AE9}"/>
+              </a:ext>
+              <a:ext uri="{C183D7F6-B498-43B3-948B-1728B52AA6E4}">
+                <adec:decorative xmlns:adec="http://schemas.microsoft.com/office/drawing/2017/decorative" val="1"/>
+              </a:ext>
+            </a:extLst>
+          </p:cNvPr>
+          <p:cNvSpPr>
+            <a:spLocks noGrp="1" noRot="1" noChangeAspect="1" noMove="1" noResize="1" noEditPoints="1" noAdjustHandles="1" noChangeArrowheads="1" noChangeShapeType="1" noTextEdit="1"/>
+          </p:cNvSpPr>
+          <p:nvPr>
+            <p:extLst>
+              <p:ext uri="{386F3935-93C4-4BCD-93E2-E3B085C9AB24}">
+                <p16:designElem xmlns:p16="http://schemas.microsoft.com/office/powerpoint/2015/main" val="1"/>
+              </p:ext>
+            </p:extLst>
+          </p:nvPr>
+        </p:nvSpPr>
+        <p:spPr>
+          <a:xfrm>
+            <a:off x="0" y="0"/>
+            <a:ext cx="12192000" cy="6858000"/>
+          </a:xfrm>
+          <a:prstGeom prst="rect">
+            <a:avLst/>
+          </a:prstGeom>
+          <a:ln>
+            <a:noFill/>
+          </a:ln>
+        </p:spPr>
+        <p:style>
+          <a:lnRef idx="2">
+            <a:schemeClr val="accent1">
+              <a:shade val="50000"/>
+            </a:schemeClr>
+          </a:lnRef>
+          <a:fillRef idx="1003">
+            <a:schemeClr val="dk2"/>
+          </a:fillRef>
+          <a:effectRef idx="0">
+            <a:schemeClr val="accent1"/>
+          </a:effectRef>
+          <a:fontRef idx="minor">
+            <a:schemeClr val="lt1"/>
+          </a:fontRef>
+        </p:style>
+        <p:txBody>
+          <a:bodyPr rtlCol="0" anchor="ctr"/>
+          <a:lstStyle/>
+          <a:p>
+            <a:pPr algn="ctr"/>
+            <a:endParaRPr lang="en-US"/>
+          </a:p>
+        </p:txBody>
+      </p:sp>
+      <p:sp>
+        <p:nvSpPr>
           <p:cNvPr id="2" name="Titel 1">
             <a:extLst>
               <a:ext uri="{FF2B5EF4-FFF2-40B4-BE49-F238E27FC236}">
@@ -13637,16 +14800,31 @@
             <p:ph type="title"/>
           </p:nvPr>
         </p:nvSpPr>
-        <p:spPr/>
+        <p:spPr>
+          <a:xfrm>
+            <a:off x="648930" y="629266"/>
+            <a:ext cx="6188190" cy="1622321"/>
+          </a:xfrm>
+        </p:spPr>
         <p:txBody>
-          <a:bodyPr/>
+          <a:bodyPr>
+            <a:normAutofit/>
+          </a:bodyPr>
           <a:lstStyle/>
           <a:p>
             <a:r>
-              <a:rPr lang="de-DE" dirty="0"/>
+              <a:rPr lang="de-DE">
+                <a:solidFill>
+                  <a:srgbClr val="EBEBEB"/>
+                </a:solidFill>
+              </a:rPr>
               <a:t>Inhaltsübersicht Teil 1 – Stefano Pyringer</a:t>
             </a:r>
-            <a:endParaRPr lang="de-AT" dirty="0"/>
+            <a:endParaRPr lang="de-AT">
+              <a:solidFill>
+                <a:srgbClr val="EBEBEB"/>
+              </a:solidFill>
+            </a:endParaRPr>
           </a:p>
         </p:txBody>
       </p:sp>
@@ -13666,25 +14844,590 @@
             <p:ph idx="1"/>
           </p:nvPr>
         </p:nvSpPr>
-        <p:spPr/>
+        <p:spPr>
+          <a:xfrm>
+            <a:off x="648930" y="2438400"/>
+            <a:ext cx="6188189" cy="3785419"/>
+          </a:xfrm>
+        </p:spPr>
         <p:txBody>
-          <a:bodyPr/>
+          <a:bodyPr>
+            <a:normAutofit/>
+          </a:bodyPr>
           <a:lstStyle/>
           <a:p>
             <a:r>
-              <a:rPr lang="de-DE" dirty="0"/>
+              <a:rPr lang="de-DE" sz="2400" dirty="0">
+                <a:solidFill>
+                  <a:srgbClr val="FFFFFF"/>
+                </a:solidFill>
+              </a:rPr>
               <a:t>Theoretischer Hintergrund</a:t>
             </a:r>
           </a:p>
           <a:p>
             <a:r>
-              <a:rPr lang="de-DE" dirty="0"/>
+              <a:rPr lang="de-DE" sz="2400" dirty="0">
+                <a:solidFill>
+                  <a:srgbClr val="FFFFFF"/>
+                </a:solidFill>
+              </a:rPr>
               <a:t>Umsetzung Backend</a:t>
             </a:r>
-            <a:endParaRPr lang="de-AT" dirty="0"/>
+            <a:endParaRPr lang="de-AT" sz="2400" dirty="0">
+              <a:solidFill>
+                <a:srgbClr val="FFFFFF"/>
+              </a:solidFill>
+            </a:endParaRPr>
           </a:p>
         </p:txBody>
       </p:sp>
+      <p:sp>
+        <p:nvSpPr>
+          <p:cNvPr id="11" name="Freeform 31">
+            <a:extLst>
+              <a:ext uri="{FF2B5EF4-FFF2-40B4-BE49-F238E27FC236}">
+                <a16:creationId xmlns:a16="http://schemas.microsoft.com/office/drawing/2014/main" id="{81CC9B02-E087-4350-AEBD-2C3CF001AF01}"/>
+              </a:ext>
+              <a:ext uri="{C183D7F6-B498-43B3-948B-1728B52AA6E4}">
+                <adec:decorative xmlns:adec="http://schemas.microsoft.com/office/drawing/2017/decorative" val="1"/>
+              </a:ext>
+            </a:extLst>
+          </p:cNvPr>
+          <p:cNvSpPr>
+            <a:spLocks noGrp="1" noRot="1" noChangeAspect="1" noMove="1" noResize="1" noEditPoints="1" noAdjustHandles="1" noChangeArrowheads="1" noChangeShapeType="1" noTextEdit="1"/>
+          </p:cNvSpPr>
+          <p:nvPr>
+            <p:extLst>
+              <p:ext uri="{386F3935-93C4-4BCD-93E2-E3B085C9AB24}">
+                <p16:designElem xmlns:p16="http://schemas.microsoft.com/office/powerpoint/2015/main" val="1"/>
+              </p:ext>
+            </p:extLst>
+          </p:nvPr>
+        </p:nvSpPr>
+        <p:spPr>
+          <a:xfrm>
+            <a:off x="7015974" y="-1"/>
+            <a:ext cx="559472" cy="3709642"/>
+          </a:xfrm>
+          <a:custGeom>
+            <a:avLst/>
+            <a:gdLst>
+              <a:gd name="connsiteX0" fmla="*/ 0 w 559472"/>
+              <a:gd name="connsiteY0" fmla="*/ 0 h 3709642"/>
+              <a:gd name="connsiteX1" fmla="*/ 473952 w 559472"/>
+              <a:gd name="connsiteY1" fmla="*/ 0 h 3709642"/>
+              <a:gd name="connsiteX2" fmla="*/ 485840 w 559472"/>
+              <a:gd name="connsiteY2" fmla="*/ 161194 h 3709642"/>
+              <a:gd name="connsiteX3" fmla="*/ 523949 w 559472"/>
+              <a:gd name="connsiteY3" fmla="*/ 3672197 h 3709642"/>
+              <a:gd name="connsiteX4" fmla="*/ 454748 w 559472"/>
+              <a:gd name="connsiteY4" fmla="*/ 3709642 h 3709642"/>
+              <a:gd name="connsiteX5" fmla="*/ 448224 w 559472"/>
+              <a:gd name="connsiteY5" fmla="*/ 3510471 h 3709642"/>
+              <a:gd name="connsiteX6" fmla="*/ 443564 w 559472"/>
+              <a:gd name="connsiteY6" fmla="*/ 3408563 h 3709642"/>
+              <a:gd name="connsiteX7" fmla="*/ 438902 w 559472"/>
+              <a:gd name="connsiteY7" fmla="*/ 3304407 h 3709642"/>
+              <a:gd name="connsiteX8" fmla="*/ 433941 w 559472"/>
+              <a:gd name="connsiteY8" fmla="*/ 3198777 h 3709642"/>
+              <a:gd name="connsiteX9" fmla="*/ 427584 w 559472"/>
+              <a:gd name="connsiteY9" fmla="*/ 3092510 h 3709642"/>
+              <a:gd name="connsiteX10" fmla="*/ 420988 w 559472"/>
+              <a:gd name="connsiteY10" fmla="*/ 2984390 h 3709642"/>
+              <a:gd name="connsiteX11" fmla="*/ 414330 w 559472"/>
+              <a:gd name="connsiteY11" fmla="*/ 2874401 h 3709642"/>
+              <a:gd name="connsiteX12" fmla="*/ 406840 w 559472"/>
+              <a:gd name="connsiteY12" fmla="*/ 2762980 h 3709642"/>
+              <a:gd name="connsiteX13" fmla="*/ 397745 w 559472"/>
+              <a:gd name="connsiteY13" fmla="*/ 2650566 h 3709642"/>
+              <a:gd name="connsiteX14" fmla="*/ 389154 w 559472"/>
+              <a:gd name="connsiteY14" fmla="*/ 2536612 h 3709642"/>
+              <a:gd name="connsiteX15" fmla="*/ 379225 w 559472"/>
+              <a:gd name="connsiteY15" fmla="*/ 2421642 h 3709642"/>
+              <a:gd name="connsiteX16" fmla="*/ 368316 w 559472"/>
+              <a:gd name="connsiteY16" fmla="*/ 2305627 h 3709642"/>
+              <a:gd name="connsiteX17" fmla="*/ 357466 w 559472"/>
+              <a:gd name="connsiteY17" fmla="*/ 2189233 h 3709642"/>
+              <a:gd name="connsiteX18" fmla="*/ 344982 w 559472"/>
+              <a:gd name="connsiteY18" fmla="*/ 2071473 h 3709642"/>
+              <a:gd name="connsiteX19" fmla="*/ 332466 w 559472"/>
+              <a:gd name="connsiteY19" fmla="*/ 1952216 h 3709642"/>
+              <a:gd name="connsiteX20" fmla="*/ 319121 w 559472"/>
+              <a:gd name="connsiteY20" fmla="*/ 1833776 h 3709642"/>
+              <a:gd name="connsiteX21" fmla="*/ 304408 w 559472"/>
+              <a:gd name="connsiteY21" fmla="*/ 1713948 h 3709642"/>
+              <a:gd name="connsiteX22" fmla="*/ 288685 w 559472"/>
+              <a:gd name="connsiteY22" fmla="*/ 1592703 h 3709642"/>
+              <a:gd name="connsiteX23" fmla="*/ 273050 w 559472"/>
+              <a:gd name="connsiteY23" fmla="*/ 1471451 h 3709642"/>
+              <a:gd name="connsiteX24" fmla="*/ 255813 w 559472"/>
+              <a:gd name="connsiteY24" fmla="*/ 1350328 h 3709642"/>
+              <a:gd name="connsiteX25" fmla="*/ 237060 w 559472"/>
+              <a:gd name="connsiteY25" fmla="*/ 1227080 h 3709642"/>
+              <a:gd name="connsiteX26" fmla="*/ 218488 w 559472"/>
+              <a:gd name="connsiteY26" fmla="*/ 1106065 h 3709642"/>
+              <a:gd name="connsiteX27" fmla="*/ 198221 w 559472"/>
+              <a:gd name="connsiteY27" fmla="*/ 982940 h 3709642"/>
+              <a:gd name="connsiteX28" fmla="*/ 177152 w 559472"/>
+              <a:gd name="connsiteY28" fmla="*/ 858755 h 3709642"/>
+              <a:gd name="connsiteX29" fmla="*/ 155551 w 559472"/>
+              <a:gd name="connsiteY29" fmla="*/ 736861 h 3709642"/>
+              <a:gd name="connsiteX30" fmla="*/ 131782 w 559472"/>
+              <a:gd name="connsiteY30" fmla="*/ 613645 h 3709642"/>
+              <a:gd name="connsiteX31" fmla="*/ 107123 w 559472"/>
+              <a:gd name="connsiteY31" fmla="*/ 490500 h 3709642"/>
+              <a:gd name="connsiteX32" fmla="*/ 82552 w 559472"/>
+              <a:gd name="connsiteY32" fmla="*/ 367348 h 3709642"/>
+              <a:gd name="connsiteX33" fmla="*/ 55608 w 559472"/>
+              <a:gd name="connsiteY33" fmla="*/ 244762 h 3709642"/>
+              <a:gd name="connsiteX34" fmla="*/ 28130 w 559472"/>
+              <a:gd name="connsiteY34" fmla="*/ 122220 h 3709642"/>
+              <a:gd name="connsiteX35" fmla="*/ 0 w 559472"/>
+              <a:gd name="connsiteY35" fmla="*/ 0 h 3709642"/>
+            </a:gdLst>
+            <a:ahLst/>
+            <a:cxnLst>
+              <a:cxn ang="0">
+                <a:pos x="connsiteX0" y="connsiteY0"/>
+              </a:cxn>
+              <a:cxn ang="0">
+                <a:pos x="connsiteX1" y="connsiteY1"/>
+              </a:cxn>
+              <a:cxn ang="0">
+                <a:pos x="connsiteX2" y="connsiteY2"/>
+              </a:cxn>
+              <a:cxn ang="0">
+                <a:pos x="connsiteX3" y="connsiteY3"/>
+              </a:cxn>
+              <a:cxn ang="0">
+                <a:pos x="connsiteX4" y="connsiteY4"/>
+              </a:cxn>
+              <a:cxn ang="0">
+                <a:pos x="connsiteX5" y="connsiteY5"/>
+              </a:cxn>
+              <a:cxn ang="0">
+                <a:pos x="connsiteX6" y="connsiteY6"/>
+              </a:cxn>
+              <a:cxn ang="0">
+                <a:pos x="connsiteX7" y="connsiteY7"/>
+              </a:cxn>
+              <a:cxn ang="0">
+                <a:pos x="connsiteX8" y="connsiteY8"/>
+              </a:cxn>
+              <a:cxn ang="0">
+                <a:pos x="connsiteX9" y="connsiteY9"/>
+              </a:cxn>
+              <a:cxn ang="0">
+                <a:pos x="connsiteX10" y="connsiteY10"/>
+              </a:cxn>
+              <a:cxn ang="0">
+                <a:pos x="connsiteX11" y="connsiteY11"/>
+              </a:cxn>
+              <a:cxn ang="0">
+                <a:pos x="connsiteX12" y="connsiteY12"/>
+              </a:cxn>
+              <a:cxn ang="0">
+                <a:pos x="connsiteX13" y="connsiteY13"/>
+              </a:cxn>
+              <a:cxn ang="0">
+                <a:pos x="connsiteX14" y="connsiteY14"/>
+              </a:cxn>
+              <a:cxn ang="0">
+                <a:pos x="connsiteX15" y="connsiteY15"/>
+              </a:cxn>
+              <a:cxn ang="0">
+                <a:pos x="connsiteX16" y="connsiteY16"/>
+              </a:cxn>
+              <a:cxn ang="0">
+                <a:pos x="connsiteX17" y="connsiteY17"/>
+              </a:cxn>
+              <a:cxn ang="0">
+                <a:pos x="connsiteX18" y="connsiteY18"/>
+              </a:cxn>
+              <a:cxn ang="0">
+                <a:pos x="connsiteX19" y="connsiteY19"/>
+              </a:cxn>
+              <a:cxn ang="0">
+                <a:pos x="connsiteX20" y="connsiteY20"/>
+              </a:cxn>
+              <a:cxn ang="0">
+                <a:pos x="connsiteX21" y="connsiteY21"/>
+              </a:cxn>
+              <a:cxn ang="0">
+                <a:pos x="connsiteX22" y="connsiteY22"/>
+              </a:cxn>
+              <a:cxn ang="0">
+                <a:pos x="connsiteX23" y="connsiteY23"/>
+              </a:cxn>
+              <a:cxn ang="0">
+                <a:pos x="connsiteX24" y="connsiteY24"/>
+              </a:cxn>
+              <a:cxn ang="0">
+                <a:pos x="connsiteX25" y="connsiteY25"/>
+              </a:cxn>
+              <a:cxn ang="0">
+                <a:pos x="connsiteX26" y="connsiteY26"/>
+              </a:cxn>
+              <a:cxn ang="0">
+                <a:pos x="connsiteX27" y="connsiteY27"/>
+              </a:cxn>
+              <a:cxn ang="0">
+                <a:pos x="connsiteX28" y="connsiteY28"/>
+              </a:cxn>
+              <a:cxn ang="0">
+                <a:pos x="connsiteX29" y="connsiteY29"/>
+              </a:cxn>
+              <a:cxn ang="0">
+                <a:pos x="connsiteX30" y="connsiteY30"/>
+              </a:cxn>
+              <a:cxn ang="0">
+                <a:pos x="connsiteX31" y="connsiteY31"/>
+              </a:cxn>
+              <a:cxn ang="0">
+                <a:pos x="connsiteX32" y="connsiteY32"/>
+              </a:cxn>
+              <a:cxn ang="0">
+                <a:pos x="connsiteX33" y="connsiteY33"/>
+              </a:cxn>
+              <a:cxn ang="0">
+                <a:pos x="connsiteX34" y="connsiteY34"/>
+              </a:cxn>
+              <a:cxn ang="0">
+                <a:pos x="connsiteX35" y="connsiteY35"/>
+              </a:cxn>
+            </a:cxnLst>
+            <a:rect l="l" t="t" r="r" b="b"/>
+            <a:pathLst>
+              <a:path w="559472" h="3709642">
+                <a:moveTo>
+                  <a:pt x="0" y="0"/>
+                </a:moveTo>
+                <a:lnTo>
+                  <a:pt x="473952" y="0"/>
+                </a:lnTo>
+                <a:lnTo>
+                  <a:pt x="485840" y="161194"/>
+                </a:lnTo>
+                <a:cubicBezTo>
+                  <a:pt x="552063" y="1147770"/>
+                  <a:pt x="592441" y="3086737"/>
+                  <a:pt x="523949" y="3672197"/>
+                </a:cubicBezTo>
+                <a:cubicBezTo>
+                  <a:pt x="500842" y="3684557"/>
+                  <a:pt x="477855" y="3697282"/>
+                  <a:pt x="454748" y="3709642"/>
+                </a:cubicBezTo>
+                <a:lnTo>
+                  <a:pt x="448224" y="3510471"/>
+                </a:lnTo>
+                <a:lnTo>
+                  <a:pt x="443564" y="3408563"/>
+                </a:lnTo>
+                <a:lnTo>
+                  <a:pt x="438902" y="3304407"/>
+                </a:lnTo>
+                <a:lnTo>
+                  <a:pt x="433941" y="3198777"/>
+                </a:lnTo>
+                <a:lnTo>
+                  <a:pt x="427584" y="3092510"/>
+                </a:lnTo>
+                <a:lnTo>
+                  <a:pt x="420988" y="2984390"/>
+                </a:lnTo>
+                <a:lnTo>
+                  <a:pt x="414330" y="2874401"/>
+                </a:lnTo>
+                <a:lnTo>
+                  <a:pt x="406840" y="2762980"/>
+                </a:lnTo>
+                <a:lnTo>
+                  <a:pt x="397745" y="2650566"/>
+                </a:lnTo>
+                <a:lnTo>
+                  <a:pt x="389154" y="2536612"/>
+                </a:lnTo>
+                <a:lnTo>
+                  <a:pt x="379225" y="2421642"/>
+                </a:lnTo>
+                <a:lnTo>
+                  <a:pt x="368316" y="2305627"/>
+                </a:lnTo>
+                <a:lnTo>
+                  <a:pt x="357466" y="2189233"/>
+                </a:lnTo>
+                <a:lnTo>
+                  <a:pt x="344982" y="2071473"/>
+                </a:lnTo>
+                <a:lnTo>
+                  <a:pt x="332466" y="1952216"/>
+                </a:lnTo>
+                <a:lnTo>
+                  <a:pt x="319121" y="1833776"/>
+                </a:lnTo>
+                <a:lnTo>
+                  <a:pt x="304408" y="1713948"/>
+                </a:lnTo>
+                <a:lnTo>
+                  <a:pt x="288685" y="1592703"/>
+                </a:lnTo>
+                <a:lnTo>
+                  <a:pt x="273050" y="1471451"/>
+                </a:lnTo>
+                <a:lnTo>
+                  <a:pt x="255813" y="1350328"/>
+                </a:lnTo>
+                <a:lnTo>
+                  <a:pt x="237060" y="1227080"/>
+                </a:lnTo>
+                <a:lnTo>
+                  <a:pt x="218488" y="1106065"/>
+                </a:lnTo>
+                <a:lnTo>
+                  <a:pt x="198221" y="982940"/>
+                </a:lnTo>
+                <a:lnTo>
+                  <a:pt x="177152" y="858755"/>
+                </a:lnTo>
+                <a:lnTo>
+                  <a:pt x="155551" y="736861"/>
+                </a:lnTo>
+                <a:lnTo>
+                  <a:pt x="131782" y="613645"/>
+                </a:lnTo>
+                <a:lnTo>
+                  <a:pt x="107123" y="490500"/>
+                </a:lnTo>
+                <a:lnTo>
+                  <a:pt x="82552" y="367348"/>
+                </a:lnTo>
+                <a:lnTo>
+                  <a:pt x="55608" y="244762"/>
+                </a:lnTo>
+                <a:lnTo>
+                  <a:pt x="28130" y="122220"/>
+                </a:lnTo>
+                <a:lnTo>
+                  <a:pt x="0" y="0"/>
+                </a:lnTo>
+                <a:close/>
+              </a:path>
+            </a:pathLst>
+          </a:custGeom>
+          <a:solidFill>
+            <a:schemeClr val="tx1">
+              <a:alpha val="20000"/>
+            </a:schemeClr>
+          </a:solidFill>
+          <a:ln>
+            <a:noFill/>
+          </a:ln>
+        </p:spPr>
+        <p:txBody>
+          <a:bodyPr rtlCol="0" anchor="ctr"/>
+          <a:lstStyle/>
+          <a:p>
+            <a:pPr algn="ctr"/>
+            <a:endParaRPr lang="en-US"/>
+          </a:p>
+        </p:txBody>
+      </p:sp>
+      <p:pic>
+        <p:nvPicPr>
+          <p:cNvPr id="5" name="Picture 4">
+            <a:extLst>
+              <a:ext uri="{FF2B5EF4-FFF2-40B4-BE49-F238E27FC236}">
+                <a16:creationId xmlns:a16="http://schemas.microsoft.com/office/drawing/2014/main" id="{3B74C576-422D-45BE-4BBE-3DE9E4DF4842}"/>
+              </a:ext>
+            </a:extLst>
+          </p:cNvPr>
+          <p:cNvPicPr>
+            <a:picLocks noChangeAspect="1"/>
+          </p:cNvPicPr>
+          <p:nvPr/>
+        </p:nvPicPr>
+        <p:blipFill rotWithShape="1">
+          <a:blip r:embed="rId3"/>
+          <a:srcRect l="24529" r="28790" b="-2"/>
+          <a:stretch/>
+        </p:blipFill>
+        <p:spPr>
+          <a:xfrm>
+            <a:off x="7229175" y="1"/>
+            <a:ext cx="4963245" cy="6858001"/>
+          </a:xfrm>
+          <a:custGeom>
+            <a:avLst/>
+            <a:gdLst/>
+            <a:ahLst/>
+            <a:cxnLst/>
+            <a:rect l="l" t="t" r="r" b="b"/>
+            <a:pathLst>
+              <a:path w="4963245" h="6858001">
+                <a:moveTo>
+                  <a:pt x="1177" y="0"/>
+                </a:moveTo>
+                <a:lnTo>
+                  <a:pt x="1344715" y="0"/>
+                </a:lnTo>
+                <a:lnTo>
+                  <a:pt x="1344715" y="1"/>
+                </a:lnTo>
+                <a:lnTo>
+                  <a:pt x="4963245" y="1"/>
+                </a:lnTo>
+                <a:lnTo>
+                  <a:pt x="4963244" y="6858001"/>
+                </a:lnTo>
+                <a:lnTo>
+                  <a:pt x="900697" y="6858001"/>
+                </a:lnTo>
+                <a:lnTo>
+                  <a:pt x="900697" y="6858000"/>
+                </a:lnTo>
+                <a:lnTo>
+                  <a:pt x="0" y="6858000"/>
+                </a:lnTo>
+                <a:lnTo>
+                  <a:pt x="5883" y="6817538"/>
+                </a:lnTo>
+                <a:lnTo>
+                  <a:pt x="23196" y="6698894"/>
+                </a:lnTo>
+                <a:lnTo>
+                  <a:pt x="35299" y="6612483"/>
+                </a:lnTo>
+                <a:lnTo>
+                  <a:pt x="48073" y="6509613"/>
+                </a:lnTo>
+                <a:lnTo>
+                  <a:pt x="63369" y="6387541"/>
+                </a:lnTo>
+                <a:lnTo>
+                  <a:pt x="79506" y="6252438"/>
+                </a:lnTo>
+                <a:lnTo>
+                  <a:pt x="96483" y="6100191"/>
+                </a:lnTo>
+                <a:lnTo>
+                  <a:pt x="114469" y="5934227"/>
+                </a:lnTo>
+                <a:lnTo>
+                  <a:pt x="132454" y="5753862"/>
+                </a:lnTo>
+                <a:lnTo>
+                  <a:pt x="150776" y="5561838"/>
+                </a:lnTo>
+                <a:lnTo>
+                  <a:pt x="167753" y="5354726"/>
+                </a:lnTo>
+                <a:lnTo>
+                  <a:pt x="184058" y="5138013"/>
+                </a:lnTo>
+                <a:lnTo>
+                  <a:pt x="198849" y="4908956"/>
+                </a:lnTo>
+                <a:lnTo>
+                  <a:pt x="212969" y="4670298"/>
+                </a:lnTo>
+                <a:lnTo>
+                  <a:pt x="226248" y="4421352"/>
+                </a:lnTo>
+                <a:lnTo>
+                  <a:pt x="230955" y="4293793"/>
+                </a:lnTo>
+                <a:lnTo>
+                  <a:pt x="236165" y="4163492"/>
+                </a:lnTo>
+                <a:lnTo>
+                  <a:pt x="241040" y="4031133"/>
+                </a:lnTo>
+                <a:lnTo>
+                  <a:pt x="244234" y="3898087"/>
+                </a:lnTo>
+                <a:lnTo>
+                  <a:pt x="247091" y="3762299"/>
+                </a:lnTo>
+                <a:lnTo>
+                  <a:pt x="250117" y="3625139"/>
+                </a:lnTo>
+                <a:lnTo>
+                  <a:pt x="252134" y="3485236"/>
+                </a:lnTo>
+                <a:lnTo>
+                  <a:pt x="252134" y="3343961"/>
+                </a:lnTo>
+                <a:lnTo>
+                  <a:pt x="253142" y="3201315"/>
+                </a:lnTo>
+                <a:lnTo>
+                  <a:pt x="252134" y="3057297"/>
+                </a:lnTo>
+                <a:lnTo>
+                  <a:pt x="250117" y="2911221"/>
+                </a:lnTo>
+                <a:lnTo>
+                  <a:pt x="248268" y="2765146"/>
+                </a:lnTo>
+                <a:lnTo>
+                  <a:pt x="244234" y="2617013"/>
+                </a:lnTo>
+                <a:lnTo>
+                  <a:pt x="240032" y="2467509"/>
+                </a:lnTo>
+                <a:lnTo>
+                  <a:pt x="235157" y="2318004"/>
+                </a:lnTo>
+                <a:lnTo>
+                  <a:pt x="228266" y="2167128"/>
+                </a:lnTo>
+                <a:lnTo>
+                  <a:pt x="220029" y="2014881"/>
+                </a:lnTo>
+                <a:lnTo>
+                  <a:pt x="212129" y="1861947"/>
+                </a:lnTo>
+                <a:lnTo>
+                  <a:pt x="202044" y="1709014"/>
+                </a:lnTo>
+                <a:lnTo>
+                  <a:pt x="189941" y="1554023"/>
+                </a:lnTo>
+                <a:lnTo>
+                  <a:pt x="177839" y="1401090"/>
+                </a:lnTo>
+                <a:lnTo>
+                  <a:pt x="163887" y="1245413"/>
+                </a:lnTo>
+                <a:lnTo>
+                  <a:pt x="148591" y="1089051"/>
+                </a:lnTo>
+                <a:lnTo>
+                  <a:pt x="132455" y="934746"/>
+                </a:lnTo>
+                <a:lnTo>
+                  <a:pt x="113629" y="778383"/>
+                </a:lnTo>
+                <a:lnTo>
+                  <a:pt x="93458" y="622707"/>
+                </a:lnTo>
+                <a:lnTo>
+                  <a:pt x="73455" y="466344"/>
+                </a:lnTo>
+                <a:lnTo>
+                  <a:pt x="50091" y="310668"/>
+                </a:lnTo>
+                <a:lnTo>
+                  <a:pt x="26222" y="155677"/>
+                </a:lnTo>
+                <a:close/>
+              </a:path>
+            </a:pathLst>
+          </a:custGeom>
+        </p:spPr>
+      </p:pic>
     </p:spTree>
     <p:extLst>
       <p:ext uri="{BB962C8B-B14F-4D97-AF65-F5344CB8AC3E}">
@@ -13695,13 +15438,13 @@
   <p:clrMapOvr>
     <a:masterClrMapping/>
   </p:clrMapOvr>
-  <mc:AlternateContent xmlns:mc="http://schemas.openxmlformats.org/markup-compatibility/2006">
-    <mc:Choice xmlns:p14="http://schemas.microsoft.com/office/powerpoint/2010/main" Requires="p14">
+  <mc:AlternateContent xmlns:mc="http://schemas.openxmlformats.org/markup-compatibility/2006" xmlns:p14="http://schemas.microsoft.com/office/powerpoint/2010/main">
+    <mc:Choice Requires="p14">
       <p:transition spd="med" p14:dur="700">
         <p:fade/>
       </p:transition>
     </mc:Choice>
-    <mc:Fallback>
+    <mc:Fallback xmlns="">
       <p:transition spd="med">
         <p:fade/>
       </p:transition>
@@ -13713,6 +15456,30 @@
 <file path=ppt/slides/slide5.xml><?xml version="1.0" encoding="utf-8"?>
 <p:sld xmlns:a="http://schemas.openxmlformats.org/drawingml/2006/main" xmlns:r="http://schemas.openxmlformats.org/officeDocument/2006/relationships" xmlns:p="http://schemas.openxmlformats.org/presentationml/2006/main">
   <p:cSld>
+    <p:bg>
+      <p:bgPr>
+        <a:blipFill rotWithShape="1">
+          <a:blip r:embed="rId2">
+            <a:duotone>
+              <a:schemeClr val="bg2">
+                <a:shade val="69000"/>
+                <a:hueMod val="108000"/>
+                <a:satMod val="164000"/>
+                <a:lumMod val="74000"/>
+              </a:schemeClr>
+              <a:schemeClr val="bg2">
+                <a:tint val="96000"/>
+                <a:hueMod val="88000"/>
+                <a:satMod val="140000"/>
+                <a:lumMod val="132000"/>
+              </a:schemeClr>
+            </a:duotone>
+          </a:blip>
+          <a:stretch/>
+        </a:blipFill>
+        <a:effectLst/>
+      </p:bgPr>
+    </p:bg>
     <p:spTree>
       <p:nvGrpSpPr>
         <p:cNvPr id="1" name=""/>
@@ -13729,6 +15496,66 @@
       </p:grpSpPr>
       <p:sp>
         <p:nvSpPr>
+          <p:cNvPr id="9" name="Rectangle 8">
+            <a:extLst>
+              <a:ext uri="{FF2B5EF4-FFF2-40B4-BE49-F238E27FC236}">
+                <a16:creationId xmlns:a16="http://schemas.microsoft.com/office/drawing/2014/main" id="{C8A3C342-1D03-412F-8DD3-BF519E8E0AE9}"/>
+              </a:ext>
+              <a:ext uri="{C183D7F6-B498-43B3-948B-1728B52AA6E4}">
+                <adec:decorative xmlns:adec="http://schemas.microsoft.com/office/drawing/2017/decorative" val="1"/>
+              </a:ext>
+            </a:extLst>
+          </p:cNvPr>
+          <p:cNvSpPr>
+            <a:spLocks noGrp="1" noRot="1" noChangeAspect="1" noMove="1" noResize="1" noEditPoints="1" noAdjustHandles="1" noChangeArrowheads="1" noChangeShapeType="1" noTextEdit="1"/>
+          </p:cNvSpPr>
+          <p:nvPr>
+            <p:extLst>
+              <p:ext uri="{386F3935-93C4-4BCD-93E2-E3B085C9AB24}">
+                <p16:designElem xmlns:p16="http://schemas.microsoft.com/office/powerpoint/2015/main" val="1"/>
+              </p:ext>
+            </p:extLst>
+          </p:nvPr>
+        </p:nvSpPr>
+        <p:spPr>
+          <a:xfrm>
+            <a:off x="0" y="0"/>
+            <a:ext cx="12192000" cy="6858000"/>
+          </a:xfrm>
+          <a:prstGeom prst="rect">
+            <a:avLst/>
+          </a:prstGeom>
+          <a:ln>
+            <a:noFill/>
+          </a:ln>
+        </p:spPr>
+        <p:style>
+          <a:lnRef idx="2">
+            <a:schemeClr val="accent1">
+              <a:shade val="50000"/>
+            </a:schemeClr>
+          </a:lnRef>
+          <a:fillRef idx="1003">
+            <a:schemeClr val="dk2"/>
+          </a:fillRef>
+          <a:effectRef idx="0">
+            <a:schemeClr val="accent1"/>
+          </a:effectRef>
+          <a:fontRef idx="minor">
+            <a:schemeClr val="lt1"/>
+          </a:fontRef>
+        </p:style>
+        <p:txBody>
+          <a:bodyPr rtlCol="0" anchor="ctr"/>
+          <a:lstStyle/>
+          <a:p>
+            <a:pPr algn="ctr"/>
+            <a:endParaRPr lang="en-US"/>
+          </a:p>
+        </p:txBody>
+      </p:sp>
+      <p:sp>
+        <p:nvSpPr>
           <p:cNvPr id="2" name="Titel 1">
             <a:extLst>
               <a:ext uri="{FF2B5EF4-FFF2-40B4-BE49-F238E27FC236}">
@@ -13743,20 +15570,31 @@
             <p:ph type="title"/>
           </p:nvPr>
         </p:nvSpPr>
-        <p:spPr/>
+        <p:spPr>
+          <a:xfrm>
+            <a:off x="648930" y="629266"/>
+            <a:ext cx="6188190" cy="1622321"/>
+          </a:xfrm>
+        </p:spPr>
         <p:txBody>
-          <a:bodyPr/>
+          <a:bodyPr>
+            <a:normAutofit/>
+          </a:bodyPr>
           <a:lstStyle/>
           <a:p>
             <a:r>
-              <a:rPr lang="de-DE" dirty="0"/>
-              <a:t>Inhaltsübersicht Teil 2 – Mirzet </a:t>
+              <a:rPr lang="de-DE">
+                <a:solidFill>
+                  <a:srgbClr val="EBEBEB"/>
+                </a:solidFill>
+              </a:rPr>
+              <a:t>Inhaltsübersicht Teil 2 – Mirzet Sankonjic</a:t>
             </a:r>
-            <a:r>
-              <a:rPr lang="de-DE" dirty="0" err="1"/>
-              <a:t>Sankonjic</a:t>
-            </a:r>
-            <a:endParaRPr lang="de-AT" dirty="0"/>
+            <a:endParaRPr lang="de-AT">
+              <a:solidFill>
+                <a:srgbClr val="EBEBEB"/>
+              </a:solidFill>
+            </a:endParaRPr>
           </a:p>
         </p:txBody>
       </p:sp>
@@ -13776,25 +15614,590 @@
             <p:ph idx="1"/>
           </p:nvPr>
         </p:nvSpPr>
-        <p:spPr/>
+        <p:spPr>
+          <a:xfrm>
+            <a:off x="648930" y="2438400"/>
+            <a:ext cx="6188189" cy="3785419"/>
+          </a:xfrm>
+        </p:spPr>
         <p:txBody>
-          <a:bodyPr/>
+          <a:bodyPr>
+            <a:normAutofit/>
+          </a:bodyPr>
           <a:lstStyle/>
           <a:p>
             <a:r>
-              <a:rPr lang="de-DE" dirty="0"/>
+              <a:rPr lang="de-DE" sz="2400" dirty="0">
+                <a:solidFill>
+                  <a:srgbClr val="FFFFFF"/>
+                </a:solidFill>
+              </a:rPr>
               <a:t>Umsetzung Frontend</a:t>
             </a:r>
           </a:p>
           <a:p>
             <a:r>
-              <a:rPr lang="de-DE" dirty="0"/>
+              <a:rPr lang="de-DE" sz="2400" dirty="0">
+                <a:solidFill>
+                  <a:srgbClr val="FFFFFF"/>
+                </a:solidFill>
+              </a:rPr>
               <a:t>GUI der Feedback App</a:t>
             </a:r>
-            <a:endParaRPr lang="de-AT" dirty="0"/>
+            <a:endParaRPr lang="de-AT" sz="2400" dirty="0">
+              <a:solidFill>
+                <a:srgbClr val="FFFFFF"/>
+              </a:solidFill>
+            </a:endParaRPr>
           </a:p>
         </p:txBody>
       </p:sp>
+      <p:sp>
+        <p:nvSpPr>
+          <p:cNvPr id="11" name="Freeform 31">
+            <a:extLst>
+              <a:ext uri="{FF2B5EF4-FFF2-40B4-BE49-F238E27FC236}">
+                <a16:creationId xmlns:a16="http://schemas.microsoft.com/office/drawing/2014/main" id="{81CC9B02-E087-4350-AEBD-2C3CF001AF01}"/>
+              </a:ext>
+              <a:ext uri="{C183D7F6-B498-43B3-948B-1728B52AA6E4}">
+                <adec:decorative xmlns:adec="http://schemas.microsoft.com/office/drawing/2017/decorative" val="1"/>
+              </a:ext>
+            </a:extLst>
+          </p:cNvPr>
+          <p:cNvSpPr>
+            <a:spLocks noGrp="1" noRot="1" noChangeAspect="1" noMove="1" noResize="1" noEditPoints="1" noAdjustHandles="1" noChangeArrowheads="1" noChangeShapeType="1" noTextEdit="1"/>
+          </p:cNvSpPr>
+          <p:nvPr>
+            <p:extLst>
+              <p:ext uri="{386F3935-93C4-4BCD-93E2-E3B085C9AB24}">
+                <p16:designElem xmlns:p16="http://schemas.microsoft.com/office/powerpoint/2015/main" val="1"/>
+              </p:ext>
+            </p:extLst>
+          </p:nvPr>
+        </p:nvSpPr>
+        <p:spPr>
+          <a:xfrm>
+            <a:off x="7015974" y="-1"/>
+            <a:ext cx="559472" cy="3709642"/>
+          </a:xfrm>
+          <a:custGeom>
+            <a:avLst/>
+            <a:gdLst>
+              <a:gd name="connsiteX0" fmla="*/ 0 w 559472"/>
+              <a:gd name="connsiteY0" fmla="*/ 0 h 3709642"/>
+              <a:gd name="connsiteX1" fmla="*/ 473952 w 559472"/>
+              <a:gd name="connsiteY1" fmla="*/ 0 h 3709642"/>
+              <a:gd name="connsiteX2" fmla="*/ 485840 w 559472"/>
+              <a:gd name="connsiteY2" fmla="*/ 161194 h 3709642"/>
+              <a:gd name="connsiteX3" fmla="*/ 523949 w 559472"/>
+              <a:gd name="connsiteY3" fmla="*/ 3672197 h 3709642"/>
+              <a:gd name="connsiteX4" fmla="*/ 454748 w 559472"/>
+              <a:gd name="connsiteY4" fmla="*/ 3709642 h 3709642"/>
+              <a:gd name="connsiteX5" fmla="*/ 448224 w 559472"/>
+              <a:gd name="connsiteY5" fmla="*/ 3510471 h 3709642"/>
+              <a:gd name="connsiteX6" fmla="*/ 443564 w 559472"/>
+              <a:gd name="connsiteY6" fmla="*/ 3408563 h 3709642"/>
+              <a:gd name="connsiteX7" fmla="*/ 438902 w 559472"/>
+              <a:gd name="connsiteY7" fmla="*/ 3304407 h 3709642"/>
+              <a:gd name="connsiteX8" fmla="*/ 433941 w 559472"/>
+              <a:gd name="connsiteY8" fmla="*/ 3198777 h 3709642"/>
+              <a:gd name="connsiteX9" fmla="*/ 427584 w 559472"/>
+              <a:gd name="connsiteY9" fmla="*/ 3092510 h 3709642"/>
+              <a:gd name="connsiteX10" fmla="*/ 420988 w 559472"/>
+              <a:gd name="connsiteY10" fmla="*/ 2984390 h 3709642"/>
+              <a:gd name="connsiteX11" fmla="*/ 414330 w 559472"/>
+              <a:gd name="connsiteY11" fmla="*/ 2874401 h 3709642"/>
+              <a:gd name="connsiteX12" fmla="*/ 406840 w 559472"/>
+              <a:gd name="connsiteY12" fmla="*/ 2762980 h 3709642"/>
+              <a:gd name="connsiteX13" fmla="*/ 397745 w 559472"/>
+              <a:gd name="connsiteY13" fmla="*/ 2650566 h 3709642"/>
+              <a:gd name="connsiteX14" fmla="*/ 389154 w 559472"/>
+              <a:gd name="connsiteY14" fmla="*/ 2536612 h 3709642"/>
+              <a:gd name="connsiteX15" fmla="*/ 379225 w 559472"/>
+              <a:gd name="connsiteY15" fmla="*/ 2421642 h 3709642"/>
+              <a:gd name="connsiteX16" fmla="*/ 368316 w 559472"/>
+              <a:gd name="connsiteY16" fmla="*/ 2305627 h 3709642"/>
+              <a:gd name="connsiteX17" fmla="*/ 357466 w 559472"/>
+              <a:gd name="connsiteY17" fmla="*/ 2189233 h 3709642"/>
+              <a:gd name="connsiteX18" fmla="*/ 344982 w 559472"/>
+              <a:gd name="connsiteY18" fmla="*/ 2071473 h 3709642"/>
+              <a:gd name="connsiteX19" fmla="*/ 332466 w 559472"/>
+              <a:gd name="connsiteY19" fmla="*/ 1952216 h 3709642"/>
+              <a:gd name="connsiteX20" fmla="*/ 319121 w 559472"/>
+              <a:gd name="connsiteY20" fmla="*/ 1833776 h 3709642"/>
+              <a:gd name="connsiteX21" fmla="*/ 304408 w 559472"/>
+              <a:gd name="connsiteY21" fmla="*/ 1713948 h 3709642"/>
+              <a:gd name="connsiteX22" fmla="*/ 288685 w 559472"/>
+              <a:gd name="connsiteY22" fmla="*/ 1592703 h 3709642"/>
+              <a:gd name="connsiteX23" fmla="*/ 273050 w 559472"/>
+              <a:gd name="connsiteY23" fmla="*/ 1471451 h 3709642"/>
+              <a:gd name="connsiteX24" fmla="*/ 255813 w 559472"/>
+              <a:gd name="connsiteY24" fmla="*/ 1350328 h 3709642"/>
+              <a:gd name="connsiteX25" fmla="*/ 237060 w 559472"/>
+              <a:gd name="connsiteY25" fmla="*/ 1227080 h 3709642"/>
+              <a:gd name="connsiteX26" fmla="*/ 218488 w 559472"/>
+              <a:gd name="connsiteY26" fmla="*/ 1106065 h 3709642"/>
+              <a:gd name="connsiteX27" fmla="*/ 198221 w 559472"/>
+              <a:gd name="connsiteY27" fmla="*/ 982940 h 3709642"/>
+              <a:gd name="connsiteX28" fmla="*/ 177152 w 559472"/>
+              <a:gd name="connsiteY28" fmla="*/ 858755 h 3709642"/>
+              <a:gd name="connsiteX29" fmla="*/ 155551 w 559472"/>
+              <a:gd name="connsiteY29" fmla="*/ 736861 h 3709642"/>
+              <a:gd name="connsiteX30" fmla="*/ 131782 w 559472"/>
+              <a:gd name="connsiteY30" fmla="*/ 613645 h 3709642"/>
+              <a:gd name="connsiteX31" fmla="*/ 107123 w 559472"/>
+              <a:gd name="connsiteY31" fmla="*/ 490500 h 3709642"/>
+              <a:gd name="connsiteX32" fmla="*/ 82552 w 559472"/>
+              <a:gd name="connsiteY32" fmla="*/ 367348 h 3709642"/>
+              <a:gd name="connsiteX33" fmla="*/ 55608 w 559472"/>
+              <a:gd name="connsiteY33" fmla="*/ 244762 h 3709642"/>
+              <a:gd name="connsiteX34" fmla="*/ 28130 w 559472"/>
+              <a:gd name="connsiteY34" fmla="*/ 122220 h 3709642"/>
+              <a:gd name="connsiteX35" fmla="*/ 0 w 559472"/>
+              <a:gd name="connsiteY35" fmla="*/ 0 h 3709642"/>
+            </a:gdLst>
+            <a:ahLst/>
+            <a:cxnLst>
+              <a:cxn ang="0">
+                <a:pos x="connsiteX0" y="connsiteY0"/>
+              </a:cxn>
+              <a:cxn ang="0">
+                <a:pos x="connsiteX1" y="connsiteY1"/>
+              </a:cxn>
+              <a:cxn ang="0">
+                <a:pos x="connsiteX2" y="connsiteY2"/>
+              </a:cxn>
+              <a:cxn ang="0">
+                <a:pos x="connsiteX3" y="connsiteY3"/>
+              </a:cxn>
+              <a:cxn ang="0">
+                <a:pos x="connsiteX4" y="connsiteY4"/>
+              </a:cxn>
+              <a:cxn ang="0">
+                <a:pos x="connsiteX5" y="connsiteY5"/>
+              </a:cxn>
+              <a:cxn ang="0">
+                <a:pos x="connsiteX6" y="connsiteY6"/>
+              </a:cxn>
+              <a:cxn ang="0">
+                <a:pos x="connsiteX7" y="connsiteY7"/>
+              </a:cxn>
+              <a:cxn ang="0">
+                <a:pos x="connsiteX8" y="connsiteY8"/>
+              </a:cxn>
+              <a:cxn ang="0">
+                <a:pos x="connsiteX9" y="connsiteY9"/>
+              </a:cxn>
+              <a:cxn ang="0">
+                <a:pos x="connsiteX10" y="connsiteY10"/>
+              </a:cxn>
+              <a:cxn ang="0">
+                <a:pos x="connsiteX11" y="connsiteY11"/>
+              </a:cxn>
+              <a:cxn ang="0">
+                <a:pos x="connsiteX12" y="connsiteY12"/>
+              </a:cxn>
+              <a:cxn ang="0">
+                <a:pos x="connsiteX13" y="connsiteY13"/>
+              </a:cxn>
+              <a:cxn ang="0">
+                <a:pos x="connsiteX14" y="connsiteY14"/>
+              </a:cxn>
+              <a:cxn ang="0">
+                <a:pos x="connsiteX15" y="connsiteY15"/>
+              </a:cxn>
+              <a:cxn ang="0">
+                <a:pos x="connsiteX16" y="connsiteY16"/>
+              </a:cxn>
+              <a:cxn ang="0">
+                <a:pos x="connsiteX17" y="connsiteY17"/>
+              </a:cxn>
+              <a:cxn ang="0">
+                <a:pos x="connsiteX18" y="connsiteY18"/>
+              </a:cxn>
+              <a:cxn ang="0">
+                <a:pos x="connsiteX19" y="connsiteY19"/>
+              </a:cxn>
+              <a:cxn ang="0">
+                <a:pos x="connsiteX20" y="connsiteY20"/>
+              </a:cxn>
+              <a:cxn ang="0">
+                <a:pos x="connsiteX21" y="connsiteY21"/>
+              </a:cxn>
+              <a:cxn ang="0">
+                <a:pos x="connsiteX22" y="connsiteY22"/>
+              </a:cxn>
+              <a:cxn ang="0">
+                <a:pos x="connsiteX23" y="connsiteY23"/>
+              </a:cxn>
+              <a:cxn ang="0">
+                <a:pos x="connsiteX24" y="connsiteY24"/>
+              </a:cxn>
+              <a:cxn ang="0">
+                <a:pos x="connsiteX25" y="connsiteY25"/>
+              </a:cxn>
+              <a:cxn ang="0">
+                <a:pos x="connsiteX26" y="connsiteY26"/>
+              </a:cxn>
+              <a:cxn ang="0">
+                <a:pos x="connsiteX27" y="connsiteY27"/>
+              </a:cxn>
+              <a:cxn ang="0">
+                <a:pos x="connsiteX28" y="connsiteY28"/>
+              </a:cxn>
+              <a:cxn ang="0">
+                <a:pos x="connsiteX29" y="connsiteY29"/>
+              </a:cxn>
+              <a:cxn ang="0">
+                <a:pos x="connsiteX30" y="connsiteY30"/>
+              </a:cxn>
+              <a:cxn ang="0">
+                <a:pos x="connsiteX31" y="connsiteY31"/>
+              </a:cxn>
+              <a:cxn ang="0">
+                <a:pos x="connsiteX32" y="connsiteY32"/>
+              </a:cxn>
+              <a:cxn ang="0">
+                <a:pos x="connsiteX33" y="connsiteY33"/>
+              </a:cxn>
+              <a:cxn ang="0">
+                <a:pos x="connsiteX34" y="connsiteY34"/>
+              </a:cxn>
+              <a:cxn ang="0">
+                <a:pos x="connsiteX35" y="connsiteY35"/>
+              </a:cxn>
+            </a:cxnLst>
+            <a:rect l="l" t="t" r="r" b="b"/>
+            <a:pathLst>
+              <a:path w="559472" h="3709642">
+                <a:moveTo>
+                  <a:pt x="0" y="0"/>
+                </a:moveTo>
+                <a:lnTo>
+                  <a:pt x="473952" y="0"/>
+                </a:lnTo>
+                <a:lnTo>
+                  <a:pt x="485840" y="161194"/>
+                </a:lnTo>
+                <a:cubicBezTo>
+                  <a:pt x="552063" y="1147770"/>
+                  <a:pt x="592441" y="3086737"/>
+                  <a:pt x="523949" y="3672197"/>
+                </a:cubicBezTo>
+                <a:cubicBezTo>
+                  <a:pt x="500842" y="3684557"/>
+                  <a:pt x="477855" y="3697282"/>
+                  <a:pt x="454748" y="3709642"/>
+                </a:cubicBezTo>
+                <a:lnTo>
+                  <a:pt x="448224" y="3510471"/>
+                </a:lnTo>
+                <a:lnTo>
+                  <a:pt x="443564" y="3408563"/>
+                </a:lnTo>
+                <a:lnTo>
+                  <a:pt x="438902" y="3304407"/>
+                </a:lnTo>
+                <a:lnTo>
+                  <a:pt x="433941" y="3198777"/>
+                </a:lnTo>
+                <a:lnTo>
+                  <a:pt x="427584" y="3092510"/>
+                </a:lnTo>
+                <a:lnTo>
+                  <a:pt x="420988" y="2984390"/>
+                </a:lnTo>
+                <a:lnTo>
+                  <a:pt x="414330" y="2874401"/>
+                </a:lnTo>
+                <a:lnTo>
+                  <a:pt x="406840" y="2762980"/>
+                </a:lnTo>
+                <a:lnTo>
+                  <a:pt x="397745" y="2650566"/>
+                </a:lnTo>
+                <a:lnTo>
+                  <a:pt x="389154" y="2536612"/>
+                </a:lnTo>
+                <a:lnTo>
+                  <a:pt x="379225" y="2421642"/>
+                </a:lnTo>
+                <a:lnTo>
+                  <a:pt x="368316" y="2305627"/>
+                </a:lnTo>
+                <a:lnTo>
+                  <a:pt x="357466" y="2189233"/>
+                </a:lnTo>
+                <a:lnTo>
+                  <a:pt x="344982" y="2071473"/>
+                </a:lnTo>
+                <a:lnTo>
+                  <a:pt x="332466" y="1952216"/>
+                </a:lnTo>
+                <a:lnTo>
+                  <a:pt x="319121" y="1833776"/>
+                </a:lnTo>
+                <a:lnTo>
+                  <a:pt x="304408" y="1713948"/>
+                </a:lnTo>
+                <a:lnTo>
+                  <a:pt x="288685" y="1592703"/>
+                </a:lnTo>
+                <a:lnTo>
+                  <a:pt x="273050" y="1471451"/>
+                </a:lnTo>
+                <a:lnTo>
+                  <a:pt x="255813" y="1350328"/>
+                </a:lnTo>
+                <a:lnTo>
+                  <a:pt x="237060" y="1227080"/>
+                </a:lnTo>
+                <a:lnTo>
+                  <a:pt x="218488" y="1106065"/>
+                </a:lnTo>
+                <a:lnTo>
+                  <a:pt x="198221" y="982940"/>
+                </a:lnTo>
+                <a:lnTo>
+                  <a:pt x="177152" y="858755"/>
+                </a:lnTo>
+                <a:lnTo>
+                  <a:pt x="155551" y="736861"/>
+                </a:lnTo>
+                <a:lnTo>
+                  <a:pt x="131782" y="613645"/>
+                </a:lnTo>
+                <a:lnTo>
+                  <a:pt x="107123" y="490500"/>
+                </a:lnTo>
+                <a:lnTo>
+                  <a:pt x="82552" y="367348"/>
+                </a:lnTo>
+                <a:lnTo>
+                  <a:pt x="55608" y="244762"/>
+                </a:lnTo>
+                <a:lnTo>
+                  <a:pt x="28130" y="122220"/>
+                </a:lnTo>
+                <a:lnTo>
+                  <a:pt x="0" y="0"/>
+                </a:lnTo>
+                <a:close/>
+              </a:path>
+            </a:pathLst>
+          </a:custGeom>
+          <a:solidFill>
+            <a:schemeClr val="tx1">
+              <a:alpha val="20000"/>
+            </a:schemeClr>
+          </a:solidFill>
+          <a:ln>
+            <a:noFill/>
+          </a:ln>
+        </p:spPr>
+        <p:txBody>
+          <a:bodyPr rtlCol="0" anchor="ctr"/>
+          <a:lstStyle/>
+          <a:p>
+            <a:pPr algn="ctr"/>
+            <a:endParaRPr lang="en-US"/>
+          </a:p>
+        </p:txBody>
+      </p:sp>
+      <p:pic>
+        <p:nvPicPr>
+          <p:cNvPr id="5" name="Picture 4">
+            <a:extLst>
+              <a:ext uri="{FF2B5EF4-FFF2-40B4-BE49-F238E27FC236}">
+                <a16:creationId xmlns:a16="http://schemas.microsoft.com/office/drawing/2014/main" id="{5C1B77D8-55B4-8EB4-5706-8FB11AABFE83}"/>
+              </a:ext>
+            </a:extLst>
+          </p:cNvPr>
+          <p:cNvPicPr>
+            <a:picLocks noChangeAspect="1"/>
+          </p:cNvPicPr>
+          <p:nvPr/>
+        </p:nvPicPr>
+        <p:blipFill rotWithShape="1">
+          <a:blip r:embed="rId3"/>
+          <a:srcRect l="7150" r="44542" b="-2"/>
+          <a:stretch/>
+        </p:blipFill>
+        <p:spPr>
+          <a:xfrm>
+            <a:off x="7229175" y="1"/>
+            <a:ext cx="4963245" cy="6858001"/>
+          </a:xfrm>
+          <a:custGeom>
+            <a:avLst/>
+            <a:gdLst/>
+            <a:ahLst/>
+            <a:cxnLst/>
+            <a:rect l="l" t="t" r="r" b="b"/>
+            <a:pathLst>
+              <a:path w="4963245" h="6858001">
+                <a:moveTo>
+                  <a:pt x="1177" y="0"/>
+                </a:moveTo>
+                <a:lnTo>
+                  <a:pt x="1344715" y="0"/>
+                </a:lnTo>
+                <a:lnTo>
+                  <a:pt x="1344715" y="1"/>
+                </a:lnTo>
+                <a:lnTo>
+                  <a:pt x="4963245" y="1"/>
+                </a:lnTo>
+                <a:lnTo>
+                  <a:pt x="4963244" y="6858001"/>
+                </a:lnTo>
+                <a:lnTo>
+                  <a:pt x="900697" y="6858001"/>
+                </a:lnTo>
+                <a:lnTo>
+                  <a:pt x="900697" y="6858000"/>
+                </a:lnTo>
+                <a:lnTo>
+                  <a:pt x="0" y="6858000"/>
+                </a:lnTo>
+                <a:lnTo>
+                  <a:pt x="5883" y="6817538"/>
+                </a:lnTo>
+                <a:lnTo>
+                  <a:pt x="23196" y="6698894"/>
+                </a:lnTo>
+                <a:lnTo>
+                  <a:pt x="35299" y="6612483"/>
+                </a:lnTo>
+                <a:lnTo>
+                  <a:pt x="48073" y="6509613"/>
+                </a:lnTo>
+                <a:lnTo>
+                  <a:pt x="63369" y="6387541"/>
+                </a:lnTo>
+                <a:lnTo>
+                  <a:pt x="79506" y="6252438"/>
+                </a:lnTo>
+                <a:lnTo>
+                  <a:pt x="96483" y="6100191"/>
+                </a:lnTo>
+                <a:lnTo>
+                  <a:pt x="114469" y="5934227"/>
+                </a:lnTo>
+                <a:lnTo>
+                  <a:pt x="132454" y="5753862"/>
+                </a:lnTo>
+                <a:lnTo>
+                  <a:pt x="150776" y="5561838"/>
+                </a:lnTo>
+                <a:lnTo>
+                  <a:pt x="167753" y="5354726"/>
+                </a:lnTo>
+                <a:lnTo>
+                  <a:pt x="184058" y="5138013"/>
+                </a:lnTo>
+                <a:lnTo>
+                  <a:pt x="198849" y="4908956"/>
+                </a:lnTo>
+                <a:lnTo>
+                  <a:pt x="212969" y="4670298"/>
+                </a:lnTo>
+                <a:lnTo>
+                  <a:pt x="226248" y="4421352"/>
+                </a:lnTo>
+                <a:lnTo>
+                  <a:pt x="230955" y="4293793"/>
+                </a:lnTo>
+                <a:lnTo>
+                  <a:pt x="236165" y="4163492"/>
+                </a:lnTo>
+                <a:lnTo>
+                  <a:pt x="241040" y="4031133"/>
+                </a:lnTo>
+                <a:lnTo>
+                  <a:pt x="244234" y="3898087"/>
+                </a:lnTo>
+                <a:lnTo>
+                  <a:pt x="247091" y="3762299"/>
+                </a:lnTo>
+                <a:lnTo>
+                  <a:pt x="250117" y="3625139"/>
+                </a:lnTo>
+                <a:lnTo>
+                  <a:pt x="252134" y="3485236"/>
+                </a:lnTo>
+                <a:lnTo>
+                  <a:pt x="252134" y="3343961"/>
+                </a:lnTo>
+                <a:lnTo>
+                  <a:pt x="253142" y="3201315"/>
+                </a:lnTo>
+                <a:lnTo>
+                  <a:pt x="252134" y="3057297"/>
+                </a:lnTo>
+                <a:lnTo>
+                  <a:pt x="250117" y="2911221"/>
+                </a:lnTo>
+                <a:lnTo>
+                  <a:pt x="248268" y="2765146"/>
+                </a:lnTo>
+                <a:lnTo>
+                  <a:pt x="244234" y="2617013"/>
+                </a:lnTo>
+                <a:lnTo>
+                  <a:pt x="240032" y="2467509"/>
+                </a:lnTo>
+                <a:lnTo>
+                  <a:pt x="235157" y="2318004"/>
+                </a:lnTo>
+                <a:lnTo>
+                  <a:pt x="228266" y="2167128"/>
+                </a:lnTo>
+                <a:lnTo>
+                  <a:pt x="220029" y="2014881"/>
+                </a:lnTo>
+                <a:lnTo>
+                  <a:pt x="212129" y="1861947"/>
+                </a:lnTo>
+                <a:lnTo>
+                  <a:pt x="202044" y="1709014"/>
+                </a:lnTo>
+                <a:lnTo>
+                  <a:pt x="189941" y="1554023"/>
+                </a:lnTo>
+                <a:lnTo>
+                  <a:pt x="177839" y="1401090"/>
+                </a:lnTo>
+                <a:lnTo>
+                  <a:pt x="163887" y="1245413"/>
+                </a:lnTo>
+                <a:lnTo>
+                  <a:pt x="148591" y="1089051"/>
+                </a:lnTo>
+                <a:lnTo>
+                  <a:pt x="132455" y="934746"/>
+                </a:lnTo>
+                <a:lnTo>
+                  <a:pt x="113629" y="778383"/>
+                </a:lnTo>
+                <a:lnTo>
+                  <a:pt x="93458" y="622707"/>
+                </a:lnTo>
+                <a:lnTo>
+                  <a:pt x="73455" y="466344"/>
+                </a:lnTo>
+                <a:lnTo>
+                  <a:pt x="50091" y="310668"/>
+                </a:lnTo>
+                <a:lnTo>
+                  <a:pt x="26222" y="155677"/>
+                </a:lnTo>
+                <a:close/>
+              </a:path>
+            </a:pathLst>
+          </a:custGeom>
+        </p:spPr>
+      </p:pic>
     </p:spTree>
     <p:extLst>
       <p:ext uri="{BB962C8B-B14F-4D97-AF65-F5344CB8AC3E}">
@@ -13805,13 +16208,13 @@
   <p:clrMapOvr>
     <a:masterClrMapping/>
   </p:clrMapOvr>
-  <mc:AlternateContent xmlns:mc="http://schemas.openxmlformats.org/markup-compatibility/2006">
-    <mc:Choice xmlns:p14="http://schemas.microsoft.com/office/powerpoint/2010/main" Requires="p14">
+  <mc:AlternateContent xmlns:mc="http://schemas.openxmlformats.org/markup-compatibility/2006" xmlns:p14="http://schemas.microsoft.com/office/powerpoint/2010/main">
+    <mc:Choice Requires="p14">
       <p:transition spd="med" p14:dur="700">
         <p:fade/>
       </p:transition>
     </mc:Choice>
-    <mc:Fallback>
+    <mc:Fallback xmlns="">
       <p:transition spd="med">
         <p:fade/>
       </p:transition>
@@ -14044,8 +16447,8 @@
         </p:nvSpPr>
         <p:spPr>
           <a:xfrm>
-            <a:off x="477981" y="1122363"/>
-            <a:ext cx="4023360" cy="3204134"/>
+            <a:off x="477980" y="1122363"/>
+            <a:ext cx="4128743" cy="3204134"/>
           </a:xfrm>
         </p:spPr>
         <p:txBody>
@@ -14056,7 +16459,7 @@
           <a:p>
             <a:pPr algn="l"/>
             <a:r>
-              <a:rPr lang="de-DE" sz="4400" b="1" i="1"/>
+              <a:rPr lang="de-DE" sz="4800" b="1" i="1" dirty="0"/>
               <a:t>Danke für die Aufmerksamkeit </a:t>
             </a:r>
           </a:p>
@@ -14092,19 +16495,19 @@
           <a:p>
             <a:pPr algn="l"/>
             <a:r>
-              <a:rPr lang="de-DE" sz="2000" i="1" dirty="0"/>
+              <a:rPr lang="de-DE" sz="2800" i="1" dirty="0"/>
               <a:t>Mirzet </a:t>
             </a:r>
             <a:r>
-              <a:rPr lang="de-DE" sz="2000" i="1" dirty="0" err="1"/>
+              <a:rPr lang="de-DE" sz="2800" i="1" dirty="0" err="1"/>
               <a:t>Sakonjic</a:t>
             </a:r>
-            <a:endParaRPr lang="de-DE" sz="2000" i="1" dirty="0"/>
+            <a:endParaRPr lang="de-DE" sz="2800" i="1" dirty="0"/>
           </a:p>
           <a:p>
             <a:pPr algn="l"/>
             <a:r>
-              <a:rPr lang="de-DE" sz="2000" i="1" dirty="0"/>
+              <a:rPr lang="de-DE" sz="2800" i="1" dirty="0"/>
               <a:t>Stefano Pyringer</a:t>
             </a:r>
           </a:p>
@@ -14281,13 +16684,13 @@
   <p:clrMapOvr>
     <a:masterClrMapping/>
   </p:clrMapOvr>
-  <mc:AlternateContent xmlns:mc="http://schemas.openxmlformats.org/markup-compatibility/2006">
-    <mc:Choice xmlns:p14="http://schemas.microsoft.com/office/powerpoint/2010/main" Requires="p14">
+  <mc:AlternateContent xmlns:mc="http://schemas.openxmlformats.org/markup-compatibility/2006" xmlns:p14="http://schemas.microsoft.com/office/powerpoint/2010/main">
+    <mc:Choice Requires="p14">
       <p:transition spd="med" p14:dur="700">
         <p:fade/>
       </p:transition>
     </mc:Choice>
-    <mc:Fallback>
+    <mc:Fallback xmlns="">
       <p:transition spd="med">
         <p:fade/>
       </p:transition>
@@ -15380,21 +17783,6 @@
 </file>
 
 <file path=customXml/item1.xml><?xml version="1.0" encoding="utf-8"?>
-<p:properties xmlns:p="http://schemas.microsoft.com/office/2006/metadata/properties" xmlns:xsi="http://www.w3.org/2001/XMLSchema-instance" xmlns:pc="http://schemas.microsoft.com/office/infopath/2007/PartnerControls">
-  <documentManagement/>
-</p:properties>
-</file>
-
-<file path=customXml/item2.xml><?xml version="1.0" encoding="utf-8"?>
-<?mso-contentType ?>
-<FormTemplates xmlns="http://schemas.microsoft.com/sharepoint/v3/contenttype/forms">
-  <Display>DocumentLibraryForm</Display>
-  <Edit>DocumentLibraryForm</Edit>
-  <New>DocumentLibraryForm</New>
-</FormTemplates>
-</file>
-
-<file path=customXml/item3.xml><?xml version="1.0" encoding="utf-8"?>
 <ct:contentTypeSchema xmlns:ct="http://schemas.microsoft.com/office/2006/metadata/contentType" xmlns:ma="http://schemas.microsoft.com/office/2006/metadata/properties/metaAttributes" ct:_="" ma:_="" ma:contentTypeName="Dokument" ma:contentTypeID="0x0101003161FBA43846B24690115DE574444E4E" ma:contentTypeVersion="10" ma:contentTypeDescription="Ein neues Dokument erstellen." ma:contentTypeScope="" ma:versionID="999b196e4815c992936bed290d0d194d">
   <xsd:schema xmlns:xsd="http://www.w3.org/2001/XMLSchema" xmlns:xs="http://www.w3.org/2001/XMLSchema" xmlns:p="http://schemas.microsoft.com/office/2006/metadata/properties" xmlns:ns2="f581d864-f4ae-4996-b10e-5704e6ea6f98" xmlns:ns3="df9d0cc3-8501-4250-b29d-5e763eaa127b" targetNamespace="http://schemas.microsoft.com/office/2006/metadata/properties" ma:root="true" ma:fieldsID="9033028cf5159cbe3bc9662918773bd8" ns2:_="" ns3:_="">
     <xsd:import namespace="f581d864-f4ae-4996-b10e-5704e6ea6f98"/>
@@ -15597,24 +17985,22 @@
 </ct:contentTypeSchema>
 </file>
 
-<file path=customXml/itemProps1.xml><?xml version="1.0" encoding="utf-8"?>
-<ds:datastoreItem xmlns:ds="http://schemas.openxmlformats.org/officeDocument/2006/customXml" ds:itemID="{6492A244-2B11-4662-8AA3-E9F9D3C860BF}">
-  <ds:schemaRefs>
-    <ds:schemaRef ds:uri="http://schemas.microsoft.com/office/2006/metadata/properties"/>
-    <ds:schemaRef ds:uri="http://schemas.microsoft.com/office/infopath/2007/PartnerControls"/>
-  </ds:schemaRefs>
-</ds:datastoreItem>
+<file path=customXml/item2.xml><?xml version="1.0" encoding="utf-8"?>
+<?mso-contentType ?>
+<FormTemplates xmlns="http://schemas.microsoft.com/sharepoint/v3/contenttype/forms">
+  <Display>DocumentLibraryForm</Display>
+  <Edit>DocumentLibraryForm</Edit>
+  <New>DocumentLibraryForm</New>
+</FormTemplates>
 </file>
 
-<file path=customXml/itemProps2.xml><?xml version="1.0" encoding="utf-8"?>
-<ds:datastoreItem xmlns:ds="http://schemas.openxmlformats.org/officeDocument/2006/customXml" ds:itemID="{CABBB144-4EC6-4CAC-9DFF-5A887873067D}">
-  <ds:schemaRefs>
-    <ds:schemaRef ds:uri="http://schemas.microsoft.com/sharepoint/v3/contenttype/forms"/>
-  </ds:schemaRefs>
-</ds:datastoreItem>
+<file path=customXml/item3.xml><?xml version="1.0" encoding="utf-8"?>
+<p:properties xmlns:p="http://schemas.microsoft.com/office/2006/metadata/properties" xmlns:xsi="http://www.w3.org/2001/XMLSchema-instance" xmlns:pc="http://schemas.microsoft.com/office/infopath/2007/PartnerControls">
+  <documentManagement/>
+</p:properties>
 </file>
 
-<file path=customXml/itemProps3.xml><?xml version="1.0" encoding="utf-8"?>
+<file path=customXml/itemProps1.xml><?xml version="1.0" encoding="utf-8"?>
 <ds:datastoreItem xmlns:ds="http://schemas.openxmlformats.org/officeDocument/2006/customXml" ds:itemID="{F56981B1-4A5E-41F1-8549-5686037138FA}">
   <ds:schemaRefs>
     <ds:schemaRef ds:uri="http://schemas.microsoft.com/office/2006/metadata/contentType"/>
@@ -15631,4 +18017,21 @@
     <ds:schemaRef ds:uri="http://schemas.microsoft.com/internal/obd"/>
   </ds:schemaRefs>
 </ds:datastoreItem>
+</file>
+
+<file path=customXml/itemProps2.xml><?xml version="1.0" encoding="utf-8"?>
+<ds:datastoreItem xmlns:ds="http://schemas.openxmlformats.org/officeDocument/2006/customXml" ds:itemID="{CABBB144-4EC6-4CAC-9DFF-5A887873067D}">
+  <ds:schemaRefs>
+    <ds:schemaRef ds:uri="http://schemas.microsoft.com/sharepoint/v3/contenttype/forms"/>
+  </ds:schemaRefs>
+</ds:datastoreItem>
+</file>
+
+<file path=customXml/itemProps3.xml><?xml version="1.0" encoding="utf-8"?>
+<ds:datastoreItem xmlns:ds="http://schemas.openxmlformats.org/officeDocument/2006/customXml" ds:itemID="{6492A244-2B11-4662-8AA3-E9F9D3C860BF}">
+  <ds:schemaRefs>
+    <ds:schemaRef ds:uri="http://schemas.microsoft.com/office/2006/metadata/properties"/>
+    <ds:schemaRef ds:uri="http://schemas.microsoft.com/office/infopath/2007/PartnerControls"/>
+  </ds:schemaRefs>
+</ds:datastoreItem>
 </file>
--- a/Praesentation/Praesentation_Diplomarbeit_FeedbackApp.pptx
+++ b/Praesentation/Praesentation_Diplomarbeit_FeedbackApp.pptx
@@ -6,18 +6,22 @@
     <p:sldMasterId id="2147483684" r:id="rId5"/>
   </p:sldMasterIdLst>
   <p:notesMasterIdLst>
-    <p:notesMasterId r:id="rId12"/>
+    <p:notesMasterId r:id="rId16"/>
   </p:notesMasterIdLst>
   <p:handoutMasterIdLst>
-    <p:handoutMasterId r:id="rId13"/>
+    <p:handoutMasterId r:id="rId17"/>
   </p:handoutMasterIdLst>
   <p:sldIdLst>
     <p:sldId id="292" r:id="rId6"/>
     <p:sldId id="257" r:id="rId7"/>
     <p:sldId id="304" r:id="rId8"/>
     <p:sldId id="303" r:id="rId9"/>
-    <p:sldId id="305" r:id="rId10"/>
-    <p:sldId id="302" r:id="rId11"/>
+    <p:sldId id="306" r:id="rId10"/>
+    <p:sldId id="307" r:id="rId11"/>
+    <p:sldId id="308" r:id="rId12"/>
+    <p:sldId id="309" r:id="rId13"/>
+    <p:sldId id="305" r:id="rId14"/>
+    <p:sldId id="302" r:id="rId15"/>
   </p:sldIdLst>
   <p:sldSz cx="12192000" cy="6858000"/>
   <p:notesSz cx="6858000" cy="9144000"/>
@@ -3925,7 +3929,7 @@
           <a:bodyPr/>
           <a:lstStyle/>
           <a:p>
-            <a:endParaRPr lang="de-DE" dirty="0"/>
+            <a:endParaRPr lang="de-AT" dirty="0"/>
           </a:p>
         </p:txBody>
       </p:sp>
@@ -3948,6 +3952,91 @@
             <a:fld id="{FC8BD8E7-1312-41F3-99C4-6DA5AF891969}" type="slidenum">
               <a:rPr lang="de-DE" smtClean="0"/>
               <a:t>6</a:t>
+            </a:fld>
+            <a:endParaRPr lang="de-DE" dirty="0"/>
+          </a:p>
+        </p:txBody>
+      </p:sp>
+    </p:spTree>
+    <p:extLst>
+      <p:ext uri="{BB962C8B-B14F-4D97-AF65-F5344CB8AC3E}">
+        <p14:creationId xmlns:p14="http://schemas.microsoft.com/office/powerpoint/2010/main" val="3192670686"/>
+      </p:ext>
+    </p:extLst>
+  </p:cSld>
+  <p:clrMapOvr>
+    <a:masterClrMapping/>
+  </p:clrMapOvr>
+</p:notes>
+</file>
+
+<file path=ppt/notesSlides/notesSlide4.xml><?xml version="1.0" encoding="utf-8"?>
+<p:notes xmlns:a="http://schemas.openxmlformats.org/drawingml/2006/main" xmlns:r="http://schemas.openxmlformats.org/officeDocument/2006/relationships" xmlns:p="http://schemas.openxmlformats.org/presentationml/2006/main">
+  <p:cSld>
+    <p:spTree>
+      <p:nvGrpSpPr>
+        <p:cNvPr id="1" name=""/>
+        <p:cNvGrpSpPr/>
+        <p:nvPr/>
+      </p:nvGrpSpPr>
+      <p:grpSpPr>
+        <a:xfrm>
+          <a:off x="0" y="0"/>
+          <a:ext cx="0" cy="0"/>
+          <a:chOff x="0" y="0"/>
+          <a:chExt cx="0" cy="0"/>
+        </a:xfrm>
+      </p:grpSpPr>
+      <p:sp>
+        <p:nvSpPr>
+          <p:cNvPr id="2" name="Folienbildplatzhalter 1"/>
+          <p:cNvSpPr>
+            <a:spLocks noGrp="1" noRot="1" noChangeAspect="1"/>
+          </p:cNvSpPr>
+          <p:nvPr>
+            <p:ph type="sldImg"/>
+          </p:nvPr>
+        </p:nvSpPr>
+        <p:spPr/>
+      </p:sp>
+      <p:sp>
+        <p:nvSpPr>
+          <p:cNvPr id="3" name="Notizenplatzhalter 2"/>
+          <p:cNvSpPr>
+            <a:spLocks noGrp="1"/>
+          </p:cNvSpPr>
+          <p:nvPr>
+            <p:ph type="body" idx="1"/>
+          </p:nvPr>
+        </p:nvSpPr>
+        <p:spPr/>
+        <p:txBody>
+          <a:bodyPr/>
+          <a:lstStyle/>
+          <a:p>
+            <a:endParaRPr lang="de-DE" dirty="0"/>
+          </a:p>
+        </p:txBody>
+      </p:sp>
+      <p:sp>
+        <p:nvSpPr>
+          <p:cNvPr id="4" name="Foliennummernplatzhalter 3"/>
+          <p:cNvSpPr>
+            <a:spLocks noGrp="1"/>
+          </p:cNvSpPr>
+          <p:nvPr>
+            <p:ph type="sldNum" sz="quarter" idx="5"/>
+          </p:nvPr>
+        </p:nvSpPr>
+        <p:spPr/>
+        <p:txBody>
+          <a:bodyPr/>
+          <a:lstStyle/>
+          <a:p>
+            <a:pPr rtl="0"/>
+            <a:fld id="{FC8BD8E7-1312-41F3-99C4-6DA5AF891969}" type="slidenum">
+              <a:rPr lang="de-DE" smtClean="0"/>
+              <a:t>10</a:t>
             </a:fld>
             <a:endParaRPr lang="de-DE" dirty="0"/>
           </a:p>
@@ -12418,6 +12507,482 @@
 </p:sld>
 </file>
 
+<file path=ppt/slides/slide10.xml><?xml version="1.0" encoding="utf-8"?>
+<p:sld xmlns:a="http://schemas.openxmlformats.org/drawingml/2006/main" xmlns:r="http://schemas.openxmlformats.org/officeDocument/2006/relationships" xmlns:p="http://schemas.openxmlformats.org/presentationml/2006/main">
+  <p:cSld>
+    <p:bg>
+      <p:bgPr>
+        <a:solidFill>
+          <a:schemeClr val="bg1"/>
+        </a:solidFill>
+        <a:effectLst/>
+      </p:bgPr>
+    </p:bg>
+    <p:spTree>
+      <p:nvGrpSpPr>
+        <p:cNvPr id="1" name=""/>
+        <p:cNvGrpSpPr/>
+        <p:nvPr/>
+      </p:nvGrpSpPr>
+      <p:grpSpPr>
+        <a:xfrm>
+          <a:off x="0" y="0"/>
+          <a:ext cx="0" cy="0"/>
+          <a:chOff x="0" y="0"/>
+          <a:chExt cx="0" cy="0"/>
+        </a:xfrm>
+      </p:grpSpPr>
+      <p:sp useBgFill="1">
+        <p:nvSpPr>
+          <p:cNvPr id="95" name="Rectangle 67">
+            <a:extLst>
+              <a:ext uri="{FF2B5EF4-FFF2-40B4-BE49-F238E27FC236}">
+                <a16:creationId xmlns:a16="http://schemas.microsoft.com/office/drawing/2014/main" id="{E91DC736-0EF8-4F87-9146-EBF1D2EE4D3D}"/>
+              </a:ext>
+              <a:ext uri="{C183D7F6-B498-43B3-948B-1728B52AA6E4}">
+                <adec:decorative xmlns:adec="http://schemas.microsoft.com/office/drawing/2017/decorative" val="1"/>
+              </a:ext>
+            </a:extLst>
+          </p:cNvPr>
+          <p:cNvSpPr>
+            <a:spLocks noGrp="1" noRot="1" noChangeAspect="1" noMove="1" noResize="1" noEditPoints="1" noAdjustHandles="1" noChangeArrowheads="1" noChangeShapeType="1" noTextEdit="1"/>
+          </p:cNvSpPr>
+          <p:nvPr>
+            <p:extLst>
+              <p:ext uri="{386F3935-93C4-4BCD-93E2-E3B085C9AB24}">
+                <p16:designElem xmlns:p16="http://schemas.microsoft.com/office/powerpoint/2015/main" val="1"/>
+              </p:ext>
+            </p:extLst>
+          </p:nvPr>
+        </p:nvSpPr>
+        <p:spPr>
+          <a:xfrm>
+            <a:off x="0" y="0"/>
+            <a:ext cx="12192000" cy="6858000"/>
+          </a:xfrm>
+          <a:prstGeom prst="rect">
+            <a:avLst/>
+          </a:prstGeom>
+          <a:ln>
+            <a:noFill/>
+          </a:ln>
+        </p:spPr>
+        <p:style>
+          <a:lnRef idx="2">
+            <a:schemeClr val="accent1">
+              <a:shade val="50000"/>
+            </a:schemeClr>
+          </a:lnRef>
+          <a:fillRef idx="1">
+            <a:schemeClr val="accent1"/>
+          </a:fillRef>
+          <a:effectRef idx="0">
+            <a:schemeClr val="accent1"/>
+          </a:effectRef>
+          <a:fontRef idx="minor">
+            <a:schemeClr val="lt1"/>
+          </a:fontRef>
+        </p:style>
+        <p:txBody>
+          <a:bodyPr rtlCol="0" anchor="ctr"/>
+          <a:lstStyle/>
+          <a:p>
+            <a:pPr algn="ctr"/>
+            <a:endParaRPr lang="en-US"/>
+          </a:p>
+        </p:txBody>
+      </p:sp>
+      <p:pic>
+        <p:nvPicPr>
+          <p:cNvPr id="6" name="Grafik 5">
+            <a:extLst>
+              <a:ext uri="{FF2B5EF4-FFF2-40B4-BE49-F238E27FC236}">
+                <a16:creationId xmlns:a16="http://schemas.microsoft.com/office/drawing/2014/main" id="{24113B48-4338-4D32-BD7E-C39C122891D1}"/>
+              </a:ext>
+            </a:extLst>
+          </p:cNvPr>
+          <p:cNvPicPr>
+            <a:picLocks noChangeAspect="1"/>
+          </p:cNvPicPr>
+          <p:nvPr/>
+        </p:nvPicPr>
+        <p:blipFill rotWithShape="1">
+          <a:blip r:embed="rId3">
+            <a:extLst>
+              <a:ext uri="{28A0092B-C50C-407E-A947-70E740481C1C}">
+                <a14:useLocalDpi xmlns:a14="http://schemas.microsoft.com/office/drawing/2010/main" val="0"/>
+              </a:ext>
+            </a:extLst>
+          </a:blip>
+          <a:srcRect t="13696" r="9092" b="24272"/>
+          <a:stretch/>
+        </p:blipFill>
+        <p:spPr>
+          <a:xfrm>
+            <a:off x="3523488" y="10"/>
+            <a:ext cx="8668512" cy="6857990"/>
+          </a:xfrm>
+          <a:prstGeom prst="rect">
+            <a:avLst/>
+          </a:prstGeom>
+        </p:spPr>
+      </p:pic>
+      <p:sp>
+        <p:nvSpPr>
+          <p:cNvPr id="96" name="Rectangle 69">
+            <a:extLst>
+              <a:ext uri="{FF2B5EF4-FFF2-40B4-BE49-F238E27FC236}">
+                <a16:creationId xmlns:a16="http://schemas.microsoft.com/office/drawing/2014/main" id="{097CD68E-23E3-4007-8847-CD0944C4F7BE}"/>
+              </a:ext>
+              <a:ext uri="{C183D7F6-B498-43B3-948B-1728B52AA6E4}">
+                <adec:decorative xmlns:adec="http://schemas.microsoft.com/office/drawing/2017/decorative" val="1"/>
+              </a:ext>
+            </a:extLst>
+          </p:cNvPr>
+          <p:cNvSpPr>
+            <a:spLocks noGrp="1" noRot="1" noChangeAspect="1" noMove="1" noResize="1" noEditPoints="1" noAdjustHandles="1" noChangeArrowheads="1" noChangeShapeType="1" noTextEdit="1"/>
+          </p:cNvSpPr>
+          <p:nvPr>
+            <p:extLst>
+              <p:ext uri="{386F3935-93C4-4BCD-93E2-E3B085C9AB24}">
+                <p16:designElem xmlns:p16="http://schemas.microsoft.com/office/powerpoint/2015/main" val="1"/>
+              </p:ext>
+            </p:extLst>
+          </p:nvPr>
+        </p:nvSpPr>
+        <p:spPr>
+          <a:xfrm>
+            <a:off x="0" y="0"/>
+            <a:ext cx="9756601" cy="6858000"/>
+          </a:xfrm>
+          <a:prstGeom prst="rect">
+            <a:avLst/>
+          </a:prstGeom>
+          <a:gradFill>
+            <a:gsLst>
+              <a:gs pos="58000">
+                <a:schemeClr val="bg1"/>
+              </a:gs>
+              <a:gs pos="35000">
+                <a:schemeClr val="bg1">
+                  <a:alpha val="79000"/>
+                </a:schemeClr>
+              </a:gs>
+              <a:gs pos="19000">
+                <a:schemeClr val="bg1">
+                  <a:alpha val="38000"/>
+                </a:schemeClr>
+              </a:gs>
+              <a:gs pos="0">
+                <a:schemeClr val="bg1">
+                  <a:alpha val="0"/>
+                </a:schemeClr>
+              </a:gs>
+              <a:gs pos="100000">
+                <a:schemeClr val="bg1"/>
+              </a:gs>
+            </a:gsLst>
+            <a:lin ang="10800000" scaled="0"/>
+          </a:gradFill>
+          <a:ln>
+            <a:noFill/>
+          </a:ln>
+        </p:spPr>
+        <p:style>
+          <a:lnRef idx="2">
+            <a:schemeClr val="accent1">
+              <a:shade val="50000"/>
+            </a:schemeClr>
+          </a:lnRef>
+          <a:fillRef idx="1">
+            <a:schemeClr val="accent1"/>
+          </a:fillRef>
+          <a:effectRef idx="0">
+            <a:schemeClr val="accent1"/>
+          </a:effectRef>
+          <a:fontRef idx="minor">
+            <a:schemeClr val="lt1"/>
+          </a:fontRef>
+        </p:style>
+        <p:txBody>
+          <a:bodyPr rtlCol="0" anchor="ctr"/>
+          <a:lstStyle/>
+          <a:p>
+            <a:pPr algn="ctr"/>
+            <a:endParaRPr lang="en-US" dirty="0"/>
+          </a:p>
+        </p:txBody>
+      </p:sp>
+      <p:sp>
+        <p:nvSpPr>
+          <p:cNvPr id="2" name="Titel 1">
+            <a:extLst>
+              <a:ext uri="{FF2B5EF4-FFF2-40B4-BE49-F238E27FC236}">
+                <a16:creationId xmlns:a16="http://schemas.microsoft.com/office/drawing/2014/main" id="{84CCC3A6-5BB9-43C7-95E8-8CC2D7EC5383}"/>
+              </a:ext>
+            </a:extLst>
+          </p:cNvPr>
+          <p:cNvSpPr>
+            <a:spLocks noGrp="1"/>
+          </p:cNvSpPr>
+          <p:nvPr>
+            <p:ph type="ctrTitle"/>
+          </p:nvPr>
+        </p:nvSpPr>
+        <p:spPr>
+          <a:xfrm>
+            <a:off x="477980" y="1122363"/>
+            <a:ext cx="4128743" cy="3204134"/>
+          </a:xfrm>
+        </p:spPr>
+        <p:txBody>
+          <a:bodyPr anchor="b">
+            <a:normAutofit/>
+          </a:bodyPr>
+          <a:lstStyle/>
+          <a:p>
+            <a:pPr algn="l"/>
+            <a:r>
+              <a:rPr lang="de-DE" sz="4800" b="1" i="1" dirty="0"/>
+              <a:t>Danke für die Aufmerksamkeit </a:t>
+            </a:r>
+          </a:p>
+        </p:txBody>
+      </p:sp>
+      <p:sp>
+        <p:nvSpPr>
+          <p:cNvPr id="3" name="Untertitel 2">
+            <a:extLst>
+              <a:ext uri="{FF2B5EF4-FFF2-40B4-BE49-F238E27FC236}">
+                <a16:creationId xmlns:a16="http://schemas.microsoft.com/office/drawing/2014/main" id="{ECE70ED9-B245-42E7-88F0-D53E3DBD509D}"/>
+              </a:ext>
+            </a:extLst>
+          </p:cNvPr>
+          <p:cNvSpPr>
+            <a:spLocks noGrp="1"/>
+          </p:cNvSpPr>
+          <p:nvPr>
+            <p:ph type="subTitle" idx="1"/>
+          </p:nvPr>
+        </p:nvSpPr>
+        <p:spPr>
+          <a:xfrm>
+            <a:off x="477980" y="4872922"/>
+            <a:ext cx="4023359" cy="1208141"/>
+          </a:xfrm>
+        </p:spPr>
+        <p:txBody>
+          <a:bodyPr>
+            <a:normAutofit/>
+          </a:bodyPr>
+          <a:lstStyle/>
+          <a:p>
+            <a:pPr algn="l"/>
+            <a:r>
+              <a:rPr lang="de-DE" sz="2800" i="1" dirty="0"/>
+              <a:t>Mirzet </a:t>
+            </a:r>
+            <a:r>
+              <a:rPr lang="de-DE" sz="2800" i="1" dirty="0" err="1"/>
+              <a:t>Sakonjic</a:t>
+            </a:r>
+            <a:endParaRPr lang="de-DE" sz="2800" i="1" dirty="0"/>
+          </a:p>
+          <a:p>
+            <a:pPr algn="l"/>
+            <a:r>
+              <a:rPr lang="de-DE" sz="2800" i="1" dirty="0"/>
+              <a:t>Stefano Pyringer</a:t>
+            </a:r>
+          </a:p>
+        </p:txBody>
+      </p:sp>
+      <p:sp>
+        <p:nvSpPr>
+          <p:cNvPr id="97" name="Rectangle 71">
+            <a:extLst>
+              <a:ext uri="{FF2B5EF4-FFF2-40B4-BE49-F238E27FC236}">
+                <a16:creationId xmlns:a16="http://schemas.microsoft.com/office/drawing/2014/main" id="{AF2F604E-43BE-4DC3-B983-E071523364F8}"/>
+              </a:ext>
+              <a:ext uri="{C183D7F6-B498-43B3-948B-1728B52AA6E4}">
+                <adec:decorative xmlns:adec="http://schemas.microsoft.com/office/drawing/2017/decorative" val="1"/>
+              </a:ext>
+            </a:extLst>
+          </p:cNvPr>
+          <p:cNvSpPr>
+            <a:spLocks noGrp="1" noRot="1" noChangeAspect="1" noMove="1" noResize="1" noEditPoints="1" noAdjustHandles="1" noChangeArrowheads="1" noChangeShapeType="1" noTextEdit="1"/>
+          </p:cNvSpPr>
+          <p:nvPr>
+            <p:extLst>
+              <p:ext uri="{386F3935-93C4-4BCD-93E2-E3B085C9AB24}">
+                <p16:designElem xmlns:p16="http://schemas.microsoft.com/office/powerpoint/2015/main" val="1"/>
+              </p:ext>
+            </p:extLst>
+          </p:nvPr>
+        </p:nvSpPr>
+        <p:spPr>
+          <a:xfrm rot="5400000">
+            <a:off x="759921" y="346791"/>
+            <a:ext cx="146304" cy="704088"/>
+          </a:xfrm>
+          <a:prstGeom prst="rect">
+            <a:avLst/>
+          </a:prstGeom>
+          <a:solidFill>
+            <a:schemeClr val="accent2"/>
+          </a:solidFill>
+          <a:ln>
+            <a:noFill/>
+          </a:ln>
+        </p:spPr>
+        <p:style>
+          <a:lnRef idx="2">
+            <a:schemeClr val="accent1">
+              <a:shade val="50000"/>
+            </a:schemeClr>
+          </a:lnRef>
+          <a:fillRef idx="1">
+            <a:schemeClr val="accent1"/>
+          </a:fillRef>
+          <a:effectRef idx="0">
+            <a:schemeClr val="accent1"/>
+          </a:effectRef>
+          <a:fontRef idx="minor">
+            <a:schemeClr val="lt1"/>
+          </a:fontRef>
+        </p:style>
+        <p:txBody>
+          <a:bodyPr rtlCol="0" anchor="ctr"/>
+          <a:lstStyle/>
+          <a:p>
+            <a:pPr algn="ctr"/>
+            <a:endParaRPr lang="en-US">
+              <a:solidFill>
+                <a:prstClr val="white"/>
+              </a:solidFill>
+              <a:latin typeface="Calibri" panose="020F0502020204030204"/>
+            </a:endParaRPr>
+          </a:p>
+        </p:txBody>
+      </p:sp>
+      <p:sp>
+        <p:nvSpPr>
+          <p:cNvPr id="98" name="Rectangle 73">
+            <a:extLst>
+              <a:ext uri="{FF2B5EF4-FFF2-40B4-BE49-F238E27FC236}">
+                <a16:creationId xmlns:a16="http://schemas.microsoft.com/office/drawing/2014/main" id="{08C9B587-E65E-4B52-B37C-ABEBB6E87928}"/>
+              </a:ext>
+              <a:ext uri="{C183D7F6-B498-43B3-948B-1728B52AA6E4}">
+                <adec:decorative xmlns:adec="http://schemas.microsoft.com/office/drawing/2017/decorative" val="1"/>
+              </a:ext>
+            </a:extLst>
+          </p:cNvPr>
+          <p:cNvSpPr>
+            <a:spLocks noGrp="1" noRot="1" noChangeAspect="1" noMove="1" noResize="1" noEditPoints="1" noAdjustHandles="1" noChangeArrowheads="1" noChangeShapeType="1" noTextEdit="1"/>
+          </p:cNvSpPr>
+          <p:nvPr>
+            <p:extLst>
+              <p:ext uri="{386F3935-93C4-4BCD-93E2-E3B085C9AB24}">
+                <p16:designElem xmlns:p16="http://schemas.microsoft.com/office/powerpoint/2015/main" val="1"/>
+              </p:ext>
+            </p:extLst>
+          </p:nvPr>
+        </p:nvSpPr>
+        <p:spPr>
+          <a:xfrm>
+            <a:off x="481029" y="4546920"/>
+            <a:ext cx="3977640" cy="18288"/>
+          </a:xfrm>
+          <a:prstGeom prst="rect">
+            <a:avLst/>
+          </a:prstGeom>
+          <a:solidFill>
+            <a:srgbClr val="D5D5D5"/>
+          </a:solidFill>
+          <a:ln w="3175">
+            <a:noFill/>
+          </a:ln>
+          <a:effectLst/>
+        </p:spPr>
+        <p:style>
+          <a:lnRef idx="2">
+            <a:schemeClr val="accent1">
+              <a:shade val="50000"/>
+            </a:schemeClr>
+          </a:lnRef>
+          <a:fillRef idx="1">
+            <a:schemeClr val="accent1"/>
+          </a:fillRef>
+          <a:effectRef idx="0">
+            <a:schemeClr val="accent1"/>
+          </a:effectRef>
+          <a:fontRef idx="minor">
+            <a:schemeClr val="lt1"/>
+          </a:fontRef>
+        </p:style>
+        <p:txBody>
+          <a:bodyPr rtlCol="0" anchor="ctr"/>
+          <a:lstStyle/>
+          <a:p>
+            <a:pPr marL="0" marR="0" lvl="0" indent="0" algn="ctr" defTabSz="914400" rtl="0" eaLnBrk="1" fontAlgn="auto" latinLnBrk="0" hangingPunct="1">
+              <a:lnSpc>
+                <a:spcPct val="100000"/>
+              </a:lnSpc>
+              <a:spcBef>
+                <a:spcPts val="0"/>
+              </a:spcBef>
+              <a:spcAft>
+                <a:spcPts val="0"/>
+              </a:spcAft>
+              <a:buClrTx/>
+              <a:buSzTx/>
+              <a:buFontTx/>
+              <a:buNone/>
+              <a:tabLst/>
+              <a:defRPr/>
+            </a:pPr>
+            <a:endParaRPr kumimoji="0" lang="en-US" sz="1800" b="0" i="0" u="none" strike="noStrike" kern="1200" cap="none" spc="0" normalizeH="0" baseline="0" noProof="0">
+              <a:ln>
+                <a:noFill/>
+              </a:ln>
+              <a:solidFill>
+                <a:prstClr val="white"/>
+              </a:solidFill>
+              <a:effectLst/>
+              <a:uLnTx/>
+              <a:uFillTx/>
+              <a:latin typeface="Calibri" panose="020F0502020204030204"/>
+              <a:ea typeface="+mn-ea"/>
+              <a:cs typeface="+mn-cs"/>
+            </a:endParaRPr>
+          </a:p>
+        </p:txBody>
+      </p:sp>
+    </p:spTree>
+    <p:extLst>
+      <p:ext uri="{BB962C8B-B14F-4D97-AF65-F5344CB8AC3E}">
+        <p14:creationId xmlns:p14="http://schemas.microsoft.com/office/powerpoint/2010/main" val="1633306100"/>
+      </p:ext>
+    </p:extLst>
+  </p:cSld>
+  <p:clrMapOvr>
+    <a:masterClrMapping/>
+  </p:clrMapOvr>
+  <mc:AlternateContent xmlns:mc="http://schemas.openxmlformats.org/markup-compatibility/2006" xmlns:p14="http://schemas.microsoft.com/office/powerpoint/2010/main">
+    <mc:Choice Requires="p14">
+      <p:transition spd="med" p14:dur="700">
+        <p:fade/>
+      </p:transition>
+    </mc:Choice>
+    <mc:Fallback xmlns="">
+      <p:transition spd="med">
+        <p:fade/>
+      </p:transition>
+    </mc:Fallback>
+  </mc:AlternateContent>
+</p:sld>
+</file>
+
 <file path=ppt/slides/slide2.xml><?xml version="1.0" encoding="utf-8"?>
 <p:sld xmlns:a="http://schemas.openxmlformats.org/drawingml/2006/main" xmlns:r="http://schemas.openxmlformats.org/officeDocument/2006/relationships" xmlns:p="http://schemas.openxmlformats.org/presentationml/2006/main">
   <p:cSld>
@@ -15456,6 +16021,1391 @@
 <file path=ppt/slides/slide5.xml><?xml version="1.0" encoding="utf-8"?>
 <p:sld xmlns:a="http://schemas.openxmlformats.org/drawingml/2006/main" xmlns:r="http://schemas.openxmlformats.org/officeDocument/2006/relationships" xmlns:p="http://schemas.openxmlformats.org/presentationml/2006/main">
   <p:cSld>
+    <p:spTree>
+      <p:nvGrpSpPr>
+        <p:cNvPr id="1" name=""/>
+        <p:cNvGrpSpPr/>
+        <p:nvPr/>
+      </p:nvGrpSpPr>
+      <p:grpSpPr>
+        <a:xfrm>
+          <a:off x="0" y="0"/>
+          <a:ext cx="0" cy="0"/>
+          <a:chOff x="0" y="0"/>
+          <a:chExt cx="0" cy="0"/>
+        </a:xfrm>
+      </p:grpSpPr>
+      <p:sp>
+        <p:nvSpPr>
+          <p:cNvPr id="2" name="Titel 1">
+            <a:extLst>
+              <a:ext uri="{FF2B5EF4-FFF2-40B4-BE49-F238E27FC236}">
+                <a16:creationId xmlns:a16="http://schemas.microsoft.com/office/drawing/2014/main" id="{E4372FBF-40F4-CA22-9A49-DC600443082A}"/>
+              </a:ext>
+            </a:extLst>
+          </p:cNvPr>
+          <p:cNvSpPr>
+            <a:spLocks noGrp="1"/>
+          </p:cNvSpPr>
+          <p:nvPr>
+            <p:ph type="title"/>
+          </p:nvPr>
+        </p:nvSpPr>
+        <p:spPr/>
+        <p:txBody>
+          <a:bodyPr/>
+          <a:lstStyle/>
+          <a:p>
+            <a:r>
+              <a:rPr lang="de-DE" dirty="0"/>
+              <a:t>Teil 1 – Was ist Feedback?</a:t>
+            </a:r>
+            <a:endParaRPr lang="de-AT" dirty="0"/>
+          </a:p>
+        </p:txBody>
+      </p:sp>
+      <p:sp>
+        <p:nvSpPr>
+          <p:cNvPr id="3" name="Inhaltsplatzhalter 2">
+            <a:extLst>
+              <a:ext uri="{FF2B5EF4-FFF2-40B4-BE49-F238E27FC236}">
+                <a16:creationId xmlns:a16="http://schemas.microsoft.com/office/drawing/2014/main" id="{4FF73BC1-3BDA-9CE5-BC9D-FE9A01BCE7CC}"/>
+              </a:ext>
+            </a:extLst>
+          </p:cNvPr>
+          <p:cNvSpPr>
+            <a:spLocks noGrp="1"/>
+          </p:cNvSpPr>
+          <p:nvPr>
+            <p:ph idx="1"/>
+          </p:nvPr>
+        </p:nvSpPr>
+        <p:spPr/>
+        <p:txBody>
+          <a:bodyPr/>
+          <a:lstStyle/>
+          <a:p>
+            <a:r>
+              <a:rPr lang="de-DE" dirty="0"/>
+              <a:t>Offene Rückmeldung </a:t>
+            </a:r>
+          </a:p>
+          <a:p>
+            <a:r>
+              <a:rPr lang="de-DE" dirty="0"/>
+              <a:t>Johari-Fenster</a:t>
+            </a:r>
+            <a:endParaRPr lang="de-AT" dirty="0"/>
+          </a:p>
+        </p:txBody>
+      </p:sp>
+    </p:spTree>
+    <p:extLst>
+      <p:ext uri="{BB962C8B-B14F-4D97-AF65-F5344CB8AC3E}">
+        <p14:creationId xmlns:p14="http://schemas.microsoft.com/office/powerpoint/2010/main" val="1507637457"/>
+      </p:ext>
+    </p:extLst>
+  </p:cSld>
+  <p:clrMapOvr>
+    <a:masterClrMapping/>
+  </p:clrMapOvr>
+  <mc:AlternateContent xmlns:mc="http://schemas.openxmlformats.org/markup-compatibility/2006" xmlns:p14="http://schemas.microsoft.com/office/powerpoint/2010/main">
+    <mc:Choice Requires="p14">
+      <p:transition spd="med" p14:dur="700">
+        <p:fade/>
+      </p:transition>
+    </mc:Choice>
+    <mc:Fallback xmlns="">
+      <p:transition spd="med">
+        <p:fade/>
+      </p:transition>
+    </mc:Fallback>
+  </mc:AlternateContent>
+</p:sld>
+</file>
+
+<file path=ppt/slides/slide6.xml><?xml version="1.0" encoding="utf-8"?>
+<p:sld xmlns:a="http://schemas.openxmlformats.org/drawingml/2006/main" xmlns:r="http://schemas.openxmlformats.org/officeDocument/2006/relationships" xmlns:p="http://schemas.openxmlformats.org/presentationml/2006/main">
+  <p:cSld>
+    <p:bg>
+      <p:bgPr>
+        <a:solidFill>
+          <a:schemeClr val="bg1"/>
+        </a:solidFill>
+        <a:effectLst/>
+      </p:bgPr>
+    </p:bg>
+    <p:spTree>
+      <p:nvGrpSpPr>
+        <p:cNvPr id="1" name=""/>
+        <p:cNvGrpSpPr/>
+        <p:nvPr/>
+      </p:nvGrpSpPr>
+      <p:grpSpPr>
+        <a:xfrm>
+          <a:off x="0" y="0"/>
+          <a:ext cx="0" cy="0"/>
+          <a:chOff x="0" y="0"/>
+          <a:chExt cx="0" cy="0"/>
+        </a:xfrm>
+      </p:grpSpPr>
+      <p:sp>
+        <p:nvSpPr>
+          <p:cNvPr id="12" name="Rectangle 11">
+            <a:extLst>
+              <a:ext uri="{FF2B5EF4-FFF2-40B4-BE49-F238E27FC236}">
+                <a16:creationId xmlns:a16="http://schemas.microsoft.com/office/drawing/2014/main" id="{9362849A-570D-49DB-954C-63F144E88A4A}"/>
+              </a:ext>
+              <a:ext uri="{C183D7F6-B498-43B3-948B-1728B52AA6E4}">
+                <adec:decorative xmlns:adec="http://schemas.microsoft.com/office/drawing/2017/decorative" val="1"/>
+              </a:ext>
+            </a:extLst>
+          </p:cNvPr>
+          <p:cNvSpPr>
+            <a:spLocks noGrp="1" noRot="1" noChangeAspect="1" noMove="1" noResize="1" noEditPoints="1" noAdjustHandles="1" noChangeArrowheads="1" noChangeShapeType="1" noTextEdit="1"/>
+          </p:cNvSpPr>
+          <p:nvPr>
+            <p:extLst>
+              <p:ext uri="{386F3935-93C4-4BCD-93E2-E3B085C9AB24}">
+                <p16:designElem xmlns:p16="http://schemas.microsoft.com/office/powerpoint/2015/main" val="1"/>
+              </p:ext>
+            </p:extLst>
+          </p:nvPr>
+        </p:nvSpPr>
+        <p:spPr>
+          <a:xfrm>
+            <a:off x="0" y="0"/>
+            <a:ext cx="12192000" cy="6858000"/>
+          </a:xfrm>
+          <a:prstGeom prst="rect">
+            <a:avLst/>
+          </a:prstGeom>
+          <a:ln>
+            <a:noFill/>
+          </a:ln>
+        </p:spPr>
+        <p:style>
+          <a:lnRef idx="2">
+            <a:schemeClr val="accent1">
+              <a:shade val="50000"/>
+            </a:schemeClr>
+          </a:lnRef>
+          <a:fillRef idx="1003">
+            <a:schemeClr val="dk2"/>
+          </a:fillRef>
+          <a:effectRef idx="0">
+            <a:schemeClr val="accent1"/>
+          </a:effectRef>
+          <a:fontRef idx="minor">
+            <a:schemeClr val="lt1"/>
+          </a:fontRef>
+        </p:style>
+        <p:txBody>
+          <a:bodyPr rtlCol="0" anchor="ctr"/>
+          <a:lstStyle/>
+          <a:p>
+            <a:pPr algn="ctr"/>
+            <a:endParaRPr lang="en-US"/>
+          </a:p>
+        </p:txBody>
+      </p:sp>
+      <p:sp>
+        <p:nvSpPr>
+          <p:cNvPr id="14" name="Rectangle 13">
+            <a:extLst>
+              <a:ext uri="{FF2B5EF4-FFF2-40B4-BE49-F238E27FC236}">
+                <a16:creationId xmlns:a16="http://schemas.microsoft.com/office/drawing/2014/main" id="{1CA42011-E478-428B-9D15-A98E338BF8C1}"/>
+              </a:ext>
+              <a:ext uri="{C183D7F6-B498-43B3-948B-1728B52AA6E4}">
+                <adec:decorative xmlns:adec="http://schemas.microsoft.com/office/drawing/2017/decorative" val="1"/>
+              </a:ext>
+            </a:extLst>
+          </p:cNvPr>
+          <p:cNvSpPr>
+            <a:spLocks noGrp="1" noRot="1" noChangeAspect="1" noMove="1" noResize="1" noEditPoints="1" noAdjustHandles="1" noChangeArrowheads="1" noChangeShapeType="1" noTextEdit="1"/>
+          </p:cNvSpPr>
+          <p:nvPr>
+            <p:extLst>
+              <p:ext uri="{386F3935-93C4-4BCD-93E2-E3B085C9AB24}">
+                <p16:designElem xmlns:p16="http://schemas.microsoft.com/office/powerpoint/2015/main" val="1"/>
+              </p:ext>
+            </p:extLst>
+          </p:nvPr>
+        </p:nvSpPr>
+        <p:spPr>
+          <a:xfrm>
+            <a:off x="10437812" y="0"/>
+            <a:ext cx="685800" cy="1143000"/>
+          </a:xfrm>
+          <a:prstGeom prst="rect">
+            <a:avLst/>
+          </a:prstGeom>
+          <a:solidFill>
+            <a:schemeClr val="accent1"/>
+          </a:solidFill>
+          <a:ln>
+            <a:noFill/>
+          </a:ln>
+        </p:spPr>
+        <p:style>
+          <a:lnRef idx="1">
+            <a:schemeClr val="accent1"/>
+          </a:lnRef>
+          <a:fillRef idx="3">
+            <a:schemeClr val="accent1"/>
+          </a:fillRef>
+          <a:effectRef idx="2">
+            <a:schemeClr val="accent1"/>
+          </a:effectRef>
+          <a:fontRef idx="minor">
+            <a:schemeClr val="lt1"/>
+          </a:fontRef>
+        </p:style>
+      </p:sp>
+      <p:sp>
+        <p:nvSpPr>
+          <p:cNvPr id="16" name="Freeform 7">
+            <a:extLst>
+              <a:ext uri="{FF2B5EF4-FFF2-40B4-BE49-F238E27FC236}">
+                <a16:creationId xmlns:a16="http://schemas.microsoft.com/office/drawing/2014/main" id="{9ED2773C-FE51-4632-BA46-036BDCDA6E5C}"/>
+              </a:ext>
+              <a:ext uri="{C183D7F6-B498-43B3-948B-1728B52AA6E4}">
+                <adec:decorative xmlns:adec="http://schemas.microsoft.com/office/drawing/2017/decorative" val="1"/>
+              </a:ext>
+            </a:extLst>
+          </p:cNvPr>
+          <p:cNvSpPr>
+            <a:spLocks noGrp="1" noRot="1" noChangeAspect="1" noMove="1" noResize="1" noEditPoints="1" noAdjustHandles="1" noChangeArrowheads="1" noChangeShapeType="1" noTextEdit="1"/>
+          </p:cNvSpPr>
+          <p:nvPr>
+            <p:extLst>
+              <p:ext uri="{386F3935-93C4-4BCD-93E2-E3B085C9AB24}">
+                <p16:designElem xmlns:p16="http://schemas.microsoft.com/office/powerpoint/2015/main" val="1"/>
+              </p:ext>
+            </p:extLst>
+          </p:nvPr>
+        </p:nvSpPr>
+        <p:spPr>
+          <a:xfrm>
+            <a:off x="8719939" y="1460230"/>
+            <a:ext cx="3472060" cy="825932"/>
+          </a:xfrm>
+          <a:custGeom>
+            <a:avLst/>
+            <a:gdLst>
+              <a:gd name="connsiteX0" fmla="*/ 3470310 w 3472060"/>
+              <a:gd name="connsiteY0" fmla="*/ 0 h 825932"/>
+              <a:gd name="connsiteX1" fmla="*/ 3472060 w 3472060"/>
+              <a:gd name="connsiteY1" fmla="*/ 12850 h 825932"/>
+              <a:gd name="connsiteX2" fmla="*/ 3472060 w 3472060"/>
+              <a:gd name="connsiteY2" fmla="*/ 480529 h 825932"/>
+              <a:gd name="connsiteX3" fmla="*/ 3363699 w 3472060"/>
+              <a:gd name="connsiteY3" fmla="*/ 498471 h 825932"/>
+              <a:gd name="connsiteX4" fmla="*/ 42060 w 3472060"/>
+              <a:gd name="connsiteY4" fmla="*/ 824486 h 825932"/>
+              <a:gd name="connsiteX5" fmla="*/ 0 w 3472060"/>
+              <a:gd name="connsiteY5" fmla="*/ 758452 h 825932"/>
+              <a:gd name="connsiteX6" fmla="*/ 188014 w 3472060"/>
+              <a:gd name="connsiteY6" fmla="*/ 735602 h 825932"/>
+              <a:gd name="connsiteX7" fmla="*/ 284087 w 3472060"/>
+              <a:gd name="connsiteY7" fmla="*/ 722590 h 825932"/>
+              <a:gd name="connsiteX8" fmla="*/ 382288 w 3472060"/>
+              <a:gd name="connsiteY8" fmla="*/ 709392 h 825932"/>
+              <a:gd name="connsiteX9" fmla="*/ 481858 w 3472060"/>
+              <a:gd name="connsiteY9" fmla="*/ 695774 h 825932"/>
+              <a:gd name="connsiteX10" fmla="*/ 581897 w 3472060"/>
+              <a:gd name="connsiteY10" fmla="*/ 680711 h 825932"/>
+              <a:gd name="connsiteX11" fmla="*/ 683670 w 3472060"/>
+              <a:gd name="connsiteY11" fmla="*/ 665256 h 825932"/>
+              <a:gd name="connsiteX12" fmla="*/ 787206 w 3472060"/>
+              <a:gd name="connsiteY12" fmla="*/ 649587 h 825932"/>
+              <a:gd name="connsiteX13" fmla="*/ 892019 w 3472060"/>
+              <a:gd name="connsiteY13" fmla="*/ 632968 h 825932"/>
+              <a:gd name="connsiteX14" fmla="*/ 997620 w 3472060"/>
+              <a:gd name="connsiteY14" fmla="*/ 614667 h 825932"/>
+              <a:gd name="connsiteX15" fmla="*/ 1104727 w 3472060"/>
+              <a:gd name="connsiteY15" fmla="*/ 596741 h 825932"/>
+              <a:gd name="connsiteX16" fmla="*/ 1212669 w 3472060"/>
+              <a:gd name="connsiteY16" fmla="*/ 577397 h 825932"/>
+              <a:gd name="connsiteX17" fmla="*/ 1321506 w 3472060"/>
+              <a:gd name="connsiteY17" fmla="*/ 556988 h 825932"/>
+              <a:gd name="connsiteX18" fmla="*/ 1430709 w 3472060"/>
+              <a:gd name="connsiteY18" fmla="*/ 536607 h 825932"/>
+              <a:gd name="connsiteX19" fmla="*/ 1541050 w 3472060"/>
+              <a:gd name="connsiteY19" fmla="*/ 514481 h 825932"/>
+              <a:gd name="connsiteX20" fmla="*/ 1652805 w 3472060"/>
+              <a:gd name="connsiteY20" fmla="*/ 492202 h 825932"/>
+              <a:gd name="connsiteX21" fmla="*/ 1763708 w 3472060"/>
+              <a:gd name="connsiteY21" fmla="*/ 469161 h 825932"/>
+              <a:gd name="connsiteX22" fmla="*/ 1875795 w 3472060"/>
+              <a:gd name="connsiteY22" fmla="*/ 444641 h 825932"/>
+              <a:gd name="connsiteX23" fmla="*/ 1989128 w 3472060"/>
+              <a:gd name="connsiteY23" fmla="*/ 418995 h 825932"/>
+              <a:gd name="connsiteX24" fmla="*/ 2102476 w 3472060"/>
+              <a:gd name="connsiteY24" fmla="*/ 393438 h 825932"/>
+              <a:gd name="connsiteX25" fmla="*/ 2215549 w 3472060"/>
+              <a:gd name="connsiteY25" fmla="*/ 366291 h 825932"/>
+              <a:gd name="connsiteX26" fmla="*/ 2330490 w 3472060"/>
+              <a:gd name="connsiteY26" fmla="*/ 337455 h 825932"/>
+              <a:gd name="connsiteX27" fmla="*/ 2443333 w 3472060"/>
+              <a:gd name="connsiteY27" fmla="*/ 308983 h 825932"/>
+              <a:gd name="connsiteX28" fmla="*/ 2558014 w 3472060"/>
+              <a:gd name="connsiteY28" fmla="*/ 278646 h 825932"/>
+              <a:gd name="connsiteX29" fmla="*/ 2673621 w 3472060"/>
+              <a:gd name="connsiteY29" fmla="*/ 247421 h 825932"/>
+              <a:gd name="connsiteX30" fmla="*/ 2787008 w 3472060"/>
+              <a:gd name="connsiteY30" fmla="*/ 215853 h 825932"/>
+              <a:gd name="connsiteX31" fmla="*/ 2901442 w 3472060"/>
+              <a:gd name="connsiteY31" fmla="*/ 182011 h 825932"/>
+              <a:gd name="connsiteX32" fmla="*/ 3015722 w 3472060"/>
+              <a:gd name="connsiteY32" fmla="*/ 147286 h 825932"/>
+              <a:gd name="connsiteX33" fmla="*/ 3130018 w 3472060"/>
+              <a:gd name="connsiteY33" fmla="*/ 112649 h 825932"/>
+              <a:gd name="connsiteX34" fmla="*/ 3243551 w 3472060"/>
+              <a:gd name="connsiteY34" fmla="*/ 75688 h 825932"/>
+              <a:gd name="connsiteX35" fmla="*/ 3356992 w 3472060"/>
+              <a:gd name="connsiteY35" fmla="*/ 38197 h 825932"/>
+              <a:gd name="connsiteX36" fmla="*/ 3470310 w 3472060"/>
+              <a:gd name="connsiteY36" fmla="*/ 0 h 825932"/>
+            </a:gdLst>
+            <a:ahLst/>
+            <a:cxnLst>
+              <a:cxn ang="0">
+                <a:pos x="connsiteX0" y="connsiteY0"/>
+              </a:cxn>
+              <a:cxn ang="0">
+                <a:pos x="connsiteX1" y="connsiteY1"/>
+              </a:cxn>
+              <a:cxn ang="0">
+                <a:pos x="connsiteX2" y="connsiteY2"/>
+              </a:cxn>
+              <a:cxn ang="0">
+                <a:pos x="connsiteX3" y="connsiteY3"/>
+              </a:cxn>
+              <a:cxn ang="0">
+                <a:pos x="connsiteX4" y="connsiteY4"/>
+              </a:cxn>
+              <a:cxn ang="0">
+                <a:pos x="connsiteX5" y="connsiteY5"/>
+              </a:cxn>
+              <a:cxn ang="0">
+                <a:pos x="connsiteX6" y="connsiteY6"/>
+              </a:cxn>
+              <a:cxn ang="0">
+                <a:pos x="connsiteX7" y="connsiteY7"/>
+              </a:cxn>
+              <a:cxn ang="0">
+                <a:pos x="connsiteX8" y="connsiteY8"/>
+              </a:cxn>
+              <a:cxn ang="0">
+                <a:pos x="connsiteX9" y="connsiteY9"/>
+              </a:cxn>
+              <a:cxn ang="0">
+                <a:pos x="connsiteX10" y="connsiteY10"/>
+              </a:cxn>
+              <a:cxn ang="0">
+                <a:pos x="connsiteX11" y="connsiteY11"/>
+              </a:cxn>
+              <a:cxn ang="0">
+                <a:pos x="connsiteX12" y="connsiteY12"/>
+              </a:cxn>
+              <a:cxn ang="0">
+                <a:pos x="connsiteX13" y="connsiteY13"/>
+              </a:cxn>
+              <a:cxn ang="0">
+                <a:pos x="connsiteX14" y="connsiteY14"/>
+              </a:cxn>
+              <a:cxn ang="0">
+                <a:pos x="connsiteX15" y="connsiteY15"/>
+              </a:cxn>
+              <a:cxn ang="0">
+                <a:pos x="connsiteX16" y="connsiteY16"/>
+              </a:cxn>
+              <a:cxn ang="0">
+                <a:pos x="connsiteX17" y="connsiteY17"/>
+              </a:cxn>
+              <a:cxn ang="0">
+                <a:pos x="connsiteX18" y="connsiteY18"/>
+              </a:cxn>
+              <a:cxn ang="0">
+                <a:pos x="connsiteX19" y="connsiteY19"/>
+              </a:cxn>
+              <a:cxn ang="0">
+                <a:pos x="connsiteX20" y="connsiteY20"/>
+              </a:cxn>
+              <a:cxn ang="0">
+                <a:pos x="connsiteX21" y="connsiteY21"/>
+              </a:cxn>
+              <a:cxn ang="0">
+                <a:pos x="connsiteX22" y="connsiteY22"/>
+              </a:cxn>
+              <a:cxn ang="0">
+                <a:pos x="connsiteX23" y="connsiteY23"/>
+              </a:cxn>
+              <a:cxn ang="0">
+                <a:pos x="connsiteX24" y="connsiteY24"/>
+              </a:cxn>
+              <a:cxn ang="0">
+                <a:pos x="connsiteX25" y="connsiteY25"/>
+              </a:cxn>
+              <a:cxn ang="0">
+                <a:pos x="connsiteX26" y="connsiteY26"/>
+              </a:cxn>
+              <a:cxn ang="0">
+                <a:pos x="connsiteX27" y="connsiteY27"/>
+              </a:cxn>
+              <a:cxn ang="0">
+                <a:pos x="connsiteX28" y="connsiteY28"/>
+              </a:cxn>
+              <a:cxn ang="0">
+                <a:pos x="connsiteX29" y="connsiteY29"/>
+              </a:cxn>
+              <a:cxn ang="0">
+                <a:pos x="connsiteX30" y="connsiteY30"/>
+              </a:cxn>
+              <a:cxn ang="0">
+                <a:pos x="connsiteX31" y="connsiteY31"/>
+              </a:cxn>
+              <a:cxn ang="0">
+                <a:pos x="connsiteX32" y="connsiteY32"/>
+              </a:cxn>
+              <a:cxn ang="0">
+                <a:pos x="connsiteX33" y="connsiteY33"/>
+              </a:cxn>
+              <a:cxn ang="0">
+                <a:pos x="connsiteX34" y="connsiteY34"/>
+              </a:cxn>
+              <a:cxn ang="0">
+                <a:pos x="connsiteX35" y="connsiteY35"/>
+              </a:cxn>
+              <a:cxn ang="0">
+                <a:pos x="connsiteX36" y="connsiteY36"/>
+              </a:cxn>
+            </a:cxnLst>
+            <a:rect l="l" t="t" r="r" b="b"/>
+            <a:pathLst>
+              <a:path w="3472060" h="825932">
+                <a:moveTo>
+                  <a:pt x="3470310" y="0"/>
+                </a:moveTo>
+                <a:lnTo>
+                  <a:pt x="3472060" y="12850"/>
+                </a:lnTo>
+                <a:lnTo>
+                  <a:pt x="3472060" y="480529"/>
+                </a:lnTo>
+                <a:lnTo>
+                  <a:pt x="3363699" y="498471"/>
+                </a:lnTo>
+                <a:cubicBezTo>
+                  <a:pt x="2435623" y="645518"/>
+                  <a:pt x="603076" y="844866"/>
+                  <a:pt x="42060" y="824486"/>
+                </a:cubicBezTo>
+                <a:cubicBezTo>
+                  <a:pt x="28151" y="802425"/>
+                  <a:pt x="13909" y="780513"/>
+                  <a:pt x="0" y="758452"/>
+                </a:cubicBezTo>
+                <a:lnTo>
+                  <a:pt x="188014" y="735602"/>
+                </a:lnTo>
+                <a:lnTo>
+                  <a:pt x="284087" y="722590"/>
+                </a:lnTo>
+                <a:lnTo>
+                  <a:pt x="382288" y="709392"/>
+                </a:lnTo>
+                <a:lnTo>
+                  <a:pt x="481858" y="695774"/>
+                </a:lnTo>
+                <a:lnTo>
+                  <a:pt x="581897" y="680711"/>
+                </a:lnTo>
+                <a:lnTo>
+                  <a:pt x="683670" y="665256"/>
+                </a:lnTo>
+                <a:lnTo>
+                  <a:pt x="787206" y="649587"/>
+                </a:lnTo>
+                <a:lnTo>
+                  <a:pt x="892019" y="632968"/>
+                </a:lnTo>
+                <a:lnTo>
+                  <a:pt x="997620" y="614667"/>
+                </a:lnTo>
+                <a:lnTo>
+                  <a:pt x="1104727" y="596741"/>
+                </a:lnTo>
+                <a:lnTo>
+                  <a:pt x="1212669" y="577397"/>
+                </a:lnTo>
+                <a:lnTo>
+                  <a:pt x="1321506" y="556988"/>
+                </a:lnTo>
+                <a:lnTo>
+                  <a:pt x="1430709" y="536607"/>
+                </a:lnTo>
+                <a:lnTo>
+                  <a:pt x="1541050" y="514481"/>
+                </a:lnTo>
+                <a:lnTo>
+                  <a:pt x="1652805" y="492202"/>
+                </a:lnTo>
+                <a:lnTo>
+                  <a:pt x="1763708" y="469161"/>
+                </a:lnTo>
+                <a:lnTo>
+                  <a:pt x="1875795" y="444641"/>
+                </a:lnTo>
+                <a:lnTo>
+                  <a:pt x="1989128" y="418995"/>
+                </a:lnTo>
+                <a:lnTo>
+                  <a:pt x="2102476" y="393438"/>
+                </a:lnTo>
+                <a:lnTo>
+                  <a:pt x="2215549" y="366291"/>
+                </a:lnTo>
+                <a:lnTo>
+                  <a:pt x="2330490" y="337455"/>
+                </a:lnTo>
+                <a:lnTo>
+                  <a:pt x="2443333" y="308983"/>
+                </a:lnTo>
+                <a:lnTo>
+                  <a:pt x="2558014" y="278646"/>
+                </a:lnTo>
+                <a:lnTo>
+                  <a:pt x="2673621" y="247421"/>
+                </a:lnTo>
+                <a:lnTo>
+                  <a:pt x="2787008" y="215853"/>
+                </a:lnTo>
+                <a:lnTo>
+                  <a:pt x="2901442" y="182011"/>
+                </a:lnTo>
+                <a:lnTo>
+                  <a:pt x="3015722" y="147286"/>
+                </a:lnTo>
+                <a:lnTo>
+                  <a:pt x="3130018" y="112649"/>
+                </a:lnTo>
+                <a:lnTo>
+                  <a:pt x="3243551" y="75688"/>
+                </a:lnTo>
+                <a:lnTo>
+                  <a:pt x="3356992" y="38197"/>
+                </a:lnTo>
+                <a:lnTo>
+                  <a:pt x="3470310" y="0"/>
+                </a:lnTo>
+                <a:close/>
+              </a:path>
+            </a:pathLst>
+          </a:custGeom>
+          <a:solidFill>
+            <a:schemeClr val="bg1">
+              <a:alpha val="20000"/>
+            </a:schemeClr>
+          </a:solidFill>
+          <a:ln>
+            <a:noFill/>
+          </a:ln>
+        </p:spPr>
+        <p:txBody>
+          <a:bodyPr rtlCol="0" anchor="ctr"/>
+          <a:lstStyle/>
+          <a:p>
+            <a:pPr algn="ctr"/>
+            <a:endParaRPr lang="en-US">
+              <a:solidFill>
+                <a:schemeClr val="tx1"/>
+              </a:solidFill>
+            </a:endParaRPr>
+          </a:p>
+        </p:txBody>
+      </p:sp>
+      <p:sp>
+        <p:nvSpPr>
+          <p:cNvPr id="2" name="Titel 1">
+            <a:extLst>
+              <a:ext uri="{FF2B5EF4-FFF2-40B4-BE49-F238E27FC236}">
+                <a16:creationId xmlns:a16="http://schemas.microsoft.com/office/drawing/2014/main" id="{A077E16D-648B-7190-FDDD-E9CB0546FC65}"/>
+              </a:ext>
+            </a:extLst>
+          </p:cNvPr>
+          <p:cNvSpPr>
+            <a:spLocks noGrp="1"/>
+          </p:cNvSpPr>
+          <p:nvPr>
+            <p:ph type="title"/>
+          </p:nvPr>
+        </p:nvSpPr>
+        <p:spPr>
+          <a:xfrm>
+            <a:off x="648930" y="629267"/>
+            <a:ext cx="9252154" cy="1016654"/>
+          </a:xfrm>
+        </p:spPr>
+        <p:txBody>
+          <a:bodyPr>
+            <a:normAutofit/>
+          </a:bodyPr>
+          <a:lstStyle/>
+          <a:p>
+            <a:r>
+              <a:rPr lang="de-DE">
+                <a:solidFill>
+                  <a:srgbClr val="EBEBEB"/>
+                </a:solidFill>
+              </a:rPr>
+              <a:t>Teil 1 - Architektur</a:t>
+            </a:r>
+            <a:endParaRPr lang="de-AT">
+              <a:solidFill>
+                <a:srgbClr val="EBEBEB"/>
+              </a:solidFill>
+            </a:endParaRPr>
+          </a:p>
+        </p:txBody>
+      </p:sp>
+      <p:sp useBgFill="1">
+        <p:nvSpPr>
+          <p:cNvPr id="18" name="Freeform: Shape 17">
+            <a:extLst>
+              <a:ext uri="{FF2B5EF4-FFF2-40B4-BE49-F238E27FC236}">
+                <a16:creationId xmlns:a16="http://schemas.microsoft.com/office/drawing/2014/main" id="{E02F9158-C4C2-46A8-BE73-A4F77E139FB6}"/>
+              </a:ext>
+              <a:ext uri="{C183D7F6-B498-43B3-948B-1728B52AA6E4}">
+                <adec:decorative xmlns:adec="http://schemas.microsoft.com/office/drawing/2017/decorative" val="1"/>
+              </a:ext>
+            </a:extLst>
+          </p:cNvPr>
+          <p:cNvSpPr>
+            <a:spLocks noGrp="1" noRot="1" noChangeAspect="1" noMove="1" noResize="1" noEditPoints="1" noAdjustHandles="1" noChangeArrowheads="1" noChangeShapeType="1" noTextEdit="1"/>
+          </p:cNvSpPr>
+          <p:nvPr>
+            <p:extLst>
+              <p:ext uri="{386F3935-93C4-4BCD-93E2-E3B085C9AB24}">
+                <p16:designElem xmlns:p16="http://schemas.microsoft.com/office/powerpoint/2015/main" val="1"/>
+              </p:ext>
+            </p:extLst>
+          </p:nvPr>
+        </p:nvSpPr>
+        <p:spPr bwMode="gray">
+          <a:xfrm>
+            <a:off x="1" y="1762067"/>
+            <a:ext cx="12192417" cy="5095933"/>
+          </a:xfrm>
+          <a:custGeom>
+            <a:avLst/>
+            <a:gdLst>
+              <a:gd name="connsiteX0" fmla="*/ 0 w 12192417"/>
+              <a:gd name="connsiteY0" fmla="*/ 0 h 5095933"/>
+              <a:gd name="connsiteX1" fmla="*/ 71931 w 12192417"/>
+              <a:gd name="connsiteY1" fmla="*/ 12261 h 5095933"/>
+              <a:gd name="connsiteX2" fmla="*/ 282848 w 12192417"/>
+              <a:gd name="connsiteY2" fmla="*/ 48343 h 5095933"/>
+              <a:gd name="connsiteX3" fmla="*/ 436463 w 12192417"/>
+              <a:gd name="connsiteY3" fmla="*/ 73565 h 5095933"/>
+              <a:gd name="connsiteX4" fmla="*/ 619338 w 12192417"/>
+              <a:gd name="connsiteY4" fmla="*/ 100188 h 5095933"/>
+              <a:gd name="connsiteX5" fmla="*/ 836350 w 12192417"/>
+              <a:gd name="connsiteY5" fmla="*/ 132066 h 5095933"/>
+              <a:gd name="connsiteX6" fmla="*/ 1076527 w 12192417"/>
+              <a:gd name="connsiteY6" fmla="*/ 165696 h 5095933"/>
+              <a:gd name="connsiteX7" fmla="*/ 1347183 w 12192417"/>
+              <a:gd name="connsiteY7" fmla="*/ 201077 h 5095933"/>
+              <a:gd name="connsiteX8" fmla="*/ 1642222 w 12192417"/>
+              <a:gd name="connsiteY8" fmla="*/ 238560 h 5095933"/>
+              <a:gd name="connsiteX9" fmla="*/ 1962863 w 12192417"/>
+              <a:gd name="connsiteY9" fmla="*/ 276043 h 5095933"/>
+              <a:gd name="connsiteX10" fmla="*/ 2304231 w 12192417"/>
+              <a:gd name="connsiteY10" fmla="*/ 314227 h 5095933"/>
+              <a:gd name="connsiteX11" fmla="*/ 2672420 w 12192417"/>
+              <a:gd name="connsiteY11" fmla="*/ 349608 h 5095933"/>
+              <a:gd name="connsiteX12" fmla="*/ 3057677 w 12192417"/>
+              <a:gd name="connsiteY12" fmla="*/ 383588 h 5095933"/>
+              <a:gd name="connsiteX13" fmla="*/ 3464880 w 12192417"/>
+              <a:gd name="connsiteY13" fmla="*/ 414415 h 5095933"/>
+              <a:gd name="connsiteX14" fmla="*/ 3889151 w 12192417"/>
+              <a:gd name="connsiteY14" fmla="*/ 443841 h 5095933"/>
+              <a:gd name="connsiteX15" fmla="*/ 4331709 w 12192417"/>
+              <a:gd name="connsiteY15" fmla="*/ 471515 h 5095933"/>
+              <a:gd name="connsiteX16" fmla="*/ 4558475 w 12192417"/>
+              <a:gd name="connsiteY16" fmla="*/ 481324 h 5095933"/>
+              <a:gd name="connsiteX17" fmla="*/ 4790117 w 12192417"/>
+              <a:gd name="connsiteY17" fmla="*/ 492183 h 5095933"/>
+              <a:gd name="connsiteX18" fmla="*/ 5025417 w 12192417"/>
+              <a:gd name="connsiteY18" fmla="*/ 502342 h 5095933"/>
+              <a:gd name="connsiteX19" fmla="*/ 5261936 w 12192417"/>
+              <a:gd name="connsiteY19" fmla="*/ 508998 h 5095933"/>
+              <a:gd name="connsiteX20" fmla="*/ 5503331 w 12192417"/>
+              <a:gd name="connsiteY20" fmla="*/ 514953 h 5095933"/>
+              <a:gd name="connsiteX21" fmla="*/ 5747166 w 12192417"/>
+              <a:gd name="connsiteY21" fmla="*/ 521259 h 5095933"/>
+              <a:gd name="connsiteX22" fmla="*/ 5995876 w 12192417"/>
+              <a:gd name="connsiteY22" fmla="*/ 525463 h 5095933"/>
+              <a:gd name="connsiteX23" fmla="*/ 6247025 w 12192417"/>
+              <a:gd name="connsiteY23" fmla="*/ 525463 h 5095933"/>
+              <a:gd name="connsiteX24" fmla="*/ 6500612 w 12192417"/>
+              <a:gd name="connsiteY24" fmla="*/ 527565 h 5095933"/>
+              <a:gd name="connsiteX25" fmla="*/ 6756638 w 12192417"/>
+              <a:gd name="connsiteY25" fmla="*/ 525463 h 5095933"/>
+              <a:gd name="connsiteX26" fmla="*/ 7016321 w 12192417"/>
+              <a:gd name="connsiteY26" fmla="*/ 521259 h 5095933"/>
+              <a:gd name="connsiteX27" fmla="*/ 7276004 w 12192417"/>
+              <a:gd name="connsiteY27" fmla="*/ 517406 h 5095933"/>
+              <a:gd name="connsiteX28" fmla="*/ 7539344 w 12192417"/>
+              <a:gd name="connsiteY28" fmla="*/ 508998 h 5095933"/>
+              <a:gd name="connsiteX29" fmla="*/ 7805123 w 12192417"/>
+              <a:gd name="connsiteY29" fmla="*/ 500241 h 5095933"/>
+              <a:gd name="connsiteX30" fmla="*/ 8070902 w 12192417"/>
+              <a:gd name="connsiteY30" fmla="*/ 490082 h 5095933"/>
+              <a:gd name="connsiteX31" fmla="*/ 8339120 w 12192417"/>
+              <a:gd name="connsiteY31" fmla="*/ 475719 h 5095933"/>
+              <a:gd name="connsiteX32" fmla="*/ 8609775 w 12192417"/>
+              <a:gd name="connsiteY32" fmla="*/ 458554 h 5095933"/>
+              <a:gd name="connsiteX33" fmla="*/ 8881650 w 12192417"/>
+              <a:gd name="connsiteY33" fmla="*/ 442089 h 5095933"/>
+              <a:gd name="connsiteX34" fmla="*/ 9153525 w 12192417"/>
+              <a:gd name="connsiteY34" fmla="*/ 421071 h 5095933"/>
+              <a:gd name="connsiteX35" fmla="*/ 9429057 w 12192417"/>
+              <a:gd name="connsiteY35" fmla="*/ 395849 h 5095933"/>
+              <a:gd name="connsiteX36" fmla="*/ 9700932 w 12192417"/>
+              <a:gd name="connsiteY36" fmla="*/ 370626 h 5095933"/>
+              <a:gd name="connsiteX37" fmla="*/ 9977683 w 12192417"/>
+              <a:gd name="connsiteY37" fmla="*/ 341551 h 5095933"/>
+              <a:gd name="connsiteX38" fmla="*/ 10255654 w 12192417"/>
+              <a:gd name="connsiteY38" fmla="*/ 309673 h 5095933"/>
+              <a:gd name="connsiteX39" fmla="*/ 10529967 w 12192417"/>
+              <a:gd name="connsiteY39" fmla="*/ 276043 h 5095933"/>
+              <a:gd name="connsiteX40" fmla="*/ 10807938 w 12192417"/>
+              <a:gd name="connsiteY40" fmla="*/ 236809 h 5095933"/>
+              <a:gd name="connsiteX41" fmla="*/ 11084689 w 12192417"/>
+              <a:gd name="connsiteY41" fmla="*/ 194772 h 5095933"/>
+              <a:gd name="connsiteX42" fmla="*/ 11362660 w 12192417"/>
+              <a:gd name="connsiteY42" fmla="*/ 153085 h 5095933"/>
+              <a:gd name="connsiteX43" fmla="*/ 11639411 w 12192417"/>
+              <a:gd name="connsiteY43" fmla="*/ 104392 h 5095933"/>
+              <a:gd name="connsiteX44" fmla="*/ 11914944 w 12192417"/>
+              <a:gd name="connsiteY44" fmla="*/ 54648 h 5095933"/>
+              <a:gd name="connsiteX45" fmla="*/ 12191695 w 12192417"/>
+              <a:gd name="connsiteY45" fmla="*/ 2452 h 5095933"/>
+              <a:gd name="connsiteX46" fmla="*/ 12191695 w 12192417"/>
+              <a:gd name="connsiteY46" fmla="*/ 2162231 h 5095933"/>
+              <a:gd name="connsiteX47" fmla="*/ 12192417 w 12192417"/>
+              <a:gd name="connsiteY47" fmla="*/ 2162231 h 5095933"/>
+              <a:gd name="connsiteX48" fmla="*/ 12192417 w 12192417"/>
+              <a:gd name="connsiteY48" fmla="*/ 5095933 h 5095933"/>
+              <a:gd name="connsiteX49" fmla="*/ 0 w 12192417"/>
+              <a:gd name="connsiteY49" fmla="*/ 5095933 h 5095933"/>
+              <a:gd name="connsiteX50" fmla="*/ 0 w 12192417"/>
+              <a:gd name="connsiteY50" fmla="*/ 2791958 h 5095933"/>
+              <a:gd name="connsiteX51" fmla="*/ 0 w 12192417"/>
+              <a:gd name="connsiteY51" fmla="*/ 2162231 h 5095933"/>
+            </a:gdLst>
+            <a:ahLst/>
+            <a:cxnLst>
+              <a:cxn ang="0">
+                <a:pos x="connsiteX0" y="connsiteY0"/>
+              </a:cxn>
+              <a:cxn ang="0">
+                <a:pos x="connsiteX1" y="connsiteY1"/>
+              </a:cxn>
+              <a:cxn ang="0">
+                <a:pos x="connsiteX2" y="connsiteY2"/>
+              </a:cxn>
+              <a:cxn ang="0">
+                <a:pos x="connsiteX3" y="connsiteY3"/>
+              </a:cxn>
+              <a:cxn ang="0">
+                <a:pos x="connsiteX4" y="connsiteY4"/>
+              </a:cxn>
+              <a:cxn ang="0">
+                <a:pos x="connsiteX5" y="connsiteY5"/>
+              </a:cxn>
+              <a:cxn ang="0">
+                <a:pos x="connsiteX6" y="connsiteY6"/>
+              </a:cxn>
+              <a:cxn ang="0">
+                <a:pos x="connsiteX7" y="connsiteY7"/>
+              </a:cxn>
+              <a:cxn ang="0">
+                <a:pos x="connsiteX8" y="connsiteY8"/>
+              </a:cxn>
+              <a:cxn ang="0">
+                <a:pos x="connsiteX9" y="connsiteY9"/>
+              </a:cxn>
+              <a:cxn ang="0">
+                <a:pos x="connsiteX10" y="connsiteY10"/>
+              </a:cxn>
+              <a:cxn ang="0">
+                <a:pos x="connsiteX11" y="connsiteY11"/>
+              </a:cxn>
+              <a:cxn ang="0">
+                <a:pos x="connsiteX12" y="connsiteY12"/>
+              </a:cxn>
+              <a:cxn ang="0">
+                <a:pos x="connsiteX13" y="connsiteY13"/>
+              </a:cxn>
+              <a:cxn ang="0">
+                <a:pos x="connsiteX14" y="connsiteY14"/>
+              </a:cxn>
+              <a:cxn ang="0">
+                <a:pos x="connsiteX15" y="connsiteY15"/>
+              </a:cxn>
+              <a:cxn ang="0">
+                <a:pos x="connsiteX16" y="connsiteY16"/>
+              </a:cxn>
+              <a:cxn ang="0">
+                <a:pos x="connsiteX17" y="connsiteY17"/>
+              </a:cxn>
+              <a:cxn ang="0">
+                <a:pos x="connsiteX18" y="connsiteY18"/>
+              </a:cxn>
+              <a:cxn ang="0">
+                <a:pos x="connsiteX19" y="connsiteY19"/>
+              </a:cxn>
+              <a:cxn ang="0">
+                <a:pos x="connsiteX20" y="connsiteY20"/>
+              </a:cxn>
+              <a:cxn ang="0">
+                <a:pos x="connsiteX21" y="connsiteY21"/>
+              </a:cxn>
+              <a:cxn ang="0">
+                <a:pos x="connsiteX22" y="connsiteY22"/>
+              </a:cxn>
+              <a:cxn ang="0">
+                <a:pos x="connsiteX23" y="connsiteY23"/>
+              </a:cxn>
+              <a:cxn ang="0">
+                <a:pos x="connsiteX24" y="connsiteY24"/>
+              </a:cxn>
+              <a:cxn ang="0">
+                <a:pos x="connsiteX25" y="connsiteY25"/>
+              </a:cxn>
+              <a:cxn ang="0">
+                <a:pos x="connsiteX26" y="connsiteY26"/>
+              </a:cxn>
+              <a:cxn ang="0">
+                <a:pos x="connsiteX27" y="connsiteY27"/>
+              </a:cxn>
+              <a:cxn ang="0">
+                <a:pos x="connsiteX28" y="connsiteY28"/>
+              </a:cxn>
+              <a:cxn ang="0">
+                <a:pos x="connsiteX29" y="connsiteY29"/>
+              </a:cxn>
+              <a:cxn ang="0">
+                <a:pos x="connsiteX30" y="connsiteY30"/>
+              </a:cxn>
+              <a:cxn ang="0">
+                <a:pos x="connsiteX31" y="connsiteY31"/>
+              </a:cxn>
+              <a:cxn ang="0">
+                <a:pos x="connsiteX32" y="connsiteY32"/>
+              </a:cxn>
+              <a:cxn ang="0">
+                <a:pos x="connsiteX33" y="connsiteY33"/>
+              </a:cxn>
+              <a:cxn ang="0">
+                <a:pos x="connsiteX34" y="connsiteY34"/>
+              </a:cxn>
+              <a:cxn ang="0">
+                <a:pos x="connsiteX35" y="connsiteY35"/>
+              </a:cxn>
+              <a:cxn ang="0">
+                <a:pos x="connsiteX36" y="connsiteY36"/>
+              </a:cxn>
+              <a:cxn ang="0">
+                <a:pos x="connsiteX37" y="connsiteY37"/>
+              </a:cxn>
+              <a:cxn ang="0">
+                <a:pos x="connsiteX38" y="connsiteY38"/>
+              </a:cxn>
+              <a:cxn ang="0">
+                <a:pos x="connsiteX39" y="connsiteY39"/>
+              </a:cxn>
+              <a:cxn ang="0">
+                <a:pos x="connsiteX40" y="connsiteY40"/>
+              </a:cxn>
+              <a:cxn ang="0">
+                <a:pos x="connsiteX41" y="connsiteY41"/>
+              </a:cxn>
+              <a:cxn ang="0">
+                <a:pos x="connsiteX42" y="connsiteY42"/>
+              </a:cxn>
+              <a:cxn ang="0">
+                <a:pos x="connsiteX43" y="connsiteY43"/>
+              </a:cxn>
+              <a:cxn ang="0">
+                <a:pos x="connsiteX44" y="connsiteY44"/>
+              </a:cxn>
+              <a:cxn ang="0">
+                <a:pos x="connsiteX45" y="connsiteY45"/>
+              </a:cxn>
+              <a:cxn ang="0">
+                <a:pos x="connsiteX46" y="connsiteY46"/>
+              </a:cxn>
+              <a:cxn ang="0">
+                <a:pos x="connsiteX47" y="connsiteY47"/>
+              </a:cxn>
+              <a:cxn ang="0">
+                <a:pos x="connsiteX48" y="connsiteY48"/>
+              </a:cxn>
+              <a:cxn ang="0">
+                <a:pos x="connsiteX49" y="connsiteY49"/>
+              </a:cxn>
+              <a:cxn ang="0">
+                <a:pos x="connsiteX50" y="connsiteY50"/>
+              </a:cxn>
+              <a:cxn ang="0">
+                <a:pos x="connsiteX51" y="connsiteY51"/>
+              </a:cxn>
+            </a:cxnLst>
+            <a:rect l="l" t="t" r="r" b="b"/>
+            <a:pathLst>
+              <a:path w="12192417" h="5095933">
+                <a:moveTo>
+                  <a:pt x="0" y="0"/>
+                </a:moveTo>
+                <a:lnTo>
+                  <a:pt x="71931" y="12261"/>
+                </a:lnTo>
+                <a:lnTo>
+                  <a:pt x="282848" y="48343"/>
+                </a:lnTo>
+                <a:lnTo>
+                  <a:pt x="436463" y="73565"/>
+                </a:lnTo>
+                <a:lnTo>
+                  <a:pt x="619338" y="100188"/>
+                </a:lnTo>
+                <a:lnTo>
+                  <a:pt x="836350" y="132066"/>
+                </a:lnTo>
+                <a:lnTo>
+                  <a:pt x="1076527" y="165696"/>
+                </a:lnTo>
+                <a:lnTo>
+                  <a:pt x="1347183" y="201077"/>
+                </a:lnTo>
+                <a:lnTo>
+                  <a:pt x="1642222" y="238560"/>
+                </a:lnTo>
+                <a:lnTo>
+                  <a:pt x="1962863" y="276043"/>
+                </a:lnTo>
+                <a:lnTo>
+                  <a:pt x="2304231" y="314227"/>
+                </a:lnTo>
+                <a:lnTo>
+                  <a:pt x="2672420" y="349608"/>
+                </a:lnTo>
+                <a:lnTo>
+                  <a:pt x="3057677" y="383588"/>
+                </a:lnTo>
+                <a:lnTo>
+                  <a:pt x="3464880" y="414415"/>
+                </a:lnTo>
+                <a:lnTo>
+                  <a:pt x="3889151" y="443841"/>
+                </a:lnTo>
+                <a:lnTo>
+                  <a:pt x="4331709" y="471515"/>
+                </a:lnTo>
+                <a:lnTo>
+                  <a:pt x="4558475" y="481324"/>
+                </a:lnTo>
+                <a:lnTo>
+                  <a:pt x="4790117" y="492183"/>
+                </a:lnTo>
+                <a:lnTo>
+                  <a:pt x="5025417" y="502342"/>
+                </a:lnTo>
+                <a:lnTo>
+                  <a:pt x="5261936" y="508998"/>
+                </a:lnTo>
+                <a:lnTo>
+                  <a:pt x="5503331" y="514953"/>
+                </a:lnTo>
+                <a:lnTo>
+                  <a:pt x="5747166" y="521259"/>
+                </a:lnTo>
+                <a:lnTo>
+                  <a:pt x="5995876" y="525463"/>
+                </a:lnTo>
+                <a:lnTo>
+                  <a:pt x="6247025" y="525463"/>
+                </a:lnTo>
+                <a:lnTo>
+                  <a:pt x="6500612" y="527565"/>
+                </a:lnTo>
+                <a:lnTo>
+                  <a:pt x="6756638" y="525463"/>
+                </a:lnTo>
+                <a:lnTo>
+                  <a:pt x="7016321" y="521259"/>
+                </a:lnTo>
+                <a:lnTo>
+                  <a:pt x="7276004" y="517406"/>
+                </a:lnTo>
+                <a:lnTo>
+                  <a:pt x="7539344" y="508998"/>
+                </a:lnTo>
+                <a:lnTo>
+                  <a:pt x="7805123" y="500241"/>
+                </a:lnTo>
+                <a:lnTo>
+                  <a:pt x="8070902" y="490082"/>
+                </a:lnTo>
+                <a:lnTo>
+                  <a:pt x="8339120" y="475719"/>
+                </a:lnTo>
+                <a:lnTo>
+                  <a:pt x="8609775" y="458554"/>
+                </a:lnTo>
+                <a:lnTo>
+                  <a:pt x="8881650" y="442089"/>
+                </a:lnTo>
+                <a:lnTo>
+                  <a:pt x="9153525" y="421071"/>
+                </a:lnTo>
+                <a:lnTo>
+                  <a:pt x="9429057" y="395849"/>
+                </a:lnTo>
+                <a:lnTo>
+                  <a:pt x="9700932" y="370626"/>
+                </a:lnTo>
+                <a:lnTo>
+                  <a:pt x="9977683" y="341551"/>
+                </a:lnTo>
+                <a:lnTo>
+                  <a:pt x="10255654" y="309673"/>
+                </a:lnTo>
+                <a:lnTo>
+                  <a:pt x="10529967" y="276043"/>
+                </a:lnTo>
+                <a:lnTo>
+                  <a:pt x="10807938" y="236809"/>
+                </a:lnTo>
+                <a:lnTo>
+                  <a:pt x="11084689" y="194772"/>
+                </a:lnTo>
+                <a:lnTo>
+                  <a:pt x="11362660" y="153085"/>
+                </a:lnTo>
+                <a:lnTo>
+                  <a:pt x="11639411" y="104392"/>
+                </a:lnTo>
+                <a:lnTo>
+                  <a:pt x="11914944" y="54648"/>
+                </a:lnTo>
+                <a:lnTo>
+                  <a:pt x="12191695" y="2452"/>
+                </a:lnTo>
+                <a:lnTo>
+                  <a:pt x="12191695" y="2162231"/>
+                </a:lnTo>
+                <a:lnTo>
+                  <a:pt x="12192417" y="2162231"/>
+                </a:lnTo>
+                <a:lnTo>
+                  <a:pt x="12192417" y="5095933"/>
+                </a:lnTo>
+                <a:lnTo>
+                  <a:pt x="0" y="5095933"/>
+                </a:lnTo>
+                <a:lnTo>
+                  <a:pt x="0" y="2791958"/>
+                </a:lnTo>
+                <a:lnTo>
+                  <a:pt x="0" y="2162231"/>
+                </a:lnTo>
+                <a:close/>
+              </a:path>
+            </a:pathLst>
+          </a:custGeom>
+          <a:ln>
+            <a:noFill/>
+          </a:ln>
+        </p:spPr>
+      </p:sp>
+      <p:pic>
+        <p:nvPicPr>
+          <p:cNvPr id="5" name="Inhaltsplatzhalter 4" descr="Ein Bild, das Text, iPod enthält.&#10;&#10;Automatisch generierte Beschreibung">
+            <a:extLst>
+              <a:ext uri="{FF2B5EF4-FFF2-40B4-BE49-F238E27FC236}">
+                <a16:creationId xmlns:a16="http://schemas.microsoft.com/office/drawing/2014/main" id="{ADAB2357-1666-C2D9-C2DA-29879EF52DB0}"/>
+              </a:ext>
+            </a:extLst>
+          </p:cNvPr>
+          <p:cNvPicPr>
+            <a:picLocks noChangeAspect="1"/>
+          </p:cNvPicPr>
+          <p:nvPr/>
+        </p:nvPicPr>
+        <p:blipFill>
+          <a:blip r:embed="rId3" cstate="print">
+            <a:extLst>
+              <a:ext uri="{28A0092B-C50C-407E-A947-70E740481C1C}">
+                <a14:useLocalDpi xmlns:a14="http://schemas.microsoft.com/office/drawing/2010/main" val="0"/>
+              </a:ext>
+            </a:extLst>
+          </a:blip>
+          <a:stretch>
+            <a:fillRect/>
+          </a:stretch>
+        </p:blipFill>
+        <p:spPr>
+          <a:xfrm>
+            <a:off x="1660079" y="2275188"/>
+            <a:ext cx="8871842" cy="4480281"/>
+          </a:xfrm>
+          <a:prstGeom prst="rect">
+            <a:avLst/>
+          </a:prstGeom>
+          <a:effectLst/>
+        </p:spPr>
+      </p:pic>
+    </p:spTree>
+    <p:extLst>
+      <p:ext uri="{BB962C8B-B14F-4D97-AF65-F5344CB8AC3E}">
+        <p14:creationId xmlns:p14="http://schemas.microsoft.com/office/powerpoint/2010/main" val="611574474"/>
+      </p:ext>
+    </p:extLst>
+  </p:cSld>
+  <p:clrMapOvr>
+    <a:overrideClrMapping bg1="lt1" tx1="dk1" bg2="lt2" tx2="dk2" accent1="accent1" accent2="accent2" accent3="accent3" accent4="accent4" accent5="accent5" accent6="accent6" hlink="hlink" folHlink="folHlink"/>
+  </p:clrMapOvr>
+  <mc:AlternateContent xmlns:mc="http://schemas.openxmlformats.org/markup-compatibility/2006" xmlns:p14="http://schemas.microsoft.com/office/powerpoint/2010/main">
+    <mc:Choice Requires="p14">
+      <p:transition spd="med" p14:dur="700">
+        <p:fade/>
+      </p:transition>
+    </mc:Choice>
+    <mc:Fallback xmlns="">
+      <p:transition spd="med">
+        <p:fade/>
+      </p:transition>
+    </mc:Fallback>
+  </mc:AlternateContent>
+</p:sld>
+</file>
+
+<file path=ppt/slides/slide7.xml><?xml version="1.0" encoding="utf-8"?>
+<p:sld xmlns:a="http://schemas.openxmlformats.org/drawingml/2006/main" xmlns:r="http://schemas.openxmlformats.org/officeDocument/2006/relationships" xmlns:p="http://schemas.openxmlformats.org/presentationml/2006/main">
+  <p:cSld>
+    <p:spTree>
+      <p:nvGrpSpPr>
+        <p:cNvPr id="1" name=""/>
+        <p:cNvGrpSpPr/>
+        <p:nvPr/>
+      </p:nvGrpSpPr>
+      <p:grpSpPr>
+        <a:xfrm>
+          <a:off x="0" y="0"/>
+          <a:ext cx="0" cy="0"/>
+          <a:chOff x="0" y="0"/>
+          <a:chExt cx="0" cy="0"/>
+        </a:xfrm>
+      </p:grpSpPr>
+      <p:sp>
+        <p:nvSpPr>
+          <p:cNvPr id="2" name="Titel 1">
+            <a:extLst>
+              <a:ext uri="{FF2B5EF4-FFF2-40B4-BE49-F238E27FC236}">
+                <a16:creationId xmlns:a16="http://schemas.microsoft.com/office/drawing/2014/main" id="{F5DD4CBB-E41D-783A-CB95-F0EB4ABA6120}"/>
+              </a:ext>
+            </a:extLst>
+          </p:cNvPr>
+          <p:cNvSpPr>
+            <a:spLocks noGrp="1"/>
+          </p:cNvSpPr>
+          <p:nvPr>
+            <p:ph type="title"/>
+          </p:nvPr>
+        </p:nvSpPr>
+        <p:spPr/>
+        <p:txBody>
+          <a:bodyPr/>
+          <a:lstStyle/>
+          <a:p>
+            <a:r>
+              <a:rPr lang="de-DE" dirty="0"/>
+              <a:t>Teil 1 - Datenstruktur</a:t>
+            </a:r>
+            <a:endParaRPr lang="de-AT" dirty="0"/>
+          </a:p>
+        </p:txBody>
+      </p:sp>
+      <p:sp>
+        <p:nvSpPr>
+          <p:cNvPr id="3" name="Inhaltsplatzhalter 2">
+            <a:extLst>
+              <a:ext uri="{FF2B5EF4-FFF2-40B4-BE49-F238E27FC236}">
+                <a16:creationId xmlns:a16="http://schemas.microsoft.com/office/drawing/2014/main" id="{3BB62304-ED0F-91CB-F5EE-D35FE0C29777}"/>
+              </a:ext>
+            </a:extLst>
+          </p:cNvPr>
+          <p:cNvSpPr>
+            <a:spLocks noGrp="1"/>
+          </p:cNvSpPr>
+          <p:nvPr>
+            <p:ph idx="1"/>
+          </p:nvPr>
+        </p:nvSpPr>
+        <p:spPr/>
+        <p:txBody>
+          <a:bodyPr/>
+          <a:lstStyle/>
+          <a:p>
+            <a:r>
+              <a:rPr lang="de-DE" dirty="0"/>
+              <a:t>Bild einfügen od. </a:t>
+            </a:r>
+            <a:r>
+              <a:rPr lang="de-DE" dirty="0" err="1"/>
+              <a:t>Erkärung</a:t>
+            </a:r>
+            <a:r>
+              <a:rPr lang="de-DE" dirty="0"/>
+              <a:t> des ERD</a:t>
+            </a:r>
+            <a:endParaRPr lang="de-AT" dirty="0"/>
+          </a:p>
+        </p:txBody>
+      </p:sp>
+    </p:spTree>
+    <p:extLst>
+      <p:ext uri="{BB962C8B-B14F-4D97-AF65-F5344CB8AC3E}">
+        <p14:creationId xmlns:p14="http://schemas.microsoft.com/office/powerpoint/2010/main" val="2182301574"/>
+      </p:ext>
+    </p:extLst>
+  </p:cSld>
+  <p:clrMapOvr>
+    <a:masterClrMapping/>
+  </p:clrMapOvr>
+  <mc:AlternateContent xmlns:mc="http://schemas.openxmlformats.org/markup-compatibility/2006" xmlns:p14="http://schemas.microsoft.com/office/powerpoint/2010/main">
+    <mc:Choice Requires="p14">
+      <p:transition spd="med" p14:dur="700">
+        <p:fade/>
+      </p:transition>
+    </mc:Choice>
+    <mc:Fallback xmlns="">
+      <p:transition spd="med">
+        <p:fade/>
+      </p:transition>
+    </mc:Fallback>
+  </mc:AlternateContent>
+</p:sld>
+</file>
+
+<file path=ppt/slides/slide8.xml><?xml version="1.0" encoding="utf-8"?>
+<p:sld xmlns:a="http://schemas.openxmlformats.org/drawingml/2006/main" xmlns:r="http://schemas.openxmlformats.org/officeDocument/2006/relationships" xmlns:p="http://schemas.openxmlformats.org/presentationml/2006/main">
+  <p:cSld>
+    <p:spTree>
+      <p:nvGrpSpPr>
+        <p:cNvPr id="1" name=""/>
+        <p:cNvGrpSpPr/>
+        <p:nvPr/>
+      </p:nvGrpSpPr>
+      <p:grpSpPr>
+        <a:xfrm>
+          <a:off x="0" y="0"/>
+          <a:ext cx="0" cy="0"/>
+          <a:chOff x="0" y="0"/>
+          <a:chExt cx="0" cy="0"/>
+        </a:xfrm>
+      </p:grpSpPr>
+      <p:sp>
+        <p:nvSpPr>
+          <p:cNvPr id="2" name="Titel 1">
+            <a:extLst>
+              <a:ext uri="{FF2B5EF4-FFF2-40B4-BE49-F238E27FC236}">
+                <a16:creationId xmlns:a16="http://schemas.microsoft.com/office/drawing/2014/main" id="{11606745-85EB-475C-7F14-E822849E4A03}"/>
+              </a:ext>
+            </a:extLst>
+          </p:cNvPr>
+          <p:cNvSpPr>
+            <a:spLocks noGrp="1"/>
+          </p:cNvSpPr>
+          <p:nvPr>
+            <p:ph type="title"/>
+          </p:nvPr>
+        </p:nvSpPr>
+        <p:spPr/>
+        <p:txBody>
+          <a:bodyPr/>
+          <a:lstStyle/>
+          <a:p>
+            <a:r>
+              <a:rPr lang="de-DE" dirty="0"/>
+              <a:t>Teil 1 - Accountmanagement</a:t>
+            </a:r>
+            <a:endParaRPr lang="de-AT" dirty="0"/>
+          </a:p>
+        </p:txBody>
+      </p:sp>
+      <p:sp>
+        <p:nvSpPr>
+          <p:cNvPr id="3" name="Inhaltsplatzhalter 2">
+            <a:extLst>
+              <a:ext uri="{FF2B5EF4-FFF2-40B4-BE49-F238E27FC236}">
+                <a16:creationId xmlns:a16="http://schemas.microsoft.com/office/drawing/2014/main" id="{D71B43B8-53D2-136B-B636-68DDC92E562A}"/>
+              </a:ext>
+            </a:extLst>
+          </p:cNvPr>
+          <p:cNvSpPr>
+            <a:spLocks noGrp="1"/>
+          </p:cNvSpPr>
+          <p:nvPr>
+            <p:ph idx="1"/>
+          </p:nvPr>
+        </p:nvSpPr>
+        <p:spPr/>
+        <p:txBody>
+          <a:bodyPr/>
+          <a:lstStyle/>
+          <a:p>
+            <a:r>
+              <a:rPr lang="de-DE" dirty="0"/>
+              <a:t>JWT </a:t>
+            </a:r>
+            <a:endParaRPr lang="de-AT" dirty="0"/>
+          </a:p>
+        </p:txBody>
+      </p:sp>
+    </p:spTree>
+    <p:extLst>
+      <p:ext uri="{BB962C8B-B14F-4D97-AF65-F5344CB8AC3E}">
+        <p14:creationId xmlns:p14="http://schemas.microsoft.com/office/powerpoint/2010/main" val="2194893831"/>
+      </p:ext>
+    </p:extLst>
+  </p:cSld>
+  <p:clrMapOvr>
+    <a:masterClrMapping/>
+  </p:clrMapOvr>
+  <mc:AlternateContent xmlns:mc="http://schemas.openxmlformats.org/markup-compatibility/2006" xmlns:p14="http://schemas.microsoft.com/office/powerpoint/2010/main">
+    <mc:Choice Requires="p14">
+      <p:transition spd="med" p14:dur="700">
+        <p:fade/>
+      </p:transition>
+    </mc:Choice>
+    <mc:Fallback xmlns="">
+      <p:transition spd="med">
+        <p:fade/>
+      </p:transition>
+    </mc:Fallback>
+  </mc:AlternateContent>
+</p:sld>
+</file>
+
+<file path=ppt/slides/slide9.xml><?xml version="1.0" encoding="utf-8"?>
+<p:sld xmlns:a="http://schemas.openxmlformats.org/drawingml/2006/main" xmlns:r="http://schemas.openxmlformats.org/officeDocument/2006/relationships" xmlns:p="http://schemas.openxmlformats.org/presentationml/2006/main">
+  <p:cSld>
     <p:bg>
       <p:bgPr>
         <a:blipFill rotWithShape="1">
@@ -16202,482 +18152,6 @@
     <p:extLst>
       <p:ext uri="{BB962C8B-B14F-4D97-AF65-F5344CB8AC3E}">
         <p14:creationId xmlns:p14="http://schemas.microsoft.com/office/powerpoint/2010/main" val="1559360170"/>
-      </p:ext>
-    </p:extLst>
-  </p:cSld>
-  <p:clrMapOvr>
-    <a:masterClrMapping/>
-  </p:clrMapOvr>
-  <mc:AlternateContent xmlns:mc="http://schemas.openxmlformats.org/markup-compatibility/2006" xmlns:p14="http://schemas.microsoft.com/office/powerpoint/2010/main">
-    <mc:Choice Requires="p14">
-      <p:transition spd="med" p14:dur="700">
-        <p:fade/>
-      </p:transition>
-    </mc:Choice>
-    <mc:Fallback xmlns="">
-      <p:transition spd="med">
-        <p:fade/>
-      </p:transition>
-    </mc:Fallback>
-  </mc:AlternateContent>
-</p:sld>
-</file>
-
-<file path=ppt/slides/slide6.xml><?xml version="1.0" encoding="utf-8"?>
-<p:sld xmlns:a="http://schemas.openxmlformats.org/drawingml/2006/main" xmlns:r="http://schemas.openxmlformats.org/officeDocument/2006/relationships" xmlns:p="http://schemas.openxmlformats.org/presentationml/2006/main">
-  <p:cSld>
-    <p:bg>
-      <p:bgPr>
-        <a:solidFill>
-          <a:schemeClr val="bg1"/>
-        </a:solidFill>
-        <a:effectLst/>
-      </p:bgPr>
-    </p:bg>
-    <p:spTree>
-      <p:nvGrpSpPr>
-        <p:cNvPr id="1" name=""/>
-        <p:cNvGrpSpPr/>
-        <p:nvPr/>
-      </p:nvGrpSpPr>
-      <p:grpSpPr>
-        <a:xfrm>
-          <a:off x="0" y="0"/>
-          <a:ext cx="0" cy="0"/>
-          <a:chOff x="0" y="0"/>
-          <a:chExt cx="0" cy="0"/>
-        </a:xfrm>
-      </p:grpSpPr>
-      <p:sp useBgFill="1">
-        <p:nvSpPr>
-          <p:cNvPr id="95" name="Rectangle 67">
-            <a:extLst>
-              <a:ext uri="{FF2B5EF4-FFF2-40B4-BE49-F238E27FC236}">
-                <a16:creationId xmlns:a16="http://schemas.microsoft.com/office/drawing/2014/main" id="{E91DC736-0EF8-4F87-9146-EBF1D2EE4D3D}"/>
-              </a:ext>
-              <a:ext uri="{C183D7F6-B498-43B3-948B-1728B52AA6E4}">
-                <adec:decorative xmlns:adec="http://schemas.microsoft.com/office/drawing/2017/decorative" val="1"/>
-              </a:ext>
-            </a:extLst>
-          </p:cNvPr>
-          <p:cNvSpPr>
-            <a:spLocks noGrp="1" noRot="1" noChangeAspect="1" noMove="1" noResize="1" noEditPoints="1" noAdjustHandles="1" noChangeArrowheads="1" noChangeShapeType="1" noTextEdit="1"/>
-          </p:cNvSpPr>
-          <p:nvPr>
-            <p:extLst>
-              <p:ext uri="{386F3935-93C4-4BCD-93E2-E3B085C9AB24}">
-                <p16:designElem xmlns:p16="http://schemas.microsoft.com/office/powerpoint/2015/main" val="1"/>
-              </p:ext>
-            </p:extLst>
-          </p:nvPr>
-        </p:nvSpPr>
-        <p:spPr>
-          <a:xfrm>
-            <a:off x="0" y="0"/>
-            <a:ext cx="12192000" cy="6858000"/>
-          </a:xfrm>
-          <a:prstGeom prst="rect">
-            <a:avLst/>
-          </a:prstGeom>
-          <a:ln>
-            <a:noFill/>
-          </a:ln>
-        </p:spPr>
-        <p:style>
-          <a:lnRef idx="2">
-            <a:schemeClr val="accent1">
-              <a:shade val="50000"/>
-            </a:schemeClr>
-          </a:lnRef>
-          <a:fillRef idx="1">
-            <a:schemeClr val="accent1"/>
-          </a:fillRef>
-          <a:effectRef idx="0">
-            <a:schemeClr val="accent1"/>
-          </a:effectRef>
-          <a:fontRef idx="minor">
-            <a:schemeClr val="lt1"/>
-          </a:fontRef>
-        </p:style>
-        <p:txBody>
-          <a:bodyPr rtlCol="0" anchor="ctr"/>
-          <a:lstStyle/>
-          <a:p>
-            <a:pPr algn="ctr"/>
-            <a:endParaRPr lang="en-US"/>
-          </a:p>
-        </p:txBody>
-      </p:sp>
-      <p:pic>
-        <p:nvPicPr>
-          <p:cNvPr id="6" name="Grafik 5">
-            <a:extLst>
-              <a:ext uri="{FF2B5EF4-FFF2-40B4-BE49-F238E27FC236}">
-                <a16:creationId xmlns:a16="http://schemas.microsoft.com/office/drawing/2014/main" id="{24113B48-4338-4D32-BD7E-C39C122891D1}"/>
-              </a:ext>
-            </a:extLst>
-          </p:cNvPr>
-          <p:cNvPicPr>
-            <a:picLocks noChangeAspect="1"/>
-          </p:cNvPicPr>
-          <p:nvPr/>
-        </p:nvPicPr>
-        <p:blipFill rotWithShape="1">
-          <a:blip r:embed="rId3">
-            <a:extLst>
-              <a:ext uri="{28A0092B-C50C-407E-A947-70E740481C1C}">
-                <a14:useLocalDpi xmlns:a14="http://schemas.microsoft.com/office/drawing/2010/main" val="0"/>
-              </a:ext>
-            </a:extLst>
-          </a:blip>
-          <a:srcRect t="13696" r="9092" b="24272"/>
-          <a:stretch/>
-        </p:blipFill>
-        <p:spPr>
-          <a:xfrm>
-            <a:off x="3523488" y="10"/>
-            <a:ext cx="8668512" cy="6857990"/>
-          </a:xfrm>
-          <a:prstGeom prst="rect">
-            <a:avLst/>
-          </a:prstGeom>
-        </p:spPr>
-      </p:pic>
-      <p:sp>
-        <p:nvSpPr>
-          <p:cNvPr id="96" name="Rectangle 69">
-            <a:extLst>
-              <a:ext uri="{FF2B5EF4-FFF2-40B4-BE49-F238E27FC236}">
-                <a16:creationId xmlns:a16="http://schemas.microsoft.com/office/drawing/2014/main" id="{097CD68E-23E3-4007-8847-CD0944C4F7BE}"/>
-              </a:ext>
-              <a:ext uri="{C183D7F6-B498-43B3-948B-1728B52AA6E4}">
-                <adec:decorative xmlns:adec="http://schemas.microsoft.com/office/drawing/2017/decorative" val="1"/>
-              </a:ext>
-            </a:extLst>
-          </p:cNvPr>
-          <p:cNvSpPr>
-            <a:spLocks noGrp="1" noRot="1" noChangeAspect="1" noMove="1" noResize="1" noEditPoints="1" noAdjustHandles="1" noChangeArrowheads="1" noChangeShapeType="1" noTextEdit="1"/>
-          </p:cNvSpPr>
-          <p:nvPr>
-            <p:extLst>
-              <p:ext uri="{386F3935-93C4-4BCD-93E2-E3B085C9AB24}">
-                <p16:designElem xmlns:p16="http://schemas.microsoft.com/office/powerpoint/2015/main" val="1"/>
-              </p:ext>
-            </p:extLst>
-          </p:nvPr>
-        </p:nvSpPr>
-        <p:spPr>
-          <a:xfrm>
-            <a:off x="0" y="0"/>
-            <a:ext cx="9756601" cy="6858000"/>
-          </a:xfrm>
-          <a:prstGeom prst="rect">
-            <a:avLst/>
-          </a:prstGeom>
-          <a:gradFill>
-            <a:gsLst>
-              <a:gs pos="58000">
-                <a:schemeClr val="bg1"/>
-              </a:gs>
-              <a:gs pos="35000">
-                <a:schemeClr val="bg1">
-                  <a:alpha val="79000"/>
-                </a:schemeClr>
-              </a:gs>
-              <a:gs pos="19000">
-                <a:schemeClr val="bg1">
-                  <a:alpha val="38000"/>
-                </a:schemeClr>
-              </a:gs>
-              <a:gs pos="0">
-                <a:schemeClr val="bg1">
-                  <a:alpha val="0"/>
-                </a:schemeClr>
-              </a:gs>
-              <a:gs pos="100000">
-                <a:schemeClr val="bg1"/>
-              </a:gs>
-            </a:gsLst>
-            <a:lin ang="10800000" scaled="0"/>
-          </a:gradFill>
-          <a:ln>
-            <a:noFill/>
-          </a:ln>
-        </p:spPr>
-        <p:style>
-          <a:lnRef idx="2">
-            <a:schemeClr val="accent1">
-              <a:shade val="50000"/>
-            </a:schemeClr>
-          </a:lnRef>
-          <a:fillRef idx="1">
-            <a:schemeClr val="accent1"/>
-          </a:fillRef>
-          <a:effectRef idx="0">
-            <a:schemeClr val="accent1"/>
-          </a:effectRef>
-          <a:fontRef idx="minor">
-            <a:schemeClr val="lt1"/>
-          </a:fontRef>
-        </p:style>
-        <p:txBody>
-          <a:bodyPr rtlCol="0" anchor="ctr"/>
-          <a:lstStyle/>
-          <a:p>
-            <a:pPr algn="ctr"/>
-            <a:endParaRPr lang="en-US" dirty="0"/>
-          </a:p>
-        </p:txBody>
-      </p:sp>
-      <p:sp>
-        <p:nvSpPr>
-          <p:cNvPr id="2" name="Titel 1">
-            <a:extLst>
-              <a:ext uri="{FF2B5EF4-FFF2-40B4-BE49-F238E27FC236}">
-                <a16:creationId xmlns:a16="http://schemas.microsoft.com/office/drawing/2014/main" id="{84CCC3A6-5BB9-43C7-95E8-8CC2D7EC5383}"/>
-              </a:ext>
-            </a:extLst>
-          </p:cNvPr>
-          <p:cNvSpPr>
-            <a:spLocks noGrp="1"/>
-          </p:cNvSpPr>
-          <p:nvPr>
-            <p:ph type="ctrTitle"/>
-          </p:nvPr>
-        </p:nvSpPr>
-        <p:spPr>
-          <a:xfrm>
-            <a:off x="477980" y="1122363"/>
-            <a:ext cx="4128743" cy="3204134"/>
-          </a:xfrm>
-        </p:spPr>
-        <p:txBody>
-          <a:bodyPr anchor="b">
-            <a:normAutofit/>
-          </a:bodyPr>
-          <a:lstStyle/>
-          <a:p>
-            <a:pPr algn="l"/>
-            <a:r>
-              <a:rPr lang="de-DE" sz="4800" b="1" i="1" dirty="0"/>
-              <a:t>Danke für die Aufmerksamkeit </a:t>
-            </a:r>
-          </a:p>
-        </p:txBody>
-      </p:sp>
-      <p:sp>
-        <p:nvSpPr>
-          <p:cNvPr id="3" name="Untertitel 2">
-            <a:extLst>
-              <a:ext uri="{FF2B5EF4-FFF2-40B4-BE49-F238E27FC236}">
-                <a16:creationId xmlns:a16="http://schemas.microsoft.com/office/drawing/2014/main" id="{ECE70ED9-B245-42E7-88F0-D53E3DBD509D}"/>
-              </a:ext>
-            </a:extLst>
-          </p:cNvPr>
-          <p:cNvSpPr>
-            <a:spLocks noGrp="1"/>
-          </p:cNvSpPr>
-          <p:nvPr>
-            <p:ph type="subTitle" idx="1"/>
-          </p:nvPr>
-        </p:nvSpPr>
-        <p:spPr>
-          <a:xfrm>
-            <a:off x="477980" y="4872922"/>
-            <a:ext cx="4023359" cy="1208141"/>
-          </a:xfrm>
-        </p:spPr>
-        <p:txBody>
-          <a:bodyPr>
-            <a:normAutofit/>
-          </a:bodyPr>
-          <a:lstStyle/>
-          <a:p>
-            <a:pPr algn="l"/>
-            <a:r>
-              <a:rPr lang="de-DE" sz="2800" i="1" dirty="0"/>
-              <a:t>Mirzet </a:t>
-            </a:r>
-            <a:r>
-              <a:rPr lang="de-DE" sz="2800" i="1" dirty="0" err="1"/>
-              <a:t>Sakonjic</a:t>
-            </a:r>
-            <a:endParaRPr lang="de-DE" sz="2800" i="1" dirty="0"/>
-          </a:p>
-          <a:p>
-            <a:pPr algn="l"/>
-            <a:r>
-              <a:rPr lang="de-DE" sz="2800" i="1" dirty="0"/>
-              <a:t>Stefano Pyringer</a:t>
-            </a:r>
-          </a:p>
-        </p:txBody>
-      </p:sp>
-      <p:sp>
-        <p:nvSpPr>
-          <p:cNvPr id="97" name="Rectangle 71">
-            <a:extLst>
-              <a:ext uri="{FF2B5EF4-FFF2-40B4-BE49-F238E27FC236}">
-                <a16:creationId xmlns:a16="http://schemas.microsoft.com/office/drawing/2014/main" id="{AF2F604E-43BE-4DC3-B983-E071523364F8}"/>
-              </a:ext>
-              <a:ext uri="{C183D7F6-B498-43B3-948B-1728B52AA6E4}">
-                <adec:decorative xmlns:adec="http://schemas.microsoft.com/office/drawing/2017/decorative" val="1"/>
-              </a:ext>
-            </a:extLst>
-          </p:cNvPr>
-          <p:cNvSpPr>
-            <a:spLocks noGrp="1" noRot="1" noChangeAspect="1" noMove="1" noResize="1" noEditPoints="1" noAdjustHandles="1" noChangeArrowheads="1" noChangeShapeType="1" noTextEdit="1"/>
-          </p:cNvSpPr>
-          <p:nvPr>
-            <p:extLst>
-              <p:ext uri="{386F3935-93C4-4BCD-93E2-E3B085C9AB24}">
-                <p16:designElem xmlns:p16="http://schemas.microsoft.com/office/powerpoint/2015/main" val="1"/>
-              </p:ext>
-            </p:extLst>
-          </p:nvPr>
-        </p:nvSpPr>
-        <p:spPr>
-          <a:xfrm rot="5400000">
-            <a:off x="759921" y="346791"/>
-            <a:ext cx="146304" cy="704088"/>
-          </a:xfrm>
-          <a:prstGeom prst="rect">
-            <a:avLst/>
-          </a:prstGeom>
-          <a:solidFill>
-            <a:schemeClr val="accent2"/>
-          </a:solidFill>
-          <a:ln>
-            <a:noFill/>
-          </a:ln>
-        </p:spPr>
-        <p:style>
-          <a:lnRef idx="2">
-            <a:schemeClr val="accent1">
-              <a:shade val="50000"/>
-            </a:schemeClr>
-          </a:lnRef>
-          <a:fillRef idx="1">
-            <a:schemeClr val="accent1"/>
-          </a:fillRef>
-          <a:effectRef idx="0">
-            <a:schemeClr val="accent1"/>
-          </a:effectRef>
-          <a:fontRef idx="minor">
-            <a:schemeClr val="lt1"/>
-          </a:fontRef>
-        </p:style>
-        <p:txBody>
-          <a:bodyPr rtlCol="0" anchor="ctr"/>
-          <a:lstStyle/>
-          <a:p>
-            <a:pPr algn="ctr"/>
-            <a:endParaRPr lang="en-US">
-              <a:solidFill>
-                <a:prstClr val="white"/>
-              </a:solidFill>
-              <a:latin typeface="Calibri" panose="020F0502020204030204"/>
-            </a:endParaRPr>
-          </a:p>
-        </p:txBody>
-      </p:sp>
-      <p:sp>
-        <p:nvSpPr>
-          <p:cNvPr id="98" name="Rectangle 73">
-            <a:extLst>
-              <a:ext uri="{FF2B5EF4-FFF2-40B4-BE49-F238E27FC236}">
-                <a16:creationId xmlns:a16="http://schemas.microsoft.com/office/drawing/2014/main" id="{08C9B587-E65E-4B52-B37C-ABEBB6E87928}"/>
-              </a:ext>
-              <a:ext uri="{C183D7F6-B498-43B3-948B-1728B52AA6E4}">
-                <adec:decorative xmlns:adec="http://schemas.microsoft.com/office/drawing/2017/decorative" val="1"/>
-              </a:ext>
-            </a:extLst>
-          </p:cNvPr>
-          <p:cNvSpPr>
-            <a:spLocks noGrp="1" noRot="1" noChangeAspect="1" noMove="1" noResize="1" noEditPoints="1" noAdjustHandles="1" noChangeArrowheads="1" noChangeShapeType="1" noTextEdit="1"/>
-          </p:cNvSpPr>
-          <p:nvPr>
-            <p:extLst>
-              <p:ext uri="{386F3935-93C4-4BCD-93E2-E3B085C9AB24}">
-                <p16:designElem xmlns:p16="http://schemas.microsoft.com/office/powerpoint/2015/main" val="1"/>
-              </p:ext>
-            </p:extLst>
-          </p:nvPr>
-        </p:nvSpPr>
-        <p:spPr>
-          <a:xfrm>
-            <a:off x="481029" y="4546920"/>
-            <a:ext cx="3977640" cy="18288"/>
-          </a:xfrm>
-          <a:prstGeom prst="rect">
-            <a:avLst/>
-          </a:prstGeom>
-          <a:solidFill>
-            <a:srgbClr val="D5D5D5"/>
-          </a:solidFill>
-          <a:ln w="3175">
-            <a:noFill/>
-          </a:ln>
-          <a:effectLst/>
-        </p:spPr>
-        <p:style>
-          <a:lnRef idx="2">
-            <a:schemeClr val="accent1">
-              <a:shade val="50000"/>
-            </a:schemeClr>
-          </a:lnRef>
-          <a:fillRef idx="1">
-            <a:schemeClr val="accent1"/>
-          </a:fillRef>
-          <a:effectRef idx="0">
-            <a:schemeClr val="accent1"/>
-          </a:effectRef>
-          <a:fontRef idx="minor">
-            <a:schemeClr val="lt1"/>
-          </a:fontRef>
-        </p:style>
-        <p:txBody>
-          <a:bodyPr rtlCol="0" anchor="ctr"/>
-          <a:lstStyle/>
-          <a:p>
-            <a:pPr marL="0" marR="0" lvl="0" indent="0" algn="ctr" defTabSz="914400" rtl="0" eaLnBrk="1" fontAlgn="auto" latinLnBrk="0" hangingPunct="1">
-              <a:lnSpc>
-                <a:spcPct val="100000"/>
-              </a:lnSpc>
-              <a:spcBef>
-                <a:spcPts val="0"/>
-              </a:spcBef>
-              <a:spcAft>
-                <a:spcPts val="0"/>
-              </a:spcAft>
-              <a:buClrTx/>
-              <a:buSzTx/>
-              <a:buFontTx/>
-              <a:buNone/>
-              <a:tabLst/>
-              <a:defRPr/>
-            </a:pPr>
-            <a:endParaRPr kumimoji="0" lang="en-US" sz="1800" b="0" i="0" u="none" strike="noStrike" kern="1200" cap="none" spc="0" normalizeH="0" baseline="0" noProof="0">
-              <a:ln>
-                <a:noFill/>
-              </a:ln>
-              <a:solidFill>
-                <a:prstClr val="white"/>
-              </a:solidFill>
-              <a:effectLst/>
-              <a:uLnTx/>
-              <a:uFillTx/>
-              <a:latin typeface="Calibri" panose="020F0502020204030204"/>
-              <a:ea typeface="+mn-ea"/>
-              <a:cs typeface="+mn-cs"/>
-            </a:endParaRPr>
-          </a:p>
-        </p:txBody>
-      </p:sp>
-    </p:spTree>
-    <p:extLst>
-      <p:ext uri="{BB962C8B-B14F-4D97-AF65-F5344CB8AC3E}">
-        <p14:creationId xmlns:p14="http://schemas.microsoft.com/office/powerpoint/2010/main" val="1633306100"/>
       </p:ext>
     </p:extLst>
   </p:cSld>

--- a/Praesentation/Praesentation_Diplomarbeit_FeedbackApp.pptx
+++ b/Praesentation/Praesentation_Diplomarbeit_FeedbackApp.pptx
@@ -6,10 +6,10 @@
     <p:sldMasterId id="2147483684" r:id="rId5"/>
   </p:sldMasterIdLst>
   <p:notesMasterIdLst>
-    <p:notesMasterId r:id="rId16"/>
+    <p:notesMasterId r:id="rId18"/>
   </p:notesMasterIdLst>
   <p:handoutMasterIdLst>
-    <p:handoutMasterId r:id="rId17"/>
+    <p:handoutMasterId r:id="rId19"/>
   </p:handoutMasterIdLst>
   <p:sldIdLst>
     <p:sldId id="292" r:id="rId6"/>
@@ -20,8 +20,10 @@
     <p:sldId id="307" r:id="rId11"/>
     <p:sldId id="308" r:id="rId12"/>
     <p:sldId id="309" r:id="rId13"/>
-    <p:sldId id="305" r:id="rId14"/>
-    <p:sldId id="302" r:id="rId15"/>
+    <p:sldId id="311" r:id="rId14"/>
+    <p:sldId id="305" r:id="rId15"/>
+    <p:sldId id="310" r:id="rId16"/>
+    <p:sldId id="302" r:id="rId17"/>
   </p:sldIdLst>
   <p:sldSz cx="12192000" cy="6858000"/>
   <p:notesSz cx="6858000" cy="9144000"/>
@@ -4036,7 +4038,7 @@
             <a:pPr rtl="0"/>
             <a:fld id="{FC8BD8E7-1312-41F3-99C4-6DA5AF891969}" type="slidenum">
               <a:rPr lang="de-DE" smtClean="0"/>
-              <a:t>10</a:t>
+              <a:t>12</a:t>
             </a:fld>
             <a:endParaRPr lang="de-DE" dirty="0"/>
           </a:p>
@@ -12512,6 +12514,886 @@
   <p:cSld>
     <p:bg>
       <p:bgPr>
+        <a:blipFill rotWithShape="1">
+          <a:blip r:embed="rId2">
+            <a:duotone>
+              <a:schemeClr val="bg2">
+                <a:shade val="69000"/>
+                <a:hueMod val="108000"/>
+                <a:satMod val="164000"/>
+                <a:lumMod val="74000"/>
+              </a:schemeClr>
+              <a:schemeClr val="bg2">
+                <a:tint val="96000"/>
+                <a:hueMod val="88000"/>
+                <a:satMod val="140000"/>
+                <a:lumMod val="132000"/>
+              </a:schemeClr>
+            </a:duotone>
+          </a:blip>
+          <a:stretch/>
+        </a:blipFill>
+        <a:effectLst/>
+      </p:bgPr>
+    </p:bg>
+    <p:spTree>
+      <p:nvGrpSpPr>
+        <p:cNvPr id="1" name=""/>
+        <p:cNvGrpSpPr/>
+        <p:nvPr/>
+      </p:nvGrpSpPr>
+      <p:grpSpPr>
+        <a:xfrm>
+          <a:off x="0" y="0"/>
+          <a:ext cx="0" cy="0"/>
+          <a:chOff x="0" y="0"/>
+          <a:chExt cx="0" cy="0"/>
+        </a:xfrm>
+      </p:grpSpPr>
+      <p:sp>
+        <p:nvSpPr>
+          <p:cNvPr id="9" name="Rectangle 8">
+            <a:extLst>
+              <a:ext uri="{FF2B5EF4-FFF2-40B4-BE49-F238E27FC236}">
+                <a16:creationId xmlns:a16="http://schemas.microsoft.com/office/drawing/2014/main" id="{C8A3C342-1D03-412F-8DD3-BF519E8E0AE9}"/>
+              </a:ext>
+              <a:ext uri="{C183D7F6-B498-43B3-948B-1728B52AA6E4}">
+                <adec:decorative xmlns:adec="http://schemas.microsoft.com/office/drawing/2017/decorative" val="1"/>
+              </a:ext>
+            </a:extLst>
+          </p:cNvPr>
+          <p:cNvSpPr>
+            <a:spLocks noGrp="1" noRot="1" noChangeAspect="1" noMove="1" noResize="1" noEditPoints="1" noAdjustHandles="1" noChangeArrowheads="1" noChangeShapeType="1" noTextEdit="1"/>
+          </p:cNvSpPr>
+          <p:nvPr>
+            <p:extLst>
+              <p:ext uri="{386F3935-93C4-4BCD-93E2-E3B085C9AB24}">
+                <p16:designElem xmlns:p16="http://schemas.microsoft.com/office/powerpoint/2015/main" val="1"/>
+              </p:ext>
+            </p:extLst>
+          </p:nvPr>
+        </p:nvSpPr>
+        <p:spPr>
+          <a:xfrm>
+            <a:off x="0" y="0"/>
+            <a:ext cx="12192000" cy="6858000"/>
+          </a:xfrm>
+          <a:prstGeom prst="rect">
+            <a:avLst/>
+          </a:prstGeom>
+          <a:ln>
+            <a:noFill/>
+          </a:ln>
+        </p:spPr>
+        <p:style>
+          <a:lnRef idx="2">
+            <a:schemeClr val="accent1">
+              <a:shade val="50000"/>
+            </a:schemeClr>
+          </a:lnRef>
+          <a:fillRef idx="1003">
+            <a:schemeClr val="dk2"/>
+          </a:fillRef>
+          <a:effectRef idx="0">
+            <a:schemeClr val="accent1"/>
+          </a:effectRef>
+          <a:fontRef idx="minor">
+            <a:schemeClr val="lt1"/>
+          </a:fontRef>
+        </p:style>
+        <p:txBody>
+          <a:bodyPr rtlCol="0" anchor="ctr"/>
+          <a:lstStyle/>
+          <a:p>
+            <a:pPr algn="ctr"/>
+            <a:endParaRPr lang="en-US"/>
+          </a:p>
+        </p:txBody>
+      </p:sp>
+      <p:sp>
+        <p:nvSpPr>
+          <p:cNvPr id="2" name="Titel 1">
+            <a:extLst>
+              <a:ext uri="{FF2B5EF4-FFF2-40B4-BE49-F238E27FC236}">
+                <a16:creationId xmlns:a16="http://schemas.microsoft.com/office/drawing/2014/main" id="{842AC356-D93F-44C3-3C17-FD2158DDE275}"/>
+              </a:ext>
+            </a:extLst>
+          </p:cNvPr>
+          <p:cNvSpPr>
+            <a:spLocks noGrp="1"/>
+          </p:cNvSpPr>
+          <p:nvPr>
+            <p:ph type="title"/>
+          </p:nvPr>
+        </p:nvSpPr>
+        <p:spPr>
+          <a:xfrm>
+            <a:off x="648930" y="629266"/>
+            <a:ext cx="6188190" cy="1622321"/>
+          </a:xfrm>
+        </p:spPr>
+        <p:txBody>
+          <a:bodyPr>
+            <a:normAutofit/>
+          </a:bodyPr>
+          <a:lstStyle/>
+          <a:p>
+            <a:r>
+              <a:rPr lang="de-DE">
+                <a:solidFill>
+                  <a:srgbClr val="EBEBEB"/>
+                </a:solidFill>
+              </a:rPr>
+              <a:t>Inhaltsübersicht Teil 2 – Mirzet Sankonjic</a:t>
+            </a:r>
+            <a:endParaRPr lang="de-AT">
+              <a:solidFill>
+                <a:srgbClr val="EBEBEB"/>
+              </a:solidFill>
+            </a:endParaRPr>
+          </a:p>
+        </p:txBody>
+      </p:sp>
+      <p:sp>
+        <p:nvSpPr>
+          <p:cNvPr id="3" name="Inhaltsplatzhalter 2">
+            <a:extLst>
+              <a:ext uri="{FF2B5EF4-FFF2-40B4-BE49-F238E27FC236}">
+                <a16:creationId xmlns:a16="http://schemas.microsoft.com/office/drawing/2014/main" id="{4A41E71D-1509-FAEB-DB87-10B42308362D}"/>
+              </a:ext>
+            </a:extLst>
+          </p:cNvPr>
+          <p:cNvSpPr>
+            <a:spLocks noGrp="1"/>
+          </p:cNvSpPr>
+          <p:nvPr>
+            <p:ph idx="1"/>
+          </p:nvPr>
+        </p:nvSpPr>
+        <p:spPr>
+          <a:xfrm>
+            <a:off x="648930" y="2438400"/>
+            <a:ext cx="6188189" cy="3785419"/>
+          </a:xfrm>
+        </p:spPr>
+        <p:txBody>
+          <a:bodyPr>
+            <a:normAutofit/>
+          </a:bodyPr>
+          <a:lstStyle/>
+          <a:p>
+            <a:pPr>
+              <a:lnSpc>
+                <a:spcPct val="150000"/>
+              </a:lnSpc>
+            </a:pPr>
+            <a:r>
+              <a:rPr lang="de-DE" sz="2800" dirty="0">
+                <a:solidFill>
+                  <a:srgbClr val="FFFFFF"/>
+                </a:solidFill>
+              </a:rPr>
+              <a:t>Umsetzung Frontend</a:t>
+            </a:r>
+          </a:p>
+          <a:p>
+            <a:pPr>
+              <a:lnSpc>
+                <a:spcPct val="150000"/>
+              </a:lnSpc>
+            </a:pPr>
+            <a:r>
+              <a:rPr lang="de-DE" sz="2800" dirty="0">
+                <a:solidFill>
+                  <a:srgbClr val="FFFFFF"/>
+                </a:solidFill>
+              </a:rPr>
+              <a:t>GUI der Feedback App</a:t>
+            </a:r>
+            <a:endParaRPr lang="de-AT" sz="2800" dirty="0">
+              <a:solidFill>
+                <a:srgbClr val="FFFFFF"/>
+              </a:solidFill>
+            </a:endParaRPr>
+          </a:p>
+        </p:txBody>
+      </p:sp>
+      <p:sp>
+        <p:nvSpPr>
+          <p:cNvPr id="11" name="Freeform 31">
+            <a:extLst>
+              <a:ext uri="{FF2B5EF4-FFF2-40B4-BE49-F238E27FC236}">
+                <a16:creationId xmlns:a16="http://schemas.microsoft.com/office/drawing/2014/main" id="{81CC9B02-E087-4350-AEBD-2C3CF001AF01}"/>
+              </a:ext>
+              <a:ext uri="{C183D7F6-B498-43B3-948B-1728B52AA6E4}">
+                <adec:decorative xmlns:adec="http://schemas.microsoft.com/office/drawing/2017/decorative" val="1"/>
+              </a:ext>
+            </a:extLst>
+          </p:cNvPr>
+          <p:cNvSpPr>
+            <a:spLocks noGrp="1" noRot="1" noChangeAspect="1" noMove="1" noResize="1" noEditPoints="1" noAdjustHandles="1" noChangeArrowheads="1" noChangeShapeType="1" noTextEdit="1"/>
+          </p:cNvSpPr>
+          <p:nvPr>
+            <p:extLst>
+              <p:ext uri="{386F3935-93C4-4BCD-93E2-E3B085C9AB24}">
+                <p16:designElem xmlns:p16="http://schemas.microsoft.com/office/powerpoint/2015/main" val="1"/>
+              </p:ext>
+            </p:extLst>
+          </p:nvPr>
+        </p:nvSpPr>
+        <p:spPr>
+          <a:xfrm>
+            <a:off x="7015974" y="-1"/>
+            <a:ext cx="559472" cy="3709642"/>
+          </a:xfrm>
+          <a:custGeom>
+            <a:avLst/>
+            <a:gdLst>
+              <a:gd name="connsiteX0" fmla="*/ 0 w 559472"/>
+              <a:gd name="connsiteY0" fmla="*/ 0 h 3709642"/>
+              <a:gd name="connsiteX1" fmla="*/ 473952 w 559472"/>
+              <a:gd name="connsiteY1" fmla="*/ 0 h 3709642"/>
+              <a:gd name="connsiteX2" fmla="*/ 485840 w 559472"/>
+              <a:gd name="connsiteY2" fmla="*/ 161194 h 3709642"/>
+              <a:gd name="connsiteX3" fmla="*/ 523949 w 559472"/>
+              <a:gd name="connsiteY3" fmla="*/ 3672197 h 3709642"/>
+              <a:gd name="connsiteX4" fmla="*/ 454748 w 559472"/>
+              <a:gd name="connsiteY4" fmla="*/ 3709642 h 3709642"/>
+              <a:gd name="connsiteX5" fmla="*/ 448224 w 559472"/>
+              <a:gd name="connsiteY5" fmla="*/ 3510471 h 3709642"/>
+              <a:gd name="connsiteX6" fmla="*/ 443564 w 559472"/>
+              <a:gd name="connsiteY6" fmla="*/ 3408563 h 3709642"/>
+              <a:gd name="connsiteX7" fmla="*/ 438902 w 559472"/>
+              <a:gd name="connsiteY7" fmla="*/ 3304407 h 3709642"/>
+              <a:gd name="connsiteX8" fmla="*/ 433941 w 559472"/>
+              <a:gd name="connsiteY8" fmla="*/ 3198777 h 3709642"/>
+              <a:gd name="connsiteX9" fmla="*/ 427584 w 559472"/>
+              <a:gd name="connsiteY9" fmla="*/ 3092510 h 3709642"/>
+              <a:gd name="connsiteX10" fmla="*/ 420988 w 559472"/>
+              <a:gd name="connsiteY10" fmla="*/ 2984390 h 3709642"/>
+              <a:gd name="connsiteX11" fmla="*/ 414330 w 559472"/>
+              <a:gd name="connsiteY11" fmla="*/ 2874401 h 3709642"/>
+              <a:gd name="connsiteX12" fmla="*/ 406840 w 559472"/>
+              <a:gd name="connsiteY12" fmla="*/ 2762980 h 3709642"/>
+              <a:gd name="connsiteX13" fmla="*/ 397745 w 559472"/>
+              <a:gd name="connsiteY13" fmla="*/ 2650566 h 3709642"/>
+              <a:gd name="connsiteX14" fmla="*/ 389154 w 559472"/>
+              <a:gd name="connsiteY14" fmla="*/ 2536612 h 3709642"/>
+              <a:gd name="connsiteX15" fmla="*/ 379225 w 559472"/>
+              <a:gd name="connsiteY15" fmla="*/ 2421642 h 3709642"/>
+              <a:gd name="connsiteX16" fmla="*/ 368316 w 559472"/>
+              <a:gd name="connsiteY16" fmla="*/ 2305627 h 3709642"/>
+              <a:gd name="connsiteX17" fmla="*/ 357466 w 559472"/>
+              <a:gd name="connsiteY17" fmla="*/ 2189233 h 3709642"/>
+              <a:gd name="connsiteX18" fmla="*/ 344982 w 559472"/>
+              <a:gd name="connsiteY18" fmla="*/ 2071473 h 3709642"/>
+              <a:gd name="connsiteX19" fmla="*/ 332466 w 559472"/>
+              <a:gd name="connsiteY19" fmla="*/ 1952216 h 3709642"/>
+              <a:gd name="connsiteX20" fmla="*/ 319121 w 559472"/>
+              <a:gd name="connsiteY20" fmla="*/ 1833776 h 3709642"/>
+              <a:gd name="connsiteX21" fmla="*/ 304408 w 559472"/>
+              <a:gd name="connsiteY21" fmla="*/ 1713948 h 3709642"/>
+              <a:gd name="connsiteX22" fmla="*/ 288685 w 559472"/>
+              <a:gd name="connsiteY22" fmla="*/ 1592703 h 3709642"/>
+              <a:gd name="connsiteX23" fmla="*/ 273050 w 559472"/>
+              <a:gd name="connsiteY23" fmla="*/ 1471451 h 3709642"/>
+              <a:gd name="connsiteX24" fmla="*/ 255813 w 559472"/>
+              <a:gd name="connsiteY24" fmla="*/ 1350328 h 3709642"/>
+              <a:gd name="connsiteX25" fmla="*/ 237060 w 559472"/>
+              <a:gd name="connsiteY25" fmla="*/ 1227080 h 3709642"/>
+              <a:gd name="connsiteX26" fmla="*/ 218488 w 559472"/>
+              <a:gd name="connsiteY26" fmla="*/ 1106065 h 3709642"/>
+              <a:gd name="connsiteX27" fmla="*/ 198221 w 559472"/>
+              <a:gd name="connsiteY27" fmla="*/ 982940 h 3709642"/>
+              <a:gd name="connsiteX28" fmla="*/ 177152 w 559472"/>
+              <a:gd name="connsiteY28" fmla="*/ 858755 h 3709642"/>
+              <a:gd name="connsiteX29" fmla="*/ 155551 w 559472"/>
+              <a:gd name="connsiteY29" fmla="*/ 736861 h 3709642"/>
+              <a:gd name="connsiteX30" fmla="*/ 131782 w 559472"/>
+              <a:gd name="connsiteY30" fmla="*/ 613645 h 3709642"/>
+              <a:gd name="connsiteX31" fmla="*/ 107123 w 559472"/>
+              <a:gd name="connsiteY31" fmla="*/ 490500 h 3709642"/>
+              <a:gd name="connsiteX32" fmla="*/ 82552 w 559472"/>
+              <a:gd name="connsiteY32" fmla="*/ 367348 h 3709642"/>
+              <a:gd name="connsiteX33" fmla="*/ 55608 w 559472"/>
+              <a:gd name="connsiteY33" fmla="*/ 244762 h 3709642"/>
+              <a:gd name="connsiteX34" fmla="*/ 28130 w 559472"/>
+              <a:gd name="connsiteY34" fmla="*/ 122220 h 3709642"/>
+              <a:gd name="connsiteX35" fmla="*/ 0 w 559472"/>
+              <a:gd name="connsiteY35" fmla="*/ 0 h 3709642"/>
+            </a:gdLst>
+            <a:ahLst/>
+            <a:cxnLst>
+              <a:cxn ang="0">
+                <a:pos x="connsiteX0" y="connsiteY0"/>
+              </a:cxn>
+              <a:cxn ang="0">
+                <a:pos x="connsiteX1" y="connsiteY1"/>
+              </a:cxn>
+              <a:cxn ang="0">
+                <a:pos x="connsiteX2" y="connsiteY2"/>
+              </a:cxn>
+              <a:cxn ang="0">
+                <a:pos x="connsiteX3" y="connsiteY3"/>
+              </a:cxn>
+              <a:cxn ang="0">
+                <a:pos x="connsiteX4" y="connsiteY4"/>
+              </a:cxn>
+              <a:cxn ang="0">
+                <a:pos x="connsiteX5" y="connsiteY5"/>
+              </a:cxn>
+              <a:cxn ang="0">
+                <a:pos x="connsiteX6" y="connsiteY6"/>
+              </a:cxn>
+              <a:cxn ang="0">
+                <a:pos x="connsiteX7" y="connsiteY7"/>
+              </a:cxn>
+              <a:cxn ang="0">
+                <a:pos x="connsiteX8" y="connsiteY8"/>
+              </a:cxn>
+              <a:cxn ang="0">
+                <a:pos x="connsiteX9" y="connsiteY9"/>
+              </a:cxn>
+              <a:cxn ang="0">
+                <a:pos x="connsiteX10" y="connsiteY10"/>
+              </a:cxn>
+              <a:cxn ang="0">
+                <a:pos x="connsiteX11" y="connsiteY11"/>
+              </a:cxn>
+              <a:cxn ang="0">
+                <a:pos x="connsiteX12" y="connsiteY12"/>
+              </a:cxn>
+              <a:cxn ang="0">
+                <a:pos x="connsiteX13" y="connsiteY13"/>
+              </a:cxn>
+              <a:cxn ang="0">
+                <a:pos x="connsiteX14" y="connsiteY14"/>
+              </a:cxn>
+              <a:cxn ang="0">
+                <a:pos x="connsiteX15" y="connsiteY15"/>
+              </a:cxn>
+              <a:cxn ang="0">
+                <a:pos x="connsiteX16" y="connsiteY16"/>
+              </a:cxn>
+              <a:cxn ang="0">
+                <a:pos x="connsiteX17" y="connsiteY17"/>
+              </a:cxn>
+              <a:cxn ang="0">
+                <a:pos x="connsiteX18" y="connsiteY18"/>
+              </a:cxn>
+              <a:cxn ang="0">
+                <a:pos x="connsiteX19" y="connsiteY19"/>
+              </a:cxn>
+              <a:cxn ang="0">
+                <a:pos x="connsiteX20" y="connsiteY20"/>
+              </a:cxn>
+              <a:cxn ang="0">
+                <a:pos x="connsiteX21" y="connsiteY21"/>
+              </a:cxn>
+              <a:cxn ang="0">
+                <a:pos x="connsiteX22" y="connsiteY22"/>
+              </a:cxn>
+              <a:cxn ang="0">
+                <a:pos x="connsiteX23" y="connsiteY23"/>
+              </a:cxn>
+              <a:cxn ang="0">
+                <a:pos x="connsiteX24" y="connsiteY24"/>
+              </a:cxn>
+              <a:cxn ang="0">
+                <a:pos x="connsiteX25" y="connsiteY25"/>
+              </a:cxn>
+              <a:cxn ang="0">
+                <a:pos x="connsiteX26" y="connsiteY26"/>
+              </a:cxn>
+              <a:cxn ang="0">
+                <a:pos x="connsiteX27" y="connsiteY27"/>
+              </a:cxn>
+              <a:cxn ang="0">
+                <a:pos x="connsiteX28" y="connsiteY28"/>
+              </a:cxn>
+              <a:cxn ang="0">
+                <a:pos x="connsiteX29" y="connsiteY29"/>
+              </a:cxn>
+              <a:cxn ang="0">
+                <a:pos x="connsiteX30" y="connsiteY30"/>
+              </a:cxn>
+              <a:cxn ang="0">
+                <a:pos x="connsiteX31" y="connsiteY31"/>
+              </a:cxn>
+              <a:cxn ang="0">
+                <a:pos x="connsiteX32" y="connsiteY32"/>
+              </a:cxn>
+              <a:cxn ang="0">
+                <a:pos x="connsiteX33" y="connsiteY33"/>
+              </a:cxn>
+              <a:cxn ang="0">
+                <a:pos x="connsiteX34" y="connsiteY34"/>
+              </a:cxn>
+              <a:cxn ang="0">
+                <a:pos x="connsiteX35" y="connsiteY35"/>
+              </a:cxn>
+            </a:cxnLst>
+            <a:rect l="l" t="t" r="r" b="b"/>
+            <a:pathLst>
+              <a:path w="559472" h="3709642">
+                <a:moveTo>
+                  <a:pt x="0" y="0"/>
+                </a:moveTo>
+                <a:lnTo>
+                  <a:pt x="473952" y="0"/>
+                </a:lnTo>
+                <a:lnTo>
+                  <a:pt x="485840" y="161194"/>
+                </a:lnTo>
+                <a:cubicBezTo>
+                  <a:pt x="552063" y="1147770"/>
+                  <a:pt x="592441" y="3086737"/>
+                  <a:pt x="523949" y="3672197"/>
+                </a:cubicBezTo>
+                <a:cubicBezTo>
+                  <a:pt x="500842" y="3684557"/>
+                  <a:pt x="477855" y="3697282"/>
+                  <a:pt x="454748" y="3709642"/>
+                </a:cubicBezTo>
+                <a:lnTo>
+                  <a:pt x="448224" y="3510471"/>
+                </a:lnTo>
+                <a:lnTo>
+                  <a:pt x="443564" y="3408563"/>
+                </a:lnTo>
+                <a:lnTo>
+                  <a:pt x="438902" y="3304407"/>
+                </a:lnTo>
+                <a:lnTo>
+                  <a:pt x="433941" y="3198777"/>
+                </a:lnTo>
+                <a:lnTo>
+                  <a:pt x="427584" y="3092510"/>
+                </a:lnTo>
+                <a:lnTo>
+                  <a:pt x="420988" y="2984390"/>
+                </a:lnTo>
+                <a:lnTo>
+                  <a:pt x="414330" y="2874401"/>
+                </a:lnTo>
+                <a:lnTo>
+                  <a:pt x="406840" y="2762980"/>
+                </a:lnTo>
+                <a:lnTo>
+                  <a:pt x="397745" y="2650566"/>
+                </a:lnTo>
+                <a:lnTo>
+                  <a:pt x="389154" y="2536612"/>
+                </a:lnTo>
+                <a:lnTo>
+                  <a:pt x="379225" y="2421642"/>
+                </a:lnTo>
+                <a:lnTo>
+                  <a:pt x="368316" y="2305627"/>
+                </a:lnTo>
+                <a:lnTo>
+                  <a:pt x="357466" y="2189233"/>
+                </a:lnTo>
+                <a:lnTo>
+                  <a:pt x="344982" y="2071473"/>
+                </a:lnTo>
+                <a:lnTo>
+                  <a:pt x="332466" y="1952216"/>
+                </a:lnTo>
+                <a:lnTo>
+                  <a:pt x="319121" y="1833776"/>
+                </a:lnTo>
+                <a:lnTo>
+                  <a:pt x="304408" y="1713948"/>
+                </a:lnTo>
+                <a:lnTo>
+                  <a:pt x="288685" y="1592703"/>
+                </a:lnTo>
+                <a:lnTo>
+                  <a:pt x="273050" y="1471451"/>
+                </a:lnTo>
+                <a:lnTo>
+                  <a:pt x="255813" y="1350328"/>
+                </a:lnTo>
+                <a:lnTo>
+                  <a:pt x="237060" y="1227080"/>
+                </a:lnTo>
+                <a:lnTo>
+                  <a:pt x="218488" y="1106065"/>
+                </a:lnTo>
+                <a:lnTo>
+                  <a:pt x="198221" y="982940"/>
+                </a:lnTo>
+                <a:lnTo>
+                  <a:pt x="177152" y="858755"/>
+                </a:lnTo>
+                <a:lnTo>
+                  <a:pt x="155551" y="736861"/>
+                </a:lnTo>
+                <a:lnTo>
+                  <a:pt x="131782" y="613645"/>
+                </a:lnTo>
+                <a:lnTo>
+                  <a:pt x="107123" y="490500"/>
+                </a:lnTo>
+                <a:lnTo>
+                  <a:pt x="82552" y="367348"/>
+                </a:lnTo>
+                <a:lnTo>
+                  <a:pt x="55608" y="244762"/>
+                </a:lnTo>
+                <a:lnTo>
+                  <a:pt x="28130" y="122220"/>
+                </a:lnTo>
+                <a:lnTo>
+                  <a:pt x="0" y="0"/>
+                </a:lnTo>
+                <a:close/>
+              </a:path>
+            </a:pathLst>
+          </a:custGeom>
+          <a:solidFill>
+            <a:schemeClr val="tx1">
+              <a:alpha val="20000"/>
+            </a:schemeClr>
+          </a:solidFill>
+          <a:ln>
+            <a:noFill/>
+          </a:ln>
+        </p:spPr>
+        <p:txBody>
+          <a:bodyPr rtlCol="0" anchor="ctr"/>
+          <a:lstStyle/>
+          <a:p>
+            <a:pPr algn="ctr"/>
+            <a:endParaRPr lang="en-US"/>
+          </a:p>
+        </p:txBody>
+      </p:sp>
+      <p:pic>
+        <p:nvPicPr>
+          <p:cNvPr id="5" name="Picture 4">
+            <a:extLst>
+              <a:ext uri="{FF2B5EF4-FFF2-40B4-BE49-F238E27FC236}">
+                <a16:creationId xmlns:a16="http://schemas.microsoft.com/office/drawing/2014/main" id="{5C1B77D8-55B4-8EB4-5706-8FB11AABFE83}"/>
+              </a:ext>
+            </a:extLst>
+          </p:cNvPr>
+          <p:cNvPicPr>
+            <a:picLocks noChangeAspect="1"/>
+          </p:cNvPicPr>
+          <p:nvPr/>
+        </p:nvPicPr>
+        <p:blipFill rotWithShape="1">
+          <a:blip r:embed="rId3"/>
+          <a:srcRect l="7150" r="44542" b="-2"/>
+          <a:stretch/>
+        </p:blipFill>
+        <p:spPr>
+          <a:xfrm>
+            <a:off x="7229175" y="1"/>
+            <a:ext cx="4963245" cy="6858001"/>
+          </a:xfrm>
+          <a:custGeom>
+            <a:avLst/>
+            <a:gdLst/>
+            <a:ahLst/>
+            <a:cxnLst/>
+            <a:rect l="l" t="t" r="r" b="b"/>
+            <a:pathLst>
+              <a:path w="4963245" h="6858001">
+                <a:moveTo>
+                  <a:pt x="1177" y="0"/>
+                </a:moveTo>
+                <a:lnTo>
+                  <a:pt x="1344715" y="0"/>
+                </a:lnTo>
+                <a:lnTo>
+                  <a:pt x="1344715" y="1"/>
+                </a:lnTo>
+                <a:lnTo>
+                  <a:pt x="4963245" y="1"/>
+                </a:lnTo>
+                <a:lnTo>
+                  <a:pt x="4963244" y="6858001"/>
+                </a:lnTo>
+                <a:lnTo>
+                  <a:pt x="900697" y="6858001"/>
+                </a:lnTo>
+                <a:lnTo>
+                  <a:pt x="900697" y="6858000"/>
+                </a:lnTo>
+                <a:lnTo>
+                  <a:pt x="0" y="6858000"/>
+                </a:lnTo>
+                <a:lnTo>
+                  <a:pt x="5883" y="6817538"/>
+                </a:lnTo>
+                <a:lnTo>
+                  <a:pt x="23196" y="6698894"/>
+                </a:lnTo>
+                <a:lnTo>
+                  <a:pt x="35299" y="6612483"/>
+                </a:lnTo>
+                <a:lnTo>
+                  <a:pt x="48073" y="6509613"/>
+                </a:lnTo>
+                <a:lnTo>
+                  <a:pt x="63369" y="6387541"/>
+                </a:lnTo>
+                <a:lnTo>
+                  <a:pt x="79506" y="6252438"/>
+                </a:lnTo>
+                <a:lnTo>
+                  <a:pt x="96483" y="6100191"/>
+                </a:lnTo>
+                <a:lnTo>
+                  <a:pt x="114469" y="5934227"/>
+                </a:lnTo>
+                <a:lnTo>
+                  <a:pt x="132454" y="5753862"/>
+                </a:lnTo>
+                <a:lnTo>
+                  <a:pt x="150776" y="5561838"/>
+                </a:lnTo>
+                <a:lnTo>
+                  <a:pt x="167753" y="5354726"/>
+                </a:lnTo>
+                <a:lnTo>
+                  <a:pt x="184058" y="5138013"/>
+                </a:lnTo>
+                <a:lnTo>
+                  <a:pt x="198849" y="4908956"/>
+                </a:lnTo>
+                <a:lnTo>
+                  <a:pt x="212969" y="4670298"/>
+                </a:lnTo>
+                <a:lnTo>
+                  <a:pt x="226248" y="4421352"/>
+                </a:lnTo>
+                <a:lnTo>
+                  <a:pt x="230955" y="4293793"/>
+                </a:lnTo>
+                <a:lnTo>
+                  <a:pt x="236165" y="4163492"/>
+                </a:lnTo>
+                <a:lnTo>
+                  <a:pt x="241040" y="4031133"/>
+                </a:lnTo>
+                <a:lnTo>
+                  <a:pt x="244234" y="3898087"/>
+                </a:lnTo>
+                <a:lnTo>
+                  <a:pt x="247091" y="3762299"/>
+                </a:lnTo>
+                <a:lnTo>
+                  <a:pt x="250117" y="3625139"/>
+                </a:lnTo>
+                <a:lnTo>
+                  <a:pt x="252134" y="3485236"/>
+                </a:lnTo>
+                <a:lnTo>
+                  <a:pt x="252134" y="3343961"/>
+                </a:lnTo>
+                <a:lnTo>
+                  <a:pt x="253142" y="3201315"/>
+                </a:lnTo>
+                <a:lnTo>
+                  <a:pt x="252134" y="3057297"/>
+                </a:lnTo>
+                <a:lnTo>
+                  <a:pt x="250117" y="2911221"/>
+                </a:lnTo>
+                <a:lnTo>
+                  <a:pt x="248268" y="2765146"/>
+                </a:lnTo>
+                <a:lnTo>
+                  <a:pt x="244234" y="2617013"/>
+                </a:lnTo>
+                <a:lnTo>
+                  <a:pt x="240032" y="2467509"/>
+                </a:lnTo>
+                <a:lnTo>
+                  <a:pt x="235157" y="2318004"/>
+                </a:lnTo>
+                <a:lnTo>
+                  <a:pt x="228266" y="2167128"/>
+                </a:lnTo>
+                <a:lnTo>
+                  <a:pt x="220029" y="2014881"/>
+                </a:lnTo>
+                <a:lnTo>
+                  <a:pt x="212129" y="1861947"/>
+                </a:lnTo>
+                <a:lnTo>
+                  <a:pt x="202044" y="1709014"/>
+                </a:lnTo>
+                <a:lnTo>
+                  <a:pt x="189941" y="1554023"/>
+                </a:lnTo>
+                <a:lnTo>
+                  <a:pt x="177839" y="1401090"/>
+                </a:lnTo>
+                <a:lnTo>
+                  <a:pt x="163887" y="1245413"/>
+                </a:lnTo>
+                <a:lnTo>
+                  <a:pt x="148591" y="1089051"/>
+                </a:lnTo>
+                <a:lnTo>
+                  <a:pt x="132455" y="934746"/>
+                </a:lnTo>
+                <a:lnTo>
+                  <a:pt x="113629" y="778383"/>
+                </a:lnTo>
+                <a:lnTo>
+                  <a:pt x="93458" y="622707"/>
+                </a:lnTo>
+                <a:lnTo>
+                  <a:pt x="73455" y="466344"/>
+                </a:lnTo>
+                <a:lnTo>
+                  <a:pt x="50091" y="310668"/>
+                </a:lnTo>
+                <a:lnTo>
+                  <a:pt x="26222" y="155677"/>
+                </a:lnTo>
+                <a:close/>
+              </a:path>
+            </a:pathLst>
+          </a:custGeom>
+        </p:spPr>
+      </p:pic>
+    </p:spTree>
+    <p:extLst>
+      <p:ext uri="{BB962C8B-B14F-4D97-AF65-F5344CB8AC3E}">
+        <p14:creationId xmlns:p14="http://schemas.microsoft.com/office/powerpoint/2010/main" val="1559360170"/>
+      </p:ext>
+    </p:extLst>
+  </p:cSld>
+  <p:clrMapOvr>
+    <a:masterClrMapping/>
+  </p:clrMapOvr>
+  <mc:AlternateContent xmlns:mc="http://schemas.openxmlformats.org/markup-compatibility/2006" xmlns:p14="http://schemas.microsoft.com/office/powerpoint/2010/main">
+    <mc:Choice Requires="p14">
+      <p:transition spd="med" p14:dur="700">
+        <p:fade/>
+      </p:transition>
+    </mc:Choice>
+    <mc:Fallback xmlns="">
+      <p:transition spd="med">
+        <p:fade/>
+      </p:transition>
+    </mc:Fallback>
+  </mc:AlternateContent>
+</p:sld>
+</file>
+
+<file path=ppt/slides/slide11.xml><?xml version="1.0" encoding="utf-8"?>
+<p:sld xmlns:a="http://schemas.openxmlformats.org/drawingml/2006/main" xmlns:r="http://schemas.openxmlformats.org/officeDocument/2006/relationships" xmlns:p="http://schemas.openxmlformats.org/presentationml/2006/main">
+  <p:cSld>
+    <p:spTree>
+      <p:nvGrpSpPr>
+        <p:cNvPr id="1" name=""/>
+        <p:cNvGrpSpPr/>
+        <p:nvPr/>
+      </p:nvGrpSpPr>
+      <p:grpSpPr>
+        <a:xfrm>
+          <a:off x="0" y="0"/>
+          <a:ext cx="0" cy="0"/>
+          <a:chOff x="0" y="0"/>
+          <a:chExt cx="0" cy="0"/>
+        </a:xfrm>
+      </p:grpSpPr>
+      <p:sp>
+        <p:nvSpPr>
+          <p:cNvPr id="2" name="Titel 1">
+            <a:extLst>
+              <a:ext uri="{FF2B5EF4-FFF2-40B4-BE49-F238E27FC236}">
+                <a16:creationId xmlns:a16="http://schemas.microsoft.com/office/drawing/2014/main" id="{66CD9A7A-8A15-FF4B-D9E0-D73A6E5BFC5A}"/>
+              </a:ext>
+            </a:extLst>
+          </p:cNvPr>
+          <p:cNvSpPr>
+            <a:spLocks noGrp="1"/>
+          </p:cNvSpPr>
+          <p:nvPr>
+            <p:ph type="title"/>
+          </p:nvPr>
+        </p:nvSpPr>
+        <p:spPr/>
+        <p:txBody>
+          <a:bodyPr/>
+          <a:lstStyle/>
+          <a:p>
+            <a:r>
+              <a:rPr lang="de-DE" dirty="0"/>
+              <a:t>Ev. Video bei der Benützung???</a:t>
+            </a:r>
+            <a:endParaRPr lang="de-AT" dirty="0"/>
+          </a:p>
+        </p:txBody>
+      </p:sp>
+      <p:sp>
+        <p:nvSpPr>
+          <p:cNvPr id="3" name="Inhaltsplatzhalter 2">
+            <a:extLst>
+              <a:ext uri="{FF2B5EF4-FFF2-40B4-BE49-F238E27FC236}">
+                <a16:creationId xmlns:a16="http://schemas.microsoft.com/office/drawing/2014/main" id="{0CBED256-A5A1-2E5A-E215-B7CA73BF439D}"/>
+              </a:ext>
+            </a:extLst>
+          </p:cNvPr>
+          <p:cNvSpPr>
+            <a:spLocks noGrp="1"/>
+          </p:cNvSpPr>
+          <p:nvPr>
+            <p:ph idx="1"/>
+          </p:nvPr>
+        </p:nvSpPr>
+        <p:spPr/>
+        <p:txBody>
+          <a:bodyPr/>
+          <a:lstStyle/>
+          <a:p>
+            <a:r>
+              <a:rPr lang="de-DE" dirty="0"/>
+              <a:t>Oder Animation (GIF) für die Produktvorstellung</a:t>
+            </a:r>
+            <a:endParaRPr lang="de-AT" dirty="0"/>
+          </a:p>
+        </p:txBody>
+      </p:sp>
+    </p:spTree>
+    <p:extLst>
+      <p:ext uri="{BB962C8B-B14F-4D97-AF65-F5344CB8AC3E}">
+        <p14:creationId xmlns:p14="http://schemas.microsoft.com/office/powerpoint/2010/main" val="492595309"/>
+      </p:ext>
+    </p:extLst>
+  </p:cSld>
+  <p:clrMapOvr>
+    <a:masterClrMapping/>
+  </p:clrMapOvr>
+  <mc:AlternateContent xmlns:mc="http://schemas.openxmlformats.org/markup-compatibility/2006" xmlns:p14="http://schemas.microsoft.com/office/powerpoint/2010/main">
+    <mc:Choice Requires="p14">
+      <p:transition spd="med" p14:dur="700">
+        <p:fade/>
+      </p:transition>
+    </mc:Choice>
+    <mc:Fallback xmlns="">
+      <p:transition spd="med">
+        <p:fade/>
+      </p:transition>
+    </mc:Fallback>
+  </mc:AlternateContent>
+</p:sld>
+</file>
+
+<file path=ppt/slides/slide12.xml><?xml version="1.0" encoding="utf-8"?>
+<p:sld xmlns:a="http://schemas.openxmlformats.org/drawingml/2006/main" xmlns:r="http://schemas.openxmlformats.org/officeDocument/2006/relationships" xmlns:p="http://schemas.openxmlformats.org/presentationml/2006/main">
+  <p:cSld>
+    <p:bg>
+      <p:bgPr>
         <a:solidFill>
           <a:schemeClr val="bg1"/>
         </a:solidFill>
@@ -15165,6 +16047,9 @@
           <a:lstStyle/>
           <a:p>
             <a:pPr>
+              <a:lnSpc>
+                <a:spcPct val="150000"/>
+              </a:lnSpc>
               <a:buClrTx/>
               <a:buFont typeface="Arial" panose="020B0604020202020204" pitchFamily="34" charset="0"/>
               <a:buChar char="•"/>
@@ -15176,6 +16061,9 @@
           </a:p>
           <a:p>
             <a:pPr>
+              <a:lnSpc>
+                <a:spcPct val="150000"/>
+              </a:lnSpc>
               <a:buClrTx/>
               <a:buFont typeface="Arial" panose="020B0604020202020204" pitchFamily="34" charset="0"/>
               <a:buChar char="•"/>
@@ -15187,6 +16075,9 @@
           </a:p>
           <a:p>
             <a:pPr lvl="1">
+              <a:lnSpc>
+                <a:spcPct val="150000"/>
+              </a:lnSpc>
               <a:buClrTx/>
               <a:buFont typeface="Arial" panose="020B0604020202020204" pitchFamily="34" charset="0"/>
               <a:buChar char="•"/>
@@ -15198,6 +16089,9 @@
           </a:p>
           <a:p>
             <a:pPr lvl="1">
+              <a:lnSpc>
+                <a:spcPct val="150000"/>
+              </a:lnSpc>
               <a:buClrTx/>
               <a:buFont typeface="Arial" panose="020B0604020202020204" pitchFamily="34" charset="0"/>
               <a:buChar char="•"/>
@@ -15209,6 +16103,9 @@
           </a:p>
           <a:p>
             <a:pPr>
+              <a:lnSpc>
+                <a:spcPct val="150000"/>
+              </a:lnSpc>
               <a:buClrTx/>
               <a:buFont typeface="Arial" panose="020B0604020202020204" pitchFamily="34" charset="0"/>
               <a:buChar char="•"/>
@@ -15421,25 +16318,65 @@
           </a:bodyPr>
           <a:lstStyle/>
           <a:p>
+            <a:pPr>
+              <a:lnSpc>
+                <a:spcPct val="150000"/>
+              </a:lnSpc>
+            </a:pPr>
             <a:r>
-              <a:rPr lang="de-DE" sz="2400" dirty="0">
+              <a:rPr lang="de-DE" sz="2800" dirty="0">
                 <a:solidFill>
                   <a:srgbClr val="FFFFFF"/>
                 </a:solidFill>
               </a:rPr>
-              <a:t>Theoretischer Hintergrund</a:t>
+              <a:t>Was ist Feedback?</a:t>
             </a:r>
           </a:p>
           <a:p>
+            <a:pPr>
+              <a:lnSpc>
+                <a:spcPct val="150000"/>
+              </a:lnSpc>
+            </a:pPr>
             <a:r>
-              <a:rPr lang="de-DE" sz="2400" dirty="0">
+              <a:rPr lang="de-DE" sz="2800" dirty="0">
                 <a:solidFill>
                   <a:srgbClr val="FFFFFF"/>
                 </a:solidFill>
               </a:rPr>
-              <a:t>Umsetzung Backend</a:t>
+              <a:t>Architektur</a:t>
             </a:r>
-            <a:endParaRPr lang="de-AT" sz="2400" dirty="0">
+          </a:p>
+          <a:p>
+            <a:pPr>
+              <a:lnSpc>
+                <a:spcPct val="150000"/>
+              </a:lnSpc>
+            </a:pPr>
+            <a:r>
+              <a:rPr lang="de-DE" sz="2800" dirty="0">
+                <a:solidFill>
+                  <a:srgbClr val="FFFFFF"/>
+                </a:solidFill>
+              </a:rPr>
+              <a:t>Datenstruktur</a:t>
+            </a:r>
+          </a:p>
+          <a:p>
+            <a:pPr>
+              <a:lnSpc>
+                <a:spcPct val="150000"/>
+              </a:lnSpc>
+            </a:pPr>
+            <a:r>
+              <a:rPr lang="de-DE" sz="2800" dirty="0">
+                <a:solidFill>
+                  <a:srgbClr val="FFFFFF"/>
+                </a:solidFill>
+              </a:rPr>
+              <a:t>Accountmanagement</a:t>
+            </a:r>
+            <a:endParaRPr lang="de-AT" sz="2800" dirty="0">
               <a:solidFill>
                 <a:srgbClr val="FFFFFF"/>
               </a:solidFill>
@@ -16082,20 +17019,32 @@
         </p:nvSpPr>
         <p:spPr/>
         <p:txBody>
-          <a:bodyPr/>
+          <a:bodyPr>
+            <a:normAutofit/>
+          </a:bodyPr>
           <a:lstStyle/>
           <a:p>
+            <a:pPr>
+              <a:lnSpc>
+                <a:spcPct val="150000"/>
+              </a:lnSpc>
+            </a:pPr>
             <a:r>
-              <a:rPr lang="de-DE" dirty="0"/>
+              <a:rPr lang="de-DE" sz="2400" dirty="0"/>
               <a:t>Offene Rückmeldung </a:t>
             </a:r>
           </a:p>
           <a:p>
+            <a:pPr>
+              <a:lnSpc>
+                <a:spcPct val="150000"/>
+              </a:lnSpc>
+            </a:pPr>
             <a:r>
-              <a:rPr lang="de-DE" dirty="0"/>
+              <a:rPr lang="de-DE" sz="2400" dirty="0"/>
               <a:t>Johari-Fenster</a:t>
             </a:r>
-            <a:endParaRPr lang="de-AT" dirty="0"/>
+            <a:endParaRPr lang="de-AT" sz="2400" dirty="0"/>
           </a:p>
         </p:txBody>
       </p:sp>
@@ -17343,7 +18292,7 @@
           <a:p>
             <a:r>
               <a:rPr lang="de-DE" dirty="0"/>
-              <a:t>Teil 1 - Accountmanagement</a:t>
+              <a:t>Teil 1 – WEB-API</a:t>
             </a:r>
             <a:endParaRPr lang="de-AT" dirty="0"/>
           </a:p>
@@ -17365,15 +18314,54 @@
             <p:ph idx="1"/>
           </p:nvPr>
         </p:nvSpPr>
-        <p:spPr/>
+        <p:spPr>
+          <a:xfrm>
+            <a:off x="1103312" y="2052918"/>
+            <a:ext cx="9404723" cy="4195481"/>
+          </a:xfrm>
+        </p:spPr>
         <p:txBody>
           <a:bodyPr/>
           <a:lstStyle/>
           <a:p>
+            <a:pPr>
+              <a:lnSpc>
+                <a:spcPct val="150000"/>
+              </a:lnSpc>
+            </a:pPr>
             <a:r>
-              <a:rPr lang="de-DE" dirty="0"/>
-              <a:t>JWT </a:t>
+              <a:rPr lang="de-DE" sz="2400" dirty="0"/>
+              <a:t>Client kommuniziert mit der ASP.NET Core API </a:t>
             </a:r>
+          </a:p>
+          <a:p>
+            <a:pPr>
+              <a:lnSpc>
+                <a:spcPct val="150000"/>
+              </a:lnSpc>
+            </a:pPr>
+            <a:r>
+              <a:rPr lang="de-DE" sz="2400" dirty="0"/>
+              <a:t>Dokumentation der API-Schnittstelle mithilfe von </a:t>
+            </a:r>
+            <a:r>
+              <a:rPr lang="de-DE" sz="2400" dirty="0" err="1"/>
+              <a:t>Swagger</a:t>
+            </a:r>
+            <a:endParaRPr lang="de-DE" sz="2400" dirty="0"/>
+          </a:p>
+          <a:p>
+            <a:pPr>
+              <a:lnSpc>
+                <a:spcPct val="150000"/>
+              </a:lnSpc>
+            </a:pPr>
+            <a:r>
+              <a:rPr lang="de-DE" sz="2400" dirty="0"/>
+              <a:t>Zugriff und Sicherheit durch JWT Authentifizierung</a:t>
+            </a:r>
+          </a:p>
+          <a:p>
             <a:endParaRPr lang="de-AT" dirty="0"/>
           </a:p>
         </p:txBody>
@@ -17406,30 +18394,6 @@
 <file path=ppt/slides/slide9.xml><?xml version="1.0" encoding="utf-8"?>
 <p:sld xmlns:a="http://schemas.openxmlformats.org/drawingml/2006/main" xmlns:r="http://schemas.openxmlformats.org/officeDocument/2006/relationships" xmlns:p="http://schemas.openxmlformats.org/presentationml/2006/main">
   <p:cSld>
-    <p:bg>
-      <p:bgPr>
-        <a:blipFill rotWithShape="1">
-          <a:blip r:embed="rId2">
-            <a:duotone>
-              <a:schemeClr val="bg2">
-                <a:shade val="69000"/>
-                <a:hueMod val="108000"/>
-                <a:satMod val="164000"/>
-                <a:lumMod val="74000"/>
-              </a:schemeClr>
-              <a:schemeClr val="bg2">
-                <a:tint val="96000"/>
-                <a:hueMod val="88000"/>
-                <a:satMod val="140000"/>
-                <a:lumMod val="132000"/>
-              </a:schemeClr>
-            </a:duotone>
-          </a:blip>
-          <a:stretch/>
-        </a:blipFill>
-        <a:effectLst/>
-      </p:bgPr>
-    </p:bg>
     <p:spTree>
       <p:nvGrpSpPr>
         <p:cNvPr id="1" name=""/>
@@ -17446,70 +18410,10 @@
       </p:grpSpPr>
       <p:sp>
         <p:nvSpPr>
-          <p:cNvPr id="9" name="Rectangle 8">
-            <a:extLst>
-              <a:ext uri="{FF2B5EF4-FFF2-40B4-BE49-F238E27FC236}">
-                <a16:creationId xmlns:a16="http://schemas.microsoft.com/office/drawing/2014/main" id="{C8A3C342-1D03-412F-8DD3-BF519E8E0AE9}"/>
-              </a:ext>
-              <a:ext uri="{C183D7F6-B498-43B3-948B-1728B52AA6E4}">
-                <adec:decorative xmlns:adec="http://schemas.microsoft.com/office/drawing/2017/decorative" val="1"/>
-              </a:ext>
-            </a:extLst>
-          </p:cNvPr>
-          <p:cNvSpPr>
-            <a:spLocks noGrp="1" noRot="1" noChangeAspect="1" noMove="1" noResize="1" noEditPoints="1" noAdjustHandles="1" noChangeArrowheads="1" noChangeShapeType="1" noTextEdit="1"/>
-          </p:cNvSpPr>
-          <p:nvPr>
-            <p:extLst>
-              <p:ext uri="{386F3935-93C4-4BCD-93E2-E3B085C9AB24}">
-                <p16:designElem xmlns:p16="http://schemas.microsoft.com/office/powerpoint/2015/main" val="1"/>
-              </p:ext>
-            </p:extLst>
-          </p:nvPr>
-        </p:nvSpPr>
-        <p:spPr>
-          <a:xfrm>
-            <a:off x="0" y="0"/>
-            <a:ext cx="12192000" cy="6858000"/>
-          </a:xfrm>
-          <a:prstGeom prst="rect">
-            <a:avLst/>
-          </a:prstGeom>
-          <a:ln>
-            <a:noFill/>
-          </a:ln>
-        </p:spPr>
-        <p:style>
-          <a:lnRef idx="2">
-            <a:schemeClr val="accent1">
-              <a:shade val="50000"/>
-            </a:schemeClr>
-          </a:lnRef>
-          <a:fillRef idx="1003">
-            <a:schemeClr val="dk2"/>
-          </a:fillRef>
-          <a:effectRef idx="0">
-            <a:schemeClr val="accent1"/>
-          </a:effectRef>
-          <a:fontRef idx="minor">
-            <a:schemeClr val="lt1"/>
-          </a:fontRef>
-        </p:style>
-        <p:txBody>
-          <a:bodyPr rtlCol="0" anchor="ctr"/>
-          <a:lstStyle/>
-          <a:p>
-            <a:pPr algn="ctr"/>
-            <a:endParaRPr lang="en-US"/>
-          </a:p>
-        </p:txBody>
-      </p:sp>
-      <p:sp>
-        <p:nvSpPr>
           <p:cNvPr id="2" name="Titel 1">
             <a:extLst>
               <a:ext uri="{FF2B5EF4-FFF2-40B4-BE49-F238E27FC236}">
-                <a16:creationId xmlns:a16="http://schemas.microsoft.com/office/drawing/2014/main" id="{842AC356-D93F-44C3-3C17-FD2158DDE275}"/>
+                <a16:creationId xmlns:a16="http://schemas.microsoft.com/office/drawing/2014/main" id="{8C666A63-5045-4B22-D96A-7AC9BA112F95}"/>
               </a:ext>
             </a:extLst>
           </p:cNvPr>
@@ -17520,31 +18424,24 @@
             <p:ph type="title"/>
           </p:nvPr>
         </p:nvSpPr>
-        <p:spPr>
-          <a:xfrm>
-            <a:off x="648930" y="629266"/>
-            <a:ext cx="6188190" cy="1622321"/>
-          </a:xfrm>
-        </p:spPr>
+        <p:spPr/>
         <p:txBody>
-          <a:bodyPr>
-            <a:normAutofit/>
-          </a:bodyPr>
+          <a:bodyPr/>
           <a:lstStyle/>
           <a:p>
             <a:r>
-              <a:rPr lang="de-DE">
-                <a:solidFill>
-                  <a:srgbClr val="EBEBEB"/>
-                </a:solidFill>
-              </a:rPr>
-              <a:t>Inhaltsübersicht Teil 2 – Mirzet Sankonjic</a:t>
+              <a:rPr lang="de-DE" dirty="0"/>
+              <a:t>Beispielbild </a:t>
             </a:r>
-            <a:endParaRPr lang="de-AT">
-              <a:solidFill>
-                <a:srgbClr val="EBEBEB"/>
-              </a:solidFill>
-            </a:endParaRPr>
+            <a:r>
+              <a:rPr lang="de-DE" dirty="0" err="1"/>
+              <a:t>Swagger</a:t>
+            </a:r>
+            <a:r>
+              <a:rPr lang="de-DE" dirty="0"/>
+              <a:t> Dokumentation</a:t>
+            </a:r>
+            <a:endParaRPr lang="de-AT" dirty="0"/>
           </a:p>
         </p:txBody>
       </p:sp>
@@ -17553,7 +18450,7 @@
           <p:cNvPr id="3" name="Inhaltsplatzhalter 2">
             <a:extLst>
               <a:ext uri="{FF2B5EF4-FFF2-40B4-BE49-F238E27FC236}">
-                <a16:creationId xmlns:a16="http://schemas.microsoft.com/office/drawing/2014/main" id="{4A41E71D-1509-FAEB-DB87-10B42308362D}"/>
+                <a16:creationId xmlns:a16="http://schemas.microsoft.com/office/drawing/2014/main" id="{1779187E-EF0B-8569-66C4-348FFD9DEB5F}"/>
               </a:ext>
             </a:extLst>
           </p:cNvPr>
@@ -17564,594 +18461,19 @@
             <p:ph idx="1"/>
           </p:nvPr>
         </p:nvSpPr>
-        <p:spPr>
-          <a:xfrm>
-            <a:off x="648930" y="2438400"/>
-            <a:ext cx="6188189" cy="3785419"/>
-          </a:xfrm>
-        </p:spPr>
+        <p:spPr/>
         <p:txBody>
-          <a:bodyPr>
-            <a:normAutofit/>
-          </a:bodyPr>
+          <a:bodyPr/>
           <a:lstStyle/>
           <a:p>
-            <a:r>
-              <a:rPr lang="de-DE" sz="2400" dirty="0">
-                <a:solidFill>
-                  <a:srgbClr val="FFFFFF"/>
-                </a:solidFill>
-              </a:rPr>
-              <a:t>Umsetzung Frontend</a:t>
-            </a:r>
-          </a:p>
-          <a:p>
-            <a:r>
-              <a:rPr lang="de-DE" sz="2400" dirty="0">
-                <a:solidFill>
-                  <a:srgbClr val="FFFFFF"/>
-                </a:solidFill>
-              </a:rPr>
-              <a:t>GUI der Feedback App</a:t>
-            </a:r>
-            <a:endParaRPr lang="de-AT" sz="2400" dirty="0">
-              <a:solidFill>
-                <a:srgbClr val="FFFFFF"/>
-              </a:solidFill>
-            </a:endParaRPr>
+            <a:endParaRPr lang="de-AT"/>
           </a:p>
         </p:txBody>
       </p:sp>
-      <p:sp>
-        <p:nvSpPr>
-          <p:cNvPr id="11" name="Freeform 31">
-            <a:extLst>
-              <a:ext uri="{FF2B5EF4-FFF2-40B4-BE49-F238E27FC236}">
-                <a16:creationId xmlns:a16="http://schemas.microsoft.com/office/drawing/2014/main" id="{81CC9B02-E087-4350-AEBD-2C3CF001AF01}"/>
-              </a:ext>
-              <a:ext uri="{C183D7F6-B498-43B3-948B-1728B52AA6E4}">
-                <adec:decorative xmlns:adec="http://schemas.microsoft.com/office/drawing/2017/decorative" val="1"/>
-              </a:ext>
-            </a:extLst>
-          </p:cNvPr>
-          <p:cNvSpPr>
-            <a:spLocks noGrp="1" noRot="1" noChangeAspect="1" noMove="1" noResize="1" noEditPoints="1" noAdjustHandles="1" noChangeArrowheads="1" noChangeShapeType="1" noTextEdit="1"/>
-          </p:cNvSpPr>
-          <p:nvPr>
-            <p:extLst>
-              <p:ext uri="{386F3935-93C4-4BCD-93E2-E3B085C9AB24}">
-                <p16:designElem xmlns:p16="http://schemas.microsoft.com/office/powerpoint/2015/main" val="1"/>
-              </p:ext>
-            </p:extLst>
-          </p:nvPr>
-        </p:nvSpPr>
-        <p:spPr>
-          <a:xfrm>
-            <a:off x="7015974" y="-1"/>
-            <a:ext cx="559472" cy="3709642"/>
-          </a:xfrm>
-          <a:custGeom>
-            <a:avLst/>
-            <a:gdLst>
-              <a:gd name="connsiteX0" fmla="*/ 0 w 559472"/>
-              <a:gd name="connsiteY0" fmla="*/ 0 h 3709642"/>
-              <a:gd name="connsiteX1" fmla="*/ 473952 w 559472"/>
-              <a:gd name="connsiteY1" fmla="*/ 0 h 3709642"/>
-              <a:gd name="connsiteX2" fmla="*/ 485840 w 559472"/>
-              <a:gd name="connsiteY2" fmla="*/ 161194 h 3709642"/>
-              <a:gd name="connsiteX3" fmla="*/ 523949 w 559472"/>
-              <a:gd name="connsiteY3" fmla="*/ 3672197 h 3709642"/>
-              <a:gd name="connsiteX4" fmla="*/ 454748 w 559472"/>
-              <a:gd name="connsiteY4" fmla="*/ 3709642 h 3709642"/>
-              <a:gd name="connsiteX5" fmla="*/ 448224 w 559472"/>
-              <a:gd name="connsiteY5" fmla="*/ 3510471 h 3709642"/>
-              <a:gd name="connsiteX6" fmla="*/ 443564 w 559472"/>
-              <a:gd name="connsiteY6" fmla="*/ 3408563 h 3709642"/>
-              <a:gd name="connsiteX7" fmla="*/ 438902 w 559472"/>
-              <a:gd name="connsiteY7" fmla="*/ 3304407 h 3709642"/>
-              <a:gd name="connsiteX8" fmla="*/ 433941 w 559472"/>
-              <a:gd name="connsiteY8" fmla="*/ 3198777 h 3709642"/>
-              <a:gd name="connsiteX9" fmla="*/ 427584 w 559472"/>
-              <a:gd name="connsiteY9" fmla="*/ 3092510 h 3709642"/>
-              <a:gd name="connsiteX10" fmla="*/ 420988 w 559472"/>
-              <a:gd name="connsiteY10" fmla="*/ 2984390 h 3709642"/>
-              <a:gd name="connsiteX11" fmla="*/ 414330 w 559472"/>
-              <a:gd name="connsiteY11" fmla="*/ 2874401 h 3709642"/>
-              <a:gd name="connsiteX12" fmla="*/ 406840 w 559472"/>
-              <a:gd name="connsiteY12" fmla="*/ 2762980 h 3709642"/>
-              <a:gd name="connsiteX13" fmla="*/ 397745 w 559472"/>
-              <a:gd name="connsiteY13" fmla="*/ 2650566 h 3709642"/>
-              <a:gd name="connsiteX14" fmla="*/ 389154 w 559472"/>
-              <a:gd name="connsiteY14" fmla="*/ 2536612 h 3709642"/>
-              <a:gd name="connsiteX15" fmla="*/ 379225 w 559472"/>
-              <a:gd name="connsiteY15" fmla="*/ 2421642 h 3709642"/>
-              <a:gd name="connsiteX16" fmla="*/ 368316 w 559472"/>
-              <a:gd name="connsiteY16" fmla="*/ 2305627 h 3709642"/>
-              <a:gd name="connsiteX17" fmla="*/ 357466 w 559472"/>
-              <a:gd name="connsiteY17" fmla="*/ 2189233 h 3709642"/>
-              <a:gd name="connsiteX18" fmla="*/ 344982 w 559472"/>
-              <a:gd name="connsiteY18" fmla="*/ 2071473 h 3709642"/>
-              <a:gd name="connsiteX19" fmla="*/ 332466 w 559472"/>
-              <a:gd name="connsiteY19" fmla="*/ 1952216 h 3709642"/>
-              <a:gd name="connsiteX20" fmla="*/ 319121 w 559472"/>
-              <a:gd name="connsiteY20" fmla="*/ 1833776 h 3709642"/>
-              <a:gd name="connsiteX21" fmla="*/ 304408 w 559472"/>
-              <a:gd name="connsiteY21" fmla="*/ 1713948 h 3709642"/>
-              <a:gd name="connsiteX22" fmla="*/ 288685 w 559472"/>
-              <a:gd name="connsiteY22" fmla="*/ 1592703 h 3709642"/>
-              <a:gd name="connsiteX23" fmla="*/ 273050 w 559472"/>
-              <a:gd name="connsiteY23" fmla="*/ 1471451 h 3709642"/>
-              <a:gd name="connsiteX24" fmla="*/ 255813 w 559472"/>
-              <a:gd name="connsiteY24" fmla="*/ 1350328 h 3709642"/>
-              <a:gd name="connsiteX25" fmla="*/ 237060 w 559472"/>
-              <a:gd name="connsiteY25" fmla="*/ 1227080 h 3709642"/>
-              <a:gd name="connsiteX26" fmla="*/ 218488 w 559472"/>
-              <a:gd name="connsiteY26" fmla="*/ 1106065 h 3709642"/>
-              <a:gd name="connsiteX27" fmla="*/ 198221 w 559472"/>
-              <a:gd name="connsiteY27" fmla="*/ 982940 h 3709642"/>
-              <a:gd name="connsiteX28" fmla="*/ 177152 w 559472"/>
-              <a:gd name="connsiteY28" fmla="*/ 858755 h 3709642"/>
-              <a:gd name="connsiteX29" fmla="*/ 155551 w 559472"/>
-              <a:gd name="connsiteY29" fmla="*/ 736861 h 3709642"/>
-              <a:gd name="connsiteX30" fmla="*/ 131782 w 559472"/>
-              <a:gd name="connsiteY30" fmla="*/ 613645 h 3709642"/>
-              <a:gd name="connsiteX31" fmla="*/ 107123 w 559472"/>
-              <a:gd name="connsiteY31" fmla="*/ 490500 h 3709642"/>
-              <a:gd name="connsiteX32" fmla="*/ 82552 w 559472"/>
-              <a:gd name="connsiteY32" fmla="*/ 367348 h 3709642"/>
-              <a:gd name="connsiteX33" fmla="*/ 55608 w 559472"/>
-              <a:gd name="connsiteY33" fmla="*/ 244762 h 3709642"/>
-              <a:gd name="connsiteX34" fmla="*/ 28130 w 559472"/>
-              <a:gd name="connsiteY34" fmla="*/ 122220 h 3709642"/>
-              <a:gd name="connsiteX35" fmla="*/ 0 w 559472"/>
-              <a:gd name="connsiteY35" fmla="*/ 0 h 3709642"/>
-            </a:gdLst>
-            <a:ahLst/>
-            <a:cxnLst>
-              <a:cxn ang="0">
-                <a:pos x="connsiteX0" y="connsiteY0"/>
-              </a:cxn>
-              <a:cxn ang="0">
-                <a:pos x="connsiteX1" y="connsiteY1"/>
-              </a:cxn>
-              <a:cxn ang="0">
-                <a:pos x="connsiteX2" y="connsiteY2"/>
-              </a:cxn>
-              <a:cxn ang="0">
-                <a:pos x="connsiteX3" y="connsiteY3"/>
-              </a:cxn>
-              <a:cxn ang="0">
-                <a:pos x="connsiteX4" y="connsiteY4"/>
-              </a:cxn>
-              <a:cxn ang="0">
-                <a:pos x="connsiteX5" y="connsiteY5"/>
-              </a:cxn>
-              <a:cxn ang="0">
-                <a:pos x="connsiteX6" y="connsiteY6"/>
-              </a:cxn>
-              <a:cxn ang="0">
-                <a:pos x="connsiteX7" y="connsiteY7"/>
-              </a:cxn>
-              <a:cxn ang="0">
-                <a:pos x="connsiteX8" y="connsiteY8"/>
-              </a:cxn>
-              <a:cxn ang="0">
-                <a:pos x="connsiteX9" y="connsiteY9"/>
-              </a:cxn>
-              <a:cxn ang="0">
-                <a:pos x="connsiteX10" y="connsiteY10"/>
-              </a:cxn>
-              <a:cxn ang="0">
-                <a:pos x="connsiteX11" y="connsiteY11"/>
-              </a:cxn>
-              <a:cxn ang="0">
-                <a:pos x="connsiteX12" y="connsiteY12"/>
-              </a:cxn>
-              <a:cxn ang="0">
-                <a:pos x="connsiteX13" y="connsiteY13"/>
-              </a:cxn>
-              <a:cxn ang="0">
-                <a:pos x="connsiteX14" y="connsiteY14"/>
-              </a:cxn>
-              <a:cxn ang="0">
-                <a:pos x="connsiteX15" y="connsiteY15"/>
-              </a:cxn>
-              <a:cxn ang="0">
-                <a:pos x="connsiteX16" y="connsiteY16"/>
-              </a:cxn>
-              <a:cxn ang="0">
-                <a:pos x="connsiteX17" y="connsiteY17"/>
-              </a:cxn>
-              <a:cxn ang="0">
-                <a:pos x="connsiteX18" y="connsiteY18"/>
-              </a:cxn>
-              <a:cxn ang="0">
-                <a:pos x="connsiteX19" y="connsiteY19"/>
-              </a:cxn>
-              <a:cxn ang="0">
-                <a:pos x="connsiteX20" y="connsiteY20"/>
-              </a:cxn>
-              <a:cxn ang="0">
-                <a:pos x="connsiteX21" y="connsiteY21"/>
-              </a:cxn>
-              <a:cxn ang="0">
-                <a:pos x="connsiteX22" y="connsiteY22"/>
-              </a:cxn>
-              <a:cxn ang="0">
-                <a:pos x="connsiteX23" y="connsiteY23"/>
-              </a:cxn>
-              <a:cxn ang="0">
-                <a:pos x="connsiteX24" y="connsiteY24"/>
-              </a:cxn>
-              <a:cxn ang="0">
-                <a:pos x="connsiteX25" y="connsiteY25"/>
-              </a:cxn>
-              <a:cxn ang="0">
-                <a:pos x="connsiteX26" y="connsiteY26"/>
-              </a:cxn>
-              <a:cxn ang="0">
-                <a:pos x="connsiteX27" y="connsiteY27"/>
-              </a:cxn>
-              <a:cxn ang="0">
-                <a:pos x="connsiteX28" y="connsiteY28"/>
-              </a:cxn>
-              <a:cxn ang="0">
-                <a:pos x="connsiteX29" y="connsiteY29"/>
-              </a:cxn>
-              <a:cxn ang="0">
-                <a:pos x="connsiteX30" y="connsiteY30"/>
-              </a:cxn>
-              <a:cxn ang="0">
-                <a:pos x="connsiteX31" y="connsiteY31"/>
-              </a:cxn>
-              <a:cxn ang="0">
-                <a:pos x="connsiteX32" y="connsiteY32"/>
-              </a:cxn>
-              <a:cxn ang="0">
-                <a:pos x="connsiteX33" y="connsiteY33"/>
-              </a:cxn>
-              <a:cxn ang="0">
-                <a:pos x="connsiteX34" y="connsiteY34"/>
-              </a:cxn>
-              <a:cxn ang="0">
-                <a:pos x="connsiteX35" y="connsiteY35"/>
-              </a:cxn>
-            </a:cxnLst>
-            <a:rect l="l" t="t" r="r" b="b"/>
-            <a:pathLst>
-              <a:path w="559472" h="3709642">
-                <a:moveTo>
-                  <a:pt x="0" y="0"/>
-                </a:moveTo>
-                <a:lnTo>
-                  <a:pt x="473952" y="0"/>
-                </a:lnTo>
-                <a:lnTo>
-                  <a:pt x="485840" y="161194"/>
-                </a:lnTo>
-                <a:cubicBezTo>
-                  <a:pt x="552063" y="1147770"/>
-                  <a:pt x="592441" y="3086737"/>
-                  <a:pt x="523949" y="3672197"/>
-                </a:cubicBezTo>
-                <a:cubicBezTo>
-                  <a:pt x="500842" y="3684557"/>
-                  <a:pt x="477855" y="3697282"/>
-                  <a:pt x="454748" y="3709642"/>
-                </a:cubicBezTo>
-                <a:lnTo>
-                  <a:pt x="448224" y="3510471"/>
-                </a:lnTo>
-                <a:lnTo>
-                  <a:pt x="443564" y="3408563"/>
-                </a:lnTo>
-                <a:lnTo>
-                  <a:pt x="438902" y="3304407"/>
-                </a:lnTo>
-                <a:lnTo>
-                  <a:pt x="433941" y="3198777"/>
-                </a:lnTo>
-                <a:lnTo>
-                  <a:pt x="427584" y="3092510"/>
-                </a:lnTo>
-                <a:lnTo>
-                  <a:pt x="420988" y="2984390"/>
-                </a:lnTo>
-                <a:lnTo>
-                  <a:pt x="414330" y="2874401"/>
-                </a:lnTo>
-                <a:lnTo>
-                  <a:pt x="406840" y="2762980"/>
-                </a:lnTo>
-                <a:lnTo>
-                  <a:pt x="397745" y="2650566"/>
-                </a:lnTo>
-                <a:lnTo>
-                  <a:pt x="389154" y="2536612"/>
-                </a:lnTo>
-                <a:lnTo>
-                  <a:pt x="379225" y="2421642"/>
-                </a:lnTo>
-                <a:lnTo>
-                  <a:pt x="368316" y="2305627"/>
-                </a:lnTo>
-                <a:lnTo>
-                  <a:pt x="357466" y="2189233"/>
-                </a:lnTo>
-                <a:lnTo>
-                  <a:pt x="344982" y="2071473"/>
-                </a:lnTo>
-                <a:lnTo>
-                  <a:pt x="332466" y="1952216"/>
-                </a:lnTo>
-                <a:lnTo>
-                  <a:pt x="319121" y="1833776"/>
-                </a:lnTo>
-                <a:lnTo>
-                  <a:pt x="304408" y="1713948"/>
-                </a:lnTo>
-                <a:lnTo>
-                  <a:pt x="288685" y="1592703"/>
-                </a:lnTo>
-                <a:lnTo>
-                  <a:pt x="273050" y="1471451"/>
-                </a:lnTo>
-                <a:lnTo>
-                  <a:pt x="255813" y="1350328"/>
-                </a:lnTo>
-                <a:lnTo>
-                  <a:pt x="237060" y="1227080"/>
-                </a:lnTo>
-                <a:lnTo>
-                  <a:pt x="218488" y="1106065"/>
-                </a:lnTo>
-                <a:lnTo>
-                  <a:pt x="198221" y="982940"/>
-                </a:lnTo>
-                <a:lnTo>
-                  <a:pt x="177152" y="858755"/>
-                </a:lnTo>
-                <a:lnTo>
-                  <a:pt x="155551" y="736861"/>
-                </a:lnTo>
-                <a:lnTo>
-                  <a:pt x="131782" y="613645"/>
-                </a:lnTo>
-                <a:lnTo>
-                  <a:pt x="107123" y="490500"/>
-                </a:lnTo>
-                <a:lnTo>
-                  <a:pt x="82552" y="367348"/>
-                </a:lnTo>
-                <a:lnTo>
-                  <a:pt x="55608" y="244762"/>
-                </a:lnTo>
-                <a:lnTo>
-                  <a:pt x="28130" y="122220"/>
-                </a:lnTo>
-                <a:lnTo>
-                  <a:pt x="0" y="0"/>
-                </a:lnTo>
-                <a:close/>
-              </a:path>
-            </a:pathLst>
-          </a:custGeom>
-          <a:solidFill>
-            <a:schemeClr val="tx1">
-              <a:alpha val="20000"/>
-            </a:schemeClr>
-          </a:solidFill>
-          <a:ln>
-            <a:noFill/>
-          </a:ln>
-        </p:spPr>
-        <p:txBody>
-          <a:bodyPr rtlCol="0" anchor="ctr"/>
-          <a:lstStyle/>
-          <a:p>
-            <a:pPr algn="ctr"/>
-            <a:endParaRPr lang="en-US"/>
-          </a:p>
-        </p:txBody>
-      </p:sp>
-      <p:pic>
-        <p:nvPicPr>
-          <p:cNvPr id="5" name="Picture 4">
-            <a:extLst>
-              <a:ext uri="{FF2B5EF4-FFF2-40B4-BE49-F238E27FC236}">
-                <a16:creationId xmlns:a16="http://schemas.microsoft.com/office/drawing/2014/main" id="{5C1B77D8-55B4-8EB4-5706-8FB11AABFE83}"/>
-              </a:ext>
-            </a:extLst>
-          </p:cNvPr>
-          <p:cNvPicPr>
-            <a:picLocks noChangeAspect="1"/>
-          </p:cNvPicPr>
-          <p:nvPr/>
-        </p:nvPicPr>
-        <p:blipFill rotWithShape="1">
-          <a:blip r:embed="rId3"/>
-          <a:srcRect l="7150" r="44542" b="-2"/>
-          <a:stretch/>
-        </p:blipFill>
-        <p:spPr>
-          <a:xfrm>
-            <a:off x="7229175" y="1"/>
-            <a:ext cx="4963245" cy="6858001"/>
-          </a:xfrm>
-          <a:custGeom>
-            <a:avLst/>
-            <a:gdLst/>
-            <a:ahLst/>
-            <a:cxnLst/>
-            <a:rect l="l" t="t" r="r" b="b"/>
-            <a:pathLst>
-              <a:path w="4963245" h="6858001">
-                <a:moveTo>
-                  <a:pt x="1177" y="0"/>
-                </a:moveTo>
-                <a:lnTo>
-                  <a:pt x="1344715" y="0"/>
-                </a:lnTo>
-                <a:lnTo>
-                  <a:pt x="1344715" y="1"/>
-                </a:lnTo>
-                <a:lnTo>
-                  <a:pt x="4963245" y="1"/>
-                </a:lnTo>
-                <a:lnTo>
-                  <a:pt x="4963244" y="6858001"/>
-                </a:lnTo>
-                <a:lnTo>
-                  <a:pt x="900697" y="6858001"/>
-                </a:lnTo>
-                <a:lnTo>
-                  <a:pt x="900697" y="6858000"/>
-                </a:lnTo>
-                <a:lnTo>
-                  <a:pt x="0" y="6858000"/>
-                </a:lnTo>
-                <a:lnTo>
-                  <a:pt x="5883" y="6817538"/>
-                </a:lnTo>
-                <a:lnTo>
-                  <a:pt x="23196" y="6698894"/>
-                </a:lnTo>
-                <a:lnTo>
-                  <a:pt x="35299" y="6612483"/>
-                </a:lnTo>
-                <a:lnTo>
-                  <a:pt x="48073" y="6509613"/>
-                </a:lnTo>
-                <a:lnTo>
-                  <a:pt x="63369" y="6387541"/>
-                </a:lnTo>
-                <a:lnTo>
-                  <a:pt x="79506" y="6252438"/>
-                </a:lnTo>
-                <a:lnTo>
-                  <a:pt x="96483" y="6100191"/>
-                </a:lnTo>
-                <a:lnTo>
-                  <a:pt x="114469" y="5934227"/>
-                </a:lnTo>
-                <a:lnTo>
-                  <a:pt x="132454" y="5753862"/>
-                </a:lnTo>
-                <a:lnTo>
-                  <a:pt x="150776" y="5561838"/>
-                </a:lnTo>
-                <a:lnTo>
-                  <a:pt x="167753" y="5354726"/>
-                </a:lnTo>
-                <a:lnTo>
-                  <a:pt x="184058" y="5138013"/>
-                </a:lnTo>
-                <a:lnTo>
-                  <a:pt x="198849" y="4908956"/>
-                </a:lnTo>
-                <a:lnTo>
-                  <a:pt x="212969" y="4670298"/>
-                </a:lnTo>
-                <a:lnTo>
-                  <a:pt x="226248" y="4421352"/>
-                </a:lnTo>
-                <a:lnTo>
-                  <a:pt x="230955" y="4293793"/>
-                </a:lnTo>
-                <a:lnTo>
-                  <a:pt x="236165" y="4163492"/>
-                </a:lnTo>
-                <a:lnTo>
-                  <a:pt x="241040" y="4031133"/>
-                </a:lnTo>
-                <a:lnTo>
-                  <a:pt x="244234" y="3898087"/>
-                </a:lnTo>
-                <a:lnTo>
-                  <a:pt x="247091" y="3762299"/>
-                </a:lnTo>
-                <a:lnTo>
-                  <a:pt x="250117" y="3625139"/>
-                </a:lnTo>
-                <a:lnTo>
-                  <a:pt x="252134" y="3485236"/>
-                </a:lnTo>
-                <a:lnTo>
-                  <a:pt x="252134" y="3343961"/>
-                </a:lnTo>
-                <a:lnTo>
-                  <a:pt x="253142" y="3201315"/>
-                </a:lnTo>
-                <a:lnTo>
-                  <a:pt x="252134" y="3057297"/>
-                </a:lnTo>
-                <a:lnTo>
-                  <a:pt x="250117" y="2911221"/>
-                </a:lnTo>
-                <a:lnTo>
-                  <a:pt x="248268" y="2765146"/>
-                </a:lnTo>
-                <a:lnTo>
-                  <a:pt x="244234" y="2617013"/>
-                </a:lnTo>
-                <a:lnTo>
-                  <a:pt x="240032" y="2467509"/>
-                </a:lnTo>
-                <a:lnTo>
-                  <a:pt x="235157" y="2318004"/>
-                </a:lnTo>
-                <a:lnTo>
-                  <a:pt x="228266" y="2167128"/>
-                </a:lnTo>
-                <a:lnTo>
-                  <a:pt x="220029" y="2014881"/>
-                </a:lnTo>
-                <a:lnTo>
-                  <a:pt x="212129" y="1861947"/>
-                </a:lnTo>
-                <a:lnTo>
-                  <a:pt x="202044" y="1709014"/>
-                </a:lnTo>
-                <a:lnTo>
-                  <a:pt x="189941" y="1554023"/>
-                </a:lnTo>
-                <a:lnTo>
-                  <a:pt x="177839" y="1401090"/>
-                </a:lnTo>
-                <a:lnTo>
-                  <a:pt x="163887" y="1245413"/>
-                </a:lnTo>
-                <a:lnTo>
-                  <a:pt x="148591" y="1089051"/>
-                </a:lnTo>
-                <a:lnTo>
-                  <a:pt x="132455" y="934746"/>
-                </a:lnTo>
-                <a:lnTo>
-                  <a:pt x="113629" y="778383"/>
-                </a:lnTo>
-                <a:lnTo>
-                  <a:pt x="93458" y="622707"/>
-                </a:lnTo>
-                <a:lnTo>
-                  <a:pt x="73455" y="466344"/>
-                </a:lnTo>
-                <a:lnTo>
-                  <a:pt x="50091" y="310668"/>
-                </a:lnTo>
-                <a:lnTo>
-                  <a:pt x="26222" y="155677"/>
-                </a:lnTo>
-                <a:close/>
-              </a:path>
-            </a:pathLst>
-          </a:custGeom>
-        </p:spPr>
-      </p:pic>
     </p:spTree>
     <p:extLst>
       <p:ext uri="{BB962C8B-B14F-4D97-AF65-F5344CB8AC3E}">
-        <p14:creationId xmlns:p14="http://schemas.microsoft.com/office/powerpoint/2010/main" val="1559360170"/>
+        <p14:creationId xmlns:p14="http://schemas.microsoft.com/office/powerpoint/2010/main" val="2637123865"/>
       </p:ext>
     </p:extLst>
   </p:cSld>

--- a/Praesentation/Praesentation_Diplomarbeit_FeedbackApp.pptx
+++ b/Praesentation/Praesentation_Diplomarbeit_FeedbackApp.pptx
@@ -16,7 +16,7 @@
     <p:sldId id="257" r:id="rId7"/>
     <p:sldId id="304" r:id="rId8"/>
     <p:sldId id="303" r:id="rId9"/>
-    <p:sldId id="306" r:id="rId10"/>
+    <p:sldId id="312" r:id="rId10"/>
     <p:sldId id="307" r:id="rId11"/>
     <p:sldId id="308" r:id="rId12"/>
     <p:sldId id="309" r:id="rId13"/>
@@ -4016,6 +4016,91 @@
           <a:bodyPr/>
           <a:lstStyle/>
           <a:p>
+            <a:endParaRPr lang="de-AT" dirty="0"/>
+          </a:p>
+        </p:txBody>
+      </p:sp>
+      <p:sp>
+        <p:nvSpPr>
+          <p:cNvPr id="4" name="Foliennummernplatzhalter 3"/>
+          <p:cNvSpPr>
+            <a:spLocks noGrp="1"/>
+          </p:cNvSpPr>
+          <p:nvPr>
+            <p:ph type="sldNum" sz="quarter" idx="5"/>
+          </p:nvPr>
+        </p:nvSpPr>
+        <p:spPr/>
+        <p:txBody>
+          <a:bodyPr/>
+          <a:lstStyle/>
+          <a:p>
+            <a:pPr rtl="0"/>
+            <a:fld id="{FC8BD8E7-1312-41F3-99C4-6DA5AF891969}" type="slidenum">
+              <a:rPr lang="de-DE" smtClean="0"/>
+              <a:t>9</a:t>
+            </a:fld>
+            <a:endParaRPr lang="de-DE" dirty="0"/>
+          </a:p>
+        </p:txBody>
+      </p:sp>
+    </p:spTree>
+    <p:extLst>
+      <p:ext uri="{BB962C8B-B14F-4D97-AF65-F5344CB8AC3E}">
+        <p14:creationId xmlns:p14="http://schemas.microsoft.com/office/powerpoint/2010/main" val="1375410582"/>
+      </p:ext>
+    </p:extLst>
+  </p:cSld>
+  <p:clrMapOvr>
+    <a:masterClrMapping/>
+  </p:clrMapOvr>
+</p:notes>
+</file>
+
+<file path=ppt/notesSlides/notesSlide5.xml><?xml version="1.0" encoding="utf-8"?>
+<p:notes xmlns:a="http://schemas.openxmlformats.org/drawingml/2006/main" xmlns:r="http://schemas.openxmlformats.org/officeDocument/2006/relationships" xmlns:p="http://schemas.openxmlformats.org/presentationml/2006/main">
+  <p:cSld>
+    <p:spTree>
+      <p:nvGrpSpPr>
+        <p:cNvPr id="1" name=""/>
+        <p:cNvGrpSpPr/>
+        <p:nvPr/>
+      </p:nvGrpSpPr>
+      <p:grpSpPr>
+        <a:xfrm>
+          <a:off x="0" y="0"/>
+          <a:ext cx="0" cy="0"/>
+          <a:chOff x="0" y="0"/>
+          <a:chExt cx="0" cy="0"/>
+        </a:xfrm>
+      </p:grpSpPr>
+      <p:sp>
+        <p:nvSpPr>
+          <p:cNvPr id="2" name="Folienbildplatzhalter 1"/>
+          <p:cNvSpPr>
+            <a:spLocks noGrp="1" noRot="1" noChangeAspect="1"/>
+          </p:cNvSpPr>
+          <p:nvPr>
+            <p:ph type="sldImg"/>
+          </p:nvPr>
+        </p:nvSpPr>
+        <p:spPr/>
+      </p:sp>
+      <p:sp>
+        <p:nvSpPr>
+          <p:cNvPr id="3" name="Notizenplatzhalter 2"/>
+          <p:cNvSpPr>
+            <a:spLocks noGrp="1"/>
+          </p:cNvSpPr>
+          <p:nvPr>
+            <p:ph type="body" idx="1"/>
+          </p:nvPr>
+        </p:nvSpPr>
+        <p:spPr/>
+        <p:txBody>
+          <a:bodyPr/>
+          <a:lstStyle/>
+          <a:p>
             <a:endParaRPr lang="de-DE" dirty="0"/>
           </a:p>
         </p:txBody>
@@ -16958,6 +17043,14 @@
 <file path=ppt/slides/slide5.xml><?xml version="1.0" encoding="utf-8"?>
 <p:sld xmlns:a="http://schemas.openxmlformats.org/drawingml/2006/main" xmlns:r="http://schemas.openxmlformats.org/officeDocument/2006/relationships" xmlns:p="http://schemas.openxmlformats.org/presentationml/2006/main">
   <p:cSld>
+    <p:bg>
+      <p:bgPr>
+        <a:solidFill>
+          <a:schemeClr val="bg1"/>
+        </a:solidFill>
+        <a:effectLst/>
+      </p:bgPr>
+    </p:bg>
     <p:spTree>
       <p:nvGrpSpPr>
         <p:cNvPr id="1" name=""/>
@@ -16972,12 +17065,381 @@
           <a:chExt cx="0" cy="0"/>
         </a:xfrm>
       </p:grpSpPr>
+      <p:pic>
+        <p:nvPicPr>
+          <p:cNvPr id="11" name="Picture 10">
+            <a:extLst>
+              <a:ext uri="{FF2B5EF4-FFF2-40B4-BE49-F238E27FC236}">
+                <a16:creationId xmlns:a16="http://schemas.microsoft.com/office/drawing/2014/main" id="{41B68C77-138E-4BF7-A276-BD0C78A4219F}"/>
+              </a:ext>
+              <a:ext uri="{C183D7F6-B498-43B3-948B-1728B52AA6E4}">
+                <adec:decorative xmlns:adec="http://schemas.microsoft.com/office/drawing/2017/decorative" val="1"/>
+              </a:ext>
+            </a:extLst>
+          </p:cNvPr>
+          <p:cNvPicPr>
+            <a:picLocks noGrp="1" noRot="1" noChangeAspect="1" noMove="1" noResize="1" noEditPoints="1" noAdjustHandles="1" noChangeArrowheads="1" noChangeShapeType="1" noCrop="1"/>
+          </p:cNvPicPr>
+          <p:nvPr>
+            <p:extLst>
+              <p:ext uri="{386F3935-93C4-4BCD-93E2-E3B085C9AB24}">
+                <p16:designElem xmlns:p16="http://schemas.microsoft.com/office/powerpoint/2015/main" val="1"/>
+              </p:ext>
+            </p:extLst>
+          </p:nvPr>
+        </p:nvPicPr>
+        <p:blipFill rotWithShape="1">
+          <a:blip r:embed="rId2">
+            <a:extLst>
+              <a:ext uri="{28A0092B-C50C-407E-A947-70E740481C1C}">
+                <a14:useLocalDpi xmlns:a14="http://schemas.microsoft.com/office/drawing/2010/main" val="0"/>
+              </a:ext>
+            </a:extLst>
+          </a:blip>
+          <a:srcRect l="3613"/>
+          <a:stretch/>
+        </p:blipFill>
+        <p:spPr>
+          <a:xfrm>
+            <a:off x="0" y="2669685"/>
+            <a:ext cx="4037012" cy="4188315"/>
+          </a:xfrm>
+          <a:prstGeom prst="rect">
+            <a:avLst/>
+          </a:prstGeom>
+        </p:spPr>
+      </p:pic>
+      <p:pic>
+        <p:nvPicPr>
+          <p:cNvPr id="13" name="Picture 12">
+            <a:extLst>
+              <a:ext uri="{FF2B5EF4-FFF2-40B4-BE49-F238E27FC236}">
+                <a16:creationId xmlns:a16="http://schemas.microsoft.com/office/drawing/2014/main" id="{7C268552-D473-46ED-B1B8-422042C4DEF1}"/>
+              </a:ext>
+              <a:ext uri="{C183D7F6-B498-43B3-948B-1728B52AA6E4}">
+                <adec:decorative xmlns:adec="http://schemas.microsoft.com/office/drawing/2017/decorative" val="1"/>
+              </a:ext>
+            </a:extLst>
+          </p:cNvPr>
+          <p:cNvPicPr>
+            <a:picLocks noGrp="1" noRot="1" noChangeAspect="1" noMove="1" noResize="1" noEditPoints="1" noAdjustHandles="1" noChangeArrowheads="1" noChangeShapeType="1" noCrop="1"/>
+          </p:cNvPicPr>
+          <p:nvPr>
+            <p:extLst>
+              <p:ext uri="{386F3935-93C4-4BCD-93E2-E3B085C9AB24}">
+                <p16:designElem xmlns:p16="http://schemas.microsoft.com/office/powerpoint/2015/main" val="1"/>
+              </p:ext>
+            </p:extLst>
+          </p:nvPr>
+        </p:nvPicPr>
+        <p:blipFill rotWithShape="1">
+          <a:blip r:embed="rId3">
+            <a:extLst>
+              <a:ext uri="{28A0092B-C50C-407E-A947-70E740481C1C}">
+                <a14:useLocalDpi xmlns:a14="http://schemas.microsoft.com/office/drawing/2010/main" val="0"/>
+              </a:ext>
+            </a:extLst>
+          </a:blip>
+          <a:srcRect l="35640"/>
+          <a:stretch/>
+        </p:blipFill>
+        <p:spPr>
+          <a:xfrm>
+            <a:off x="0" y="2892347"/>
+            <a:ext cx="1522412" cy="2365453"/>
+          </a:xfrm>
+          <a:prstGeom prst="rect">
+            <a:avLst/>
+          </a:prstGeom>
+        </p:spPr>
+      </p:pic>
+      <p:sp>
+        <p:nvSpPr>
+          <p:cNvPr id="15" name="Oval 14">
+            <a:extLst>
+              <a:ext uri="{FF2B5EF4-FFF2-40B4-BE49-F238E27FC236}">
+                <a16:creationId xmlns:a16="http://schemas.microsoft.com/office/drawing/2014/main" id="{4AC0CD9D-7610-4620-93B4-798CCD9AB581}"/>
+              </a:ext>
+              <a:ext uri="{C183D7F6-B498-43B3-948B-1728B52AA6E4}">
+                <adec:decorative xmlns:adec="http://schemas.microsoft.com/office/drawing/2017/decorative" val="1"/>
+              </a:ext>
+            </a:extLst>
+          </p:cNvPr>
+          <p:cNvSpPr>
+            <a:spLocks noGrp="1" noRot="1" noChangeAspect="1" noMove="1" noResize="1" noEditPoints="1" noAdjustHandles="1" noChangeArrowheads="1" noChangeShapeType="1" noTextEdit="1"/>
+          </p:cNvSpPr>
+          <p:nvPr>
+            <p:extLst>
+              <p:ext uri="{386F3935-93C4-4BCD-93E2-E3B085C9AB24}">
+                <p16:designElem xmlns:p16="http://schemas.microsoft.com/office/powerpoint/2015/main" val="1"/>
+              </p:ext>
+            </p:extLst>
+          </p:nvPr>
+        </p:nvSpPr>
+        <p:spPr>
+          <a:xfrm>
+            <a:off x="8609012" y="1676400"/>
+            <a:ext cx="2819400" cy="2819400"/>
+          </a:xfrm>
+          <a:prstGeom prst="ellipse">
+            <a:avLst/>
+          </a:prstGeom>
+          <a:gradFill flip="none" rotWithShape="1">
+            <a:gsLst>
+              <a:gs pos="0">
+                <a:schemeClr val="bg2">
+                  <a:lumMod val="60000"/>
+                  <a:lumOff val="40000"/>
+                  <a:alpha val="7000"/>
+                </a:schemeClr>
+              </a:gs>
+              <a:gs pos="69000">
+                <a:schemeClr val="bg2">
+                  <a:lumMod val="60000"/>
+                  <a:lumOff val="40000"/>
+                  <a:alpha val="0"/>
+                </a:schemeClr>
+              </a:gs>
+              <a:gs pos="36000">
+                <a:schemeClr val="bg2">
+                  <a:lumMod val="60000"/>
+                  <a:lumOff val="40000"/>
+                  <a:alpha val="6000"/>
+                </a:schemeClr>
+              </a:gs>
+            </a:gsLst>
+            <a:path path="circle">
+              <a:fillToRect l="50000" t="50000" r="50000" b="50000"/>
+            </a:path>
+            <a:tileRect/>
+          </a:gradFill>
+          <a:ln>
+            <a:noFill/>
+          </a:ln>
+          <a:effectLst/>
+        </p:spPr>
+        <p:style>
+          <a:lnRef idx="1">
+            <a:schemeClr val="accent1"/>
+          </a:lnRef>
+          <a:fillRef idx="3">
+            <a:schemeClr val="accent1"/>
+          </a:fillRef>
+          <a:effectRef idx="2">
+            <a:schemeClr val="accent1"/>
+          </a:effectRef>
+          <a:fontRef idx="minor">
+            <a:schemeClr val="lt1"/>
+          </a:fontRef>
+        </p:style>
+      </p:sp>
+      <p:pic>
+        <p:nvPicPr>
+          <p:cNvPr id="17" name="Picture 16">
+            <a:extLst>
+              <a:ext uri="{FF2B5EF4-FFF2-40B4-BE49-F238E27FC236}">
+                <a16:creationId xmlns:a16="http://schemas.microsoft.com/office/drawing/2014/main" id="{B9238B3E-24AA-439A-B527-6C5DF6D72145}"/>
+              </a:ext>
+              <a:ext uri="{C183D7F6-B498-43B3-948B-1728B52AA6E4}">
+                <adec:decorative xmlns:adec="http://schemas.microsoft.com/office/drawing/2017/decorative" val="1"/>
+              </a:ext>
+            </a:extLst>
+          </p:cNvPr>
+          <p:cNvPicPr>
+            <a:picLocks noGrp="1" noRot="1" noChangeAspect="1" noMove="1" noResize="1" noEditPoints="1" noAdjustHandles="1" noChangeArrowheads="1" noChangeShapeType="1" noCrop="1"/>
+          </p:cNvPicPr>
+          <p:nvPr>
+            <p:extLst>
+              <p:ext uri="{386F3935-93C4-4BCD-93E2-E3B085C9AB24}">
+                <p16:designElem xmlns:p16="http://schemas.microsoft.com/office/powerpoint/2015/main" val="1"/>
+              </p:ext>
+            </p:extLst>
+          </p:nvPr>
+        </p:nvPicPr>
+        <p:blipFill rotWithShape="1">
+          <a:blip r:embed="rId4">
+            <a:extLst>
+              <a:ext uri="{28A0092B-C50C-407E-A947-70E740481C1C}">
+                <a14:useLocalDpi xmlns:a14="http://schemas.microsoft.com/office/drawing/2010/main" val="0"/>
+              </a:ext>
+            </a:extLst>
+          </a:blip>
+          <a:srcRect t="28813"/>
+          <a:stretch/>
+        </p:blipFill>
+        <p:spPr>
+          <a:xfrm>
+            <a:off x="7999412" y="0"/>
+            <a:ext cx="1603387" cy="1141407"/>
+          </a:xfrm>
+          <a:prstGeom prst="rect">
+            <a:avLst/>
+          </a:prstGeom>
+        </p:spPr>
+      </p:pic>
+      <p:pic>
+        <p:nvPicPr>
+          <p:cNvPr id="19" name="Picture 18">
+            <a:extLst>
+              <a:ext uri="{FF2B5EF4-FFF2-40B4-BE49-F238E27FC236}">
+                <a16:creationId xmlns:a16="http://schemas.microsoft.com/office/drawing/2014/main" id="{69F01145-BEA3-4CBF-AA21-10077B948CA8}"/>
+              </a:ext>
+              <a:ext uri="{C183D7F6-B498-43B3-948B-1728B52AA6E4}">
+                <adec:decorative xmlns:adec="http://schemas.microsoft.com/office/drawing/2017/decorative" val="1"/>
+              </a:ext>
+            </a:extLst>
+          </p:cNvPr>
+          <p:cNvPicPr>
+            <a:picLocks noGrp="1" noRot="1" noChangeAspect="1" noMove="1" noResize="1" noEditPoints="1" noAdjustHandles="1" noChangeArrowheads="1" noChangeShapeType="1" noCrop="1"/>
+          </p:cNvPicPr>
+          <p:nvPr>
+            <p:extLst>
+              <p:ext uri="{386F3935-93C4-4BCD-93E2-E3B085C9AB24}">
+                <p16:designElem xmlns:p16="http://schemas.microsoft.com/office/powerpoint/2015/main" val="1"/>
+              </p:ext>
+            </p:extLst>
+          </p:nvPr>
+        </p:nvPicPr>
+        <p:blipFill rotWithShape="1">
+          <a:blip r:embed="rId5">
+            <a:extLst>
+              <a:ext uri="{28A0092B-C50C-407E-A947-70E740481C1C}">
+                <a14:useLocalDpi xmlns:a14="http://schemas.microsoft.com/office/drawing/2010/main" val="0"/>
+              </a:ext>
+            </a:extLst>
+          </a:blip>
+          <a:srcRect b="23320"/>
+          <a:stretch/>
+        </p:blipFill>
+        <p:spPr>
+          <a:xfrm>
+            <a:off x="8605878" y="6096000"/>
+            <a:ext cx="993734" cy="762000"/>
+          </a:xfrm>
+          <a:prstGeom prst="rect">
+            <a:avLst/>
+          </a:prstGeom>
+        </p:spPr>
+      </p:pic>
+      <p:sp>
+        <p:nvSpPr>
+          <p:cNvPr id="21" name="Rectangle 20">
+            <a:extLst>
+              <a:ext uri="{FF2B5EF4-FFF2-40B4-BE49-F238E27FC236}">
+                <a16:creationId xmlns:a16="http://schemas.microsoft.com/office/drawing/2014/main" id="{DE4D62F9-188E-4530-84C2-24BDEE4BEB82}"/>
+              </a:ext>
+              <a:ext uri="{C183D7F6-B498-43B3-948B-1728B52AA6E4}">
+                <adec:decorative xmlns:adec="http://schemas.microsoft.com/office/drawing/2017/decorative" val="1"/>
+              </a:ext>
+            </a:extLst>
+          </p:cNvPr>
+          <p:cNvSpPr>
+            <a:spLocks noGrp="1" noRot="1" noChangeAspect="1" noMove="1" noResize="1" noEditPoints="1" noAdjustHandles="1" noChangeArrowheads="1" noChangeShapeType="1" noTextEdit="1"/>
+          </p:cNvSpPr>
+          <p:nvPr>
+            <p:extLst>
+              <p:ext uri="{386F3935-93C4-4BCD-93E2-E3B085C9AB24}">
+                <p16:designElem xmlns:p16="http://schemas.microsoft.com/office/powerpoint/2015/main" val="1"/>
+              </p:ext>
+            </p:extLst>
+          </p:nvPr>
+        </p:nvSpPr>
+        <p:spPr>
+          <a:xfrm>
+            <a:off x="10437812" y="0"/>
+            <a:ext cx="685800" cy="1143000"/>
+          </a:xfrm>
+          <a:prstGeom prst="rect">
+            <a:avLst/>
+          </a:prstGeom>
+          <a:solidFill>
+            <a:schemeClr val="accent1"/>
+          </a:solidFill>
+          <a:ln>
+            <a:noFill/>
+          </a:ln>
+        </p:spPr>
+        <p:style>
+          <a:lnRef idx="1">
+            <a:schemeClr val="accent1"/>
+          </a:lnRef>
+          <a:fillRef idx="3">
+            <a:schemeClr val="accent1"/>
+          </a:fillRef>
+          <a:effectRef idx="2">
+            <a:schemeClr val="accent1"/>
+          </a:effectRef>
+          <a:fontRef idx="minor">
+            <a:schemeClr val="lt1"/>
+          </a:fontRef>
+        </p:style>
+      </p:sp>
+      <p:sp>
+        <p:nvSpPr>
+          <p:cNvPr id="23" name="Rectangle 22">
+            <a:extLst>
+              <a:ext uri="{FF2B5EF4-FFF2-40B4-BE49-F238E27FC236}">
+                <a16:creationId xmlns:a16="http://schemas.microsoft.com/office/drawing/2014/main" id="{9922B851-6B16-415F-9600-DB0E665C54FD}"/>
+              </a:ext>
+              <a:ext uri="{C183D7F6-B498-43B3-948B-1728B52AA6E4}">
+                <adec:decorative xmlns:adec="http://schemas.microsoft.com/office/drawing/2017/decorative" val="1"/>
+              </a:ext>
+            </a:extLst>
+          </p:cNvPr>
+          <p:cNvSpPr>
+            <a:spLocks noGrp="1" noRot="1" noChangeAspect="1" noMove="1" noResize="1" noEditPoints="1" noAdjustHandles="1" noChangeArrowheads="1" noChangeShapeType="1" noTextEdit="1"/>
+          </p:cNvSpPr>
+          <p:nvPr>
+            <p:extLst>
+              <p:ext uri="{386F3935-93C4-4BCD-93E2-E3B085C9AB24}">
+                <p16:designElem xmlns:p16="http://schemas.microsoft.com/office/powerpoint/2015/main" val="1"/>
+              </p:ext>
+            </p:extLst>
+          </p:nvPr>
+        </p:nvSpPr>
+        <p:spPr>
+          <a:xfrm>
+            <a:off x="0" y="0"/>
+            <a:ext cx="12192000" cy="6858000"/>
+          </a:xfrm>
+          <a:prstGeom prst="rect">
+            <a:avLst/>
+          </a:prstGeom>
+          <a:ln>
+            <a:noFill/>
+          </a:ln>
+        </p:spPr>
+        <p:style>
+          <a:lnRef idx="2">
+            <a:schemeClr val="accent1">
+              <a:shade val="50000"/>
+            </a:schemeClr>
+          </a:lnRef>
+          <a:fillRef idx="1003">
+            <a:schemeClr val="dk2"/>
+          </a:fillRef>
+          <a:effectRef idx="0">
+            <a:schemeClr val="accent1"/>
+          </a:effectRef>
+          <a:fontRef idx="minor">
+            <a:schemeClr val="lt1"/>
+          </a:fontRef>
+        </p:style>
+        <p:txBody>
+          <a:bodyPr rtlCol="0" anchor="ctr"/>
+          <a:lstStyle/>
+          <a:p>
+            <a:pPr algn="ctr"/>
+            <a:endParaRPr lang="en-US"/>
+          </a:p>
+        </p:txBody>
+      </p:sp>
       <p:sp>
         <p:nvSpPr>
           <p:cNvPr id="2" name="Titel 1">
             <a:extLst>
               <a:ext uri="{FF2B5EF4-FFF2-40B4-BE49-F238E27FC236}">
-                <a16:creationId xmlns:a16="http://schemas.microsoft.com/office/drawing/2014/main" id="{E4372FBF-40F4-CA22-9A49-DC600443082A}"/>
+                <a16:creationId xmlns:a16="http://schemas.microsoft.com/office/drawing/2014/main" id="{D1BD2D20-1665-4E39-FEC6-BDEF6227FE93}"/>
               </a:ext>
             </a:extLst>
           </p:cNvPr>
@@ -16988,25 +17450,264 @@
             <p:ph type="title"/>
           </p:nvPr>
         </p:nvSpPr>
-        <p:spPr/>
+        <p:spPr>
+          <a:xfrm>
+            <a:off x="648929" y="629266"/>
+            <a:ext cx="4944152" cy="1622321"/>
+          </a:xfrm>
+        </p:spPr>
         <p:txBody>
-          <a:bodyPr/>
+          <a:bodyPr vert="horz" lIns="91440" tIns="45720" rIns="91440" bIns="45720" rtlCol="0" anchor="t">
+            <a:normAutofit/>
+          </a:bodyPr>
           <a:lstStyle/>
           <a:p>
             <a:r>
-              <a:rPr lang="de-DE" dirty="0"/>
+              <a:rPr lang="en-US" b="0" i="0" kern="1200">
+                <a:solidFill>
+                  <a:srgbClr val="EBEBEB"/>
+                </a:solidFill>
+                <a:latin typeface="+mj-lt"/>
+                <a:ea typeface="+mj-ea"/>
+                <a:cs typeface="+mj-cs"/>
+              </a:rPr>
               <a:t>Teil 1 – Was ist Feedback?</a:t>
             </a:r>
-            <a:endParaRPr lang="de-AT" dirty="0"/>
           </a:p>
         </p:txBody>
+      </p:sp>
+      <p:sp>
+        <p:nvSpPr>
+          <p:cNvPr id="25" name="Rectangle 24">
+            <a:extLst>
+              <a:ext uri="{FF2B5EF4-FFF2-40B4-BE49-F238E27FC236}">
+                <a16:creationId xmlns:a16="http://schemas.microsoft.com/office/drawing/2014/main" id="{FAA2B0B0-E6D1-4F97-A03B-5B9DC568AABC}"/>
+              </a:ext>
+              <a:ext uri="{C183D7F6-B498-43B3-948B-1728B52AA6E4}">
+                <adec:decorative xmlns:adec="http://schemas.microsoft.com/office/drawing/2017/decorative" val="1"/>
+              </a:ext>
+            </a:extLst>
+          </p:cNvPr>
+          <p:cNvSpPr>
+            <a:spLocks noGrp="1" noRot="1" noChangeAspect="1" noMove="1" noResize="1" noEditPoints="1" noAdjustHandles="1" noChangeArrowheads="1" noChangeShapeType="1" noTextEdit="1"/>
+          </p:cNvSpPr>
+          <p:nvPr>
+            <p:extLst>
+              <p:ext uri="{386F3935-93C4-4BCD-93E2-E3B085C9AB24}">
+                <p16:designElem xmlns:p16="http://schemas.microsoft.com/office/powerpoint/2015/main" val="1"/>
+              </p:ext>
+            </p:extLst>
+          </p:nvPr>
+        </p:nvSpPr>
+        <p:spPr>
+          <a:xfrm>
+            <a:off x="6092950" y="0"/>
+            <a:ext cx="6099050" cy="6858000"/>
+          </a:xfrm>
+          <a:prstGeom prst="rect">
+            <a:avLst/>
+          </a:prstGeom>
+          <a:solidFill>
+            <a:srgbClr val="FFFFFF"/>
+          </a:solidFill>
+          <a:ln>
+            <a:noFill/>
+          </a:ln>
+        </p:spPr>
+        <p:style>
+          <a:lnRef idx="2">
+            <a:schemeClr val="accent1">
+              <a:shade val="50000"/>
+            </a:schemeClr>
+          </a:lnRef>
+          <a:fillRef idx="1">
+            <a:schemeClr val="accent1"/>
+          </a:fillRef>
+          <a:effectRef idx="0">
+            <a:schemeClr val="accent1"/>
+          </a:effectRef>
+          <a:fontRef idx="minor">
+            <a:schemeClr val="lt1"/>
+          </a:fontRef>
+        </p:style>
+        <p:txBody>
+          <a:bodyPr rtlCol="0" anchor="ctr"/>
+          <a:lstStyle/>
+          <a:p>
+            <a:pPr algn="ctr"/>
+            <a:endParaRPr lang="en-US"/>
+          </a:p>
+        </p:txBody>
+      </p:sp>
+      <p:sp useBgFill="1">
+        <p:nvSpPr>
+          <p:cNvPr id="27" name="Rounded Rectangle 9">
+            <a:extLst>
+              <a:ext uri="{FF2B5EF4-FFF2-40B4-BE49-F238E27FC236}">
+                <a16:creationId xmlns:a16="http://schemas.microsoft.com/office/drawing/2014/main" id="{7067A410-38E7-4862-BC25-A40927006E3A}"/>
+              </a:ext>
+              <a:ext uri="{C183D7F6-B498-43B3-948B-1728B52AA6E4}">
+                <adec:decorative xmlns:adec="http://schemas.microsoft.com/office/drawing/2017/decorative" val="1"/>
+              </a:ext>
+            </a:extLst>
+          </p:cNvPr>
+          <p:cNvSpPr>
+            <a:spLocks noGrp="1" noRot="1" noChangeAspect="1" noMove="1" noResize="1" noEditPoints="1" noAdjustHandles="1" noChangeArrowheads="1" noChangeShapeType="1" noTextEdit="1"/>
+          </p:cNvSpPr>
+          <p:nvPr>
+            <p:extLst>
+              <p:ext uri="{386F3935-93C4-4BCD-93E2-E3B085C9AB24}">
+                <p16:designElem xmlns:p16="http://schemas.microsoft.com/office/powerpoint/2015/main" val="1"/>
+              </p:ext>
+            </p:extLst>
+          </p:nvPr>
+        </p:nvSpPr>
+        <p:spPr>
+          <a:xfrm>
+            <a:off x="6577582" y="484632"/>
+            <a:ext cx="5130204" cy="5739187"/>
+          </a:xfrm>
+          <a:prstGeom prst="roundRect">
+            <a:avLst>
+              <a:gd name="adj" fmla="val 0"/>
+            </a:avLst>
+          </a:prstGeom>
+          <a:ln w="12700">
+            <a:solidFill>
+              <a:schemeClr val="bg2"/>
+            </a:solidFill>
+          </a:ln>
+          <a:effectLst>
+            <a:outerShdw blurRad="50800" dist="50800" dir="5400000" algn="tl" rotWithShape="0">
+              <a:srgbClr val="000000">
+                <a:alpha val="43000"/>
+              </a:srgbClr>
+            </a:outerShdw>
+          </a:effectLst>
+        </p:spPr>
+        <p:style>
+          <a:lnRef idx="2">
+            <a:schemeClr val="accent1">
+              <a:shade val="50000"/>
+            </a:schemeClr>
+          </a:lnRef>
+          <a:fillRef idx="1">
+            <a:schemeClr val="accent1"/>
+          </a:fillRef>
+          <a:effectRef idx="0">
+            <a:schemeClr val="accent1"/>
+          </a:effectRef>
+          <a:fontRef idx="minor">
+            <a:schemeClr val="lt1"/>
+          </a:fontRef>
+        </p:style>
+        <p:txBody>
+          <a:bodyPr rtlCol="0" anchor="ctr"/>
+          <a:lstStyle/>
+          <a:p>
+            <a:pPr algn="ctr"/>
+            <a:endParaRPr lang="en-US"/>
+          </a:p>
+        </p:txBody>
+      </p:sp>
+      <p:pic>
+        <p:nvPicPr>
+          <p:cNvPr id="6" name="Inhaltsplatzhalter 5">
+            <a:extLst>
+              <a:ext uri="{FF2B5EF4-FFF2-40B4-BE49-F238E27FC236}">
+                <a16:creationId xmlns:a16="http://schemas.microsoft.com/office/drawing/2014/main" id="{5B930A45-B0F4-7275-5309-EFF444ADE439}"/>
+              </a:ext>
+            </a:extLst>
+          </p:cNvPr>
+          <p:cNvPicPr>
+            <a:picLocks noGrp="1" noChangeAspect="1"/>
+          </p:cNvPicPr>
+          <p:nvPr>
+            <p:ph sz="half" idx="2"/>
+          </p:nvPr>
+        </p:nvPicPr>
+        <p:blipFill>
+          <a:blip r:embed="rId6" cstate="print">
+            <a:extLst>
+              <a:ext uri="{28A0092B-C50C-407E-A947-70E740481C1C}">
+                <a14:useLocalDpi xmlns:a14="http://schemas.microsoft.com/office/drawing/2010/main" val="0"/>
+              </a:ext>
+            </a:extLst>
+          </a:blip>
+          <a:stretch>
+            <a:fillRect/>
+          </a:stretch>
+        </p:blipFill>
+        <p:spPr>
+          <a:xfrm>
+            <a:off x="7060689" y="1272230"/>
+            <a:ext cx="4163991" cy="4163991"/>
+          </a:xfrm>
+          <a:prstGeom prst="rect">
+            <a:avLst/>
+          </a:prstGeom>
+          <a:effectLst/>
+        </p:spPr>
+      </p:pic>
+      <p:sp>
+        <p:nvSpPr>
+          <p:cNvPr id="29" name="Rectangle 28">
+            <a:extLst>
+              <a:ext uri="{FF2B5EF4-FFF2-40B4-BE49-F238E27FC236}">
+                <a16:creationId xmlns:a16="http://schemas.microsoft.com/office/drawing/2014/main" id="{95E21D77-54D4-42F2-9F79-B4B22CCA1C68}"/>
+              </a:ext>
+              <a:ext uri="{C183D7F6-B498-43B3-948B-1728B52AA6E4}">
+                <adec:decorative xmlns:adec="http://schemas.microsoft.com/office/drawing/2017/decorative" val="1"/>
+              </a:ext>
+            </a:extLst>
+          </p:cNvPr>
+          <p:cNvSpPr>
+            <a:spLocks noGrp="1" noRot="1" noChangeAspect="1" noMove="1" noResize="1" noEditPoints="1" noAdjustHandles="1" noChangeArrowheads="1" noChangeShapeType="1" noTextEdit="1"/>
+          </p:cNvSpPr>
+          <p:nvPr>
+            <p:extLst>
+              <p:ext uri="{386F3935-93C4-4BCD-93E2-E3B085C9AB24}">
+                <p16:designElem xmlns:p16="http://schemas.microsoft.com/office/powerpoint/2015/main" val="1"/>
+              </p:ext>
+            </p:extLst>
+          </p:nvPr>
+        </p:nvSpPr>
+        <p:spPr>
+          <a:xfrm>
+            <a:off x="10442448" y="0"/>
+            <a:ext cx="685800" cy="1143000"/>
+          </a:xfrm>
+          <a:prstGeom prst="rect">
+            <a:avLst/>
+          </a:prstGeom>
+          <a:solidFill>
+            <a:schemeClr val="accent1"/>
+          </a:solidFill>
+          <a:ln>
+            <a:noFill/>
+          </a:ln>
+        </p:spPr>
+        <p:style>
+          <a:lnRef idx="1">
+            <a:schemeClr val="accent1"/>
+          </a:lnRef>
+          <a:fillRef idx="3">
+            <a:schemeClr val="accent1"/>
+          </a:fillRef>
+          <a:effectRef idx="2">
+            <a:schemeClr val="accent1"/>
+          </a:effectRef>
+          <a:fontRef idx="minor">
+            <a:schemeClr val="lt1"/>
+          </a:fontRef>
+        </p:style>
       </p:sp>
       <p:sp>
         <p:nvSpPr>
           <p:cNvPr id="3" name="Inhaltsplatzhalter 2">
             <a:extLst>
               <a:ext uri="{FF2B5EF4-FFF2-40B4-BE49-F238E27FC236}">
-                <a16:creationId xmlns:a16="http://schemas.microsoft.com/office/drawing/2014/main" id="{4FF73BC1-3BDA-9CE5-BC9D-FE9A01BCE7CC}"/>
+                <a16:creationId xmlns:a16="http://schemas.microsoft.com/office/drawing/2014/main" id="{F7ACDF87-CF9C-F627-DEF8-3E7A6F92643B}"/>
               </a:ext>
             </a:extLst>
           </p:cNvPr>
@@ -17014,12 +17715,17 @@
             <a:spLocks noGrp="1"/>
           </p:cNvSpPr>
           <p:nvPr>
-            <p:ph idx="1"/>
+            <p:ph sz="half" idx="1"/>
           </p:nvPr>
         </p:nvSpPr>
-        <p:spPr/>
+        <p:spPr>
+          <a:xfrm>
+            <a:off x="648930" y="2438400"/>
+            <a:ext cx="4944151" cy="3785419"/>
+          </a:xfrm>
+        </p:spPr>
         <p:txBody>
-          <a:bodyPr>
+          <a:bodyPr vert="horz" lIns="91440" tIns="45720" rIns="91440" bIns="45720" rtlCol="0">
             <a:normAutofit/>
           </a:bodyPr>
           <a:lstStyle/>
@@ -17030,9 +17736,34 @@
               </a:lnSpc>
             </a:pPr>
             <a:r>
-              <a:rPr lang="de-DE" sz="2400" dirty="0"/>
-              <a:t>Offene Rückmeldung </a:t>
+              <a:rPr lang="en-US" sz="2400" dirty="0" err="1">
+                <a:solidFill>
+                  <a:srgbClr val="FFFFFF"/>
+                </a:solidFill>
+              </a:rPr>
+              <a:t>Offene</a:t>
             </a:r>
+            <a:r>
+              <a:rPr lang="en-US" sz="2400" dirty="0">
+                <a:solidFill>
+                  <a:srgbClr val="FFFFFF"/>
+                </a:solidFill>
+              </a:rPr>
+              <a:t> </a:t>
+            </a:r>
+            <a:r>
+              <a:rPr lang="en-US" sz="2400" dirty="0" err="1">
+                <a:solidFill>
+                  <a:srgbClr val="FFFFFF"/>
+                </a:solidFill>
+              </a:rPr>
+              <a:t>Rückmeldung</a:t>
+            </a:r>
+            <a:endParaRPr lang="en-US" sz="2400" dirty="0">
+              <a:solidFill>
+                <a:srgbClr val="FFFFFF"/>
+              </a:solidFill>
+            </a:endParaRPr>
           </a:p>
           <a:p>
             <a:pPr>
@@ -17041,22 +17772,113 @@
               </a:lnSpc>
             </a:pPr>
             <a:r>
-              <a:rPr lang="de-DE" sz="2400" dirty="0"/>
+              <a:rPr lang="en-US" sz="2400" dirty="0" err="1">
+                <a:solidFill>
+                  <a:srgbClr val="FFFFFF"/>
+                </a:solidFill>
+              </a:rPr>
+              <a:t>Verbesserung</a:t>
+            </a:r>
+            <a:r>
+              <a:rPr lang="en-US" sz="2400" dirty="0">
+                <a:solidFill>
+                  <a:srgbClr val="FFFFFF"/>
+                </a:solidFill>
+              </a:rPr>
+              <a:t> der </a:t>
+            </a:r>
+            <a:r>
+              <a:rPr lang="en-US" sz="2400" dirty="0" err="1">
+                <a:solidFill>
+                  <a:srgbClr val="FFFFFF"/>
+                </a:solidFill>
+              </a:rPr>
+              <a:t>eigenen</a:t>
+            </a:r>
+            <a:r>
+              <a:rPr lang="en-US" sz="2400" dirty="0">
+                <a:solidFill>
+                  <a:srgbClr val="FFFFFF"/>
+                </a:solidFill>
+              </a:rPr>
+              <a:t> </a:t>
+            </a:r>
+            <a:r>
+              <a:rPr lang="en-US" sz="2400" dirty="0" err="1">
+                <a:solidFill>
+                  <a:srgbClr val="FFFFFF"/>
+                </a:solidFill>
+              </a:rPr>
+              <a:t>Verhaltensweise</a:t>
+            </a:r>
+            <a:endParaRPr lang="en-US" sz="2400" dirty="0">
+              <a:solidFill>
+                <a:srgbClr val="FFFFFF"/>
+              </a:solidFill>
+            </a:endParaRPr>
+          </a:p>
+          <a:p>
+            <a:pPr>
+              <a:lnSpc>
+                <a:spcPct val="150000"/>
+              </a:lnSpc>
+            </a:pPr>
+            <a:r>
+              <a:rPr lang="en-US" sz="2400" dirty="0">
+                <a:solidFill>
+                  <a:srgbClr val="FFFFFF"/>
+                </a:solidFill>
+              </a:rPr>
               <a:t>Johari-Fenster</a:t>
             </a:r>
-            <a:endParaRPr lang="de-AT" sz="2400" dirty="0"/>
+          </a:p>
+          <a:p>
+            <a:pPr lvl="1">
+              <a:lnSpc>
+                <a:spcPct val="150000"/>
+              </a:lnSpc>
+            </a:pPr>
+            <a:r>
+              <a:rPr lang="en-US" sz="2000" dirty="0" err="1">
+                <a:solidFill>
+                  <a:srgbClr val="FFFFFF"/>
+                </a:solidFill>
+              </a:rPr>
+              <a:t>Öffentlichen</a:t>
+            </a:r>
+            <a:r>
+              <a:rPr lang="en-US" sz="2000" dirty="0">
+                <a:solidFill>
+                  <a:srgbClr val="FFFFFF"/>
+                </a:solidFill>
+              </a:rPr>
+              <a:t> </a:t>
+            </a:r>
+            <a:r>
+              <a:rPr lang="en-US" sz="2000" dirty="0" err="1">
+                <a:solidFill>
+                  <a:srgbClr val="FFFFFF"/>
+                </a:solidFill>
+              </a:rPr>
+              <a:t>Bereich</a:t>
+            </a:r>
+            <a:endParaRPr lang="en-US" sz="2000" dirty="0">
+              <a:solidFill>
+                <a:srgbClr val="FFFFFF"/>
+              </a:solidFill>
+            </a:endParaRPr>
           </a:p>
         </p:txBody>
       </p:sp>
     </p:spTree>
     <p:extLst>
       <p:ext uri="{BB962C8B-B14F-4D97-AF65-F5344CB8AC3E}">
-        <p14:creationId xmlns:p14="http://schemas.microsoft.com/office/powerpoint/2010/main" val="1507637457"/>
+        <p14:creationId xmlns:p14="http://schemas.microsoft.com/office/powerpoint/2010/main" val="3592113996"/>
       </p:ext>
     </p:extLst>
   </p:cSld>
   <p:clrMapOvr>
-    <a:masterClrMapping/>
+    <a:overrideClrMapping bg1="lt1" tx1="dk1" bg2="lt2" tx2="dk2" accent1="accent1" accent2="accent2" accent3="accent3" accent4="accent4" accent5="accent5" accent6="accent6" hlink="hlink" folHlink="folHlink"/>
   </p:clrMapOvr>
   <mc:AlternateContent xmlns:mc="http://schemas.openxmlformats.org/markup-compatibility/2006" xmlns:p14="http://schemas.microsoft.com/office/powerpoint/2010/main">
     <mc:Choice Requires="p14">
@@ -18208,22 +19030,29 @@
         </p:nvSpPr>
         <p:spPr/>
         <p:txBody>
-          <a:bodyPr/>
+          <a:bodyPr>
+            <a:normAutofit/>
+          </a:bodyPr>
           <a:lstStyle/>
           <a:p>
+            <a:pPr>
+              <a:lnSpc>
+                <a:spcPct val="150000"/>
+              </a:lnSpc>
+            </a:pPr>
             <a:r>
-              <a:rPr lang="de-DE" dirty="0"/>
+              <a:rPr lang="de-DE" sz="2400" dirty="0"/>
               <a:t>Bild einfügen od. </a:t>
             </a:r>
             <a:r>
-              <a:rPr lang="de-DE" dirty="0" err="1"/>
+              <a:rPr lang="de-DE" sz="2400" dirty="0" err="1"/>
               <a:t>Erkärung</a:t>
             </a:r>
             <a:r>
-              <a:rPr lang="de-DE" dirty="0"/>
+              <a:rPr lang="de-DE" sz="2400" dirty="0"/>
               <a:t> des ERD</a:t>
             </a:r>
-            <a:endParaRPr lang="de-AT" dirty="0"/>
+            <a:endParaRPr lang="de-AT" sz="2400" dirty="0"/>
           </a:p>
         </p:txBody>
       </p:sp>
@@ -18394,6 +19223,14 @@
 <file path=ppt/slides/slide9.xml><?xml version="1.0" encoding="utf-8"?>
 <p:sld xmlns:a="http://schemas.openxmlformats.org/drawingml/2006/main" xmlns:r="http://schemas.openxmlformats.org/officeDocument/2006/relationships" xmlns:p="http://schemas.openxmlformats.org/presentationml/2006/main">
   <p:cSld>
+    <p:bg>
+      <p:bgPr>
+        <a:solidFill>
+          <a:schemeClr val="bg1"/>
+        </a:solidFill>
+        <a:effectLst/>
+      </p:bgPr>
+    </p:bg>
     <p:spTree>
       <p:nvGrpSpPr>
         <p:cNvPr id="1" name=""/>
@@ -18408,6 +19245,375 @@
           <a:chExt cx="0" cy="0"/>
         </a:xfrm>
       </p:grpSpPr>
+      <p:pic>
+        <p:nvPicPr>
+          <p:cNvPr id="54" name="Picture 34">
+            <a:extLst>
+              <a:ext uri="{FF2B5EF4-FFF2-40B4-BE49-F238E27FC236}">
+                <a16:creationId xmlns:a16="http://schemas.microsoft.com/office/drawing/2014/main" id="{41B68C77-138E-4BF7-A276-BD0C78A4219F}"/>
+              </a:ext>
+              <a:ext uri="{C183D7F6-B498-43B3-948B-1728B52AA6E4}">
+                <adec:decorative xmlns:adec="http://schemas.microsoft.com/office/drawing/2017/decorative" val="1"/>
+              </a:ext>
+            </a:extLst>
+          </p:cNvPr>
+          <p:cNvPicPr>
+            <a:picLocks noGrp="1" noRot="1" noChangeAspect="1" noMove="1" noResize="1" noEditPoints="1" noAdjustHandles="1" noChangeArrowheads="1" noChangeShapeType="1" noCrop="1"/>
+          </p:cNvPicPr>
+          <p:nvPr>
+            <p:extLst>
+              <p:ext uri="{386F3935-93C4-4BCD-93E2-E3B085C9AB24}">
+                <p16:designElem xmlns:p16="http://schemas.microsoft.com/office/powerpoint/2015/main" val="1"/>
+              </p:ext>
+            </p:extLst>
+          </p:nvPr>
+        </p:nvPicPr>
+        <p:blipFill rotWithShape="1">
+          <a:blip r:embed="rId3">
+            <a:extLst>
+              <a:ext uri="{28A0092B-C50C-407E-A947-70E740481C1C}">
+                <a14:useLocalDpi xmlns:a14="http://schemas.microsoft.com/office/drawing/2010/main" val="0"/>
+              </a:ext>
+            </a:extLst>
+          </a:blip>
+          <a:srcRect l="3613"/>
+          <a:stretch/>
+        </p:blipFill>
+        <p:spPr>
+          <a:xfrm>
+            <a:off x="0" y="2669685"/>
+            <a:ext cx="4037012" cy="4188315"/>
+          </a:xfrm>
+          <a:prstGeom prst="rect">
+            <a:avLst/>
+          </a:prstGeom>
+        </p:spPr>
+      </p:pic>
+      <p:pic>
+        <p:nvPicPr>
+          <p:cNvPr id="55" name="Picture 36">
+            <a:extLst>
+              <a:ext uri="{FF2B5EF4-FFF2-40B4-BE49-F238E27FC236}">
+                <a16:creationId xmlns:a16="http://schemas.microsoft.com/office/drawing/2014/main" id="{7C268552-D473-46ED-B1B8-422042C4DEF1}"/>
+              </a:ext>
+              <a:ext uri="{C183D7F6-B498-43B3-948B-1728B52AA6E4}">
+                <adec:decorative xmlns:adec="http://schemas.microsoft.com/office/drawing/2017/decorative" val="1"/>
+              </a:ext>
+            </a:extLst>
+          </p:cNvPr>
+          <p:cNvPicPr>
+            <a:picLocks noGrp="1" noRot="1" noChangeAspect="1" noMove="1" noResize="1" noEditPoints="1" noAdjustHandles="1" noChangeArrowheads="1" noChangeShapeType="1" noCrop="1"/>
+          </p:cNvPicPr>
+          <p:nvPr>
+            <p:extLst>
+              <p:ext uri="{386F3935-93C4-4BCD-93E2-E3B085C9AB24}">
+                <p16:designElem xmlns:p16="http://schemas.microsoft.com/office/powerpoint/2015/main" val="1"/>
+              </p:ext>
+            </p:extLst>
+          </p:nvPr>
+        </p:nvPicPr>
+        <p:blipFill rotWithShape="1">
+          <a:blip r:embed="rId4">
+            <a:extLst>
+              <a:ext uri="{28A0092B-C50C-407E-A947-70E740481C1C}">
+                <a14:useLocalDpi xmlns:a14="http://schemas.microsoft.com/office/drawing/2010/main" val="0"/>
+              </a:ext>
+            </a:extLst>
+          </a:blip>
+          <a:srcRect l="35640"/>
+          <a:stretch/>
+        </p:blipFill>
+        <p:spPr>
+          <a:xfrm>
+            <a:off x="0" y="2892347"/>
+            <a:ext cx="1522412" cy="2365453"/>
+          </a:xfrm>
+          <a:prstGeom prst="rect">
+            <a:avLst/>
+          </a:prstGeom>
+        </p:spPr>
+      </p:pic>
+      <p:sp>
+        <p:nvSpPr>
+          <p:cNvPr id="56" name="Oval 38">
+            <a:extLst>
+              <a:ext uri="{FF2B5EF4-FFF2-40B4-BE49-F238E27FC236}">
+                <a16:creationId xmlns:a16="http://schemas.microsoft.com/office/drawing/2014/main" id="{4AC0CD9D-7610-4620-93B4-798CCD9AB581}"/>
+              </a:ext>
+              <a:ext uri="{C183D7F6-B498-43B3-948B-1728B52AA6E4}">
+                <adec:decorative xmlns:adec="http://schemas.microsoft.com/office/drawing/2017/decorative" val="1"/>
+              </a:ext>
+            </a:extLst>
+          </p:cNvPr>
+          <p:cNvSpPr>
+            <a:spLocks noGrp="1" noRot="1" noChangeAspect="1" noMove="1" noResize="1" noEditPoints="1" noAdjustHandles="1" noChangeArrowheads="1" noChangeShapeType="1" noTextEdit="1"/>
+          </p:cNvSpPr>
+          <p:nvPr>
+            <p:extLst>
+              <p:ext uri="{386F3935-93C4-4BCD-93E2-E3B085C9AB24}">
+                <p16:designElem xmlns:p16="http://schemas.microsoft.com/office/powerpoint/2015/main" val="1"/>
+              </p:ext>
+            </p:extLst>
+          </p:nvPr>
+        </p:nvSpPr>
+        <p:spPr>
+          <a:xfrm>
+            <a:off x="8609012" y="1676400"/>
+            <a:ext cx="2819400" cy="2819400"/>
+          </a:xfrm>
+          <a:prstGeom prst="ellipse">
+            <a:avLst/>
+          </a:prstGeom>
+          <a:gradFill flip="none" rotWithShape="1">
+            <a:gsLst>
+              <a:gs pos="0">
+                <a:schemeClr val="bg2">
+                  <a:lumMod val="60000"/>
+                  <a:lumOff val="40000"/>
+                  <a:alpha val="7000"/>
+                </a:schemeClr>
+              </a:gs>
+              <a:gs pos="69000">
+                <a:schemeClr val="bg2">
+                  <a:lumMod val="60000"/>
+                  <a:lumOff val="40000"/>
+                  <a:alpha val="0"/>
+                </a:schemeClr>
+              </a:gs>
+              <a:gs pos="36000">
+                <a:schemeClr val="bg2">
+                  <a:lumMod val="60000"/>
+                  <a:lumOff val="40000"/>
+                  <a:alpha val="6000"/>
+                </a:schemeClr>
+              </a:gs>
+            </a:gsLst>
+            <a:path path="circle">
+              <a:fillToRect l="50000" t="50000" r="50000" b="50000"/>
+            </a:path>
+            <a:tileRect/>
+          </a:gradFill>
+          <a:ln>
+            <a:noFill/>
+          </a:ln>
+          <a:effectLst/>
+        </p:spPr>
+        <p:style>
+          <a:lnRef idx="1">
+            <a:schemeClr val="accent1"/>
+          </a:lnRef>
+          <a:fillRef idx="3">
+            <a:schemeClr val="accent1"/>
+          </a:fillRef>
+          <a:effectRef idx="2">
+            <a:schemeClr val="accent1"/>
+          </a:effectRef>
+          <a:fontRef idx="minor">
+            <a:schemeClr val="lt1"/>
+          </a:fontRef>
+        </p:style>
+      </p:sp>
+      <p:pic>
+        <p:nvPicPr>
+          <p:cNvPr id="57" name="Picture 40">
+            <a:extLst>
+              <a:ext uri="{FF2B5EF4-FFF2-40B4-BE49-F238E27FC236}">
+                <a16:creationId xmlns:a16="http://schemas.microsoft.com/office/drawing/2014/main" id="{B9238B3E-24AA-439A-B527-6C5DF6D72145}"/>
+              </a:ext>
+              <a:ext uri="{C183D7F6-B498-43B3-948B-1728B52AA6E4}">
+                <adec:decorative xmlns:adec="http://schemas.microsoft.com/office/drawing/2017/decorative" val="1"/>
+              </a:ext>
+            </a:extLst>
+          </p:cNvPr>
+          <p:cNvPicPr>
+            <a:picLocks noGrp="1" noRot="1" noChangeAspect="1" noMove="1" noResize="1" noEditPoints="1" noAdjustHandles="1" noChangeArrowheads="1" noChangeShapeType="1" noCrop="1"/>
+          </p:cNvPicPr>
+          <p:nvPr>
+            <p:extLst>
+              <p:ext uri="{386F3935-93C4-4BCD-93E2-E3B085C9AB24}">
+                <p16:designElem xmlns:p16="http://schemas.microsoft.com/office/powerpoint/2015/main" val="1"/>
+              </p:ext>
+            </p:extLst>
+          </p:nvPr>
+        </p:nvPicPr>
+        <p:blipFill rotWithShape="1">
+          <a:blip r:embed="rId5">
+            <a:extLst>
+              <a:ext uri="{28A0092B-C50C-407E-A947-70E740481C1C}">
+                <a14:useLocalDpi xmlns:a14="http://schemas.microsoft.com/office/drawing/2010/main" val="0"/>
+              </a:ext>
+            </a:extLst>
+          </a:blip>
+          <a:srcRect t="28813"/>
+          <a:stretch/>
+        </p:blipFill>
+        <p:spPr>
+          <a:xfrm>
+            <a:off x="7999412" y="0"/>
+            <a:ext cx="1603387" cy="1141407"/>
+          </a:xfrm>
+          <a:prstGeom prst="rect">
+            <a:avLst/>
+          </a:prstGeom>
+        </p:spPr>
+      </p:pic>
+      <p:pic>
+        <p:nvPicPr>
+          <p:cNvPr id="58" name="Picture 42">
+            <a:extLst>
+              <a:ext uri="{FF2B5EF4-FFF2-40B4-BE49-F238E27FC236}">
+                <a16:creationId xmlns:a16="http://schemas.microsoft.com/office/drawing/2014/main" id="{69F01145-BEA3-4CBF-AA21-10077B948CA8}"/>
+              </a:ext>
+              <a:ext uri="{C183D7F6-B498-43B3-948B-1728B52AA6E4}">
+                <adec:decorative xmlns:adec="http://schemas.microsoft.com/office/drawing/2017/decorative" val="1"/>
+              </a:ext>
+            </a:extLst>
+          </p:cNvPr>
+          <p:cNvPicPr>
+            <a:picLocks noGrp="1" noRot="1" noChangeAspect="1" noMove="1" noResize="1" noEditPoints="1" noAdjustHandles="1" noChangeArrowheads="1" noChangeShapeType="1" noCrop="1"/>
+          </p:cNvPicPr>
+          <p:nvPr>
+            <p:extLst>
+              <p:ext uri="{386F3935-93C4-4BCD-93E2-E3B085C9AB24}">
+                <p16:designElem xmlns:p16="http://schemas.microsoft.com/office/powerpoint/2015/main" val="1"/>
+              </p:ext>
+            </p:extLst>
+          </p:nvPr>
+        </p:nvPicPr>
+        <p:blipFill rotWithShape="1">
+          <a:blip r:embed="rId6">
+            <a:extLst>
+              <a:ext uri="{28A0092B-C50C-407E-A947-70E740481C1C}">
+                <a14:useLocalDpi xmlns:a14="http://schemas.microsoft.com/office/drawing/2010/main" val="0"/>
+              </a:ext>
+            </a:extLst>
+          </a:blip>
+          <a:srcRect b="23320"/>
+          <a:stretch/>
+        </p:blipFill>
+        <p:spPr>
+          <a:xfrm>
+            <a:off x="8605878" y="6096000"/>
+            <a:ext cx="993734" cy="762000"/>
+          </a:xfrm>
+          <a:prstGeom prst="rect">
+            <a:avLst/>
+          </a:prstGeom>
+        </p:spPr>
+      </p:pic>
+      <p:sp>
+        <p:nvSpPr>
+          <p:cNvPr id="59" name="Rectangle 44">
+            <a:extLst>
+              <a:ext uri="{FF2B5EF4-FFF2-40B4-BE49-F238E27FC236}">
+                <a16:creationId xmlns:a16="http://schemas.microsoft.com/office/drawing/2014/main" id="{DE4D62F9-188E-4530-84C2-24BDEE4BEB82}"/>
+              </a:ext>
+              <a:ext uri="{C183D7F6-B498-43B3-948B-1728B52AA6E4}">
+                <adec:decorative xmlns:adec="http://schemas.microsoft.com/office/drawing/2017/decorative" val="1"/>
+              </a:ext>
+            </a:extLst>
+          </p:cNvPr>
+          <p:cNvSpPr>
+            <a:spLocks noGrp="1" noRot="1" noChangeAspect="1" noMove="1" noResize="1" noEditPoints="1" noAdjustHandles="1" noChangeArrowheads="1" noChangeShapeType="1" noTextEdit="1"/>
+          </p:cNvSpPr>
+          <p:nvPr>
+            <p:extLst>
+              <p:ext uri="{386F3935-93C4-4BCD-93E2-E3B085C9AB24}">
+                <p16:designElem xmlns:p16="http://schemas.microsoft.com/office/powerpoint/2015/main" val="1"/>
+              </p:ext>
+            </p:extLst>
+          </p:nvPr>
+        </p:nvSpPr>
+        <p:spPr>
+          <a:xfrm>
+            <a:off x="10437812" y="0"/>
+            <a:ext cx="685800" cy="1143000"/>
+          </a:xfrm>
+          <a:prstGeom prst="rect">
+            <a:avLst/>
+          </a:prstGeom>
+          <a:solidFill>
+            <a:schemeClr val="accent1"/>
+          </a:solidFill>
+          <a:ln>
+            <a:noFill/>
+          </a:ln>
+        </p:spPr>
+        <p:style>
+          <a:lnRef idx="1">
+            <a:schemeClr val="accent1"/>
+          </a:lnRef>
+          <a:fillRef idx="3">
+            <a:schemeClr val="accent1"/>
+          </a:fillRef>
+          <a:effectRef idx="2">
+            <a:schemeClr val="accent1"/>
+          </a:effectRef>
+          <a:fontRef idx="minor">
+            <a:schemeClr val="lt1"/>
+          </a:fontRef>
+        </p:style>
+      </p:sp>
+      <p:sp>
+        <p:nvSpPr>
+          <p:cNvPr id="60" name="Rectangle 46">
+            <a:extLst>
+              <a:ext uri="{FF2B5EF4-FFF2-40B4-BE49-F238E27FC236}">
+                <a16:creationId xmlns:a16="http://schemas.microsoft.com/office/drawing/2014/main" id="{757B325C-3E35-45CF-9D07-3BCB281F3B9C}"/>
+              </a:ext>
+              <a:ext uri="{C183D7F6-B498-43B3-948B-1728B52AA6E4}">
+                <adec:decorative xmlns:adec="http://schemas.microsoft.com/office/drawing/2017/decorative" val="1"/>
+              </a:ext>
+            </a:extLst>
+          </p:cNvPr>
+          <p:cNvSpPr>
+            <a:spLocks noGrp="1" noRot="1" noChangeAspect="1" noMove="1" noResize="1" noEditPoints="1" noAdjustHandles="1" noChangeArrowheads="1" noChangeShapeType="1" noTextEdit="1"/>
+          </p:cNvSpPr>
+          <p:nvPr>
+            <p:extLst>
+              <p:ext uri="{386F3935-93C4-4BCD-93E2-E3B085C9AB24}">
+                <p16:designElem xmlns:p16="http://schemas.microsoft.com/office/powerpoint/2015/main" val="1"/>
+              </p:ext>
+            </p:extLst>
+          </p:nvPr>
+        </p:nvSpPr>
+        <p:spPr>
+          <a:xfrm>
+            <a:off x="0" y="0"/>
+            <a:ext cx="12192000" cy="6858000"/>
+          </a:xfrm>
+          <a:prstGeom prst="rect">
+            <a:avLst/>
+          </a:prstGeom>
+          <a:ln>
+            <a:noFill/>
+          </a:ln>
+        </p:spPr>
+        <p:style>
+          <a:lnRef idx="2">
+            <a:schemeClr val="accent1">
+              <a:shade val="50000"/>
+            </a:schemeClr>
+          </a:lnRef>
+          <a:fillRef idx="1003">
+            <a:schemeClr val="dk2"/>
+          </a:fillRef>
+          <a:effectRef idx="0">
+            <a:schemeClr val="accent1"/>
+          </a:effectRef>
+          <a:fontRef idx="minor">
+            <a:schemeClr val="lt1"/>
+          </a:fontRef>
+        </p:style>
+        <p:txBody>
+          <a:bodyPr rtlCol="0" anchor="ctr"/>
+          <a:lstStyle/>
+          <a:p>
+            <a:pPr algn="ctr"/>
+            <a:endParaRPr lang="en-US"/>
+          </a:p>
+        </p:txBody>
+      </p:sp>
       <p:sp>
         <p:nvSpPr>
           <p:cNvPr id="2" name="Titel 1">
@@ -18424,52 +19630,984 @@
             <p:ph type="title"/>
           </p:nvPr>
         </p:nvSpPr>
-        <p:spPr/>
+        <p:spPr>
+          <a:xfrm>
+            <a:off x="8191925" y="1325880"/>
+            <a:ext cx="3352375" cy="3066507"/>
+          </a:xfrm>
+        </p:spPr>
         <p:txBody>
-          <a:bodyPr/>
+          <a:bodyPr vert="horz" lIns="91440" tIns="45720" rIns="91440" bIns="45720" rtlCol="0" anchor="b">
+            <a:normAutofit/>
+          </a:bodyPr>
           <a:lstStyle/>
           <a:p>
             <a:r>
-              <a:rPr lang="de-DE" dirty="0"/>
-              <a:t>Beispielbild </a:t>
+              <a:rPr lang="en-US" sz="3200" b="0" i="0" kern="1200" dirty="0">
+                <a:solidFill>
+                  <a:srgbClr val="EBEBEB"/>
+                </a:solidFill>
+                <a:latin typeface="+mj-lt"/>
+                <a:ea typeface="+mj-ea"/>
+                <a:cs typeface="+mj-cs"/>
+              </a:rPr>
+              <a:t>Swagger </a:t>
             </a:r>
             <a:r>
-              <a:rPr lang="de-DE" dirty="0" err="1"/>
-              <a:t>Swagger</a:t>
+              <a:rPr lang="en-US" sz="3200" b="0" i="0" kern="1200" dirty="0" err="1">
+                <a:solidFill>
+                  <a:srgbClr val="EBEBEB"/>
+                </a:solidFill>
+                <a:latin typeface="+mj-lt"/>
+                <a:ea typeface="+mj-ea"/>
+                <a:cs typeface="+mj-cs"/>
+              </a:rPr>
+              <a:t>Dokumentation</a:t>
             </a:r>
-            <a:r>
-              <a:rPr lang="de-DE" dirty="0"/>
-              <a:t> Dokumentation</a:t>
-            </a:r>
-            <a:endParaRPr lang="de-AT" dirty="0"/>
+            <a:endParaRPr lang="en-US" sz="3200" b="0" i="0" kern="1200" dirty="0">
+              <a:solidFill>
+                <a:srgbClr val="EBEBEB"/>
+              </a:solidFill>
+              <a:latin typeface="+mj-lt"/>
+              <a:ea typeface="+mj-ea"/>
+              <a:cs typeface="+mj-cs"/>
+            </a:endParaRPr>
           </a:p>
         </p:txBody>
       </p:sp>
       <p:sp>
         <p:nvSpPr>
-          <p:cNvPr id="3" name="Inhaltsplatzhalter 2">
+          <p:cNvPr id="61" name="Freeform 36">
             <a:extLst>
               <a:ext uri="{FF2B5EF4-FFF2-40B4-BE49-F238E27FC236}">
-                <a16:creationId xmlns:a16="http://schemas.microsoft.com/office/drawing/2014/main" id="{1779187E-EF0B-8569-66C4-348FFD9DEB5F}"/>
+                <a16:creationId xmlns:a16="http://schemas.microsoft.com/office/drawing/2014/main" id="{C24BEC42-AFF3-40D1-93A2-A27A42E1E23C}"/>
+              </a:ext>
+              <a:ext uri="{C183D7F6-B498-43B3-948B-1728B52AA6E4}">
+                <adec:decorative xmlns:adec="http://schemas.microsoft.com/office/drawing/2017/decorative" val="1"/>
               </a:ext>
             </a:extLst>
           </p:cNvPr>
           <p:cNvSpPr>
-            <a:spLocks noGrp="1"/>
+            <a:spLocks noGrp="1" noRot="1" noChangeAspect="1" noMove="1" noResize="1" noEditPoints="1" noAdjustHandles="1" noChangeArrowheads="1" noChangeShapeType="1" noTextEdit="1"/>
           </p:cNvSpPr>
+          <p:nvPr>
+            <p:extLst>
+              <p:ext uri="{386F3935-93C4-4BCD-93E2-E3B085C9AB24}">
+                <p16:designElem xmlns:p16="http://schemas.microsoft.com/office/powerpoint/2015/main" val="1"/>
+              </p:ext>
+            </p:extLst>
+          </p:nvPr>
+        </p:nvSpPr>
+        <p:spPr>
+          <a:xfrm flipH="1">
+            <a:off x="7463681" y="-1"/>
+            <a:ext cx="559472" cy="3709642"/>
+          </a:xfrm>
+          <a:custGeom>
+            <a:avLst/>
+            <a:gdLst>
+              <a:gd name="connsiteX0" fmla="*/ 0 w 559472"/>
+              <a:gd name="connsiteY0" fmla="*/ 0 h 3709642"/>
+              <a:gd name="connsiteX1" fmla="*/ 473952 w 559472"/>
+              <a:gd name="connsiteY1" fmla="*/ 0 h 3709642"/>
+              <a:gd name="connsiteX2" fmla="*/ 485840 w 559472"/>
+              <a:gd name="connsiteY2" fmla="*/ 161194 h 3709642"/>
+              <a:gd name="connsiteX3" fmla="*/ 523949 w 559472"/>
+              <a:gd name="connsiteY3" fmla="*/ 3672197 h 3709642"/>
+              <a:gd name="connsiteX4" fmla="*/ 454748 w 559472"/>
+              <a:gd name="connsiteY4" fmla="*/ 3709642 h 3709642"/>
+              <a:gd name="connsiteX5" fmla="*/ 448224 w 559472"/>
+              <a:gd name="connsiteY5" fmla="*/ 3510471 h 3709642"/>
+              <a:gd name="connsiteX6" fmla="*/ 443564 w 559472"/>
+              <a:gd name="connsiteY6" fmla="*/ 3408563 h 3709642"/>
+              <a:gd name="connsiteX7" fmla="*/ 438902 w 559472"/>
+              <a:gd name="connsiteY7" fmla="*/ 3304407 h 3709642"/>
+              <a:gd name="connsiteX8" fmla="*/ 433941 w 559472"/>
+              <a:gd name="connsiteY8" fmla="*/ 3198777 h 3709642"/>
+              <a:gd name="connsiteX9" fmla="*/ 427584 w 559472"/>
+              <a:gd name="connsiteY9" fmla="*/ 3092510 h 3709642"/>
+              <a:gd name="connsiteX10" fmla="*/ 420988 w 559472"/>
+              <a:gd name="connsiteY10" fmla="*/ 2984390 h 3709642"/>
+              <a:gd name="connsiteX11" fmla="*/ 414330 w 559472"/>
+              <a:gd name="connsiteY11" fmla="*/ 2874401 h 3709642"/>
+              <a:gd name="connsiteX12" fmla="*/ 406840 w 559472"/>
+              <a:gd name="connsiteY12" fmla="*/ 2762980 h 3709642"/>
+              <a:gd name="connsiteX13" fmla="*/ 397745 w 559472"/>
+              <a:gd name="connsiteY13" fmla="*/ 2650566 h 3709642"/>
+              <a:gd name="connsiteX14" fmla="*/ 389154 w 559472"/>
+              <a:gd name="connsiteY14" fmla="*/ 2536612 h 3709642"/>
+              <a:gd name="connsiteX15" fmla="*/ 379225 w 559472"/>
+              <a:gd name="connsiteY15" fmla="*/ 2421642 h 3709642"/>
+              <a:gd name="connsiteX16" fmla="*/ 368316 w 559472"/>
+              <a:gd name="connsiteY16" fmla="*/ 2305627 h 3709642"/>
+              <a:gd name="connsiteX17" fmla="*/ 357466 w 559472"/>
+              <a:gd name="connsiteY17" fmla="*/ 2189233 h 3709642"/>
+              <a:gd name="connsiteX18" fmla="*/ 344982 w 559472"/>
+              <a:gd name="connsiteY18" fmla="*/ 2071473 h 3709642"/>
+              <a:gd name="connsiteX19" fmla="*/ 332466 w 559472"/>
+              <a:gd name="connsiteY19" fmla="*/ 1952216 h 3709642"/>
+              <a:gd name="connsiteX20" fmla="*/ 319121 w 559472"/>
+              <a:gd name="connsiteY20" fmla="*/ 1833776 h 3709642"/>
+              <a:gd name="connsiteX21" fmla="*/ 304408 w 559472"/>
+              <a:gd name="connsiteY21" fmla="*/ 1713948 h 3709642"/>
+              <a:gd name="connsiteX22" fmla="*/ 288685 w 559472"/>
+              <a:gd name="connsiteY22" fmla="*/ 1592703 h 3709642"/>
+              <a:gd name="connsiteX23" fmla="*/ 273050 w 559472"/>
+              <a:gd name="connsiteY23" fmla="*/ 1471451 h 3709642"/>
+              <a:gd name="connsiteX24" fmla="*/ 255813 w 559472"/>
+              <a:gd name="connsiteY24" fmla="*/ 1350328 h 3709642"/>
+              <a:gd name="connsiteX25" fmla="*/ 237060 w 559472"/>
+              <a:gd name="connsiteY25" fmla="*/ 1227080 h 3709642"/>
+              <a:gd name="connsiteX26" fmla="*/ 218488 w 559472"/>
+              <a:gd name="connsiteY26" fmla="*/ 1106065 h 3709642"/>
+              <a:gd name="connsiteX27" fmla="*/ 198221 w 559472"/>
+              <a:gd name="connsiteY27" fmla="*/ 982940 h 3709642"/>
+              <a:gd name="connsiteX28" fmla="*/ 177152 w 559472"/>
+              <a:gd name="connsiteY28" fmla="*/ 858755 h 3709642"/>
+              <a:gd name="connsiteX29" fmla="*/ 155551 w 559472"/>
+              <a:gd name="connsiteY29" fmla="*/ 736861 h 3709642"/>
+              <a:gd name="connsiteX30" fmla="*/ 131782 w 559472"/>
+              <a:gd name="connsiteY30" fmla="*/ 613645 h 3709642"/>
+              <a:gd name="connsiteX31" fmla="*/ 107123 w 559472"/>
+              <a:gd name="connsiteY31" fmla="*/ 490500 h 3709642"/>
+              <a:gd name="connsiteX32" fmla="*/ 82552 w 559472"/>
+              <a:gd name="connsiteY32" fmla="*/ 367348 h 3709642"/>
+              <a:gd name="connsiteX33" fmla="*/ 55608 w 559472"/>
+              <a:gd name="connsiteY33" fmla="*/ 244762 h 3709642"/>
+              <a:gd name="connsiteX34" fmla="*/ 28130 w 559472"/>
+              <a:gd name="connsiteY34" fmla="*/ 122220 h 3709642"/>
+              <a:gd name="connsiteX35" fmla="*/ 0 w 559472"/>
+              <a:gd name="connsiteY35" fmla="*/ 0 h 3709642"/>
+            </a:gdLst>
+            <a:ahLst/>
+            <a:cxnLst>
+              <a:cxn ang="0">
+                <a:pos x="connsiteX0" y="connsiteY0"/>
+              </a:cxn>
+              <a:cxn ang="0">
+                <a:pos x="connsiteX1" y="connsiteY1"/>
+              </a:cxn>
+              <a:cxn ang="0">
+                <a:pos x="connsiteX2" y="connsiteY2"/>
+              </a:cxn>
+              <a:cxn ang="0">
+                <a:pos x="connsiteX3" y="connsiteY3"/>
+              </a:cxn>
+              <a:cxn ang="0">
+                <a:pos x="connsiteX4" y="connsiteY4"/>
+              </a:cxn>
+              <a:cxn ang="0">
+                <a:pos x="connsiteX5" y="connsiteY5"/>
+              </a:cxn>
+              <a:cxn ang="0">
+                <a:pos x="connsiteX6" y="connsiteY6"/>
+              </a:cxn>
+              <a:cxn ang="0">
+                <a:pos x="connsiteX7" y="connsiteY7"/>
+              </a:cxn>
+              <a:cxn ang="0">
+                <a:pos x="connsiteX8" y="connsiteY8"/>
+              </a:cxn>
+              <a:cxn ang="0">
+                <a:pos x="connsiteX9" y="connsiteY9"/>
+              </a:cxn>
+              <a:cxn ang="0">
+                <a:pos x="connsiteX10" y="connsiteY10"/>
+              </a:cxn>
+              <a:cxn ang="0">
+                <a:pos x="connsiteX11" y="connsiteY11"/>
+              </a:cxn>
+              <a:cxn ang="0">
+                <a:pos x="connsiteX12" y="connsiteY12"/>
+              </a:cxn>
+              <a:cxn ang="0">
+                <a:pos x="connsiteX13" y="connsiteY13"/>
+              </a:cxn>
+              <a:cxn ang="0">
+                <a:pos x="connsiteX14" y="connsiteY14"/>
+              </a:cxn>
+              <a:cxn ang="0">
+                <a:pos x="connsiteX15" y="connsiteY15"/>
+              </a:cxn>
+              <a:cxn ang="0">
+                <a:pos x="connsiteX16" y="connsiteY16"/>
+              </a:cxn>
+              <a:cxn ang="0">
+                <a:pos x="connsiteX17" y="connsiteY17"/>
+              </a:cxn>
+              <a:cxn ang="0">
+                <a:pos x="connsiteX18" y="connsiteY18"/>
+              </a:cxn>
+              <a:cxn ang="0">
+                <a:pos x="connsiteX19" y="connsiteY19"/>
+              </a:cxn>
+              <a:cxn ang="0">
+                <a:pos x="connsiteX20" y="connsiteY20"/>
+              </a:cxn>
+              <a:cxn ang="0">
+                <a:pos x="connsiteX21" y="connsiteY21"/>
+              </a:cxn>
+              <a:cxn ang="0">
+                <a:pos x="connsiteX22" y="connsiteY22"/>
+              </a:cxn>
+              <a:cxn ang="0">
+                <a:pos x="connsiteX23" y="connsiteY23"/>
+              </a:cxn>
+              <a:cxn ang="0">
+                <a:pos x="connsiteX24" y="connsiteY24"/>
+              </a:cxn>
+              <a:cxn ang="0">
+                <a:pos x="connsiteX25" y="connsiteY25"/>
+              </a:cxn>
+              <a:cxn ang="0">
+                <a:pos x="connsiteX26" y="connsiteY26"/>
+              </a:cxn>
+              <a:cxn ang="0">
+                <a:pos x="connsiteX27" y="connsiteY27"/>
+              </a:cxn>
+              <a:cxn ang="0">
+                <a:pos x="connsiteX28" y="connsiteY28"/>
+              </a:cxn>
+              <a:cxn ang="0">
+                <a:pos x="connsiteX29" y="connsiteY29"/>
+              </a:cxn>
+              <a:cxn ang="0">
+                <a:pos x="connsiteX30" y="connsiteY30"/>
+              </a:cxn>
+              <a:cxn ang="0">
+                <a:pos x="connsiteX31" y="connsiteY31"/>
+              </a:cxn>
+              <a:cxn ang="0">
+                <a:pos x="connsiteX32" y="connsiteY32"/>
+              </a:cxn>
+              <a:cxn ang="0">
+                <a:pos x="connsiteX33" y="connsiteY33"/>
+              </a:cxn>
+              <a:cxn ang="0">
+                <a:pos x="connsiteX34" y="connsiteY34"/>
+              </a:cxn>
+              <a:cxn ang="0">
+                <a:pos x="connsiteX35" y="connsiteY35"/>
+              </a:cxn>
+            </a:cxnLst>
+            <a:rect l="l" t="t" r="r" b="b"/>
+            <a:pathLst>
+              <a:path w="559472" h="3709642">
+                <a:moveTo>
+                  <a:pt x="0" y="0"/>
+                </a:moveTo>
+                <a:lnTo>
+                  <a:pt x="473952" y="0"/>
+                </a:lnTo>
+                <a:lnTo>
+                  <a:pt x="485840" y="161194"/>
+                </a:lnTo>
+                <a:cubicBezTo>
+                  <a:pt x="552063" y="1147770"/>
+                  <a:pt x="592441" y="3086737"/>
+                  <a:pt x="523949" y="3672197"/>
+                </a:cubicBezTo>
+                <a:cubicBezTo>
+                  <a:pt x="500842" y="3684557"/>
+                  <a:pt x="477855" y="3697282"/>
+                  <a:pt x="454748" y="3709642"/>
+                </a:cubicBezTo>
+                <a:lnTo>
+                  <a:pt x="448224" y="3510471"/>
+                </a:lnTo>
+                <a:lnTo>
+                  <a:pt x="443564" y="3408563"/>
+                </a:lnTo>
+                <a:lnTo>
+                  <a:pt x="438902" y="3304407"/>
+                </a:lnTo>
+                <a:lnTo>
+                  <a:pt x="433941" y="3198777"/>
+                </a:lnTo>
+                <a:lnTo>
+                  <a:pt x="427584" y="3092510"/>
+                </a:lnTo>
+                <a:lnTo>
+                  <a:pt x="420988" y="2984390"/>
+                </a:lnTo>
+                <a:lnTo>
+                  <a:pt x="414330" y="2874401"/>
+                </a:lnTo>
+                <a:lnTo>
+                  <a:pt x="406840" y="2762980"/>
+                </a:lnTo>
+                <a:lnTo>
+                  <a:pt x="397745" y="2650566"/>
+                </a:lnTo>
+                <a:lnTo>
+                  <a:pt x="389154" y="2536612"/>
+                </a:lnTo>
+                <a:lnTo>
+                  <a:pt x="379225" y="2421642"/>
+                </a:lnTo>
+                <a:lnTo>
+                  <a:pt x="368316" y="2305627"/>
+                </a:lnTo>
+                <a:lnTo>
+                  <a:pt x="357466" y="2189233"/>
+                </a:lnTo>
+                <a:lnTo>
+                  <a:pt x="344982" y="2071473"/>
+                </a:lnTo>
+                <a:lnTo>
+                  <a:pt x="332466" y="1952216"/>
+                </a:lnTo>
+                <a:lnTo>
+                  <a:pt x="319121" y="1833776"/>
+                </a:lnTo>
+                <a:lnTo>
+                  <a:pt x="304408" y="1713948"/>
+                </a:lnTo>
+                <a:lnTo>
+                  <a:pt x="288685" y="1592703"/>
+                </a:lnTo>
+                <a:lnTo>
+                  <a:pt x="273050" y="1471451"/>
+                </a:lnTo>
+                <a:lnTo>
+                  <a:pt x="255813" y="1350328"/>
+                </a:lnTo>
+                <a:lnTo>
+                  <a:pt x="237060" y="1227080"/>
+                </a:lnTo>
+                <a:lnTo>
+                  <a:pt x="218488" y="1106065"/>
+                </a:lnTo>
+                <a:lnTo>
+                  <a:pt x="198221" y="982940"/>
+                </a:lnTo>
+                <a:lnTo>
+                  <a:pt x="177152" y="858755"/>
+                </a:lnTo>
+                <a:lnTo>
+                  <a:pt x="155551" y="736861"/>
+                </a:lnTo>
+                <a:lnTo>
+                  <a:pt x="131782" y="613645"/>
+                </a:lnTo>
+                <a:lnTo>
+                  <a:pt x="107123" y="490500"/>
+                </a:lnTo>
+                <a:lnTo>
+                  <a:pt x="82552" y="367348"/>
+                </a:lnTo>
+                <a:lnTo>
+                  <a:pt x="55608" y="244762"/>
+                </a:lnTo>
+                <a:lnTo>
+                  <a:pt x="28130" y="122220"/>
+                </a:lnTo>
+                <a:lnTo>
+                  <a:pt x="0" y="0"/>
+                </a:lnTo>
+                <a:close/>
+              </a:path>
+            </a:pathLst>
+          </a:custGeom>
+          <a:solidFill>
+            <a:schemeClr val="bg1">
+              <a:alpha val="20000"/>
+            </a:schemeClr>
+          </a:solidFill>
+          <a:ln>
+            <a:noFill/>
+          </a:ln>
+        </p:spPr>
+        <p:txBody>
+          <a:bodyPr rtlCol="0" anchor="ctr"/>
+          <a:lstStyle/>
+          <a:p>
+            <a:pPr algn="ctr"/>
+            <a:endParaRPr lang="en-US"/>
+          </a:p>
+        </p:txBody>
+      </p:sp>
+      <p:sp useBgFill="1">
+        <p:nvSpPr>
+          <p:cNvPr id="62" name="Freeform: Shape 50">
+            <a:extLst>
+              <a:ext uri="{FF2B5EF4-FFF2-40B4-BE49-F238E27FC236}">
+                <a16:creationId xmlns:a16="http://schemas.microsoft.com/office/drawing/2014/main" id="{608F427C-1EC9-4280-9367-F2B3AA063E82}"/>
+              </a:ext>
+              <a:ext uri="{C183D7F6-B498-43B3-948B-1728B52AA6E4}">
+                <adec:decorative xmlns:adec="http://schemas.microsoft.com/office/drawing/2017/decorative" val="1"/>
+              </a:ext>
+            </a:extLst>
+          </p:cNvPr>
+          <p:cNvSpPr>
+            <a:spLocks noGrp="1" noRot="1" noChangeAspect="1" noMove="1" noResize="1" noEditPoints="1" noAdjustHandles="1" noChangeArrowheads="1" noChangeShapeType="1" noTextEdit="1"/>
+          </p:cNvSpPr>
+          <p:nvPr>
+            <p:extLst>
+              <p:ext uri="{386F3935-93C4-4BCD-93E2-E3B085C9AB24}">
+                <p16:designElem xmlns:p16="http://schemas.microsoft.com/office/powerpoint/2015/main" val="1"/>
+              </p:ext>
+            </p:extLst>
+          </p:nvPr>
+        </p:nvSpPr>
+        <p:spPr>
+          <a:xfrm>
+            <a:off x="0" y="0"/>
+            <a:ext cx="7809954" cy="6858000"/>
+          </a:xfrm>
+          <a:custGeom>
+            <a:avLst/>
+            <a:gdLst>
+              <a:gd name="connsiteX0" fmla="*/ 6465239 w 7809954"/>
+              <a:gd name="connsiteY0" fmla="*/ 0 h 6858000"/>
+              <a:gd name="connsiteX1" fmla="*/ 7808777 w 7809954"/>
+              <a:gd name="connsiteY1" fmla="*/ 0 h 6858000"/>
+              <a:gd name="connsiteX2" fmla="*/ 7783732 w 7809954"/>
+              <a:gd name="connsiteY2" fmla="*/ 155676 h 6858000"/>
+              <a:gd name="connsiteX3" fmla="*/ 7759863 w 7809954"/>
+              <a:gd name="connsiteY3" fmla="*/ 310667 h 6858000"/>
+              <a:gd name="connsiteX4" fmla="*/ 7736499 w 7809954"/>
+              <a:gd name="connsiteY4" fmla="*/ 466344 h 6858000"/>
+              <a:gd name="connsiteX5" fmla="*/ 7716496 w 7809954"/>
+              <a:gd name="connsiteY5" fmla="*/ 622706 h 6858000"/>
+              <a:gd name="connsiteX6" fmla="*/ 7696325 w 7809954"/>
+              <a:gd name="connsiteY6" fmla="*/ 778383 h 6858000"/>
+              <a:gd name="connsiteX7" fmla="*/ 7677499 w 7809954"/>
+              <a:gd name="connsiteY7" fmla="*/ 934745 h 6858000"/>
+              <a:gd name="connsiteX8" fmla="*/ 7661363 w 7809954"/>
+              <a:gd name="connsiteY8" fmla="*/ 1089050 h 6858000"/>
+              <a:gd name="connsiteX9" fmla="*/ 7646067 w 7809954"/>
+              <a:gd name="connsiteY9" fmla="*/ 1245413 h 6858000"/>
+              <a:gd name="connsiteX10" fmla="*/ 7632115 w 7809954"/>
+              <a:gd name="connsiteY10" fmla="*/ 1401089 h 6858000"/>
+              <a:gd name="connsiteX11" fmla="*/ 7620013 w 7809954"/>
+              <a:gd name="connsiteY11" fmla="*/ 1554023 h 6858000"/>
+              <a:gd name="connsiteX12" fmla="*/ 7607910 w 7809954"/>
+              <a:gd name="connsiteY12" fmla="*/ 1709013 h 6858000"/>
+              <a:gd name="connsiteX13" fmla="*/ 7597825 w 7809954"/>
+              <a:gd name="connsiteY13" fmla="*/ 1861947 h 6858000"/>
+              <a:gd name="connsiteX14" fmla="*/ 7589925 w 7809954"/>
+              <a:gd name="connsiteY14" fmla="*/ 2014880 h 6858000"/>
+              <a:gd name="connsiteX15" fmla="*/ 7581688 w 7809954"/>
+              <a:gd name="connsiteY15" fmla="*/ 2167128 h 6858000"/>
+              <a:gd name="connsiteX16" fmla="*/ 7574797 w 7809954"/>
+              <a:gd name="connsiteY16" fmla="*/ 2318004 h 6858000"/>
+              <a:gd name="connsiteX17" fmla="*/ 7569922 w 7809954"/>
+              <a:gd name="connsiteY17" fmla="*/ 2467508 h 6858000"/>
+              <a:gd name="connsiteX18" fmla="*/ 7565720 w 7809954"/>
+              <a:gd name="connsiteY18" fmla="*/ 2617013 h 6858000"/>
+              <a:gd name="connsiteX19" fmla="*/ 7561686 w 7809954"/>
+              <a:gd name="connsiteY19" fmla="*/ 2765145 h 6858000"/>
+              <a:gd name="connsiteX20" fmla="*/ 7559837 w 7809954"/>
+              <a:gd name="connsiteY20" fmla="*/ 2911221 h 6858000"/>
+              <a:gd name="connsiteX21" fmla="*/ 7557820 w 7809954"/>
+              <a:gd name="connsiteY21" fmla="*/ 3057296 h 6858000"/>
+              <a:gd name="connsiteX22" fmla="*/ 7556811 w 7809954"/>
+              <a:gd name="connsiteY22" fmla="*/ 3201314 h 6858000"/>
+              <a:gd name="connsiteX23" fmla="*/ 7557820 w 7809954"/>
+              <a:gd name="connsiteY23" fmla="*/ 3343960 h 6858000"/>
+              <a:gd name="connsiteX24" fmla="*/ 7557820 w 7809954"/>
+              <a:gd name="connsiteY24" fmla="*/ 3485235 h 6858000"/>
+              <a:gd name="connsiteX25" fmla="*/ 7559837 w 7809954"/>
+              <a:gd name="connsiteY25" fmla="*/ 3625138 h 6858000"/>
+              <a:gd name="connsiteX26" fmla="*/ 7562862 w 7809954"/>
+              <a:gd name="connsiteY26" fmla="*/ 3762298 h 6858000"/>
+              <a:gd name="connsiteX27" fmla="*/ 7565720 w 7809954"/>
+              <a:gd name="connsiteY27" fmla="*/ 3898087 h 6858000"/>
+              <a:gd name="connsiteX28" fmla="*/ 7568914 w 7809954"/>
+              <a:gd name="connsiteY28" fmla="*/ 4031132 h 6858000"/>
+              <a:gd name="connsiteX29" fmla="*/ 7573788 w 7809954"/>
+              <a:gd name="connsiteY29" fmla="*/ 4163491 h 6858000"/>
+              <a:gd name="connsiteX30" fmla="*/ 7578999 w 7809954"/>
+              <a:gd name="connsiteY30" fmla="*/ 4293793 h 6858000"/>
+              <a:gd name="connsiteX31" fmla="*/ 7583705 w 7809954"/>
+              <a:gd name="connsiteY31" fmla="*/ 4421352 h 6858000"/>
+              <a:gd name="connsiteX32" fmla="*/ 7596985 w 7809954"/>
+              <a:gd name="connsiteY32" fmla="*/ 4670298 h 6858000"/>
+              <a:gd name="connsiteX33" fmla="*/ 7611104 w 7809954"/>
+              <a:gd name="connsiteY33" fmla="*/ 4908956 h 6858000"/>
+              <a:gd name="connsiteX34" fmla="*/ 7625896 w 7809954"/>
+              <a:gd name="connsiteY34" fmla="*/ 5138013 h 6858000"/>
+              <a:gd name="connsiteX35" fmla="*/ 7642201 w 7809954"/>
+              <a:gd name="connsiteY35" fmla="*/ 5354726 h 6858000"/>
+              <a:gd name="connsiteX36" fmla="*/ 7659178 w 7809954"/>
+              <a:gd name="connsiteY36" fmla="*/ 5561838 h 6858000"/>
+              <a:gd name="connsiteX37" fmla="*/ 7677499 w 7809954"/>
+              <a:gd name="connsiteY37" fmla="*/ 5753862 h 6858000"/>
+              <a:gd name="connsiteX38" fmla="*/ 7695485 w 7809954"/>
+              <a:gd name="connsiteY38" fmla="*/ 5934227 h 6858000"/>
+              <a:gd name="connsiteX39" fmla="*/ 7713470 w 7809954"/>
+              <a:gd name="connsiteY39" fmla="*/ 6100191 h 6858000"/>
+              <a:gd name="connsiteX40" fmla="*/ 7730447 w 7809954"/>
+              <a:gd name="connsiteY40" fmla="*/ 6252438 h 6858000"/>
+              <a:gd name="connsiteX41" fmla="*/ 7746584 w 7809954"/>
+              <a:gd name="connsiteY41" fmla="*/ 6387541 h 6858000"/>
+              <a:gd name="connsiteX42" fmla="*/ 7761880 w 7809954"/>
+              <a:gd name="connsiteY42" fmla="*/ 6509613 h 6858000"/>
+              <a:gd name="connsiteX43" fmla="*/ 7774655 w 7809954"/>
+              <a:gd name="connsiteY43" fmla="*/ 6612483 h 6858000"/>
+              <a:gd name="connsiteX44" fmla="*/ 7786757 w 7809954"/>
+              <a:gd name="connsiteY44" fmla="*/ 6698894 h 6858000"/>
+              <a:gd name="connsiteX45" fmla="*/ 7804071 w 7809954"/>
+              <a:gd name="connsiteY45" fmla="*/ 6817538 h 6858000"/>
+              <a:gd name="connsiteX46" fmla="*/ 7809954 w 7809954"/>
+              <a:gd name="connsiteY46" fmla="*/ 6858000 h 6858000"/>
+              <a:gd name="connsiteX47" fmla="*/ 7157124 w 7809954"/>
+              <a:gd name="connsiteY47" fmla="*/ 6858000 h 6858000"/>
+              <a:gd name="connsiteX48" fmla="*/ 7157124 w 7809954"/>
+              <a:gd name="connsiteY48" fmla="*/ 6858000 h 6858000"/>
+              <a:gd name="connsiteX49" fmla="*/ 0 w 7809954"/>
+              <a:gd name="connsiteY49" fmla="*/ 6858000 h 6858000"/>
+              <a:gd name="connsiteX50" fmla="*/ 0 w 7809954"/>
+              <a:gd name="connsiteY50" fmla="*/ 0 h 6858000"/>
+              <a:gd name="connsiteX51" fmla="*/ 6465239 w 7809954"/>
+              <a:gd name="connsiteY51" fmla="*/ 0 h 6858000"/>
+            </a:gdLst>
+            <a:ahLst/>
+            <a:cxnLst>
+              <a:cxn ang="0">
+                <a:pos x="connsiteX0" y="connsiteY0"/>
+              </a:cxn>
+              <a:cxn ang="0">
+                <a:pos x="connsiteX1" y="connsiteY1"/>
+              </a:cxn>
+              <a:cxn ang="0">
+                <a:pos x="connsiteX2" y="connsiteY2"/>
+              </a:cxn>
+              <a:cxn ang="0">
+                <a:pos x="connsiteX3" y="connsiteY3"/>
+              </a:cxn>
+              <a:cxn ang="0">
+                <a:pos x="connsiteX4" y="connsiteY4"/>
+              </a:cxn>
+              <a:cxn ang="0">
+                <a:pos x="connsiteX5" y="connsiteY5"/>
+              </a:cxn>
+              <a:cxn ang="0">
+                <a:pos x="connsiteX6" y="connsiteY6"/>
+              </a:cxn>
+              <a:cxn ang="0">
+                <a:pos x="connsiteX7" y="connsiteY7"/>
+              </a:cxn>
+              <a:cxn ang="0">
+                <a:pos x="connsiteX8" y="connsiteY8"/>
+              </a:cxn>
+              <a:cxn ang="0">
+                <a:pos x="connsiteX9" y="connsiteY9"/>
+              </a:cxn>
+              <a:cxn ang="0">
+                <a:pos x="connsiteX10" y="connsiteY10"/>
+              </a:cxn>
+              <a:cxn ang="0">
+                <a:pos x="connsiteX11" y="connsiteY11"/>
+              </a:cxn>
+              <a:cxn ang="0">
+                <a:pos x="connsiteX12" y="connsiteY12"/>
+              </a:cxn>
+              <a:cxn ang="0">
+                <a:pos x="connsiteX13" y="connsiteY13"/>
+              </a:cxn>
+              <a:cxn ang="0">
+                <a:pos x="connsiteX14" y="connsiteY14"/>
+              </a:cxn>
+              <a:cxn ang="0">
+                <a:pos x="connsiteX15" y="connsiteY15"/>
+              </a:cxn>
+              <a:cxn ang="0">
+                <a:pos x="connsiteX16" y="connsiteY16"/>
+              </a:cxn>
+              <a:cxn ang="0">
+                <a:pos x="connsiteX17" y="connsiteY17"/>
+              </a:cxn>
+              <a:cxn ang="0">
+                <a:pos x="connsiteX18" y="connsiteY18"/>
+              </a:cxn>
+              <a:cxn ang="0">
+                <a:pos x="connsiteX19" y="connsiteY19"/>
+              </a:cxn>
+              <a:cxn ang="0">
+                <a:pos x="connsiteX20" y="connsiteY20"/>
+              </a:cxn>
+              <a:cxn ang="0">
+                <a:pos x="connsiteX21" y="connsiteY21"/>
+              </a:cxn>
+              <a:cxn ang="0">
+                <a:pos x="connsiteX22" y="connsiteY22"/>
+              </a:cxn>
+              <a:cxn ang="0">
+                <a:pos x="connsiteX23" y="connsiteY23"/>
+              </a:cxn>
+              <a:cxn ang="0">
+                <a:pos x="connsiteX24" y="connsiteY24"/>
+              </a:cxn>
+              <a:cxn ang="0">
+                <a:pos x="connsiteX25" y="connsiteY25"/>
+              </a:cxn>
+              <a:cxn ang="0">
+                <a:pos x="connsiteX26" y="connsiteY26"/>
+              </a:cxn>
+              <a:cxn ang="0">
+                <a:pos x="connsiteX27" y="connsiteY27"/>
+              </a:cxn>
+              <a:cxn ang="0">
+                <a:pos x="connsiteX28" y="connsiteY28"/>
+              </a:cxn>
+              <a:cxn ang="0">
+                <a:pos x="connsiteX29" y="connsiteY29"/>
+              </a:cxn>
+              <a:cxn ang="0">
+                <a:pos x="connsiteX30" y="connsiteY30"/>
+              </a:cxn>
+              <a:cxn ang="0">
+                <a:pos x="connsiteX31" y="connsiteY31"/>
+              </a:cxn>
+              <a:cxn ang="0">
+                <a:pos x="connsiteX32" y="connsiteY32"/>
+              </a:cxn>
+              <a:cxn ang="0">
+                <a:pos x="connsiteX33" y="connsiteY33"/>
+              </a:cxn>
+              <a:cxn ang="0">
+                <a:pos x="connsiteX34" y="connsiteY34"/>
+              </a:cxn>
+              <a:cxn ang="0">
+                <a:pos x="connsiteX35" y="connsiteY35"/>
+              </a:cxn>
+              <a:cxn ang="0">
+                <a:pos x="connsiteX36" y="connsiteY36"/>
+              </a:cxn>
+              <a:cxn ang="0">
+                <a:pos x="connsiteX37" y="connsiteY37"/>
+              </a:cxn>
+              <a:cxn ang="0">
+                <a:pos x="connsiteX38" y="connsiteY38"/>
+              </a:cxn>
+              <a:cxn ang="0">
+                <a:pos x="connsiteX39" y="connsiteY39"/>
+              </a:cxn>
+              <a:cxn ang="0">
+                <a:pos x="connsiteX40" y="connsiteY40"/>
+              </a:cxn>
+              <a:cxn ang="0">
+                <a:pos x="connsiteX41" y="connsiteY41"/>
+              </a:cxn>
+              <a:cxn ang="0">
+                <a:pos x="connsiteX42" y="connsiteY42"/>
+              </a:cxn>
+              <a:cxn ang="0">
+                <a:pos x="connsiteX43" y="connsiteY43"/>
+              </a:cxn>
+              <a:cxn ang="0">
+                <a:pos x="connsiteX44" y="connsiteY44"/>
+              </a:cxn>
+              <a:cxn ang="0">
+                <a:pos x="connsiteX45" y="connsiteY45"/>
+              </a:cxn>
+              <a:cxn ang="0">
+                <a:pos x="connsiteX46" y="connsiteY46"/>
+              </a:cxn>
+              <a:cxn ang="0">
+                <a:pos x="connsiteX47" y="connsiteY47"/>
+              </a:cxn>
+              <a:cxn ang="0">
+                <a:pos x="connsiteX48" y="connsiteY48"/>
+              </a:cxn>
+              <a:cxn ang="0">
+                <a:pos x="connsiteX49" y="connsiteY49"/>
+              </a:cxn>
+              <a:cxn ang="0">
+                <a:pos x="connsiteX50" y="connsiteY50"/>
+              </a:cxn>
+              <a:cxn ang="0">
+                <a:pos x="connsiteX51" y="connsiteY51"/>
+              </a:cxn>
+            </a:cxnLst>
+            <a:rect l="l" t="t" r="r" b="b"/>
+            <a:pathLst>
+              <a:path w="7809954" h="6858000">
+                <a:moveTo>
+                  <a:pt x="6465239" y="0"/>
+                </a:moveTo>
+                <a:lnTo>
+                  <a:pt x="7808777" y="0"/>
+                </a:lnTo>
+                <a:lnTo>
+                  <a:pt x="7783732" y="155676"/>
+                </a:lnTo>
+                <a:lnTo>
+                  <a:pt x="7759863" y="310667"/>
+                </a:lnTo>
+                <a:lnTo>
+                  <a:pt x="7736499" y="466344"/>
+                </a:lnTo>
+                <a:lnTo>
+                  <a:pt x="7716496" y="622706"/>
+                </a:lnTo>
+                <a:lnTo>
+                  <a:pt x="7696325" y="778383"/>
+                </a:lnTo>
+                <a:lnTo>
+                  <a:pt x="7677499" y="934745"/>
+                </a:lnTo>
+                <a:lnTo>
+                  <a:pt x="7661363" y="1089050"/>
+                </a:lnTo>
+                <a:lnTo>
+                  <a:pt x="7646067" y="1245413"/>
+                </a:lnTo>
+                <a:lnTo>
+                  <a:pt x="7632115" y="1401089"/>
+                </a:lnTo>
+                <a:lnTo>
+                  <a:pt x="7620013" y="1554023"/>
+                </a:lnTo>
+                <a:lnTo>
+                  <a:pt x="7607910" y="1709013"/>
+                </a:lnTo>
+                <a:lnTo>
+                  <a:pt x="7597825" y="1861947"/>
+                </a:lnTo>
+                <a:lnTo>
+                  <a:pt x="7589925" y="2014880"/>
+                </a:lnTo>
+                <a:lnTo>
+                  <a:pt x="7581688" y="2167128"/>
+                </a:lnTo>
+                <a:lnTo>
+                  <a:pt x="7574797" y="2318004"/>
+                </a:lnTo>
+                <a:lnTo>
+                  <a:pt x="7569922" y="2467508"/>
+                </a:lnTo>
+                <a:lnTo>
+                  <a:pt x="7565720" y="2617013"/>
+                </a:lnTo>
+                <a:lnTo>
+                  <a:pt x="7561686" y="2765145"/>
+                </a:lnTo>
+                <a:lnTo>
+                  <a:pt x="7559837" y="2911221"/>
+                </a:lnTo>
+                <a:lnTo>
+                  <a:pt x="7557820" y="3057296"/>
+                </a:lnTo>
+                <a:lnTo>
+                  <a:pt x="7556811" y="3201314"/>
+                </a:lnTo>
+                <a:lnTo>
+                  <a:pt x="7557820" y="3343960"/>
+                </a:lnTo>
+                <a:lnTo>
+                  <a:pt x="7557820" y="3485235"/>
+                </a:lnTo>
+                <a:lnTo>
+                  <a:pt x="7559837" y="3625138"/>
+                </a:lnTo>
+                <a:lnTo>
+                  <a:pt x="7562862" y="3762298"/>
+                </a:lnTo>
+                <a:lnTo>
+                  <a:pt x="7565720" y="3898087"/>
+                </a:lnTo>
+                <a:lnTo>
+                  <a:pt x="7568914" y="4031132"/>
+                </a:lnTo>
+                <a:lnTo>
+                  <a:pt x="7573788" y="4163491"/>
+                </a:lnTo>
+                <a:lnTo>
+                  <a:pt x="7578999" y="4293793"/>
+                </a:lnTo>
+                <a:lnTo>
+                  <a:pt x="7583705" y="4421352"/>
+                </a:lnTo>
+                <a:lnTo>
+                  <a:pt x="7596985" y="4670298"/>
+                </a:lnTo>
+                <a:lnTo>
+                  <a:pt x="7611104" y="4908956"/>
+                </a:lnTo>
+                <a:lnTo>
+                  <a:pt x="7625896" y="5138013"/>
+                </a:lnTo>
+                <a:lnTo>
+                  <a:pt x="7642201" y="5354726"/>
+                </a:lnTo>
+                <a:lnTo>
+                  <a:pt x="7659178" y="5561838"/>
+                </a:lnTo>
+                <a:lnTo>
+                  <a:pt x="7677499" y="5753862"/>
+                </a:lnTo>
+                <a:lnTo>
+                  <a:pt x="7695485" y="5934227"/>
+                </a:lnTo>
+                <a:lnTo>
+                  <a:pt x="7713470" y="6100191"/>
+                </a:lnTo>
+                <a:lnTo>
+                  <a:pt x="7730447" y="6252438"/>
+                </a:lnTo>
+                <a:lnTo>
+                  <a:pt x="7746584" y="6387541"/>
+                </a:lnTo>
+                <a:lnTo>
+                  <a:pt x="7761880" y="6509613"/>
+                </a:lnTo>
+                <a:lnTo>
+                  <a:pt x="7774655" y="6612483"/>
+                </a:lnTo>
+                <a:lnTo>
+                  <a:pt x="7786757" y="6698894"/>
+                </a:lnTo>
+                <a:lnTo>
+                  <a:pt x="7804071" y="6817538"/>
+                </a:lnTo>
+                <a:lnTo>
+                  <a:pt x="7809954" y="6858000"/>
+                </a:lnTo>
+                <a:lnTo>
+                  <a:pt x="7157124" y="6858000"/>
+                </a:lnTo>
+                <a:lnTo>
+                  <a:pt x="7157124" y="6858000"/>
+                </a:lnTo>
+                <a:lnTo>
+                  <a:pt x="0" y="6858000"/>
+                </a:lnTo>
+                <a:lnTo>
+                  <a:pt x="0" y="0"/>
+                </a:lnTo>
+                <a:lnTo>
+                  <a:pt x="6465239" y="0"/>
+                </a:lnTo>
+                <a:close/>
+              </a:path>
+            </a:pathLst>
+          </a:custGeom>
+          <a:ln>
+            <a:noFill/>
+          </a:ln>
+        </p:spPr>
+        <p:style>
+          <a:lnRef idx="2">
+            <a:schemeClr val="accent1">
+              <a:shade val="50000"/>
+            </a:schemeClr>
+          </a:lnRef>
+          <a:fillRef idx="1">
+            <a:schemeClr val="accent1"/>
+          </a:fillRef>
+          <a:effectRef idx="0">
+            <a:schemeClr val="accent1"/>
+          </a:effectRef>
+          <a:fontRef idx="minor">
+            <a:schemeClr val="lt1"/>
+          </a:fontRef>
+        </p:style>
+        <p:txBody>
+          <a:bodyPr wrap="square" rtlCol="0" anchor="ctr">
+            <a:noAutofit/>
+          </a:bodyPr>
+          <a:lstStyle/>
+          <a:p>
+            <a:pPr algn="ctr"/>
+            <a:endParaRPr lang="en-US"/>
+          </a:p>
+        </p:txBody>
+      </p:sp>
+      <p:sp>
+        <p:nvSpPr>
+          <p:cNvPr id="53" name="Rectangle 52">
+            <a:extLst>
+              <a:ext uri="{FF2B5EF4-FFF2-40B4-BE49-F238E27FC236}">
+                <a16:creationId xmlns:a16="http://schemas.microsoft.com/office/drawing/2014/main" id="{F98810A7-E114-447A-A7D6-69B27CFB5650}"/>
+              </a:ext>
+              <a:ext uri="{C183D7F6-B498-43B3-948B-1728B52AA6E4}">
+                <adec:decorative xmlns:adec="http://schemas.microsoft.com/office/drawing/2017/decorative" val="1"/>
+              </a:ext>
+            </a:extLst>
+          </p:cNvPr>
+          <p:cNvSpPr>
+            <a:spLocks noGrp="1" noRot="1" noChangeAspect="1" noMove="1" noResize="1" noEditPoints="1" noAdjustHandles="1" noChangeArrowheads="1" noChangeShapeType="1" noTextEdit="1"/>
+          </p:cNvSpPr>
+          <p:nvPr>
+            <p:extLst>
+              <p:ext uri="{386F3935-93C4-4BCD-93E2-E3B085C9AB24}">
+                <p16:designElem xmlns:p16="http://schemas.microsoft.com/office/powerpoint/2015/main" val="1"/>
+              </p:ext>
+            </p:extLst>
+          </p:nvPr>
+        </p:nvSpPr>
+        <p:spPr>
+          <a:xfrm>
+            <a:off x="10437812" y="0"/>
+            <a:ext cx="685800" cy="1143000"/>
+          </a:xfrm>
+          <a:prstGeom prst="rect">
+            <a:avLst/>
+          </a:prstGeom>
+          <a:solidFill>
+            <a:schemeClr val="accent1"/>
+          </a:solidFill>
+          <a:ln>
+            <a:noFill/>
+          </a:ln>
+        </p:spPr>
+        <p:style>
+          <a:lnRef idx="1">
+            <a:schemeClr val="accent1"/>
+          </a:lnRef>
+          <a:fillRef idx="3">
+            <a:schemeClr val="accent1"/>
+          </a:fillRef>
+          <a:effectRef idx="2">
+            <a:schemeClr val="accent1"/>
+          </a:effectRef>
+          <a:fontRef idx="minor">
+            <a:schemeClr val="lt1"/>
+          </a:fontRef>
+        </p:style>
+      </p:sp>
+      <p:pic>
+        <p:nvPicPr>
+          <p:cNvPr id="7" name="Inhaltsplatzhalter 6" descr="Ein Bild, das Text enthält.&#10;&#10;Automatisch generierte Beschreibung">
+            <a:extLst>
+              <a:ext uri="{FF2B5EF4-FFF2-40B4-BE49-F238E27FC236}">
+                <a16:creationId xmlns:a16="http://schemas.microsoft.com/office/drawing/2014/main" id="{64D365F3-7E50-9689-576C-E20E61ABB619}"/>
+              </a:ext>
+            </a:extLst>
+          </p:cNvPr>
+          <p:cNvPicPr>
+            <a:picLocks noGrp="1" noChangeAspect="1"/>
+          </p:cNvPicPr>
           <p:nvPr>
             <p:ph idx="1"/>
           </p:nvPr>
-        </p:nvSpPr>
-        <p:spPr/>
-        <p:txBody>
-          <a:bodyPr/>
-          <a:lstStyle/>
-          <a:p>
-            <a:endParaRPr lang="de-AT"/>
-          </a:p>
-        </p:txBody>
-      </p:sp>
+        </p:nvPicPr>
+        <p:blipFill>
+          <a:blip r:embed="rId7">
+            <a:extLst>
+              <a:ext uri="{28A0092B-C50C-407E-A947-70E740481C1C}">
+                <a14:useLocalDpi xmlns:a14="http://schemas.microsoft.com/office/drawing/2010/main" val="0"/>
+              </a:ext>
+            </a:extLst>
+          </a:blip>
+          <a:stretch>
+            <a:fillRect/>
+          </a:stretch>
+        </p:blipFill>
+        <p:spPr>
+          <a:xfrm>
+            <a:off x="643854" y="701029"/>
+            <a:ext cx="6270662" cy="5455476"/>
+          </a:xfrm>
+          <a:prstGeom prst="rect">
+            <a:avLst/>
+          </a:prstGeom>
+          <a:effectLst/>
+        </p:spPr>
+      </p:pic>
     </p:spTree>
     <p:extLst>
       <p:ext uri="{BB962C8B-B14F-4D97-AF65-F5344CB8AC3E}">
@@ -18478,7 +20616,7 @@
     </p:extLst>
   </p:cSld>
   <p:clrMapOvr>
-    <a:masterClrMapping/>
+    <a:overrideClrMapping bg1="lt1" tx1="dk1" bg2="lt2" tx2="dk2" accent1="accent1" accent2="accent2" accent3="accent3" accent4="accent4" accent5="accent5" accent6="accent6" hlink="hlink" folHlink="folHlink"/>
   </p:clrMapOvr>
   <mc:AlternateContent xmlns:mc="http://schemas.openxmlformats.org/markup-compatibility/2006" xmlns:p14="http://schemas.microsoft.com/office/powerpoint/2010/main">
     <mc:Choice Requires="p14">

--- a/Praesentation/Praesentation_Diplomarbeit_FeedbackApp.pptx
+++ b/Praesentation/Praesentation_Diplomarbeit_FeedbackApp.pptx
@@ -911,46 +911,6 @@
         </a:p>
       </dgm:t>
     </dgm:pt>
-    <dgm:pt modelId="{0FA12690-5A1C-45EA-8450-BC7F9D1C6617}">
-      <dgm:prSet/>
-      <dgm:spPr/>
-      <dgm:t>
-        <a:bodyPr/>
-        <a:lstStyle/>
-        <a:p>
-          <a:pPr>
-            <a:defRPr cap="all"/>
-          </a:pPr>
-          <a:r>
-            <a:rPr lang="de-DE" b="0" i="0" dirty="0"/>
-            <a:t>Übersicht</a:t>
-          </a:r>
-          <a:endParaRPr lang="en-US" dirty="0"/>
-        </a:p>
-      </dgm:t>
-    </dgm:pt>
-    <dgm:pt modelId="{341F8298-BC5A-403E-8F70-9E5FC317790E}" type="parTrans" cxnId="{FD4A3D32-0375-4E72-A1BE-A57DE21671DB}">
-      <dgm:prSet/>
-      <dgm:spPr/>
-      <dgm:t>
-        <a:bodyPr/>
-        <a:lstStyle/>
-        <a:p>
-          <a:endParaRPr lang="en-US"/>
-        </a:p>
-      </dgm:t>
-    </dgm:pt>
-    <dgm:pt modelId="{2CFE4607-448D-4137-AB8E-F9FF7412B1A5}" type="sibTrans" cxnId="{FD4A3D32-0375-4E72-A1BE-A57DE21671DB}">
-      <dgm:prSet/>
-      <dgm:spPr/>
-      <dgm:t>
-        <a:bodyPr/>
-        <a:lstStyle/>
-        <a:p>
-          <a:endParaRPr lang="en-US"/>
-        </a:p>
-      </dgm:t>
-    </dgm:pt>
     <dgm:pt modelId="{DAC4B757-63D4-4753-A778-EA4E718AF9F0}">
       <dgm:prSet/>
       <dgm:spPr/>
@@ -1030,6 +990,46 @@
         </a:p>
       </dgm:t>
     </dgm:pt>
+    <dgm:pt modelId="{0FA12690-5A1C-45EA-8450-BC7F9D1C6617}">
+      <dgm:prSet/>
+      <dgm:spPr/>
+      <dgm:t>
+        <a:bodyPr/>
+        <a:lstStyle/>
+        <a:p>
+          <a:pPr>
+            <a:defRPr cap="all"/>
+          </a:pPr>
+          <a:r>
+            <a:rPr lang="de-DE" b="0" i="0" dirty="0"/>
+            <a:t>Übersicht</a:t>
+          </a:r>
+          <a:endParaRPr lang="en-US" dirty="0"/>
+        </a:p>
+      </dgm:t>
+    </dgm:pt>
+    <dgm:pt modelId="{2CFE4607-448D-4137-AB8E-F9FF7412B1A5}" type="sibTrans" cxnId="{FD4A3D32-0375-4E72-A1BE-A57DE21671DB}">
+      <dgm:prSet/>
+      <dgm:spPr/>
+      <dgm:t>
+        <a:bodyPr/>
+        <a:lstStyle/>
+        <a:p>
+          <a:endParaRPr lang="en-US"/>
+        </a:p>
+      </dgm:t>
+    </dgm:pt>
+    <dgm:pt modelId="{341F8298-BC5A-403E-8F70-9E5FC317790E}" type="parTrans" cxnId="{FD4A3D32-0375-4E72-A1BE-A57DE21671DB}">
+      <dgm:prSet/>
+      <dgm:spPr/>
+      <dgm:t>
+        <a:bodyPr/>
+        <a:lstStyle/>
+        <a:p>
+          <a:endParaRPr lang="en-US"/>
+        </a:p>
+      </dgm:t>
+    </dgm:pt>
     <dgm:pt modelId="{D492F88E-7C0D-40F0-AE89-AC1643D63FF9}">
       <dgm:prSet/>
       <dgm:spPr/>
@@ -1041,14 +1041,14 @@
             <a:defRPr cap="all"/>
           </a:pPr>
           <a:r>
-            <a:rPr lang="de-DE" b="0" i="0" dirty="0"/>
+            <a:rPr lang="de-DE" b="0" i="0"/>
             <a:t>Schluss</a:t>
           </a:r>
           <a:endParaRPr lang="en-US" dirty="0"/>
         </a:p>
       </dgm:t>
     </dgm:pt>
-    <dgm:pt modelId="{C7521E42-2CFC-44A4-A9F0-42318C243D30}" type="parTrans" cxnId="{4D971A24-4417-47A0-817C-060C6D1C0332}">
+    <dgm:pt modelId="{E158852B-698D-4173-9F5A-6C34F21909AC}" type="sibTrans" cxnId="{4D971A24-4417-47A0-817C-060C6D1C0332}">
       <dgm:prSet/>
       <dgm:spPr/>
       <dgm:t>
@@ -1059,7 +1059,7 @@
         </a:p>
       </dgm:t>
     </dgm:pt>
-    <dgm:pt modelId="{E158852B-698D-4173-9F5A-6C34F21909AC}" type="sibTrans" cxnId="{4D971A24-4417-47A0-817C-060C6D1C0332}">
+    <dgm:pt modelId="{C7521E42-2CFC-44A4-A9F0-42318C243D30}" type="parTrans" cxnId="{4D971A24-4417-47A0-817C-060C6D1C0332}">
       <dgm:prSet/>
       <dgm:spPr/>
       <dgm:t>
@@ -1928,7 +1928,7 @@
             <a:defRPr cap="all"/>
           </a:pPr>
           <a:r>
-            <a:rPr lang="de-DE" sz="3200" b="0" i="0" kern="1200" dirty="0"/>
+            <a:rPr lang="de-DE" sz="3200" b="0" i="0" kern="1200"/>
             <a:t>Schluss</a:t>
           </a:r>
           <a:endParaRPr lang="en-US" sz="3200" kern="1200" dirty="0"/>
@@ -3276,7 +3276,7 @@
             <a:pPr rtl="0"/>
             <a:fld id="{960672BD-261C-4EDC-9C5E-C246835120E7}" type="datetime1">
               <a:rPr lang="de-DE" smtClean="0"/>
-              <a:t>29.09.2022</a:t>
+              <a:t>04.10.2022</a:t>
             </a:fld>
             <a:endParaRPr lang="de-DE" dirty="0"/>
           </a:p>
@@ -3446,7 +3446,7 @@
             <a:pPr rtl="0"/>
             <a:fld id="{6B5664F4-ABD2-4F09-9758-D36145E15169}" type="datetime1">
               <a:rPr lang="de-DE" smtClean="0"/>
-              <a:t>29.09.2022</a:t>
+              <a:t>04.10.2022</a:t>
             </a:fld>
             <a:endParaRPr lang="de-DE" dirty="0"/>
           </a:p>
@@ -4289,7 +4289,7 @@
           <a:p>
             <a:fld id="{B87E5856-A753-4E39-9244-0500201B2094}" type="datetimeFigureOut">
               <a:rPr lang="de-DE" smtClean="0"/>
-              <a:t>29.09.2022</a:t>
+              <a:t>04.10.2022</a:t>
             </a:fld>
             <a:endParaRPr lang="de-DE"/>
           </a:p>
@@ -4589,7 +4589,7 @@
             <a:pPr rtl="0"/>
             <a:fld id="{8C96ADC6-BDC4-42FB-97FB-DA73ECD9CEE8}" type="datetime1">
               <a:rPr lang="de-DE" smtClean="0"/>
-              <a:t>29.09.2022</a:t>
+              <a:t>04.10.2022</a:t>
             </a:fld>
             <a:endParaRPr lang="de-DE" dirty="0"/>
           </a:p>
@@ -4885,7 +4885,7 @@
             <a:pPr rtl="0"/>
             <a:fld id="{8C96ADC6-BDC4-42FB-97FB-DA73ECD9CEE8}" type="datetime1">
               <a:rPr lang="de-DE" smtClean="0"/>
-              <a:t>29.09.2022</a:t>
+              <a:t>04.10.2022</a:t>
             </a:fld>
             <a:endParaRPr lang="de-DE" dirty="0"/>
           </a:p>
@@ -5100,7 +5100,7 @@
             <a:pPr rtl="0"/>
             <a:fld id="{8C96ADC6-BDC4-42FB-97FB-DA73ECD9CEE8}" type="datetime1">
               <a:rPr lang="de-DE" smtClean="0"/>
-              <a:t>29.09.2022</a:t>
+              <a:t>04.10.2022</a:t>
             </a:fld>
             <a:endParaRPr lang="de-DE" dirty="0"/>
           </a:p>
@@ -5394,7 +5394,7 @@
             <a:pPr rtl="0"/>
             <a:fld id="{8C96ADC6-BDC4-42FB-97FB-DA73ECD9CEE8}" type="datetime1">
               <a:rPr lang="de-DE" smtClean="0"/>
-              <a:t>29.09.2022</a:t>
+              <a:t>04.10.2022</a:t>
             </a:fld>
             <a:endParaRPr lang="de-DE" dirty="0"/>
           </a:p>
@@ -5756,7 +5756,7 @@
             <a:pPr rtl="0"/>
             <a:fld id="{8C96ADC6-BDC4-42FB-97FB-DA73ECD9CEE8}" type="datetime1">
               <a:rPr lang="de-DE" smtClean="0"/>
-              <a:t>29.09.2022</a:t>
+              <a:t>04.10.2022</a:t>
             </a:fld>
             <a:endParaRPr lang="de-DE" dirty="0"/>
           </a:p>
@@ -6400,7 +6400,7 @@
             <a:pPr rtl="0"/>
             <a:fld id="{8C96ADC6-BDC4-42FB-97FB-DA73ECD9CEE8}" type="datetime1">
               <a:rPr lang="de-DE" smtClean="0"/>
-              <a:t>29.09.2022</a:t>
+              <a:t>04.10.2022</a:t>
             </a:fld>
             <a:endParaRPr lang="de-DE" dirty="0"/>
           </a:p>
@@ -7281,7 +7281,7 @@
             <a:pPr rtl="0"/>
             <a:fld id="{8C96ADC6-BDC4-42FB-97FB-DA73ECD9CEE8}" type="datetime1">
               <a:rPr lang="de-DE" smtClean="0"/>
-              <a:t>29.09.2022</a:t>
+              <a:t>04.10.2022</a:t>
             </a:fld>
             <a:endParaRPr lang="de-DE" dirty="0"/>
           </a:p>
@@ -7472,7 +7472,7 @@
             <a:pPr rtl="0"/>
             <a:fld id="{6D86D372-411D-4B4E-9C3F-27EFF2F8BE1E}" type="datetime1">
               <a:rPr lang="de-DE" smtClean="0"/>
-              <a:t>29.09.2022</a:t>
+              <a:t>04.10.2022</a:t>
             </a:fld>
             <a:endParaRPr lang="de-DE" dirty="0"/>
           </a:p>
@@ -7671,7 +7671,7 @@
             <a:pPr rtl="0"/>
             <a:fld id="{E326EB1D-CBBF-438D-A188-239583155CD5}" type="datetime1">
               <a:rPr lang="de-DE" smtClean="0"/>
-              <a:t>29.09.2022</a:t>
+              <a:t>04.10.2022</a:t>
             </a:fld>
             <a:endParaRPr lang="de-DE" dirty="0"/>
           </a:p>
@@ -8147,7 +8147,7 @@
           <a:p>
             <a:fld id="{4AAD347D-5ACD-4C99-B74B-A9C85AD731AF}" type="datetimeFigureOut">
               <a:rPr lang="en-US" smtClean="0"/>
-              <a:t>9/29/2022</a:t>
+              <a:t>10/4/2022</a:t>
             </a:fld>
             <a:endParaRPr lang="en-US" dirty="0"/>
           </a:p>
@@ -8383,7 +8383,7 @@
             <a:pPr rtl="0"/>
             <a:fld id="{0158FB9A-9055-4D91-A8D6-422B1A47ADD6}" type="datetime1">
               <a:rPr lang="de-DE" smtClean="0"/>
-              <a:t>29.09.2022</a:t>
+              <a:t>04.10.2022</a:t>
             </a:fld>
             <a:endParaRPr lang="de-DE" dirty="0"/>
           </a:p>
@@ -8649,7 +8649,7 @@
             <a:pPr rtl="0"/>
             <a:fld id="{8C96ADC6-BDC4-42FB-97FB-DA73ECD9CEE8}" type="datetime1">
               <a:rPr lang="de-DE" smtClean="0"/>
-              <a:t>29.09.2022</a:t>
+              <a:t>04.10.2022</a:t>
             </a:fld>
             <a:endParaRPr lang="de-DE" dirty="0"/>
           </a:p>
@@ -8962,7 +8962,7 @@
             <a:pPr rtl="0"/>
             <a:fld id="{F3AD2B2A-001E-4204-A9F7-ADB62FDFB3C2}" type="datetime1">
               <a:rPr lang="de-DE" smtClean="0"/>
-              <a:t>29.09.2022</a:t>
+              <a:t>04.10.2022</a:t>
             </a:fld>
             <a:endParaRPr lang="de-DE" dirty="0"/>
           </a:p>
@@ -9425,7 +9425,7 @@
             <a:pPr rtl="0"/>
             <a:fld id="{D0598511-F564-4313-9C85-1BB6BF3D8A32}" type="datetime1">
               <a:rPr lang="de-DE" smtClean="0"/>
-              <a:t>29.09.2022</a:t>
+              <a:t>04.10.2022</a:t>
             </a:fld>
             <a:endParaRPr lang="de-DE" dirty="0"/>
           </a:p>
@@ -9562,7 +9562,7 @@
             <a:pPr rtl="0"/>
             <a:fld id="{2E8B8011-CBA9-4FB0-934D-C2F23F0053DB}" type="datetime1">
               <a:rPr lang="de-DE" smtClean="0"/>
-              <a:t>29.09.2022</a:t>
+              <a:t>04.10.2022</a:t>
             </a:fld>
             <a:endParaRPr lang="de-DE" dirty="0"/>
           </a:p>
@@ -9675,7 +9675,7 @@
           <a:p>
             <a:fld id="{4509A250-FF31-4206-8172-F9D3106AACB1}" type="datetimeFigureOut">
               <a:rPr lang="en-US" smtClean="0"/>
-              <a:t>9/29/2022</a:t>
+              <a:t>10/4/2022</a:t>
             </a:fld>
             <a:endParaRPr lang="en-US" dirty="0"/>
           </a:p>
@@ -9967,7 +9967,7 @@
             <a:pPr rtl="0"/>
             <a:fld id="{8C96ADC6-BDC4-42FB-97FB-DA73ECD9CEE8}" type="datetime1">
               <a:rPr lang="de-DE" smtClean="0"/>
-              <a:t>29.09.2022</a:t>
+              <a:t>04.10.2022</a:t>
             </a:fld>
             <a:endParaRPr lang="de-DE" dirty="0"/>
           </a:p>
@@ -10216,7 +10216,7 @@
           <a:p>
             <a:fld id="{B87E5856-A753-4E39-9244-0500201B2094}" type="datetimeFigureOut">
               <a:rPr lang="de-DE" smtClean="0"/>
-              <a:t>29.09.2022</a:t>
+              <a:t>04.10.2022</a:t>
             </a:fld>
             <a:endParaRPr lang="de-DE"/>
           </a:p>
@@ -10986,7 +10986,7 @@
           <a:p>
             <a:fld id="{B87E5856-A753-4E39-9244-0500201B2094}" type="datetimeFigureOut">
               <a:rPr lang="de-DE" smtClean="0"/>
-              <a:t>29.09.2022</a:t>
+              <a:t>04.10.2022</a:t>
             </a:fld>
             <a:endParaRPr lang="de-DE"/>
           </a:p>
@@ -16360,14 +16360,14 @@
           <a:lstStyle/>
           <a:p>
             <a:r>
-              <a:rPr lang="de-DE">
+              <a:rPr lang="de-DE" dirty="0">
                 <a:solidFill>
                   <a:srgbClr val="EBEBEB"/>
                 </a:solidFill>
               </a:rPr>
               <a:t>Inhaltsübersicht Teil 1 – Stefano Pyringer</a:t>
             </a:r>
-            <a:endParaRPr lang="de-AT">
+            <a:endParaRPr lang="de-AT" dirty="0">
               <a:solidFill>
                 <a:srgbClr val="EBEBEB"/>
               </a:solidFill>
@@ -18969,6 +18969,14 @@
 <file path=ppt/slides/slide7.xml><?xml version="1.0" encoding="utf-8"?>
 <p:sld xmlns:a="http://schemas.openxmlformats.org/drawingml/2006/main" xmlns:r="http://schemas.openxmlformats.org/officeDocument/2006/relationships" xmlns:p="http://schemas.openxmlformats.org/presentationml/2006/main">
   <p:cSld>
+    <p:bg>
+      <p:bgPr>
+        <a:solidFill>
+          <a:schemeClr val="bg1"/>
+        </a:solidFill>
+        <a:effectLst/>
+      </p:bgPr>
+    </p:bg>
     <p:spTree>
       <p:nvGrpSpPr>
         <p:cNvPr id="1" name=""/>
@@ -18985,6 +18993,66 @@
       </p:grpSpPr>
       <p:sp>
         <p:nvSpPr>
+          <p:cNvPr id="15" name="Rectangle 14">
+            <a:extLst>
+              <a:ext uri="{FF2B5EF4-FFF2-40B4-BE49-F238E27FC236}">
+                <a16:creationId xmlns:a16="http://schemas.microsoft.com/office/drawing/2014/main" id="{B4AAD3FD-83A5-4B89-9F8F-01B8870865BE}"/>
+              </a:ext>
+              <a:ext uri="{C183D7F6-B498-43B3-948B-1728B52AA6E4}">
+                <adec:decorative xmlns:adec="http://schemas.microsoft.com/office/drawing/2017/decorative" val="1"/>
+              </a:ext>
+            </a:extLst>
+          </p:cNvPr>
+          <p:cNvSpPr>
+            <a:spLocks noGrp="1" noRot="1" noChangeAspect="1" noMove="1" noResize="1" noEditPoints="1" noAdjustHandles="1" noChangeArrowheads="1" noChangeShapeType="1" noTextEdit="1"/>
+          </p:cNvSpPr>
+          <p:nvPr>
+            <p:extLst>
+              <p:ext uri="{386F3935-93C4-4BCD-93E2-E3B085C9AB24}">
+                <p16:designElem xmlns:p16="http://schemas.microsoft.com/office/powerpoint/2015/main" val="1"/>
+              </p:ext>
+            </p:extLst>
+          </p:nvPr>
+        </p:nvSpPr>
+        <p:spPr>
+          <a:xfrm>
+            <a:off x="0" y="0"/>
+            <a:ext cx="12192000" cy="6858000"/>
+          </a:xfrm>
+          <a:prstGeom prst="rect">
+            <a:avLst/>
+          </a:prstGeom>
+          <a:ln>
+            <a:noFill/>
+          </a:ln>
+        </p:spPr>
+        <p:style>
+          <a:lnRef idx="2">
+            <a:schemeClr val="accent1">
+              <a:shade val="50000"/>
+            </a:schemeClr>
+          </a:lnRef>
+          <a:fillRef idx="1003">
+            <a:schemeClr val="dk2"/>
+          </a:fillRef>
+          <a:effectRef idx="0">
+            <a:schemeClr val="accent1"/>
+          </a:effectRef>
+          <a:fontRef idx="minor">
+            <a:schemeClr val="lt1"/>
+          </a:fontRef>
+        </p:style>
+        <p:txBody>
+          <a:bodyPr rtlCol="0" anchor="ctr"/>
+          <a:lstStyle/>
+          <a:p>
+            <a:pPr algn="ctr"/>
+            <a:endParaRPr lang="en-US"/>
+          </a:p>
+        </p:txBody>
+      </p:sp>
+      <p:sp>
+        <p:nvSpPr>
           <p:cNvPr id="2" name="Titel 1">
             <a:extLst>
               <a:ext uri="{FF2B5EF4-FFF2-40B4-BE49-F238E27FC236}">
@@ -18999,62 +19067,932 @@
             <p:ph type="title"/>
           </p:nvPr>
         </p:nvSpPr>
-        <p:spPr/>
-        <p:txBody>
-          <a:bodyPr/>
-          <a:lstStyle/>
-          <a:p>
-            <a:r>
-              <a:rPr lang="de-DE" dirty="0"/>
-              <a:t>Teil 1 - Datenstruktur</a:t>
-            </a:r>
-            <a:endParaRPr lang="de-AT" dirty="0"/>
-          </a:p>
-        </p:txBody>
-      </p:sp>
-      <p:sp>
-        <p:nvSpPr>
-          <p:cNvPr id="3" name="Inhaltsplatzhalter 2">
-            <a:extLst>
-              <a:ext uri="{FF2B5EF4-FFF2-40B4-BE49-F238E27FC236}">
-                <a16:creationId xmlns:a16="http://schemas.microsoft.com/office/drawing/2014/main" id="{3BB62304-ED0F-91CB-F5EE-D35FE0C29777}"/>
-              </a:ext>
-            </a:extLst>
-          </p:cNvPr>
-          <p:cNvSpPr>
-            <a:spLocks noGrp="1"/>
-          </p:cNvSpPr>
-          <p:nvPr>
-            <p:ph idx="1"/>
-          </p:nvPr>
-        </p:nvSpPr>
-        <p:spPr/>
+        <p:spPr>
+          <a:xfrm>
+            <a:off x="648931" y="629266"/>
+            <a:ext cx="4166510" cy="1622321"/>
+          </a:xfrm>
+        </p:spPr>
         <p:txBody>
           <a:bodyPr>
             <a:normAutofit/>
           </a:bodyPr>
           <a:lstStyle/>
           <a:p>
-            <a:pPr>
-              <a:lnSpc>
-                <a:spcPct val="150000"/>
-              </a:lnSpc>
-            </a:pPr>
             <a:r>
-              <a:rPr lang="de-DE" sz="2400" dirty="0"/>
-              <a:t>Bild einfügen od. </a:t>
+              <a:rPr lang="de-DE" dirty="0">
+                <a:solidFill>
+                  <a:srgbClr val="EBEBEB"/>
+                </a:solidFill>
+              </a:rPr>
+              <a:t>Teil 1 - Datenstruktur</a:t>
             </a:r>
-            <a:r>
-              <a:rPr lang="de-DE" sz="2400" dirty="0" err="1"/>
-              <a:t>Erkärung</a:t>
-            </a:r>
-            <a:r>
-              <a:rPr lang="de-DE" sz="2400" dirty="0"/>
-              <a:t> des ERD</a:t>
-            </a:r>
-            <a:endParaRPr lang="de-AT" sz="2400" dirty="0"/>
+            <a:endParaRPr lang="de-AT" dirty="0">
+              <a:solidFill>
+                <a:srgbClr val="EBEBEB"/>
+              </a:solidFill>
+            </a:endParaRPr>
           </a:p>
         </p:txBody>
+      </p:sp>
+      <p:sp>
+        <p:nvSpPr>
+          <p:cNvPr id="17" name="Freeform 31">
+            <a:extLst>
+              <a:ext uri="{FF2B5EF4-FFF2-40B4-BE49-F238E27FC236}">
+                <a16:creationId xmlns:a16="http://schemas.microsoft.com/office/drawing/2014/main" id="{61752F1D-FC0F-4103-9584-630E643CCDA6}"/>
+              </a:ext>
+              <a:ext uri="{C183D7F6-B498-43B3-948B-1728B52AA6E4}">
+                <adec:decorative xmlns:adec="http://schemas.microsoft.com/office/drawing/2017/decorative" val="1"/>
+              </a:ext>
+            </a:extLst>
+          </p:cNvPr>
+          <p:cNvSpPr>
+            <a:spLocks noGrp="1" noRot="1" noChangeAspect="1" noMove="1" noResize="1" noEditPoints="1" noAdjustHandles="1" noChangeArrowheads="1" noChangeShapeType="1" noTextEdit="1"/>
+          </p:cNvSpPr>
+          <p:nvPr>
+            <p:extLst>
+              <p:ext uri="{386F3935-93C4-4BCD-93E2-E3B085C9AB24}">
+                <p16:designElem xmlns:p16="http://schemas.microsoft.com/office/powerpoint/2015/main" val="1"/>
+              </p:ext>
+            </p:extLst>
+          </p:nvPr>
+        </p:nvSpPr>
+        <p:spPr>
+          <a:xfrm>
+            <a:off x="4994020" y="-1"/>
+            <a:ext cx="559472" cy="3709642"/>
+          </a:xfrm>
+          <a:custGeom>
+            <a:avLst/>
+            <a:gdLst>
+              <a:gd name="connsiteX0" fmla="*/ 0 w 559472"/>
+              <a:gd name="connsiteY0" fmla="*/ 0 h 3709642"/>
+              <a:gd name="connsiteX1" fmla="*/ 473952 w 559472"/>
+              <a:gd name="connsiteY1" fmla="*/ 0 h 3709642"/>
+              <a:gd name="connsiteX2" fmla="*/ 485840 w 559472"/>
+              <a:gd name="connsiteY2" fmla="*/ 161194 h 3709642"/>
+              <a:gd name="connsiteX3" fmla="*/ 523949 w 559472"/>
+              <a:gd name="connsiteY3" fmla="*/ 3672197 h 3709642"/>
+              <a:gd name="connsiteX4" fmla="*/ 454748 w 559472"/>
+              <a:gd name="connsiteY4" fmla="*/ 3709642 h 3709642"/>
+              <a:gd name="connsiteX5" fmla="*/ 448224 w 559472"/>
+              <a:gd name="connsiteY5" fmla="*/ 3510471 h 3709642"/>
+              <a:gd name="connsiteX6" fmla="*/ 443564 w 559472"/>
+              <a:gd name="connsiteY6" fmla="*/ 3408563 h 3709642"/>
+              <a:gd name="connsiteX7" fmla="*/ 438902 w 559472"/>
+              <a:gd name="connsiteY7" fmla="*/ 3304407 h 3709642"/>
+              <a:gd name="connsiteX8" fmla="*/ 433941 w 559472"/>
+              <a:gd name="connsiteY8" fmla="*/ 3198777 h 3709642"/>
+              <a:gd name="connsiteX9" fmla="*/ 427584 w 559472"/>
+              <a:gd name="connsiteY9" fmla="*/ 3092510 h 3709642"/>
+              <a:gd name="connsiteX10" fmla="*/ 420988 w 559472"/>
+              <a:gd name="connsiteY10" fmla="*/ 2984390 h 3709642"/>
+              <a:gd name="connsiteX11" fmla="*/ 414330 w 559472"/>
+              <a:gd name="connsiteY11" fmla="*/ 2874401 h 3709642"/>
+              <a:gd name="connsiteX12" fmla="*/ 406840 w 559472"/>
+              <a:gd name="connsiteY12" fmla="*/ 2762980 h 3709642"/>
+              <a:gd name="connsiteX13" fmla="*/ 397745 w 559472"/>
+              <a:gd name="connsiteY13" fmla="*/ 2650566 h 3709642"/>
+              <a:gd name="connsiteX14" fmla="*/ 389154 w 559472"/>
+              <a:gd name="connsiteY14" fmla="*/ 2536612 h 3709642"/>
+              <a:gd name="connsiteX15" fmla="*/ 379225 w 559472"/>
+              <a:gd name="connsiteY15" fmla="*/ 2421642 h 3709642"/>
+              <a:gd name="connsiteX16" fmla="*/ 368316 w 559472"/>
+              <a:gd name="connsiteY16" fmla="*/ 2305627 h 3709642"/>
+              <a:gd name="connsiteX17" fmla="*/ 357466 w 559472"/>
+              <a:gd name="connsiteY17" fmla="*/ 2189233 h 3709642"/>
+              <a:gd name="connsiteX18" fmla="*/ 344982 w 559472"/>
+              <a:gd name="connsiteY18" fmla="*/ 2071473 h 3709642"/>
+              <a:gd name="connsiteX19" fmla="*/ 332466 w 559472"/>
+              <a:gd name="connsiteY19" fmla="*/ 1952216 h 3709642"/>
+              <a:gd name="connsiteX20" fmla="*/ 319121 w 559472"/>
+              <a:gd name="connsiteY20" fmla="*/ 1833776 h 3709642"/>
+              <a:gd name="connsiteX21" fmla="*/ 304408 w 559472"/>
+              <a:gd name="connsiteY21" fmla="*/ 1713948 h 3709642"/>
+              <a:gd name="connsiteX22" fmla="*/ 288685 w 559472"/>
+              <a:gd name="connsiteY22" fmla="*/ 1592703 h 3709642"/>
+              <a:gd name="connsiteX23" fmla="*/ 273050 w 559472"/>
+              <a:gd name="connsiteY23" fmla="*/ 1471451 h 3709642"/>
+              <a:gd name="connsiteX24" fmla="*/ 255813 w 559472"/>
+              <a:gd name="connsiteY24" fmla="*/ 1350328 h 3709642"/>
+              <a:gd name="connsiteX25" fmla="*/ 237060 w 559472"/>
+              <a:gd name="connsiteY25" fmla="*/ 1227080 h 3709642"/>
+              <a:gd name="connsiteX26" fmla="*/ 218488 w 559472"/>
+              <a:gd name="connsiteY26" fmla="*/ 1106065 h 3709642"/>
+              <a:gd name="connsiteX27" fmla="*/ 198221 w 559472"/>
+              <a:gd name="connsiteY27" fmla="*/ 982940 h 3709642"/>
+              <a:gd name="connsiteX28" fmla="*/ 177152 w 559472"/>
+              <a:gd name="connsiteY28" fmla="*/ 858755 h 3709642"/>
+              <a:gd name="connsiteX29" fmla="*/ 155551 w 559472"/>
+              <a:gd name="connsiteY29" fmla="*/ 736861 h 3709642"/>
+              <a:gd name="connsiteX30" fmla="*/ 131782 w 559472"/>
+              <a:gd name="connsiteY30" fmla="*/ 613645 h 3709642"/>
+              <a:gd name="connsiteX31" fmla="*/ 107123 w 559472"/>
+              <a:gd name="connsiteY31" fmla="*/ 490500 h 3709642"/>
+              <a:gd name="connsiteX32" fmla="*/ 82552 w 559472"/>
+              <a:gd name="connsiteY32" fmla="*/ 367348 h 3709642"/>
+              <a:gd name="connsiteX33" fmla="*/ 55608 w 559472"/>
+              <a:gd name="connsiteY33" fmla="*/ 244762 h 3709642"/>
+              <a:gd name="connsiteX34" fmla="*/ 28130 w 559472"/>
+              <a:gd name="connsiteY34" fmla="*/ 122220 h 3709642"/>
+              <a:gd name="connsiteX35" fmla="*/ 0 w 559472"/>
+              <a:gd name="connsiteY35" fmla="*/ 0 h 3709642"/>
+            </a:gdLst>
+            <a:ahLst/>
+            <a:cxnLst>
+              <a:cxn ang="0">
+                <a:pos x="connsiteX0" y="connsiteY0"/>
+              </a:cxn>
+              <a:cxn ang="0">
+                <a:pos x="connsiteX1" y="connsiteY1"/>
+              </a:cxn>
+              <a:cxn ang="0">
+                <a:pos x="connsiteX2" y="connsiteY2"/>
+              </a:cxn>
+              <a:cxn ang="0">
+                <a:pos x="connsiteX3" y="connsiteY3"/>
+              </a:cxn>
+              <a:cxn ang="0">
+                <a:pos x="connsiteX4" y="connsiteY4"/>
+              </a:cxn>
+              <a:cxn ang="0">
+                <a:pos x="connsiteX5" y="connsiteY5"/>
+              </a:cxn>
+              <a:cxn ang="0">
+                <a:pos x="connsiteX6" y="connsiteY6"/>
+              </a:cxn>
+              <a:cxn ang="0">
+                <a:pos x="connsiteX7" y="connsiteY7"/>
+              </a:cxn>
+              <a:cxn ang="0">
+                <a:pos x="connsiteX8" y="connsiteY8"/>
+              </a:cxn>
+              <a:cxn ang="0">
+                <a:pos x="connsiteX9" y="connsiteY9"/>
+              </a:cxn>
+              <a:cxn ang="0">
+                <a:pos x="connsiteX10" y="connsiteY10"/>
+              </a:cxn>
+              <a:cxn ang="0">
+                <a:pos x="connsiteX11" y="connsiteY11"/>
+              </a:cxn>
+              <a:cxn ang="0">
+                <a:pos x="connsiteX12" y="connsiteY12"/>
+              </a:cxn>
+              <a:cxn ang="0">
+                <a:pos x="connsiteX13" y="connsiteY13"/>
+              </a:cxn>
+              <a:cxn ang="0">
+                <a:pos x="connsiteX14" y="connsiteY14"/>
+              </a:cxn>
+              <a:cxn ang="0">
+                <a:pos x="connsiteX15" y="connsiteY15"/>
+              </a:cxn>
+              <a:cxn ang="0">
+                <a:pos x="connsiteX16" y="connsiteY16"/>
+              </a:cxn>
+              <a:cxn ang="0">
+                <a:pos x="connsiteX17" y="connsiteY17"/>
+              </a:cxn>
+              <a:cxn ang="0">
+                <a:pos x="connsiteX18" y="connsiteY18"/>
+              </a:cxn>
+              <a:cxn ang="0">
+                <a:pos x="connsiteX19" y="connsiteY19"/>
+              </a:cxn>
+              <a:cxn ang="0">
+                <a:pos x="connsiteX20" y="connsiteY20"/>
+              </a:cxn>
+              <a:cxn ang="0">
+                <a:pos x="connsiteX21" y="connsiteY21"/>
+              </a:cxn>
+              <a:cxn ang="0">
+                <a:pos x="connsiteX22" y="connsiteY22"/>
+              </a:cxn>
+              <a:cxn ang="0">
+                <a:pos x="connsiteX23" y="connsiteY23"/>
+              </a:cxn>
+              <a:cxn ang="0">
+                <a:pos x="connsiteX24" y="connsiteY24"/>
+              </a:cxn>
+              <a:cxn ang="0">
+                <a:pos x="connsiteX25" y="connsiteY25"/>
+              </a:cxn>
+              <a:cxn ang="0">
+                <a:pos x="connsiteX26" y="connsiteY26"/>
+              </a:cxn>
+              <a:cxn ang="0">
+                <a:pos x="connsiteX27" y="connsiteY27"/>
+              </a:cxn>
+              <a:cxn ang="0">
+                <a:pos x="connsiteX28" y="connsiteY28"/>
+              </a:cxn>
+              <a:cxn ang="0">
+                <a:pos x="connsiteX29" y="connsiteY29"/>
+              </a:cxn>
+              <a:cxn ang="0">
+                <a:pos x="connsiteX30" y="connsiteY30"/>
+              </a:cxn>
+              <a:cxn ang="0">
+                <a:pos x="connsiteX31" y="connsiteY31"/>
+              </a:cxn>
+              <a:cxn ang="0">
+                <a:pos x="connsiteX32" y="connsiteY32"/>
+              </a:cxn>
+              <a:cxn ang="0">
+                <a:pos x="connsiteX33" y="connsiteY33"/>
+              </a:cxn>
+              <a:cxn ang="0">
+                <a:pos x="connsiteX34" y="connsiteY34"/>
+              </a:cxn>
+              <a:cxn ang="0">
+                <a:pos x="connsiteX35" y="connsiteY35"/>
+              </a:cxn>
+            </a:cxnLst>
+            <a:rect l="l" t="t" r="r" b="b"/>
+            <a:pathLst>
+              <a:path w="559472" h="3709642">
+                <a:moveTo>
+                  <a:pt x="0" y="0"/>
+                </a:moveTo>
+                <a:lnTo>
+                  <a:pt x="473952" y="0"/>
+                </a:lnTo>
+                <a:lnTo>
+                  <a:pt x="485840" y="161194"/>
+                </a:lnTo>
+                <a:cubicBezTo>
+                  <a:pt x="552063" y="1147770"/>
+                  <a:pt x="592441" y="3086737"/>
+                  <a:pt x="523949" y="3672197"/>
+                </a:cubicBezTo>
+                <a:cubicBezTo>
+                  <a:pt x="500842" y="3684557"/>
+                  <a:pt x="477855" y="3697282"/>
+                  <a:pt x="454748" y="3709642"/>
+                </a:cubicBezTo>
+                <a:lnTo>
+                  <a:pt x="448224" y="3510471"/>
+                </a:lnTo>
+                <a:lnTo>
+                  <a:pt x="443564" y="3408563"/>
+                </a:lnTo>
+                <a:lnTo>
+                  <a:pt x="438902" y="3304407"/>
+                </a:lnTo>
+                <a:lnTo>
+                  <a:pt x="433941" y="3198777"/>
+                </a:lnTo>
+                <a:lnTo>
+                  <a:pt x="427584" y="3092510"/>
+                </a:lnTo>
+                <a:lnTo>
+                  <a:pt x="420988" y="2984390"/>
+                </a:lnTo>
+                <a:lnTo>
+                  <a:pt x="414330" y="2874401"/>
+                </a:lnTo>
+                <a:lnTo>
+                  <a:pt x="406840" y="2762980"/>
+                </a:lnTo>
+                <a:lnTo>
+                  <a:pt x="397745" y="2650566"/>
+                </a:lnTo>
+                <a:lnTo>
+                  <a:pt x="389154" y="2536612"/>
+                </a:lnTo>
+                <a:lnTo>
+                  <a:pt x="379225" y="2421642"/>
+                </a:lnTo>
+                <a:lnTo>
+                  <a:pt x="368316" y="2305627"/>
+                </a:lnTo>
+                <a:lnTo>
+                  <a:pt x="357466" y="2189233"/>
+                </a:lnTo>
+                <a:lnTo>
+                  <a:pt x="344982" y="2071473"/>
+                </a:lnTo>
+                <a:lnTo>
+                  <a:pt x="332466" y="1952216"/>
+                </a:lnTo>
+                <a:lnTo>
+                  <a:pt x="319121" y="1833776"/>
+                </a:lnTo>
+                <a:lnTo>
+                  <a:pt x="304408" y="1713948"/>
+                </a:lnTo>
+                <a:lnTo>
+                  <a:pt x="288685" y="1592703"/>
+                </a:lnTo>
+                <a:lnTo>
+                  <a:pt x="273050" y="1471451"/>
+                </a:lnTo>
+                <a:lnTo>
+                  <a:pt x="255813" y="1350328"/>
+                </a:lnTo>
+                <a:lnTo>
+                  <a:pt x="237060" y="1227080"/>
+                </a:lnTo>
+                <a:lnTo>
+                  <a:pt x="218488" y="1106065"/>
+                </a:lnTo>
+                <a:lnTo>
+                  <a:pt x="198221" y="982940"/>
+                </a:lnTo>
+                <a:lnTo>
+                  <a:pt x="177152" y="858755"/>
+                </a:lnTo>
+                <a:lnTo>
+                  <a:pt x="155551" y="736861"/>
+                </a:lnTo>
+                <a:lnTo>
+                  <a:pt x="131782" y="613645"/>
+                </a:lnTo>
+                <a:lnTo>
+                  <a:pt x="107123" y="490500"/>
+                </a:lnTo>
+                <a:lnTo>
+                  <a:pt x="82552" y="367348"/>
+                </a:lnTo>
+                <a:lnTo>
+                  <a:pt x="55608" y="244762"/>
+                </a:lnTo>
+                <a:lnTo>
+                  <a:pt x="28130" y="122220"/>
+                </a:lnTo>
+                <a:lnTo>
+                  <a:pt x="0" y="0"/>
+                </a:lnTo>
+                <a:close/>
+              </a:path>
+            </a:pathLst>
+          </a:custGeom>
+          <a:solidFill>
+            <a:schemeClr val="bg1">
+              <a:alpha val="20000"/>
+            </a:schemeClr>
+          </a:solidFill>
+          <a:ln>
+            <a:noFill/>
+          </a:ln>
+        </p:spPr>
+        <p:txBody>
+          <a:bodyPr rtlCol="0" anchor="ctr"/>
+          <a:lstStyle/>
+          <a:p>
+            <a:pPr algn="ctr"/>
+            <a:endParaRPr lang="en-US"/>
+          </a:p>
+        </p:txBody>
+      </p:sp>
+      <p:sp useBgFill="1">
+        <p:nvSpPr>
+          <p:cNvPr id="19" name="Freeform: Shape 18">
+            <a:extLst>
+              <a:ext uri="{FF2B5EF4-FFF2-40B4-BE49-F238E27FC236}">
+                <a16:creationId xmlns:a16="http://schemas.microsoft.com/office/drawing/2014/main" id="{70151CB7-E7DE-4917-B831-01DF9CE01306}"/>
+              </a:ext>
+              <a:ext uri="{C183D7F6-B498-43B3-948B-1728B52AA6E4}">
+                <adec:decorative xmlns:adec="http://schemas.microsoft.com/office/drawing/2017/decorative" val="1"/>
+              </a:ext>
+            </a:extLst>
+          </p:cNvPr>
+          <p:cNvSpPr>
+            <a:spLocks noGrp="1" noRot="1" noChangeAspect="1" noMove="1" noResize="1" noEditPoints="1" noAdjustHandles="1" noChangeArrowheads="1" noChangeShapeType="1" noTextEdit="1"/>
+          </p:cNvSpPr>
+          <p:nvPr>
+            <p:extLst>
+              <p:ext uri="{386F3935-93C4-4BCD-93E2-E3B085C9AB24}">
+                <p16:designElem xmlns:p16="http://schemas.microsoft.com/office/powerpoint/2015/main" val="1"/>
+              </p:ext>
+            </p:extLst>
+          </p:nvPr>
+        </p:nvSpPr>
+        <p:spPr bwMode="gray">
+          <a:xfrm rot="16200000">
+            <a:off x="5270819" y="-63600"/>
+            <a:ext cx="6858001" cy="6985200"/>
+          </a:xfrm>
+          <a:custGeom>
+            <a:avLst/>
+            <a:gdLst>
+              <a:gd name="connsiteX0" fmla="*/ 6858001 w 6858001"/>
+              <a:gd name="connsiteY0" fmla="*/ 1177 h 6985200"/>
+              <a:gd name="connsiteX1" fmla="*/ 6858001 w 6858001"/>
+              <a:gd name="connsiteY1" fmla="*/ 1344715 h 6985200"/>
+              <a:gd name="connsiteX2" fmla="*/ 6858000 w 6858001"/>
+              <a:gd name="connsiteY2" fmla="*/ 1344715 h 6985200"/>
+              <a:gd name="connsiteX3" fmla="*/ 6858000 w 6858001"/>
+              <a:gd name="connsiteY3" fmla="*/ 6985200 h 6985200"/>
+              <a:gd name="connsiteX4" fmla="*/ 0 w 6858001"/>
+              <a:gd name="connsiteY4" fmla="*/ 6985199 h 6985200"/>
+              <a:gd name="connsiteX5" fmla="*/ 0 w 6858001"/>
+              <a:gd name="connsiteY5" fmla="*/ 886772 h 6985200"/>
+              <a:gd name="connsiteX6" fmla="*/ 1 w 6858001"/>
+              <a:gd name="connsiteY6" fmla="*/ 886772 h 6985200"/>
+              <a:gd name="connsiteX7" fmla="*/ 1 w 6858001"/>
+              <a:gd name="connsiteY7" fmla="*/ 0 h 6985200"/>
+              <a:gd name="connsiteX8" fmla="*/ 40463 w 6858001"/>
+              <a:gd name="connsiteY8" fmla="*/ 5883 h 6985200"/>
+              <a:gd name="connsiteX9" fmla="*/ 159107 w 6858001"/>
+              <a:gd name="connsiteY9" fmla="*/ 23196 h 6985200"/>
+              <a:gd name="connsiteX10" fmla="*/ 245518 w 6858001"/>
+              <a:gd name="connsiteY10" fmla="*/ 35299 h 6985200"/>
+              <a:gd name="connsiteX11" fmla="*/ 348388 w 6858001"/>
+              <a:gd name="connsiteY11" fmla="*/ 48073 h 6985200"/>
+              <a:gd name="connsiteX12" fmla="*/ 470460 w 6858001"/>
+              <a:gd name="connsiteY12" fmla="*/ 63369 h 6985200"/>
+              <a:gd name="connsiteX13" fmla="*/ 605563 w 6858001"/>
+              <a:gd name="connsiteY13" fmla="*/ 79506 h 6985200"/>
+              <a:gd name="connsiteX14" fmla="*/ 757810 w 6858001"/>
+              <a:gd name="connsiteY14" fmla="*/ 96483 h 6985200"/>
+              <a:gd name="connsiteX15" fmla="*/ 923774 w 6858001"/>
+              <a:gd name="connsiteY15" fmla="*/ 114469 h 6985200"/>
+              <a:gd name="connsiteX16" fmla="*/ 1104139 w 6858001"/>
+              <a:gd name="connsiteY16" fmla="*/ 132454 h 6985200"/>
+              <a:gd name="connsiteX17" fmla="*/ 1296163 w 6858001"/>
+              <a:gd name="connsiteY17" fmla="*/ 150776 h 6985200"/>
+              <a:gd name="connsiteX18" fmla="*/ 1503275 w 6858001"/>
+              <a:gd name="connsiteY18" fmla="*/ 167753 h 6985200"/>
+              <a:gd name="connsiteX19" fmla="*/ 1719988 w 6858001"/>
+              <a:gd name="connsiteY19" fmla="*/ 184058 h 6985200"/>
+              <a:gd name="connsiteX20" fmla="*/ 1949045 w 6858001"/>
+              <a:gd name="connsiteY20" fmla="*/ 198849 h 6985200"/>
+              <a:gd name="connsiteX21" fmla="*/ 2187703 w 6858001"/>
+              <a:gd name="connsiteY21" fmla="*/ 212969 h 6985200"/>
+              <a:gd name="connsiteX22" fmla="*/ 2436649 w 6858001"/>
+              <a:gd name="connsiteY22" fmla="*/ 226248 h 6985200"/>
+              <a:gd name="connsiteX23" fmla="*/ 2564208 w 6858001"/>
+              <a:gd name="connsiteY23" fmla="*/ 230955 h 6985200"/>
+              <a:gd name="connsiteX24" fmla="*/ 2694509 w 6858001"/>
+              <a:gd name="connsiteY24" fmla="*/ 236165 h 6985200"/>
+              <a:gd name="connsiteX25" fmla="*/ 2826869 w 6858001"/>
+              <a:gd name="connsiteY25" fmla="*/ 241040 h 6985200"/>
+              <a:gd name="connsiteX26" fmla="*/ 2959914 w 6858001"/>
+              <a:gd name="connsiteY26" fmla="*/ 244234 h 6985200"/>
+              <a:gd name="connsiteX27" fmla="*/ 3095702 w 6858001"/>
+              <a:gd name="connsiteY27" fmla="*/ 247091 h 6985200"/>
+              <a:gd name="connsiteX28" fmla="*/ 3232862 w 6858001"/>
+              <a:gd name="connsiteY28" fmla="*/ 250117 h 6985200"/>
+              <a:gd name="connsiteX29" fmla="*/ 3372766 w 6858001"/>
+              <a:gd name="connsiteY29" fmla="*/ 252134 h 6985200"/>
+              <a:gd name="connsiteX30" fmla="*/ 3514040 w 6858001"/>
+              <a:gd name="connsiteY30" fmla="*/ 252134 h 6985200"/>
+              <a:gd name="connsiteX31" fmla="*/ 3656686 w 6858001"/>
+              <a:gd name="connsiteY31" fmla="*/ 253142 h 6985200"/>
+              <a:gd name="connsiteX32" fmla="*/ 3800705 w 6858001"/>
+              <a:gd name="connsiteY32" fmla="*/ 252134 h 6985200"/>
+              <a:gd name="connsiteX33" fmla="*/ 3946780 w 6858001"/>
+              <a:gd name="connsiteY33" fmla="*/ 250117 h 6985200"/>
+              <a:gd name="connsiteX34" fmla="*/ 4092856 w 6858001"/>
+              <a:gd name="connsiteY34" fmla="*/ 248268 h 6985200"/>
+              <a:gd name="connsiteX35" fmla="*/ 4240988 w 6858001"/>
+              <a:gd name="connsiteY35" fmla="*/ 244234 h 6985200"/>
+              <a:gd name="connsiteX36" fmla="*/ 4390492 w 6858001"/>
+              <a:gd name="connsiteY36" fmla="*/ 240032 h 6985200"/>
+              <a:gd name="connsiteX37" fmla="*/ 4539997 w 6858001"/>
+              <a:gd name="connsiteY37" fmla="*/ 235157 h 6985200"/>
+              <a:gd name="connsiteX38" fmla="*/ 4690873 w 6858001"/>
+              <a:gd name="connsiteY38" fmla="*/ 228266 h 6985200"/>
+              <a:gd name="connsiteX39" fmla="*/ 4843120 w 6858001"/>
+              <a:gd name="connsiteY39" fmla="*/ 220029 h 6985200"/>
+              <a:gd name="connsiteX40" fmla="*/ 4996054 w 6858001"/>
+              <a:gd name="connsiteY40" fmla="*/ 212129 h 6985200"/>
+              <a:gd name="connsiteX41" fmla="*/ 5148987 w 6858001"/>
+              <a:gd name="connsiteY41" fmla="*/ 202044 h 6985200"/>
+              <a:gd name="connsiteX42" fmla="*/ 5303978 w 6858001"/>
+              <a:gd name="connsiteY42" fmla="*/ 189941 h 6985200"/>
+              <a:gd name="connsiteX43" fmla="*/ 5456911 w 6858001"/>
+              <a:gd name="connsiteY43" fmla="*/ 177839 h 6985200"/>
+              <a:gd name="connsiteX44" fmla="*/ 5612588 w 6858001"/>
+              <a:gd name="connsiteY44" fmla="*/ 163887 h 6985200"/>
+              <a:gd name="connsiteX45" fmla="*/ 5768950 w 6858001"/>
+              <a:gd name="connsiteY45" fmla="*/ 148591 h 6985200"/>
+              <a:gd name="connsiteX46" fmla="*/ 5923255 w 6858001"/>
+              <a:gd name="connsiteY46" fmla="*/ 132455 h 6985200"/>
+              <a:gd name="connsiteX47" fmla="*/ 6079618 w 6858001"/>
+              <a:gd name="connsiteY47" fmla="*/ 113629 h 6985200"/>
+              <a:gd name="connsiteX48" fmla="*/ 6235294 w 6858001"/>
+              <a:gd name="connsiteY48" fmla="*/ 93458 h 6985200"/>
+              <a:gd name="connsiteX49" fmla="*/ 6391657 w 6858001"/>
+              <a:gd name="connsiteY49" fmla="*/ 73455 h 6985200"/>
+              <a:gd name="connsiteX50" fmla="*/ 6547333 w 6858001"/>
+              <a:gd name="connsiteY50" fmla="*/ 50091 h 6985200"/>
+              <a:gd name="connsiteX51" fmla="*/ 6702324 w 6858001"/>
+              <a:gd name="connsiteY51" fmla="*/ 26222 h 6985200"/>
+            </a:gdLst>
+            <a:ahLst/>
+            <a:cxnLst>
+              <a:cxn ang="0">
+                <a:pos x="connsiteX0" y="connsiteY0"/>
+              </a:cxn>
+              <a:cxn ang="0">
+                <a:pos x="connsiteX1" y="connsiteY1"/>
+              </a:cxn>
+              <a:cxn ang="0">
+                <a:pos x="connsiteX2" y="connsiteY2"/>
+              </a:cxn>
+              <a:cxn ang="0">
+                <a:pos x="connsiteX3" y="connsiteY3"/>
+              </a:cxn>
+              <a:cxn ang="0">
+                <a:pos x="connsiteX4" y="connsiteY4"/>
+              </a:cxn>
+              <a:cxn ang="0">
+                <a:pos x="connsiteX5" y="connsiteY5"/>
+              </a:cxn>
+              <a:cxn ang="0">
+                <a:pos x="connsiteX6" y="connsiteY6"/>
+              </a:cxn>
+              <a:cxn ang="0">
+                <a:pos x="connsiteX7" y="connsiteY7"/>
+              </a:cxn>
+              <a:cxn ang="0">
+                <a:pos x="connsiteX8" y="connsiteY8"/>
+              </a:cxn>
+              <a:cxn ang="0">
+                <a:pos x="connsiteX9" y="connsiteY9"/>
+              </a:cxn>
+              <a:cxn ang="0">
+                <a:pos x="connsiteX10" y="connsiteY10"/>
+              </a:cxn>
+              <a:cxn ang="0">
+                <a:pos x="connsiteX11" y="connsiteY11"/>
+              </a:cxn>
+              <a:cxn ang="0">
+                <a:pos x="connsiteX12" y="connsiteY12"/>
+              </a:cxn>
+              <a:cxn ang="0">
+                <a:pos x="connsiteX13" y="connsiteY13"/>
+              </a:cxn>
+              <a:cxn ang="0">
+                <a:pos x="connsiteX14" y="connsiteY14"/>
+              </a:cxn>
+              <a:cxn ang="0">
+                <a:pos x="connsiteX15" y="connsiteY15"/>
+              </a:cxn>
+              <a:cxn ang="0">
+                <a:pos x="connsiteX16" y="connsiteY16"/>
+              </a:cxn>
+              <a:cxn ang="0">
+                <a:pos x="connsiteX17" y="connsiteY17"/>
+              </a:cxn>
+              <a:cxn ang="0">
+                <a:pos x="connsiteX18" y="connsiteY18"/>
+              </a:cxn>
+              <a:cxn ang="0">
+                <a:pos x="connsiteX19" y="connsiteY19"/>
+              </a:cxn>
+              <a:cxn ang="0">
+                <a:pos x="connsiteX20" y="connsiteY20"/>
+              </a:cxn>
+              <a:cxn ang="0">
+                <a:pos x="connsiteX21" y="connsiteY21"/>
+              </a:cxn>
+              <a:cxn ang="0">
+                <a:pos x="connsiteX22" y="connsiteY22"/>
+              </a:cxn>
+              <a:cxn ang="0">
+                <a:pos x="connsiteX23" y="connsiteY23"/>
+              </a:cxn>
+              <a:cxn ang="0">
+                <a:pos x="connsiteX24" y="connsiteY24"/>
+              </a:cxn>
+              <a:cxn ang="0">
+                <a:pos x="connsiteX25" y="connsiteY25"/>
+              </a:cxn>
+              <a:cxn ang="0">
+                <a:pos x="connsiteX26" y="connsiteY26"/>
+              </a:cxn>
+              <a:cxn ang="0">
+                <a:pos x="connsiteX27" y="connsiteY27"/>
+              </a:cxn>
+              <a:cxn ang="0">
+                <a:pos x="connsiteX28" y="connsiteY28"/>
+              </a:cxn>
+              <a:cxn ang="0">
+                <a:pos x="connsiteX29" y="connsiteY29"/>
+              </a:cxn>
+              <a:cxn ang="0">
+                <a:pos x="connsiteX30" y="connsiteY30"/>
+              </a:cxn>
+              <a:cxn ang="0">
+                <a:pos x="connsiteX31" y="connsiteY31"/>
+              </a:cxn>
+              <a:cxn ang="0">
+                <a:pos x="connsiteX32" y="connsiteY32"/>
+              </a:cxn>
+              <a:cxn ang="0">
+                <a:pos x="connsiteX33" y="connsiteY33"/>
+              </a:cxn>
+              <a:cxn ang="0">
+                <a:pos x="connsiteX34" y="connsiteY34"/>
+              </a:cxn>
+              <a:cxn ang="0">
+                <a:pos x="connsiteX35" y="connsiteY35"/>
+              </a:cxn>
+              <a:cxn ang="0">
+                <a:pos x="connsiteX36" y="connsiteY36"/>
+              </a:cxn>
+              <a:cxn ang="0">
+                <a:pos x="connsiteX37" y="connsiteY37"/>
+              </a:cxn>
+              <a:cxn ang="0">
+                <a:pos x="connsiteX38" y="connsiteY38"/>
+              </a:cxn>
+              <a:cxn ang="0">
+                <a:pos x="connsiteX39" y="connsiteY39"/>
+              </a:cxn>
+              <a:cxn ang="0">
+                <a:pos x="connsiteX40" y="connsiteY40"/>
+              </a:cxn>
+              <a:cxn ang="0">
+                <a:pos x="connsiteX41" y="connsiteY41"/>
+              </a:cxn>
+              <a:cxn ang="0">
+                <a:pos x="connsiteX42" y="connsiteY42"/>
+              </a:cxn>
+              <a:cxn ang="0">
+                <a:pos x="connsiteX43" y="connsiteY43"/>
+              </a:cxn>
+              <a:cxn ang="0">
+                <a:pos x="connsiteX44" y="connsiteY44"/>
+              </a:cxn>
+              <a:cxn ang="0">
+                <a:pos x="connsiteX45" y="connsiteY45"/>
+              </a:cxn>
+              <a:cxn ang="0">
+                <a:pos x="connsiteX46" y="connsiteY46"/>
+              </a:cxn>
+              <a:cxn ang="0">
+                <a:pos x="connsiteX47" y="connsiteY47"/>
+              </a:cxn>
+              <a:cxn ang="0">
+                <a:pos x="connsiteX48" y="connsiteY48"/>
+              </a:cxn>
+              <a:cxn ang="0">
+                <a:pos x="connsiteX49" y="connsiteY49"/>
+              </a:cxn>
+              <a:cxn ang="0">
+                <a:pos x="connsiteX50" y="connsiteY50"/>
+              </a:cxn>
+              <a:cxn ang="0">
+                <a:pos x="connsiteX51" y="connsiteY51"/>
+              </a:cxn>
+            </a:cxnLst>
+            <a:rect l="l" t="t" r="r" b="b"/>
+            <a:pathLst>
+              <a:path w="6858001" h="6985200">
+                <a:moveTo>
+                  <a:pt x="6858001" y="1177"/>
+                </a:moveTo>
+                <a:lnTo>
+                  <a:pt x="6858001" y="1344715"/>
+                </a:lnTo>
+                <a:lnTo>
+                  <a:pt x="6858000" y="1344715"/>
+                </a:lnTo>
+                <a:lnTo>
+                  <a:pt x="6858000" y="6985200"/>
+                </a:lnTo>
+                <a:lnTo>
+                  <a:pt x="0" y="6985199"/>
+                </a:lnTo>
+                <a:lnTo>
+                  <a:pt x="0" y="886772"/>
+                </a:lnTo>
+                <a:lnTo>
+                  <a:pt x="1" y="886772"/>
+                </a:lnTo>
+                <a:lnTo>
+                  <a:pt x="1" y="0"/>
+                </a:lnTo>
+                <a:lnTo>
+                  <a:pt x="40463" y="5883"/>
+                </a:lnTo>
+                <a:lnTo>
+                  <a:pt x="159107" y="23196"/>
+                </a:lnTo>
+                <a:lnTo>
+                  <a:pt x="245518" y="35299"/>
+                </a:lnTo>
+                <a:lnTo>
+                  <a:pt x="348388" y="48073"/>
+                </a:lnTo>
+                <a:lnTo>
+                  <a:pt x="470460" y="63369"/>
+                </a:lnTo>
+                <a:lnTo>
+                  <a:pt x="605563" y="79506"/>
+                </a:lnTo>
+                <a:lnTo>
+                  <a:pt x="757810" y="96483"/>
+                </a:lnTo>
+                <a:lnTo>
+                  <a:pt x="923774" y="114469"/>
+                </a:lnTo>
+                <a:lnTo>
+                  <a:pt x="1104139" y="132454"/>
+                </a:lnTo>
+                <a:lnTo>
+                  <a:pt x="1296163" y="150776"/>
+                </a:lnTo>
+                <a:lnTo>
+                  <a:pt x="1503275" y="167753"/>
+                </a:lnTo>
+                <a:lnTo>
+                  <a:pt x="1719988" y="184058"/>
+                </a:lnTo>
+                <a:lnTo>
+                  <a:pt x="1949045" y="198849"/>
+                </a:lnTo>
+                <a:lnTo>
+                  <a:pt x="2187703" y="212969"/>
+                </a:lnTo>
+                <a:lnTo>
+                  <a:pt x="2436649" y="226248"/>
+                </a:lnTo>
+                <a:lnTo>
+                  <a:pt x="2564208" y="230955"/>
+                </a:lnTo>
+                <a:lnTo>
+                  <a:pt x="2694509" y="236165"/>
+                </a:lnTo>
+                <a:lnTo>
+                  <a:pt x="2826869" y="241040"/>
+                </a:lnTo>
+                <a:lnTo>
+                  <a:pt x="2959914" y="244234"/>
+                </a:lnTo>
+                <a:lnTo>
+                  <a:pt x="3095702" y="247091"/>
+                </a:lnTo>
+                <a:lnTo>
+                  <a:pt x="3232862" y="250117"/>
+                </a:lnTo>
+                <a:lnTo>
+                  <a:pt x="3372766" y="252134"/>
+                </a:lnTo>
+                <a:lnTo>
+                  <a:pt x="3514040" y="252134"/>
+                </a:lnTo>
+                <a:lnTo>
+                  <a:pt x="3656686" y="253142"/>
+                </a:lnTo>
+                <a:lnTo>
+                  <a:pt x="3800705" y="252134"/>
+                </a:lnTo>
+                <a:lnTo>
+                  <a:pt x="3946780" y="250117"/>
+                </a:lnTo>
+                <a:lnTo>
+                  <a:pt x="4092856" y="248268"/>
+                </a:lnTo>
+                <a:lnTo>
+                  <a:pt x="4240988" y="244234"/>
+                </a:lnTo>
+                <a:lnTo>
+                  <a:pt x="4390492" y="240032"/>
+                </a:lnTo>
+                <a:lnTo>
+                  <a:pt x="4539997" y="235157"/>
+                </a:lnTo>
+                <a:lnTo>
+                  <a:pt x="4690873" y="228266"/>
+                </a:lnTo>
+                <a:lnTo>
+                  <a:pt x="4843120" y="220029"/>
+                </a:lnTo>
+                <a:lnTo>
+                  <a:pt x="4996054" y="212129"/>
+                </a:lnTo>
+                <a:lnTo>
+                  <a:pt x="5148987" y="202044"/>
+                </a:lnTo>
+                <a:lnTo>
+                  <a:pt x="5303978" y="189941"/>
+                </a:lnTo>
+                <a:lnTo>
+                  <a:pt x="5456911" y="177839"/>
+                </a:lnTo>
+                <a:lnTo>
+                  <a:pt x="5612588" y="163887"/>
+                </a:lnTo>
+                <a:lnTo>
+                  <a:pt x="5768950" y="148591"/>
+                </a:lnTo>
+                <a:lnTo>
+                  <a:pt x="5923255" y="132455"/>
+                </a:lnTo>
+                <a:lnTo>
+                  <a:pt x="6079618" y="113629"/>
+                </a:lnTo>
+                <a:lnTo>
+                  <a:pt x="6235294" y="93458"/>
+                </a:lnTo>
+                <a:lnTo>
+                  <a:pt x="6391657" y="73455"/>
+                </a:lnTo>
+                <a:lnTo>
+                  <a:pt x="6547333" y="50091"/>
+                </a:lnTo>
+                <a:lnTo>
+                  <a:pt x="6702324" y="26222"/>
+                </a:lnTo>
+                <a:close/>
+              </a:path>
+            </a:pathLst>
+          </a:custGeom>
+          <a:ln>
+            <a:noFill/>
+          </a:ln>
+        </p:spPr>
+      </p:sp>
+      <p:pic>
+        <p:nvPicPr>
+          <p:cNvPr id="8" name="Inhaltsplatzhalter 7">
+            <a:extLst>
+              <a:ext uri="{FF2B5EF4-FFF2-40B4-BE49-F238E27FC236}">
+                <a16:creationId xmlns:a16="http://schemas.microsoft.com/office/drawing/2014/main" id="{536389E2-87E0-C852-6FE9-3DBE1279A5F6}"/>
+              </a:ext>
+            </a:extLst>
+          </p:cNvPr>
+          <p:cNvPicPr>
+            <a:picLocks noChangeAspect="1"/>
+          </p:cNvPicPr>
+          <p:nvPr/>
+        </p:nvPicPr>
+        <p:blipFill>
+          <a:blip r:embed="rId2"/>
+          <a:stretch>
+            <a:fillRect/>
+          </a:stretch>
+        </p:blipFill>
+        <p:spPr>
+          <a:xfrm>
+            <a:off x="6093992" y="813052"/>
+            <a:ext cx="5449889" cy="5231893"/>
+          </a:xfrm>
+          <a:prstGeom prst="rect">
+            <a:avLst/>
+          </a:prstGeom>
+          <a:effectLst/>
+        </p:spPr>
+      </p:pic>
+      <p:sp>
+        <p:nvSpPr>
+          <p:cNvPr id="21" name="Rectangle 20">
+            <a:extLst>
+              <a:ext uri="{FF2B5EF4-FFF2-40B4-BE49-F238E27FC236}">
+                <a16:creationId xmlns:a16="http://schemas.microsoft.com/office/drawing/2014/main" id="{A92A1116-1C84-41DF-B803-1F7B0883EC82}"/>
+              </a:ext>
+              <a:ext uri="{C183D7F6-B498-43B3-948B-1728B52AA6E4}">
+                <adec:decorative xmlns:adec="http://schemas.microsoft.com/office/drawing/2017/decorative" val="1"/>
+              </a:ext>
+            </a:extLst>
+          </p:cNvPr>
+          <p:cNvSpPr>
+            <a:spLocks noGrp="1" noRot="1" noChangeAspect="1" noMove="1" noResize="1" noEditPoints="1" noAdjustHandles="1" noChangeArrowheads="1" noChangeShapeType="1" noTextEdit="1"/>
+          </p:cNvSpPr>
+          <p:nvPr>
+            <p:extLst>
+              <p:ext uri="{386F3935-93C4-4BCD-93E2-E3B085C9AB24}">
+                <p16:designElem xmlns:p16="http://schemas.microsoft.com/office/powerpoint/2015/main" val="1"/>
+              </p:ext>
+            </p:extLst>
+          </p:nvPr>
+        </p:nvSpPr>
+        <p:spPr>
+          <a:xfrm>
+            <a:off x="10442448" y="0"/>
+            <a:ext cx="685800" cy="1143000"/>
+          </a:xfrm>
+          <a:prstGeom prst="rect">
+            <a:avLst/>
+          </a:prstGeom>
+          <a:solidFill>
+            <a:schemeClr val="accent1"/>
+          </a:solidFill>
+          <a:ln>
+            <a:noFill/>
+          </a:ln>
+        </p:spPr>
+        <p:style>
+          <a:lnRef idx="1">
+            <a:schemeClr val="accent1"/>
+          </a:lnRef>
+          <a:fillRef idx="3">
+            <a:schemeClr val="accent1"/>
+          </a:fillRef>
+          <a:effectRef idx="2">
+            <a:schemeClr val="accent1"/>
+          </a:effectRef>
+          <a:fontRef idx="minor">
+            <a:schemeClr val="lt1"/>
+          </a:fontRef>
+        </p:style>
       </p:sp>
     </p:spTree>
     <p:extLst>
@@ -19064,7 +20002,7 @@
     </p:extLst>
   </p:cSld>
   <p:clrMapOvr>
-    <a:masterClrMapping/>
+    <a:overrideClrMapping bg1="lt1" tx1="dk1" bg2="lt2" tx2="dk2" accent1="accent1" accent2="accent2" accent3="accent3" accent4="accent4" accent5="accent5" accent6="accent6" hlink="hlink" folHlink="folHlink"/>
   </p:clrMapOvr>
   <mc:AlternateContent xmlns:mc="http://schemas.openxmlformats.org/markup-compatibility/2006" xmlns:p14="http://schemas.microsoft.com/office/powerpoint/2010/main">
     <mc:Choice Requires="p14">

--- a/Praesentation/Praesentation_Diplomarbeit_FeedbackApp.pptx
+++ b/Praesentation/Praesentation_Diplomarbeit_FeedbackApp.pptx
@@ -19994,6 +19994,99 @@
           </a:fontRef>
         </p:style>
       </p:sp>
+      <p:sp>
+        <p:nvSpPr>
+          <p:cNvPr id="12" name="Content Placeholder 11">
+            <a:extLst>
+              <a:ext uri="{FF2B5EF4-FFF2-40B4-BE49-F238E27FC236}">
+                <a16:creationId xmlns:a16="http://schemas.microsoft.com/office/drawing/2014/main" id="{69C23906-2859-A5EB-BD47-101AB765F622}"/>
+              </a:ext>
+            </a:extLst>
+          </p:cNvPr>
+          <p:cNvSpPr>
+            <a:spLocks noGrp="1"/>
+          </p:cNvSpPr>
+          <p:nvPr>
+            <p:ph idx="1"/>
+          </p:nvPr>
+        </p:nvSpPr>
+        <p:spPr>
+          <a:xfrm>
+            <a:off x="648931" y="2438400"/>
+            <a:ext cx="4166509" cy="3785419"/>
+          </a:xfrm>
+        </p:spPr>
+        <p:txBody>
+          <a:bodyPr>
+            <a:normAutofit/>
+          </a:bodyPr>
+          <a:lstStyle/>
+          <a:p>
+            <a:r>
+              <a:rPr lang="en-US" dirty="0">
+                <a:solidFill>
+                  <a:srgbClr val="EBEBEB"/>
+                </a:solidFill>
+              </a:rPr>
+              <a:t>User</a:t>
+            </a:r>
+          </a:p>
+          <a:p>
+            <a:pPr lvl="1"/>
+            <a:r>
+              <a:rPr lang="en-US" dirty="0">
+                <a:solidFill>
+                  <a:srgbClr val="EBEBEB"/>
+                </a:solidFill>
+              </a:rPr>
+              <a:t>Lehrer</a:t>
+            </a:r>
+          </a:p>
+          <a:p>
+            <a:pPr lvl="2"/>
+            <a:r>
+              <a:rPr lang="en-US" dirty="0" err="1">
+                <a:solidFill>
+                  <a:srgbClr val="EBEBEB"/>
+                </a:solidFill>
+              </a:rPr>
+              <a:t>TeachingUnit</a:t>
+            </a:r>
+            <a:endParaRPr lang="en-US" dirty="0">
+              <a:solidFill>
+                <a:srgbClr val="EBEBEB"/>
+              </a:solidFill>
+            </a:endParaRPr>
+          </a:p>
+          <a:p>
+            <a:pPr lvl="1"/>
+            <a:r>
+              <a:rPr lang="en-US" dirty="0" err="1">
+                <a:solidFill>
+                  <a:srgbClr val="EBEBEB"/>
+                </a:solidFill>
+              </a:rPr>
+              <a:t>Schüler</a:t>
+            </a:r>
+            <a:endParaRPr lang="en-US" dirty="0">
+              <a:solidFill>
+                <a:srgbClr val="EBEBEB"/>
+              </a:solidFill>
+            </a:endParaRPr>
+          </a:p>
+          <a:p>
+            <a:pPr lvl="2"/>
+            <a:r>
+              <a:rPr lang="en-US" dirty="0">
+                <a:solidFill>
+                  <a:srgbClr val="EBEBEB"/>
+                </a:solidFill>
+              </a:rPr>
+              <a:t>Feedback</a:t>
+            </a:r>
+          </a:p>
+        </p:txBody>
+      </p:sp>
     </p:spTree>
     <p:extLst>
       <p:ext uri="{BB962C8B-B14F-4D97-AF65-F5344CB8AC3E}">

--- a/Praesentation/Praesentation_Diplomarbeit_FeedbackApp.pptx
+++ b/Praesentation/Praesentation_Diplomarbeit_FeedbackApp.pptx
@@ -3276,7 +3276,7 @@
             <a:pPr rtl="0"/>
             <a:fld id="{960672BD-261C-4EDC-9C5E-C246835120E7}" type="datetime1">
               <a:rPr lang="de-DE" smtClean="0"/>
-              <a:t>04.10.2022</a:t>
+              <a:t>05.10.2022</a:t>
             </a:fld>
             <a:endParaRPr lang="de-DE" dirty="0"/>
           </a:p>
@@ -3446,7 +3446,7 @@
             <a:pPr rtl="0"/>
             <a:fld id="{6B5664F4-ABD2-4F09-9758-D36145E15169}" type="datetime1">
               <a:rPr lang="de-DE" smtClean="0"/>
-              <a:t>04.10.2022</a:t>
+              <a:t>05.10.2022</a:t>
             </a:fld>
             <a:endParaRPr lang="de-DE" dirty="0"/>
           </a:p>
@@ -4289,7 +4289,7 @@
           <a:p>
             <a:fld id="{B87E5856-A753-4E39-9244-0500201B2094}" type="datetimeFigureOut">
               <a:rPr lang="de-DE" smtClean="0"/>
-              <a:t>04.10.2022</a:t>
+              <a:t>05.10.2022</a:t>
             </a:fld>
             <a:endParaRPr lang="de-DE"/>
           </a:p>
@@ -4589,7 +4589,7 @@
             <a:pPr rtl="0"/>
             <a:fld id="{8C96ADC6-BDC4-42FB-97FB-DA73ECD9CEE8}" type="datetime1">
               <a:rPr lang="de-DE" smtClean="0"/>
-              <a:t>04.10.2022</a:t>
+              <a:t>05.10.2022</a:t>
             </a:fld>
             <a:endParaRPr lang="de-DE" dirty="0"/>
           </a:p>
@@ -4885,7 +4885,7 @@
             <a:pPr rtl="0"/>
             <a:fld id="{8C96ADC6-BDC4-42FB-97FB-DA73ECD9CEE8}" type="datetime1">
               <a:rPr lang="de-DE" smtClean="0"/>
-              <a:t>04.10.2022</a:t>
+              <a:t>05.10.2022</a:t>
             </a:fld>
             <a:endParaRPr lang="de-DE" dirty="0"/>
           </a:p>
@@ -5100,7 +5100,7 @@
             <a:pPr rtl="0"/>
             <a:fld id="{8C96ADC6-BDC4-42FB-97FB-DA73ECD9CEE8}" type="datetime1">
               <a:rPr lang="de-DE" smtClean="0"/>
-              <a:t>04.10.2022</a:t>
+              <a:t>05.10.2022</a:t>
             </a:fld>
             <a:endParaRPr lang="de-DE" dirty="0"/>
           </a:p>
@@ -5394,7 +5394,7 @@
             <a:pPr rtl="0"/>
             <a:fld id="{8C96ADC6-BDC4-42FB-97FB-DA73ECD9CEE8}" type="datetime1">
               <a:rPr lang="de-DE" smtClean="0"/>
-              <a:t>04.10.2022</a:t>
+              <a:t>05.10.2022</a:t>
             </a:fld>
             <a:endParaRPr lang="de-DE" dirty="0"/>
           </a:p>
@@ -5756,7 +5756,7 @@
             <a:pPr rtl="0"/>
             <a:fld id="{8C96ADC6-BDC4-42FB-97FB-DA73ECD9CEE8}" type="datetime1">
               <a:rPr lang="de-DE" smtClean="0"/>
-              <a:t>04.10.2022</a:t>
+              <a:t>05.10.2022</a:t>
             </a:fld>
             <a:endParaRPr lang="de-DE" dirty="0"/>
           </a:p>
@@ -6400,7 +6400,7 @@
             <a:pPr rtl="0"/>
             <a:fld id="{8C96ADC6-BDC4-42FB-97FB-DA73ECD9CEE8}" type="datetime1">
               <a:rPr lang="de-DE" smtClean="0"/>
-              <a:t>04.10.2022</a:t>
+              <a:t>05.10.2022</a:t>
             </a:fld>
             <a:endParaRPr lang="de-DE" dirty="0"/>
           </a:p>
@@ -7281,7 +7281,7 @@
             <a:pPr rtl="0"/>
             <a:fld id="{8C96ADC6-BDC4-42FB-97FB-DA73ECD9CEE8}" type="datetime1">
               <a:rPr lang="de-DE" smtClean="0"/>
-              <a:t>04.10.2022</a:t>
+              <a:t>05.10.2022</a:t>
             </a:fld>
             <a:endParaRPr lang="de-DE" dirty="0"/>
           </a:p>
@@ -7472,7 +7472,7 @@
             <a:pPr rtl="0"/>
             <a:fld id="{6D86D372-411D-4B4E-9C3F-27EFF2F8BE1E}" type="datetime1">
               <a:rPr lang="de-DE" smtClean="0"/>
-              <a:t>04.10.2022</a:t>
+              <a:t>05.10.2022</a:t>
             </a:fld>
             <a:endParaRPr lang="de-DE" dirty="0"/>
           </a:p>
@@ -7671,7 +7671,7 @@
             <a:pPr rtl="0"/>
             <a:fld id="{E326EB1D-CBBF-438D-A188-239583155CD5}" type="datetime1">
               <a:rPr lang="de-DE" smtClean="0"/>
-              <a:t>04.10.2022</a:t>
+              <a:t>05.10.2022</a:t>
             </a:fld>
             <a:endParaRPr lang="de-DE" dirty="0"/>
           </a:p>
@@ -8147,7 +8147,7 @@
           <a:p>
             <a:fld id="{4AAD347D-5ACD-4C99-B74B-A9C85AD731AF}" type="datetimeFigureOut">
               <a:rPr lang="en-US" smtClean="0"/>
-              <a:t>10/4/2022</a:t>
+              <a:t>10/5/2022</a:t>
             </a:fld>
             <a:endParaRPr lang="en-US" dirty="0"/>
           </a:p>
@@ -8383,7 +8383,7 @@
             <a:pPr rtl="0"/>
             <a:fld id="{0158FB9A-9055-4D91-A8D6-422B1A47ADD6}" type="datetime1">
               <a:rPr lang="de-DE" smtClean="0"/>
-              <a:t>04.10.2022</a:t>
+              <a:t>05.10.2022</a:t>
             </a:fld>
             <a:endParaRPr lang="de-DE" dirty="0"/>
           </a:p>
@@ -8649,7 +8649,7 @@
             <a:pPr rtl="0"/>
             <a:fld id="{8C96ADC6-BDC4-42FB-97FB-DA73ECD9CEE8}" type="datetime1">
               <a:rPr lang="de-DE" smtClean="0"/>
-              <a:t>04.10.2022</a:t>
+              <a:t>05.10.2022</a:t>
             </a:fld>
             <a:endParaRPr lang="de-DE" dirty="0"/>
           </a:p>
@@ -8962,7 +8962,7 @@
             <a:pPr rtl="0"/>
             <a:fld id="{F3AD2B2A-001E-4204-A9F7-ADB62FDFB3C2}" type="datetime1">
               <a:rPr lang="de-DE" smtClean="0"/>
-              <a:t>04.10.2022</a:t>
+              <a:t>05.10.2022</a:t>
             </a:fld>
             <a:endParaRPr lang="de-DE" dirty="0"/>
           </a:p>
@@ -9425,7 +9425,7 @@
             <a:pPr rtl="0"/>
             <a:fld id="{D0598511-F564-4313-9C85-1BB6BF3D8A32}" type="datetime1">
               <a:rPr lang="de-DE" smtClean="0"/>
-              <a:t>04.10.2022</a:t>
+              <a:t>05.10.2022</a:t>
             </a:fld>
             <a:endParaRPr lang="de-DE" dirty="0"/>
           </a:p>
@@ -9562,7 +9562,7 @@
             <a:pPr rtl="0"/>
             <a:fld id="{2E8B8011-CBA9-4FB0-934D-C2F23F0053DB}" type="datetime1">
               <a:rPr lang="de-DE" smtClean="0"/>
-              <a:t>04.10.2022</a:t>
+              <a:t>05.10.2022</a:t>
             </a:fld>
             <a:endParaRPr lang="de-DE" dirty="0"/>
           </a:p>
@@ -9675,7 +9675,7 @@
           <a:p>
             <a:fld id="{4509A250-FF31-4206-8172-F9D3106AACB1}" type="datetimeFigureOut">
               <a:rPr lang="en-US" smtClean="0"/>
-              <a:t>10/4/2022</a:t>
+              <a:t>10/5/2022</a:t>
             </a:fld>
             <a:endParaRPr lang="en-US" dirty="0"/>
           </a:p>
@@ -9967,7 +9967,7 @@
             <a:pPr rtl="0"/>
             <a:fld id="{8C96ADC6-BDC4-42FB-97FB-DA73ECD9CEE8}" type="datetime1">
               <a:rPr lang="de-DE" smtClean="0"/>
-              <a:t>04.10.2022</a:t>
+              <a:t>05.10.2022</a:t>
             </a:fld>
             <a:endParaRPr lang="de-DE" dirty="0"/>
           </a:p>
@@ -10216,7 +10216,7 @@
           <a:p>
             <a:fld id="{B87E5856-A753-4E39-9244-0500201B2094}" type="datetimeFigureOut">
               <a:rPr lang="de-DE" smtClean="0"/>
-              <a:t>04.10.2022</a:t>
+              <a:t>05.10.2022</a:t>
             </a:fld>
             <a:endParaRPr lang="de-DE"/>
           </a:p>
@@ -10986,7 +10986,7 @@
           <a:p>
             <a:fld id="{B87E5856-A753-4E39-9244-0500201B2094}" type="datetimeFigureOut">
               <a:rPr lang="de-DE" smtClean="0"/>
-              <a:t>04.10.2022</a:t>
+              <a:t>05.10.2022</a:t>
             </a:fld>
             <a:endParaRPr lang="de-DE"/>
           </a:p>
@@ -16231,7 +16231,7 @@
 </file>
 
 <file path=ppt/slides/slide4.xml><?xml version="1.0" encoding="utf-8"?>
-<p:sld xmlns:a="http://schemas.openxmlformats.org/drawingml/2006/main" xmlns:r="http://schemas.openxmlformats.org/officeDocument/2006/relationships" xmlns:p="http://schemas.openxmlformats.org/presentationml/2006/main">
+<p:sld xmlns:a="http://schemas.openxmlformats.org/drawingml/2006/main" xmlns:r="http://schemas.openxmlformats.org/officeDocument/2006/relationships" xmlns:p="http://schemas.openxmlformats.org/presentationml/2006/main" show="0">
   <p:cSld>
     <p:bg>
       <p:bgPr>
@@ -17025,13 +17025,13 @@
   <p:clrMapOvr>
     <a:masterClrMapping/>
   </p:clrMapOvr>
-  <mc:AlternateContent xmlns:mc="http://schemas.openxmlformats.org/markup-compatibility/2006" xmlns:p14="http://schemas.microsoft.com/office/powerpoint/2010/main">
-    <mc:Choice Requires="p14">
+  <mc:AlternateContent xmlns:mc="http://schemas.openxmlformats.org/markup-compatibility/2006">
+    <mc:Choice xmlns:p14="http://schemas.microsoft.com/office/powerpoint/2010/main" Requires="p14">
       <p:transition spd="med" p14:dur="700">
         <p:fade/>
       </p:transition>
     </mc:Choice>
-    <mc:Fallback xmlns="">
+    <mc:Fallback>
       <p:transition spd="med">
         <p:fade/>
       </p:transition>
@@ -22748,6 +22748,21 @@
 </file>
 
 <file path=customXml/item1.xml><?xml version="1.0" encoding="utf-8"?>
+<p:properties xmlns:p="http://schemas.microsoft.com/office/2006/metadata/properties" xmlns:xsi="http://www.w3.org/2001/XMLSchema-instance" xmlns:pc="http://schemas.microsoft.com/office/infopath/2007/PartnerControls">
+  <documentManagement/>
+</p:properties>
+</file>
+
+<file path=customXml/item2.xml><?xml version="1.0" encoding="utf-8"?>
+<?mso-contentType ?>
+<FormTemplates xmlns="http://schemas.microsoft.com/sharepoint/v3/contenttype/forms">
+  <Display>DocumentLibraryForm</Display>
+  <Edit>DocumentLibraryForm</Edit>
+  <New>DocumentLibraryForm</New>
+</FormTemplates>
+</file>
+
+<file path=customXml/item3.xml><?xml version="1.0" encoding="utf-8"?>
 <ct:contentTypeSchema xmlns:ct="http://schemas.microsoft.com/office/2006/metadata/contentType" xmlns:ma="http://schemas.microsoft.com/office/2006/metadata/properties/metaAttributes" ct:_="" ma:_="" ma:contentTypeName="Dokument" ma:contentTypeID="0x0101003161FBA43846B24690115DE574444E4E" ma:contentTypeVersion="10" ma:contentTypeDescription="Ein neues Dokument erstellen." ma:contentTypeScope="" ma:versionID="999b196e4815c992936bed290d0d194d">
   <xsd:schema xmlns:xsd="http://www.w3.org/2001/XMLSchema" xmlns:xs="http://www.w3.org/2001/XMLSchema" xmlns:p="http://schemas.microsoft.com/office/2006/metadata/properties" xmlns:ns2="f581d864-f4ae-4996-b10e-5704e6ea6f98" xmlns:ns3="df9d0cc3-8501-4250-b29d-5e763eaa127b" targetNamespace="http://schemas.microsoft.com/office/2006/metadata/properties" ma:root="true" ma:fieldsID="9033028cf5159cbe3bc9662918773bd8" ns2:_="" ns3:_="">
     <xsd:import namespace="f581d864-f4ae-4996-b10e-5704e6ea6f98"/>
@@ -22950,22 +22965,24 @@
 </ct:contentTypeSchema>
 </file>
 
-<file path=customXml/item2.xml><?xml version="1.0" encoding="utf-8"?>
-<?mso-contentType ?>
-<FormTemplates xmlns="http://schemas.microsoft.com/sharepoint/v3/contenttype/forms">
-  <Display>DocumentLibraryForm</Display>
-  <Edit>DocumentLibraryForm</Edit>
-  <New>DocumentLibraryForm</New>
-</FormTemplates>
+<file path=customXml/itemProps1.xml><?xml version="1.0" encoding="utf-8"?>
+<ds:datastoreItem xmlns:ds="http://schemas.openxmlformats.org/officeDocument/2006/customXml" ds:itemID="{6492A244-2B11-4662-8AA3-E9F9D3C860BF}">
+  <ds:schemaRefs>
+    <ds:schemaRef ds:uri="http://schemas.microsoft.com/office/2006/metadata/properties"/>
+    <ds:schemaRef ds:uri="http://schemas.microsoft.com/office/infopath/2007/PartnerControls"/>
+  </ds:schemaRefs>
+</ds:datastoreItem>
 </file>
 
-<file path=customXml/item3.xml><?xml version="1.0" encoding="utf-8"?>
-<p:properties xmlns:p="http://schemas.microsoft.com/office/2006/metadata/properties" xmlns:xsi="http://www.w3.org/2001/XMLSchema-instance" xmlns:pc="http://schemas.microsoft.com/office/infopath/2007/PartnerControls">
-  <documentManagement/>
-</p:properties>
+<file path=customXml/itemProps2.xml><?xml version="1.0" encoding="utf-8"?>
+<ds:datastoreItem xmlns:ds="http://schemas.openxmlformats.org/officeDocument/2006/customXml" ds:itemID="{CABBB144-4EC6-4CAC-9DFF-5A887873067D}">
+  <ds:schemaRefs>
+    <ds:schemaRef ds:uri="http://schemas.microsoft.com/sharepoint/v3/contenttype/forms"/>
+  </ds:schemaRefs>
+</ds:datastoreItem>
 </file>
 
-<file path=customXml/itemProps1.xml><?xml version="1.0" encoding="utf-8"?>
+<file path=customXml/itemProps3.xml><?xml version="1.0" encoding="utf-8"?>
 <ds:datastoreItem xmlns:ds="http://schemas.openxmlformats.org/officeDocument/2006/customXml" ds:itemID="{F56981B1-4A5E-41F1-8549-5686037138FA}">
   <ds:schemaRefs>
     <ds:schemaRef ds:uri="http://schemas.microsoft.com/office/2006/metadata/contentType"/>
@@ -22982,21 +22999,4 @@
     <ds:schemaRef ds:uri="http://schemas.microsoft.com/internal/obd"/>
   </ds:schemaRefs>
 </ds:datastoreItem>
-</file>
-
-<file path=customXml/itemProps2.xml><?xml version="1.0" encoding="utf-8"?>
-<ds:datastoreItem xmlns:ds="http://schemas.openxmlformats.org/officeDocument/2006/customXml" ds:itemID="{CABBB144-4EC6-4CAC-9DFF-5A887873067D}">
-  <ds:schemaRefs>
-    <ds:schemaRef ds:uri="http://schemas.microsoft.com/sharepoint/v3/contenttype/forms"/>
-  </ds:schemaRefs>
-</ds:datastoreItem>
-</file>
-
-<file path=customXml/itemProps3.xml><?xml version="1.0" encoding="utf-8"?>
-<ds:datastoreItem xmlns:ds="http://schemas.openxmlformats.org/officeDocument/2006/customXml" ds:itemID="{6492A244-2B11-4662-8AA3-E9F9D3C860BF}">
-  <ds:schemaRefs>
-    <ds:schemaRef ds:uri="http://schemas.microsoft.com/office/2006/metadata/properties"/>
-    <ds:schemaRef ds:uri="http://schemas.microsoft.com/office/infopath/2007/PartnerControls"/>
-  </ds:schemaRefs>
-</ds:datastoreItem>
 </file>
--- a/Praesentation/Praesentation_Diplomarbeit_FeedbackApp.pptx
+++ b/Praesentation/Praesentation_Diplomarbeit_FeedbackApp.pptx
@@ -16454,12 +16454,12 @@
               </a:lnSpc>
             </a:pPr>
             <a:r>
-              <a:rPr lang="de-DE" sz="2800" dirty="0">
+              <a:rPr lang="de-DE" sz="2800">
                 <a:solidFill>
                   <a:srgbClr val="FFFFFF"/>
                 </a:solidFill>
               </a:rPr>
-              <a:t>Accountmanagement</a:t>
+              <a:t>Web API</a:t>
             </a:r>
             <a:endParaRPr lang="de-AT" sz="2800" dirty="0">
               <a:solidFill>
